--- a/final/GDV - Finale Präsentation V0.9.pptx
+++ b/final/GDV - Finale Präsentation V0.9.pptx
@@ -10,34 +10,35 @@
     <p:sldId id="258" r:id="rId4"/>
     <p:sldId id="267" r:id="rId5"/>
     <p:sldId id="268" r:id="rId6"/>
-    <p:sldId id="271" r:id="rId7"/>
-    <p:sldId id="270" r:id="rId8"/>
-    <p:sldId id="273" r:id="rId9"/>
-    <p:sldId id="274" r:id="rId10"/>
-    <p:sldId id="275" r:id="rId11"/>
-    <p:sldId id="276" r:id="rId12"/>
-    <p:sldId id="277" r:id="rId13"/>
-    <p:sldId id="278" r:id="rId14"/>
-    <p:sldId id="279" r:id="rId15"/>
-    <p:sldId id="280" r:id="rId16"/>
-    <p:sldId id="281" r:id="rId17"/>
-    <p:sldId id="282" r:id="rId18"/>
-    <p:sldId id="284" r:id="rId19"/>
-    <p:sldId id="283" r:id="rId20"/>
-    <p:sldId id="285" r:id="rId21"/>
-    <p:sldId id="260" r:id="rId22"/>
-    <p:sldId id="286" r:id="rId23"/>
-    <p:sldId id="287" r:id="rId24"/>
-    <p:sldId id="288" r:id="rId25"/>
-    <p:sldId id="289" r:id="rId26"/>
-    <p:sldId id="290" r:id="rId27"/>
-    <p:sldId id="291" r:id="rId28"/>
-    <p:sldId id="292" r:id="rId29"/>
-    <p:sldId id="293" r:id="rId30"/>
-    <p:sldId id="294" r:id="rId31"/>
-    <p:sldId id="295" r:id="rId32"/>
-    <p:sldId id="296" r:id="rId33"/>
-    <p:sldId id="272" r:id="rId34"/>
+    <p:sldId id="297" r:id="rId7"/>
+    <p:sldId id="271" r:id="rId8"/>
+    <p:sldId id="270" r:id="rId9"/>
+    <p:sldId id="273" r:id="rId10"/>
+    <p:sldId id="274" r:id="rId11"/>
+    <p:sldId id="275" r:id="rId12"/>
+    <p:sldId id="276" r:id="rId13"/>
+    <p:sldId id="277" r:id="rId14"/>
+    <p:sldId id="278" r:id="rId15"/>
+    <p:sldId id="279" r:id="rId16"/>
+    <p:sldId id="280" r:id="rId17"/>
+    <p:sldId id="281" r:id="rId18"/>
+    <p:sldId id="282" r:id="rId19"/>
+    <p:sldId id="284" r:id="rId20"/>
+    <p:sldId id="283" r:id="rId21"/>
+    <p:sldId id="285" r:id="rId22"/>
+    <p:sldId id="260" r:id="rId23"/>
+    <p:sldId id="286" r:id="rId24"/>
+    <p:sldId id="287" r:id="rId25"/>
+    <p:sldId id="288" r:id="rId26"/>
+    <p:sldId id="289" r:id="rId27"/>
+    <p:sldId id="290" r:id="rId28"/>
+    <p:sldId id="291" r:id="rId29"/>
+    <p:sldId id="292" r:id="rId30"/>
+    <p:sldId id="293" r:id="rId31"/>
+    <p:sldId id="294" r:id="rId32"/>
+    <p:sldId id="295" r:id="rId33"/>
+    <p:sldId id="296" r:id="rId34"/>
+    <p:sldId id="272" r:id="rId35"/>
   </p:sldIdLst>
   <p:sldSz cx="12192000" cy="6858000"/>
   <p:notesSz cx="6858000" cy="9144000"/>
@@ -138,7 +139,7 @@
   </p:defaultTextStyle>
   <p:extLst>
     <p:ext uri="{EFAFB233-063F-42B5-8137-9DF3F51BA10A}">
-      <p15:sldGuideLst xmlns:p15="http://schemas.microsoft.com/office/powerpoint/2012/main" xmlns="">
+      <p15:sldGuideLst xmlns="" xmlns:p15="http://schemas.microsoft.com/office/powerpoint/2012/main">
         <p15:guide id="1" orient="horz" pos="2160">
           <p15:clr>
             <a:srgbClr val="A4A3A4"/>
@@ -3755,16 +3756,12 @@
               <a:rPr lang="de-DE" dirty="0" smtClean="0"/>
             </a:br>
             <a:r>
+              <a:rPr lang="de-DE" sz="3200" dirty="0" smtClean="0"/>
+              <a:t>Power </a:t>
+            </a:r>
+            <a:r>
               <a:rPr lang="de-DE" sz="3200" dirty="0" err="1" smtClean="0"/>
-              <a:t>Collision</a:t>
-            </a:r>
-            <a:r>
-              <a:rPr lang="de-DE" sz="3200" dirty="0" smtClean="0"/>
-              <a:t> </a:t>
-            </a:r>
-            <a:r>
-              <a:rPr lang="de-DE" sz="3200" dirty="0" err="1" smtClean="0"/>
-              <a:t>Detection</a:t>
+              <a:t>Ups</a:t>
             </a:r>
             <a:endParaRPr lang="de-DE" sz="3200" dirty="0"/>
           </a:p>
@@ -3795,15 +3792,20 @@
             <a:pPr algn="just"/>
             <a:r>
               <a:rPr lang="de-DE" dirty="0" smtClean="0"/>
-              <a:t>Hauptproblem</a:t>
+              <a:t>Endergebnis</a:t>
             </a:r>
           </a:p>
           <a:p>
             <a:pPr lvl="1" algn="just"/>
             <a:r>
               <a:rPr lang="de-DE" dirty="0" smtClean="0"/>
-              <a:t>Keine „soliden“ Wände</a:t>
-            </a:r>
+              <a:t>Nur ein Einziges Power </a:t>
+            </a:r>
+            <a:r>
+              <a:rPr lang="de-DE" dirty="0" err="1" smtClean="0"/>
+              <a:t>Up</a:t>
+            </a:r>
+            <a:endParaRPr lang="de-DE" dirty="0" smtClean="0"/>
           </a:p>
         </p:txBody>
       </p:sp>
@@ -4010,15 +4012,34 @@
             <a:pPr algn="just"/>
             <a:r>
               <a:rPr lang="de-DE" sz="2400" dirty="0" smtClean="0"/>
-              <a:t>Problem</a:t>
+              <a:t>Lösung</a:t>
             </a:r>
           </a:p>
           <a:p>
             <a:pPr lvl="1" algn="just"/>
             <a:r>
               <a:rPr lang="de-DE" sz="2000" dirty="0" smtClean="0"/>
-              <a:t>Fahrzeug fährt durch die „offensichtliche“ Grenze.</a:t>
-            </a:r>
+              <a:t>Wegen neuem Konzept</a:t>
+            </a:r>
+          </a:p>
+          <a:p>
+            <a:pPr lvl="1" algn="just"/>
+            <a:r>
+              <a:rPr lang="de-DE" sz="2000" dirty="0" smtClean="0"/>
+              <a:t>Gegen die Zeit</a:t>
+            </a:r>
+          </a:p>
+          <a:p>
+            <a:pPr lvl="1" algn="just"/>
+            <a:r>
+              <a:rPr lang="de-DE" sz="2000" dirty="0" smtClean="0"/>
+              <a:t>Nur noch das Speed-Power </a:t>
+            </a:r>
+            <a:r>
+              <a:rPr lang="de-DE" sz="2000" dirty="0" err="1" smtClean="0"/>
+              <a:t>Up</a:t>
+            </a:r>
+            <a:endParaRPr lang="de-DE" sz="1600" dirty="0" smtClean="0"/>
           </a:p>
         </p:txBody>
       </p:sp>
@@ -4089,7 +4110,15 @@
             </a:r>
             <a:r>
               <a:rPr lang="de-DE" dirty="0" smtClean="0"/>
-              <a:t> Bild – „Fahrzeug“ fährt durch Wand</a:t>
+              <a:t> Bild – Speed-Power </a:t>
+            </a:r>
+            <a:r>
+              <a:rPr lang="de-DE" dirty="0" err="1" smtClean="0"/>
+              <a:t>Up</a:t>
+            </a:r>
+            <a:r>
+              <a:rPr lang="de-DE" dirty="0" smtClean="0"/>
+              <a:t> in Aktion</a:t>
             </a:r>
             <a:endParaRPr lang="de-DE" dirty="0"/>
           </a:p>
@@ -4098,7 +4127,7 @@
     </p:spTree>
     <p:extLst>
       <p:ext uri="{BB962C8B-B14F-4D97-AF65-F5344CB8AC3E}">
-        <p14:creationId xmlns:p14="http://schemas.microsoft.com/office/powerpoint/2010/main" val="748917962"/>
+        <p14:creationId xmlns:p14="http://schemas.microsoft.com/office/powerpoint/2010/main" val="4272078257"/>
       </p:ext>
     </p:extLst>
   </p:cSld>
@@ -4195,14 +4224,14 @@
             <a:pPr algn="just"/>
             <a:r>
               <a:rPr lang="de-DE" dirty="0" smtClean="0"/>
-              <a:t>Endergebnis</a:t>
+              <a:t>Hauptproblem</a:t>
             </a:r>
           </a:p>
           <a:p>
             <a:pPr lvl="1" algn="just"/>
             <a:r>
               <a:rPr lang="de-DE" dirty="0" smtClean="0"/>
-              <a:t>„Gummi“-Wand</a:t>
+              <a:t>Keine „soliden“ Wände</a:t>
             </a:r>
           </a:p>
         </p:txBody>
@@ -4218,7 +4247,7 @@
         <p:spPr bwMode="auto">
           <a:xfrm>
             <a:off x="7806519" y="2711197"/>
-            <a:ext cx="4012441" cy="3669440"/>
+            <a:ext cx="4012441" cy="2474951"/>
           </a:xfrm>
           <a:prstGeom prst="rect">
             <a:avLst/>
@@ -4410,23 +4439,15 @@
             <a:pPr algn="just"/>
             <a:r>
               <a:rPr lang="de-DE" sz="2400" dirty="0" smtClean="0"/>
-              <a:t>Lösung</a:t>
+              <a:t>Problem</a:t>
             </a:r>
           </a:p>
           <a:p>
             <a:pPr lvl="1" algn="just"/>
             <a:r>
               <a:rPr lang="de-DE" sz="2000" dirty="0" smtClean="0"/>
-              <a:t>Wand lässt Fahrzeug zurückfedern</a:t>
-            </a:r>
-          </a:p>
-          <a:p>
-            <a:pPr lvl="1" algn="just"/>
-            <a:endParaRPr lang="de-DE" sz="1400" dirty="0"/>
-          </a:p>
-          <a:p>
-            <a:pPr lvl="1" algn="just"/>
-            <a:endParaRPr lang="de-DE" sz="1400" dirty="0" smtClean="0"/>
+              <a:t>Fahrzeug fährt durch die „offensichtliche“ Grenze.</a:t>
+            </a:r>
           </a:p>
         </p:txBody>
       </p:sp>
@@ -4478,7 +4499,7 @@
         <p:spPr>
           <a:xfrm>
             <a:off x="1460314" y="6387149"/>
-            <a:ext cx="5841238" cy="369332"/>
+            <a:ext cx="3862313" cy="369332"/>
           </a:xfrm>
           <a:prstGeom prst="rect">
             <a:avLst/>
@@ -4497,7 +4518,7 @@
             </a:r>
             <a:r>
               <a:rPr lang="de-DE" dirty="0" smtClean="0"/>
-              <a:t> Bild – „Fahrzeug“ wird zurückgeworfen</a:t>
+              <a:t> Bild – „Fahrzeug“ fährt durch Wand</a:t>
             </a:r>
             <a:endParaRPr lang="de-DE" dirty="0"/>
           </a:p>
@@ -4506,7 +4527,7 @@
     </p:spTree>
     <p:extLst>
       <p:ext uri="{BB962C8B-B14F-4D97-AF65-F5344CB8AC3E}">
-        <p14:creationId xmlns:p14="http://schemas.microsoft.com/office/powerpoint/2010/main" val="2587824926"/>
+        <p14:creationId xmlns:p14="http://schemas.microsoft.com/office/powerpoint/2010/main" val="748917962"/>
       </p:ext>
     </p:extLst>
   </p:cSld>
@@ -4603,14 +4624,14 @@
             <a:pPr algn="just"/>
             <a:r>
               <a:rPr lang="de-DE" dirty="0" smtClean="0"/>
-              <a:t>Neue Probleme</a:t>
+              <a:t>Endergebnis</a:t>
             </a:r>
           </a:p>
           <a:p>
             <a:pPr lvl="1" algn="just"/>
             <a:r>
               <a:rPr lang="de-DE" dirty="0" smtClean="0"/>
-              <a:t>Grafikfehler &amp; „Ghost-Effekt“</a:t>
+              <a:t>„Gummi“-Wand</a:t>
             </a:r>
           </a:p>
         </p:txBody>
@@ -4818,36 +4839,14 @@
             <a:pPr algn="just"/>
             <a:r>
               <a:rPr lang="de-DE" sz="2400" dirty="0" smtClean="0"/>
-              <a:t>Bugs</a:t>
+              <a:t>Lösung</a:t>
             </a:r>
           </a:p>
           <a:p>
             <a:pPr lvl="1" algn="just"/>
             <a:r>
-              <a:rPr lang="de-DE" sz="1600" dirty="0"/>
-              <a:t>Neuer Bug: Bei zu starkem zurückfedern kann Spieler doch durch die Wand fahren</a:t>
-            </a:r>
-          </a:p>
-          <a:p>
-            <a:pPr lvl="1" algn="just"/>
-            <a:endParaRPr lang="de-DE" sz="1600" dirty="0"/>
-          </a:p>
-          <a:p>
-            <a:pPr lvl="1" algn="just"/>
-            <a:r>
-              <a:rPr lang="de-DE" sz="1600" dirty="0"/>
-              <a:t>Neuer Bug: Bei starker Beschleunigung, dringt das Fahrzeug ins Material der Wand ein</a:t>
-            </a:r>
-          </a:p>
-          <a:p>
-            <a:pPr lvl="1" algn="just"/>
-            <a:endParaRPr lang="de-DE" sz="1600" dirty="0"/>
-          </a:p>
-          <a:p>
-            <a:pPr lvl="1" algn="just"/>
-            <a:r>
-              <a:rPr lang="de-DE" sz="1600" dirty="0"/>
-              <a:t>Beide Bugs noch nicht behoben, wegen Zeitmangel und inkompatiblem Code</a:t>
+              <a:rPr lang="de-DE" sz="2000" dirty="0" smtClean="0"/>
+              <a:t>Wand lässt Fahrzeug zurückfedern</a:t>
             </a:r>
           </a:p>
           <a:p>
@@ -4927,7 +4926,7 @@
             </a:r>
             <a:r>
               <a:rPr lang="de-DE" dirty="0" smtClean="0"/>
-              <a:t> Bild – Dennoch durch die Wand &amp; Material Grafik Fehler</a:t>
+              <a:t> Bild – „Fahrzeug“ wird zurückgeworfen</a:t>
             </a:r>
             <a:endParaRPr lang="de-DE" dirty="0"/>
           </a:p>
@@ -4936,7 +4935,7 @@
     </p:spTree>
     <p:extLst>
       <p:ext uri="{BB962C8B-B14F-4D97-AF65-F5344CB8AC3E}">
-        <p14:creationId xmlns:p14="http://schemas.microsoft.com/office/powerpoint/2010/main" val="2601844610"/>
+        <p14:creationId xmlns:p14="http://schemas.microsoft.com/office/powerpoint/2010/main" val="2587824926"/>
       </p:ext>
     </p:extLst>
   </p:cSld>
@@ -4993,8 +4992,16 @@
               <a:rPr lang="de-DE" dirty="0" smtClean="0"/>
             </a:br>
             <a:r>
+              <a:rPr lang="de-DE" sz="3200" dirty="0" err="1" smtClean="0"/>
+              <a:t>Collision</a:t>
+            </a:r>
+            <a:r>
               <a:rPr lang="de-DE" sz="3200" dirty="0" smtClean="0"/>
-              <a:t>Checkpoints</a:t>
+              <a:t> </a:t>
+            </a:r>
+            <a:r>
+              <a:rPr lang="de-DE" sz="3200" dirty="0" err="1" smtClean="0"/>
+              <a:t>Detection</a:t>
             </a:r>
             <a:endParaRPr lang="de-DE" sz="3200" dirty="0"/>
           </a:p>
@@ -5025,14 +5032,14 @@
             <a:pPr algn="just"/>
             <a:r>
               <a:rPr lang="de-DE" dirty="0" smtClean="0"/>
-              <a:t>Hauptproblem</a:t>
+              <a:t>Neue Probleme</a:t>
             </a:r>
           </a:p>
           <a:p>
             <a:pPr lvl="1" algn="just"/>
             <a:r>
               <a:rPr lang="de-DE" dirty="0" smtClean="0"/>
-              <a:t>Checkpoints für Start/Ziel </a:t>
+              <a:t>Grafikfehler &amp; „Ghost-Effekt“</a:t>
             </a:r>
           </a:p>
         </p:txBody>
@@ -5048,7 +5055,7 @@
         <p:spPr bwMode="auto">
           <a:xfrm>
             <a:off x="7806519" y="2711197"/>
-            <a:ext cx="4012441" cy="1587848"/>
+            <a:ext cx="4012441" cy="3669440"/>
           </a:xfrm>
           <a:prstGeom prst="rect">
             <a:avLst/>
@@ -5240,16 +5247,37 @@
             <a:pPr algn="just"/>
             <a:r>
               <a:rPr lang="de-DE" sz="2400" dirty="0" smtClean="0"/>
-              <a:t>Problem</a:t>
+              <a:t>Bugs</a:t>
             </a:r>
           </a:p>
           <a:p>
             <a:pPr lvl="1" algn="just"/>
             <a:r>
-              <a:rPr lang="de-DE" sz="2000" dirty="0" smtClean="0"/>
-              <a:t>Checkpoints reagieren zwar auf Kontakt, werden aber nicht gewertet</a:t>
-            </a:r>
-            <a:endParaRPr lang="de-DE" sz="2000" dirty="0"/>
+              <a:rPr lang="de-DE" sz="1600" dirty="0"/>
+              <a:t>Neuer Bug: Bei zu starkem zurückfedern kann Spieler doch durch die Wand fahren</a:t>
+            </a:r>
+          </a:p>
+          <a:p>
+            <a:pPr lvl="1" algn="just"/>
+            <a:endParaRPr lang="de-DE" sz="1600" dirty="0"/>
+          </a:p>
+          <a:p>
+            <a:pPr lvl="1" algn="just"/>
+            <a:r>
+              <a:rPr lang="de-DE" sz="1600" dirty="0"/>
+              <a:t>Neuer Bug: Bei starker Beschleunigung, dringt das Fahrzeug ins Material der Wand ein</a:t>
+            </a:r>
+          </a:p>
+          <a:p>
+            <a:pPr lvl="1" algn="just"/>
+            <a:endParaRPr lang="de-DE" sz="1600" dirty="0"/>
+          </a:p>
+          <a:p>
+            <a:pPr lvl="1" algn="just"/>
+            <a:r>
+              <a:rPr lang="de-DE" sz="1600" dirty="0"/>
+              <a:t>Beide Bugs noch nicht behoben, wegen Zeitmangel und inkompatiblem Code</a:t>
+            </a:r>
           </a:p>
           <a:p>
             <a:pPr lvl="1" algn="just"/>
@@ -5263,13 +5291,13 @@
       </p:sp>
       <p:pic>
         <p:nvPicPr>
-          <p:cNvPr id="2050" name="Picture 2"/>
+          <p:cNvPr id="2050" name="Picture 2" descr="D:\Nils\Desktop\Tron-Light-Bike-Race.jpg"/>
           <p:cNvPicPr>
             <a:picLocks noChangeAspect="1" noChangeArrowheads="1"/>
           </p:cNvPicPr>
           <p:nvPr/>
         </p:nvPicPr>
-        <p:blipFill>
+        <p:blipFill rotWithShape="1">
           <a:blip r:embed="rId2" cstate="print">
             <a:extLst>
               <a:ext uri="{28A0092B-C50C-407E-A947-70E740481C1C}">
@@ -5277,14 +5305,13 @@
               </a:ext>
             </a:extLst>
           </a:blip>
-          <a:stretch>
-            <a:fillRect/>
-          </a:stretch>
+          <a:srcRect l="6322" r="16490"/>
+          <a:stretch/>
         </p:blipFill>
         <p:spPr bwMode="auto">
           <a:xfrm>
-            <a:off x="1435251" y="3802865"/>
-            <a:ext cx="4965549" cy="2473452"/>
+            <a:off x="1435251" y="3698545"/>
+            <a:ext cx="4965549" cy="2682092"/>
           </a:xfrm>
           <a:prstGeom prst="rect">
             <a:avLst/>
@@ -5324,8 +5351,12 @@
           <a:lstStyle/>
           <a:p>
             <a:r>
-              <a:rPr lang="de-DE" dirty="0" smtClean="0"/>
-              <a:t>Screenshot – Prototyp Checkpoint zum Testen</a:t>
+              <a:rPr lang="de-DE" dirty="0" err="1" smtClean="0"/>
+              <a:t>Gif</a:t>
+            </a:r>
+            <a:r>
+              <a:rPr lang="de-DE" dirty="0" smtClean="0"/>
+              <a:t> Bild – Dennoch durch die Wand &amp; Material Grafik Fehler</a:t>
             </a:r>
             <a:endParaRPr lang="de-DE" dirty="0"/>
           </a:p>
@@ -5334,7 +5365,7 @@
     </p:spTree>
     <p:extLst>
       <p:ext uri="{BB962C8B-B14F-4D97-AF65-F5344CB8AC3E}">
-        <p14:creationId xmlns:p14="http://schemas.microsoft.com/office/powerpoint/2010/main" val="850133919"/>
+        <p14:creationId xmlns:p14="http://schemas.microsoft.com/office/powerpoint/2010/main" val="2601844610"/>
       </p:ext>
     </p:extLst>
   </p:cSld>
@@ -5423,14 +5454,14 @@
             <a:pPr algn="just"/>
             <a:r>
               <a:rPr lang="de-DE" dirty="0" smtClean="0"/>
-              <a:t>Lösung?</a:t>
+              <a:t>Hauptproblem</a:t>
             </a:r>
           </a:p>
           <a:p>
             <a:pPr lvl="1" algn="just"/>
             <a:r>
               <a:rPr lang="de-DE" dirty="0" smtClean="0"/>
-              <a:t>Noch ausstehend…</a:t>
+              <a:t>Checkpoints für Start/Ziel </a:t>
             </a:r>
           </a:p>
         </p:txBody>
@@ -5638,14 +5669,14 @@
             <a:pPr algn="just"/>
             <a:r>
               <a:rPr lang="de-DE" sz="2400" dirty="0" smtClean="0"/>
-              <a:t>Lösung</a:t>
+              <a:t>Problem</a:t>
             </a:r>
           </a:p>
           <a:p>
             <a:pPr lvl="1" algn="just"/>
             <a:r>
               <a:rPr lang="de-DE" sz="2000" dirty="0" smtClean="0"/>
-              <a:t>…</a:t>
+              <a:t>Checkpoints reagieren zwar auf Kontakt, werden aber nicht gewertet</a:t>
             </a:r>
             <a:endParaRPr lang="de-DE" sz="2000" dirty="0"/>
           </a:p>
@@ -5708,7 +5739,7 @@
         <p:spPr>
           <a:xfrm>
             <a:off x="1460314" y="6387149"/>
-            <a:ext cx="5131555" cy="369332"/>
+            <a:ext cx="5841238" cy="369332"/>
           </a:xfrm>
           <a:prstGeom prst="rect">
             <a:avLst/>
@@ -5723,7 +5754,7 @@
           <a:p>
             <a:r>
               <a:rPr lang="de-DE" dirty="0" smtClean="0"/>
-              <a:t>Screenshot – Vogelperspektive des fertigen Levels</a:t>
+              <a:t>Screenshot – Prototyp Checkpoint zum Testen</a:t>
             </a:r>
             <a:endParaRPr lang="de-DE" dirty="0"/>
           </a:p>
@@ -5732,7 +5763,7 @@
     </p:spTree>
     <p:extLst>
       <p:ext uri="{BB962C8B-B14F-4D97-AF65-F5344CB8AC3E}">
-        <p14:creationId xmlns:p14="http://schemas.microsoft.com/office/powerpoint/2010/main" val="1767145185"/>
+        <p14:creationId xmlns:p14="http://schemas.microsoft.com/office/powerpoint/2010/main" val="850133919"/>
       </p:ext>
     </p:extLst>
   </p:cSld>
@@ -5789,8 +5820,8 @@
               <a:rPr lang="de-DE" dirty="0" smtClean="0"/>
             </a:br>
             <a:r>
-              <a:rPr lang="de-DE" sz="3200" dirty="0" err="1" smtClean="0"/>
-              <a:t>Respawn</a:t>
+              <a:rPr lang="de-DE" sz="3200" dirty="0" smtClean="0"/>
+              <a:t>Checkpoints</a:t>
             </a:r>
             <a:endParaRPr lang="de-DE" sz="3200" dirty="0"/>
           </a:p>
@@ -5821,14 +5852,14 @@
             <a:pPr algn="just"/>
             <a:r>
               <a:rPr lang="de-DE" dirty="0" smtClean="0"/>
-              <a:t>Was getan werden soll…</a:t>
+              <a:t>Lösung?</a:t>
             </a:r>
           </a:p>
           <a:p>
             <a:pPr lvl="1" algn="just"/>
             <a:r>
               <a:rPr lang="de-DE" dirty="0" smtClean="0"/>
-              <a:t>Auf Knopfdruck bzw. bei Zerstörung</a:t>
+              <a:t>Noch ausstehend…</a:t>
             </a:r>
           </a:p>
         </p:txBody>
@@ -6036,33 +6067,14 @@
             <a:pPr algn="just"/>
             <a:r>
               <a:rPr lang="de-DE" sz="2400" dirty="0" smtClean="0"/>
-              <a:t>Problem</a:t>
+              <a:t>Lösung</a:t>
             </a:r>
           </a:p>
           <a:p>
             <a:pPr lvl="1" algn="just"/>
             <a:r>
               <a:rPr lang="de-DE" sz="2000" dirty="0" smtClean="0"/>
-              <a:t>Der </a:t>
-            </a:r>
-            <a:r>
-              <a:rPr lang="de-DE" sz="2000" dirty="0" err="1" smtClean="0"/>
-              <a:t>Respawn</a:t>
-            </a:r>
-            <a:r>
-              <a:rPr lang="de-DE" sz="2000" dirty="0" smtClean="0"/>
-              <a:t> funktioniert nicht oder nur halb.</a:t>
-            </a:r>
-          </a:p>
-          <a:p>
-            <a:pPr lvl="1" algn="just"/>
-            <a:r>
-              <a:rPr lang="de-DE" sz="2000" dirty="0" err="1" smtClean="0"/>
-              <a:t>Respawn</a:t>
-            </a:r>
-            <a:r>
-              <a:rPr lang="de-DE" sz="2000" dirty="0" smtClean="0"/>
-              <a:t> auf falscher Position</a:t>
+              <a:t>…</a:t>
             </a:r>
             <a:endParaRPr lang="de-DE" sz="2000" dirty="0"/>
           </a:p>
@@ -6139,20 +6151,8 @@
           <a:lstStyle/>
           <a:p>
             <a:r>
-              <a:rPr lang="de-DE" dirty="0" err="1" smtClean="0"/>
-              <a:t>Gif</a:t>
-            </a:r>
-            <a:r>
-              <a:rPr lang="de-DE" dirty="0" smtClean="0"/>
-              <a:t> – Spieler führt einen </a:t>
-            </a:r>
-            <a:r>
-              <a:rPr lang="de-DE" dirty="0" err="1" smtClean="0"/>
-              <a:t>Respawn</a:t>
-            </a:r>
-            <a:r>
-              <a:rPr lang="de-DE" dirty="0" smtClean="0"/>
-              <a:t> aus</a:t>
+              <a:rPr lang="de-DE" dirty="0" smtClean="0"/>
+              <a:t>Screenshot – Vogelperspektive des fertigen Levels</a:t>
             </a:r>
             <a:endParaRPr lang="de-DE" dirty="0"/>
           </a:p>
@@ -6161,7 +6161,7 @@
     </p:spTree>
     <p:extLst>
       <p:ext uri="{BB962C8B-B14F-4D97-AF65-F5344CB8AC3E}">
-        <p14:creationId xmlns:p14="http://schemas.microsoft.com/office/powerpoint/2010/main" val="2615663998"/>
+        <p14:creationId xmlns:p14="http://schemas.microsoft.com/office/powerpoint/2010/main" val="1767145185"/>
       </p:ext>
     </p:extLst>
   </p:cSld>
@@ -6250,14 +6250,14 @@
             <a:pPr algn="just"/>
             <a:r>
               <a:rPr lang="de-DE" dirty="0" smtClean="0"/>
-              <a:t>Endfunktion</a:t>
+              <a:t>Was getan werden soll…</a:t>
             </a:r>
           </a:p>
           <a:p>
             <a:pPr lvl="1" algn="just"/>
             <a:r>
               <a:rPr lang="de-DE" dirty="0" smtClean="0"/>
-              <a:t>Einsatzfähig</a:t>
+              <a:t>Auf Knopfdruck bzw. bei Zerstörung</a:t>
             </a:r>
           </a:p>
         </p:txBody>
@@ -6273,7 +6273,7 @@
         <p:spPr bwMode="auto">
           <a:xfrm>
             <a:off x="7806519" y="2711197"/>
-            <a:ext cx="4012441" cy="2328394"/>
+            <a:ext cx="4012441" cy="1587848"/>
           </a:xfrm>
           <a:prstGeom prst="rect">
             <a:avLst/>
@@ -6465,38 +6465,33 @@
             <a:pPr algn="just"/>
             <a:r>
               <a:rPr lang="de-DE" sz="2400" dirty="0" smtClean="0"/>
-              <a:t>Lösung</a:t>
+              <a:t>Problem</a:t>
             </a:r>
           </a:p>
           <a:p>
             <a:pPr lvl="1" algn="just"/>
             <a:r>
               <a:rPr lang="de-DE" sz="2000" dirty="0" smtClean="0"/>
-              <a:t>Bei </a:t>
+              <a:t>Der </a:t>
             </a:r>
             <a:r>
               <a:rPr lang="de-DE" sz="2000" dirty="0" err="1" smtClean="0"/>
-              <a:t>betätigung</a:t>
+              <a:t>Respawn</a:t>
             </a:r>
             <a:r>
               <a:rPr lang="de-DE" sz="2000" dirty="0" smtClean="0"/>
-              <a:t> von „R“ wird </a:t>
-            </a:r>
+              <a:t> funktioniert nicht oder nur halb.</a:t>
+            </a:r>
+          </a:p>
+          <a:p>
+            <a:pPr lvl="1" algn="just"/>
             <a:r>
               <a:rPr lang="de-DE" sz="2000" dirty="0" err="1" smtClean="0"/>
-              <a:t>respawnt</a:t>
-            </a:r>
-            <a:endParaRPr lang="de-DE" sz="2000" dirty="0"/>
-          </a:p>
-          <a:p>
-            <a:pPr lvl="1" algn="just"/>
-            <a:endParaRPr lang="de-DE" sz="2000" dirty="0" smtClean="0"/>
-          </a:p>
-          <a:p>
-            <a:pPr lvl="1" algn="just"/>
+              <a:t>Respawn</a:t>
+            </a:r>
             <a:r>
               <a:rPr lang="de-DE" sz="2000" dirty="0" smtClean="0"/>
-              <a:t>Leider nur auf die Anfangsposition</a:t>
+              <a:t> auf falscher Position</a:t>
             </a:r>
             <a:endParaRPr lang="de-DE" sz="2000" dirty="0"/>
           </a:p>
@@ -6595,7 +6590,7 @@
     </p:spTree>
     <p:extLst>
       <p:ext uri="{BB962C8B-B14F-4D97-AF65-F5344CB8AC3E}">
-        <p14:creationId xmlns:p14="http://schemas.microsoft.com/office/powerpoint/2010/main" val="3641270933"/>
+        <p14:creationId xmlns:p14="http://schemas.microsoft.com/office/powerpoint/2010/main" val="2615663998"/>
       </p:ext>
     </p:extLst>
   </p:cSld>
@@ -6653,15 +6648,7 @@
             </a:br>
             <a:r>
               <a:rPr lang="de-DE" sz="3200" dirty="0" err="1" smtClean="0"/>
-              <a:t>Damage</a:t>
-            </a:r>
-            <a:r>
-              <a:rPr lang="de-DE" sz="3200" dirty="0" smtClean="0"/>
-              <a:t> </a:t>
-            </a:r>
-            <a:r>
-              <a:rPr lang="de-DE" sz="3200" dirty="0" err="1" smtClean="0"/>
-              <a:t>Calculation</a:t>
+              <a:t>Respawn</a:t>
             </a:r>
             <a:endParaRPr lang="de-DE" sz="3200" dirty="0"/>
           </a:p>
@@ -6692,18 +6679,14 @@
             <a:pPr algn="just"/>
             <a:r>
               <a:rPr lang="de-DE" dirty="0" smtClean="0"/>
-              <a:t>Hauptproblem</a:t>
+              <a:t>Endfunktion</a:t>
             </a:r>
           </a:p>
           <a:p>
             <a:pPr lvl="1" algn="just"/>
             <a:r>
-              <a:rPr lang="de-DE" dirty="0" err="1" smtClean="0"/>
-              <a:t>Damage</a:t>
-            </a:r>
-            <a:r>
-              <a:rPr lang="de-DE" dirty="0" smtClean="0"/>
-              <a:t> wenn es richtig ist</a:t>
+              <a:rPr lang="de-DE" dirty="0" smtClean="0"/>
+              <a:t>Einsatzfähig</a:t>
             </a:r>
           </a:p>
         </p:txBody>
@@ -6911,29 +6894,38 @@
             <a:pPr algn="just"/>
             <a:r>
               <a:rPr lang="de-DE" sz="2400" dirty="0" smtClean="0"/>
-              <a:t>Problem</a:t>
+              <a:t>Lösung</a:t>
             </a:r>
           </a:p>
           <a:p>
             <a:pPr lvl="1" algn="just"/>
             <a:r>
+              <a:rPr lang="de-DE" sz="2000" dirty="0" smtClean="0"/>
+              <a:t>Bei </a:t>
+            </a:r>
+            <a:r>
               <a:rPr lang="de-DE" sz="2000" dirty="0" err="1" smtClean="0"/>
-              <a:t>Damage</a:t>
+              <a:t>betätigung</a:t>
             </a:r>
             <a:r>
               <a:rPr lang="de-DE" sz="2000" dirty="0" smtClean="0"/>
-              <a:t> bei Zusammenstoß mit der Wand wird nicht registriert</a:t>
-            </a:r>
+              <a:t> von „R“ wird </a:t>
+            </a:r>
+            <a:r>
+              <a:rPr lang="de-DE" sz="2000" dirty="0" err="1" smtClean="0"/>
+              <a:t>respawnt</a:t>
+            </a:r>
+            <a:endParaRPr lang="de-DE" sz="2000" dirty="0"/>
           </a:p>
           <a:p>
             <a:pPr lvl="1" algn="just"/>
-            <a:r>
-              <a:rPr lang="de-DE" sz="2000" dirty="0" err="1" smtClean="0"/>
-              <a:t>Damage</a:t>
-            </a:r>
+            <a:endParaRPr lang="de-DE" sz="2000" dirty="0" smtClean="0"/>
+          </a:p>
+          <a:p>
+            <a:pPr lvl="1" algn="just"/>
             <a:r>
               <a:rPr lang="de-DE" sz="2000" dirty="0" smtClean="0"/>
-              <a:t> zu hoch oder zu niedrig</a:t>
+              <a:t>Leider nur auf die Anfangsposition</a:t>
             </a:r>
             <a:endParaRPr lang="de-DE" sz="2000" dirty="0"/>
           </a:p>
@@ -7015,11 +7007,15 @@
             </a:r>
             <a:r>
               <a:rPr lang="de-DE" dirty="0" smtClean="0"/>
-              <a:t> – Spieler erhält </a:t>
+              <a:t> – Spieler führt einen </a:t>
             </a:r>
             <a:r>
               <a:rPr lang="de-DE" dirty="0" err="1" smtClean="0"/>
-              <a:t>Damage</a:t>
+              <a:t>Respawn</a:t>
+            </a:r>
+            <a:r>
+              <a:rPr lang="de-DE" dirty="0" smtClean="0"/>
+              <a:t> aus</a:t>
             </a:r>
             <a:endParaRPr lang="de-DE" dirty="0"/>
           </a:p>
@@ -7028,7 +7024,7 @@
     </p:spTree>
     <p:extLst>
       <p:ext uri="{BB962C8B-B14F-4D97-AF65-F5344CB8AC3E}">
-        <p14:creationId xmlns:p14="http://schemas.microsoft.com/office/powerpoint/2010/main" val="2721563962"/>
+        <p14:creationId xmlns:p14="http://schemas.microsoft.com/office/powerpoint/2010/main" val="3641270933"/>
       </p:ext>
     </p:extLst>
   </p:cSld>
@@ -7125,7 +7121,7 @@
             <a:pPr algn="just"/>
             <a:r>
               <a:rPr lang="de-DE" dirty="0" smtClean="0"/>
-              <a:t>Lösungen &amp; Ansätze</a:t>
+              <a:t>Hauptproblem</a:t>
             </a:r>
           </a:p>
           <a:p>
@@ -7136,7 +7132,7 @@
             </a:r>
             <a:r>
               <a:rPr lang="de-DE" dirty="0" smtClean="0"/>
-              <a:t> wird verteilt</a:t>
+              <a:t> wenn es richtig ist</a:t>
             </a:r>
           </a:p>
         </p:txBody>
@@ -7344,7 +7340,7 @@
             <a:pPr algn="just"/>
             <a:r>
               <a:rPr lang="de-DE" sz="2400" dirty="0" smtClean="0"/>
-              <a:t>Lösung</a:t>
+              <a:t>Problem</a:t>
             </a:r>
           </a:p>
           <a:p>
@@ -7355,12 +7351,8 @@
             </a:r>
             <a:r>
               <a:rPr lang="de-DE" sz="2000" dirty="0" smtClean="0"/>
-              <a:t> wird zwar gegeben, aber zu häufig</a:t>
-            </a:r>
-          </a:p>
-          <a:p>
-            <a:pPr lvl="1" algn="just"/>
-            <a:endParaRPr lang="de-DE" sz="2000" dirty="0"/>
+              <a:t> bei Zusammenstoß mit der Wand wird nicht registriert</a:t>
+            </a:r>
           </a:p>
           <a:p>
             <a:pPr lvl="1" algn="just"/>
@@ -7370,7 +7362,7 @@
             </a:r>
             <a:r>
               <a:rPr lang="de-DE" sz="2000" dirty="0" smtClean="0"/>
-              <a:t> Höhe wurde reduziert</a:t>
+              <a:t> zu hoch oder zu niedrig</a:t>
             </a:r>
             <a:endParaRPr lang="de-DE" sz="2000" dirty="0"/>
           </a:p>
@@ -7465,7 +7457,7 @@
     </p:spTree>
     <p:extLst>
       <p:ext uri="{BB962C8B-B14F-4D97-AF65-F5344CB8AC3E}">
-        <p14:creationId xmlns:p14="http://schemas.microsoft.com/office/powerpoint/2010/main" val="888652820"/>
+        <p14:creationId xmlns:p14="http://schemas.microsoft.com/office/powerpoint/2010/main" val="2721563962"/>
       </p:ext>
     </p:extLst>
   </p:cSld>
@@ -7522,8 +7514,16 @@
               <a:rPr lang="de-DE" dirty="0" smtClean="0"/>
             </a:br>
             <a:r>
+              <a:rPr lang="de-DE" sz="3200" dirty="0" err="1" smtClean="0"/>
+              <a:t>Damage</a:t>
+            </a:r>
+            <a:r>
               <a:rPr lang="de-DE" sz="3200" dirty="0" smtClean="0"/>
-              <a:t>Kamera</a:t>
+              <a:t> </a:t>
+            </a:r>
+            <a:r>
+              <a:rPr lang="de-DE" sz="3200" dirty="0" err="1" smtClean="0"/>
+              <a:t>Calculation</a:t>
             </a:r>
             <a:endParaRPr lang="de-DE" sz="3200" dirty="0"/>
           </a:p>
@@ -7554,14 +7554,18 @@
             <a:pPr algn="just"/>
             <a:r>
               <a:rPr lang="de-DE" dirty="0" smtClean="0"/>
-              <a:t>Problematik</a:t>
+              <a:t>Lösungen &amp; Ansätze</a:t>
             </a:r>
           </a:p>
           <a:p>
             <a:pPr lvl="1" algn="just"/>
             <a:r>
-              <a:rPr lang="de-DE" dirty="0" smtClean="0"/>
-              <a:t>3rd Person Kamera hinter dem Wagen</a:t>
+              <a:rPr lang="de-DE" dirty="0" err="1" smtClean="0"/>
+              <a:t>Damage</a:t>
+            </a:r>
+            <a:r>
+              <a:rPr lang="de-DE" dirty="0" smtClean="0"/>
+              <a:t> wird verteilt</a:t>
             </a:r>
           </a:p>
         </p:txBody>
@@ -7769,14 +7773,18 @@
             <a:pPr algn="just"/>
             <a:r>
               <a:rPr lang="de-DE" sz="2400" dirty="0" smtClean="0"/>
-              <a:t>Problem</a:t>
+              <a:t>Lösung</a:t>
             </a:r>
           </a:p>
           <a:p>
             <a:pPr lvl="1" algn="just"/>
             <a:r>
+              <a:rPr lang="de-DE" sz="2000" dirty="0" err="1" smtClean="0"/>
+              <a:t>Damage</a:t>
+            </a:r>
+            <a:r>
               <a:rPr lang="de-DE" sz="2000" dirty="0" smtClean="0"/>
-              <a:t>Kamera ist nicht richtig eingestellt</a:t>
+              <a:t> wird zwar gegeben, aber zu häufig</a:t>
             </a:r>
           </a:p>
           <a:p>
@@ -7786,8 +7794,12 @@
           <a:p>
             <a:pPr lvl="1" algn="just"/>
             <a:r>
+              <a:rPr lang="de-DE" sz="2000" dirty="0" err="1" smtClean="0"/>
+              <a:t>Damage</a:t>
+            </a:r>
+            <a:r>
               <a:rPr lang="de-DE" sz="2000" dirty="0" smtClean="0"/>
-              <a:t>Kamera folgt nicht dem Wagen</a:t>
+              <a:t> Höhe wurde reduziert</a:t>
             </a:r>
             <a:endParaRPr lang="de-DE" sz="2000" dirty="0"/>
           </a:p>
@@ -7864,8 +7876,16 @@
           <a:lstStyle/>
           <a:p>
             <a:r>
-              <a:rPr lang="de-DE" dirty="0" smtClean="0"/>
-              <a:t>Screenshot – 3rd Person Kamera View</a:t>
+              <a:rPr lang="de-DE" dirty="0" err="1" smtClean="0"/>
+              <a:t>Gif</a:t>
+            </a:r>
+            <a:r>
+              <a:rPr lang="de-DE" dirty="0" smtClean="0"/>
+              <a:t> – Spieler erhält </a:t>
+            </a:r>
+            <a:r>
+              <a:rPr lang="de-DE" dirty="0" err="1" smtClean="0"/>
+              <a:t>Damage</a:t>
             </a:r>
             <a:endParaRPr lang="de-DE" dirty="0"/>
           </a:p>
@@ -7874,7 +7894,7 @@
     </p:spTree>
     <p:extLst>
       <p:ext uri="{BB962C8B-B14F-4D97-AF65-F5344CB8AC3E}">
-        <p14:creationId xmlns:p14="http://schemas.microsoft.com/office/powerpoint/2010/main" val="3114547157"/>
+        <p14:creationId xmlns:p14="http://schemas.microsoft.com/office/powerpoint/2010/main" val="888652820"/>
       </p:ext>
     </p:extLst>
   </p:cSld>
@@ -7944,12 +7964,12 @@
         <p:spPr>
           <a:xfrm>
             <a:off x="609600" y="2708921"/>
-            <a:ext cx="3512024" cy="3417243"/>
+            <a:ext cx="2870579" cy="3417243"/>
           </a:xfrm>
         </p:spPr>
         <p:txBody>
           <a:bodyPr>
-            <a:normAutofit fontScale="55000" lnSpcReduction="20000"/>
+            <a:noAutofit/>
           </a:bodyPr>
           <a:lstStyle/>
           <a:p>
@@ -7959,8 +7979,12 @@
               </a:lnSpc>
             </a:pPr>
             <a:r>
-              <a:rPr lang="de-DE" dirty="0" smtClean="0"/>
-              <a:t>Das Spiel</a:t>
+              <a:rPr lang="de-DE" sz="1800" dirty="0" smtClean="0"/>
+              <a:t>Das </a:t>
+            </a:r>
+            <a:r>
+              <a:rPr lang="de-DE" sz="1800" dirty="0" smtClean="0"/>
+              <a:t>Spiel</a:t>
             </a:r>
           </a:p>
           <a:p>
@@ -7970,109 +7994,8 @@
               </a:lnSpc>
             </a:pPr>
             <a:r>
-              <a:rPr lang="de-DE" dirty="0" smtClean="0"/>
-              <a:t>Herausforderungen</a:t>
-            </a:r>
-          </a:p>
-          <a:p>
-            <a:pPr lvl="1">
-              <a:lnSpc>
-                <a:spcPct val="150000"/>
-              </a:lnSpc>
-            </a:pPr>
-            <a:r>
-              <a:rPr lang="de-DE" dirty="0" smtClean="0"/>
-              <a:t>Umwelt</a:t>
-            </a:r>
-          </a:p>
-          <a:p>
-            <a:pPr lvl="1">
-              <a:lnSpc>
-                <a:spcPct val="150000"/>
-              </a:lnSpc>
-            </a:pPr>
-            <a:r>
-              <a:rPr lang="de-DE" dirty="0" smtClean="0"/>
-              <a:t>Power </a:t>
-            </a:r>
-            <a:r>
-              <a:rPr lang="de-DE" dirty="0" err="1" smtClean="0"/>
-              <a:t>Ups</a:t>
-            </a:r>
-            <a:endParaRPr lang="de-DE" dirty="0" smtClean="0"/>
-          </a:p>
-          <a:p>
-            <a:pPr lvl="1">
-              <a:lnSpc>
-                <a:spcPct val="150000"/>
-              </a:lnSpc>
-            </a:pPr>
-            <a:r>
-              <a:rPr lang="de-DE" dirty="0" err="1"/>
-              <a:t>Collision</a:t>
-            </a:r>
-            <a:r>
-              <a:rPr lang="de-DE" dirty="0"/>
-              <a:t> </a:t>
-            </a:r>
-            <a:r>
-              <a:rPr lang="de-DE" dirty="0" err="1" smtClean="0"/>
-              <a:t>Detection</a:t>
-            </a:r>
-            <a:endParaRPr lang="de-DE" dirty="0" smtClean="0"/>
-          </a:p>
-          <a:p>
-            <a:pPr lvl="1">
-              <a:lnSpc>
-                <a:spcPct val="150000"/>
-              </a:lnSpc>
-            </a:pPr>
-            <a:r>
-              <a:rPr lang="de-DE" dirty="0" smtClean="0"/>
-              <a:t>Checkpoints</a:t>
-            </a:r>
-          </a:p>
-          <a:p>
-            <a:pPr lvl="1">
-              <a:lnSpc>
-                <a:spcPct val="150000"/>
-              </a:lnSpc>
-            </a:pPr>
-            <a:r>
-              <a:rPr lang="de-DE" dirty="0" err="1" smtClean="0"/>
-              <a:t>Respawn</a:t>
-            </a:r>
-            <a:endParaRPr lang="de-DE" dirty="0" smtClean="0"/>
-          </a:p>
-          <a:p>
-            <a:pPr lvl="1">
-              <a:lnSpc>
-                <a:spcPct val="150000"/>
-              </a:lnSpc>
-            </a:pPr>
-            <a:r>
-              <a:rPr lang="de-DE" dirty="0" err="1" smtClean="0"/>
-              <a:t>Damage</a:t>
-            </a:r>
-            <a:r>
-              <a:rPr lang="de-DE" dirty="0" smtClean="0"/>
-              <a:t> </a:t>
-            </a:r>
-            <a:r>
-              <a:rPr lang="de-DE" dirty="0" err="1" smtClean="0"/>
-              <a:t>Calculation</a:t>
-            </a:r>
-            <a:endParaRPr lang="de-DE" dirty="0" smtClean="0"/>
-          </a:p>
-          <a:p>
-            <a:pPr lvl="1">
-              <a:lnSpc>
-                <a:spcPct val="150000"/>
-              </a:lnSpc>
-            </a:pPr>
-            <a:r>
-              <a:rPr lang="de-DE" dirty="0" smtClean="0"/>
-              <a:t>Kamera</a:t>
+              <a:rPr lang="de-DE" sz="1800" dirty="0" smtClean="0"/>
+              <a:t>Code &amp; Erläuterung</a:t>
             </a:r>
           </a:p>
         </p:txBody>
@@ -8087,7 +8010,7 @@
         </p:nvSpPr>
         <p:spPr bwMode="auto">
           <a:xfrm>
-            <a:off x="4185212" y="2661636"/>
+            <a:off x="6926239" y="2661636"/>
             <a:ext cx="4236915" cy="3417243"/>
           </a:xfrm>
           <a:prstGeom prst="rect">
@@ -8318,6 +8241,320 @@
               <a:t>Anhang</a:t>
             </a:r>
             <a:endParaRPr lang="de-DE" sz="1800" dirty="0"/>
+          </a:p>
+        </p:txBody>
+      </p:sp>
+      <p:sp>
+        <p:nvSpPr>
+          <p:cNvPr id="5" name="Inhaltsplatzhalter 2"/>
+          <p:cNvSpPr txBox="1">
+            <a:spLocks/>
+          </p:cNvSpPr>
+          <p:nvPr/>
+        </p:nvSpPr>
+        <p:spPr bwMode="auto">
+          <a:xfrm>
+            <a:off x="3414215" y="2661636"/>
+            <a:ext cx="3512024" cy="3417243"/>
+          </a:xfrm>
+          <a:prstGeom prst="rect">
+            <a:avLst/>
+          </a:prstGeom>
+          <a:noFill/>
+          <a:ln>
+            <a:noFill/>
+          </a:ln>
+          <a:extLst>
+            <a:ext uri="{909E8E84-426E-40DD-AFC4-6F175D3DCCD1}">
+              <a14:hiddenFill xmlns:a14="http://schemas.microsoft.com/office/drawing/2010/main">
+                <a:solidFill>
+                  <a:srgbClr val="FFFFFF"/>
+                </a:solidFill>
+              </a14:hiddenFill>
+            </a:ext>
+            <a:ext uri="{91240B29-F687-4F45-9708-019B960494DF}">
+              <a14:hiddenLine xmlns:a14="http://schemas.microsoft.com/office/drawing/2010/main" w="9525">
+                <a:solidFill>
+                  <a:srgbClr val="000000"/>
+                </a:solidFill>
+                <a:miter lim="800000"/>
+                <a:headEnd/>
+                <a:tailEnd/>
+              </a14:hiddenLine>
+            </a:ext>
+          </a:extLst>
+        </p:spPr>
+        <p:txBody>
+          <a:bodyPr vert="horz" wrap="square" lIns="91440" tIns="45720" rIns="91440" bIns="45720" numCol="1" anchor="t" anchorCtr="0" compatLnSpc="1">
+            <a:prstTxWarp prst="textNoShape">
+              <a:avLst/>
+            </a:prstTxWarp>
+            <a:noAutofit/>
+          </a:bodyPr>
+          <a:lstStyle>
+            <a:lvl1pPr marL="342900" indent="-342900" algn="l" rtl="0" eaLnBrk="1" fontAlgn="base" hangingPunct="1">
+              <a:spcBef>
+                <a:spcPct val="20000"/>
+              </a:spcBef>
+              <a:spcAft>
+                <a:spcPct val="0"/>
+              </a:spcAft>
+              <a:buFont typeface="Arial" charset="0"/>
+              <a:buChar char="•"/>
+              <a:defRPr sz="3200" kern="1200">
+                <a:solidFill>
+                  <a:schemeClr val="tx1"/>
+                </a:solidFill>
+                <a:latin typeface="+mn-lt"/>
+                <a:ea typeface="+mn-ea"/>
+                <a:cs typeface="+mn-cs"/>
+              </a:defRPr>
+            </a:lvl1pPr>
+            <a:lvl2pPr marL="742950" indent="-285750" algn="l" rtl="0" eaLnBrk="1" fontAlgn="base" hangingPunct="1">
+              <a:spcBef>
+                <a:spcPct val="20000"/>
+              </a:spcBef>
+              <a:spcAft>
+                <a:spcPct val="0"/>
+              </a:spcAft>
+              <a:buFont typeface="Arial" charset="0"/>
+              <a:buChar char="–"/>
+              <a:defRPr sz="2800" kern="1200">
+                <a:solidFill>
+                  <a:schemeClr val="tx1"/>
+                </a:solidFill>
+                <a:latin typeface="+mn-lt"/>
+                <a:ea typeface="+mn-ea"/>
+                <a:cs typeface="+mn-cs"/>
+              </a:defRPr>
+            </a:lvl2pPr>
+            <a:lvl3pPr marL="1143000" indent="-228600" algn="l" rtl="0" eaLnBrk="1" fontAlgn="base" hangingPunct="1">
+              <a:spcBef>
+                <a:spcPct val="20000"/>
+              </a:spcBef>
+              <a:spcAft>
+                <a:spcPct val="0"/>
+              </a:spcAft>
+              <a:buFont typeface="Arial" charset="0"/>
+              <a:buChar char="•"/>
+              <a:defRPr sz="2400" kern="1200">
+                <a:solidFill>
+                  <a:schemeClr val="tx1"/>
+                </a:solidFill>
+                <a:latin typeface="+mn-lt"/>
+                <a:ea typeface="+mn-ea"/>
+                <a:cs typeface="+mn-cs"/>
+              </a:defRPr>
+            </a:lvl3pPr>
+            <a:lvl4pPr marL="1600200" indent="-228600" algn="l" rtl="0" eaLnBrk="1" fontAlgn="base" hangingPunct="1">
+              <a:spcBef>
+                <a:spcPct val="20000"/>
+              </a:spcBef>
+              <a:spcAft>
+                <a:spcPct val="0"/>
+              </a:spcAft>
+              <a:buFont typeface="Arial" charset="0"/>
+              <a:buChar char="–"/>
+              <a:defRPr sz="2000" kern="1200">
+                <a:solidFill>
+                  <a:schemeClr val="tx1"/>
+                </a:solidFill>
+                <a:latin typeface="+mn-lt"/>
+                <a:ea typeface="+mn-ea"/>
+                <a:cs typeface="+mn-cs"/>
+              </a:defRPr>
+            </a:lvl4pPr>
+            <a:lvl5pPr marL="2057400" indent="-228600" algn="l" rtl="0" eaLnBrk="1" fontAlgn="base" hangingPunct="1">
+              <a:spcBef>
+                <a:spcPct val="20000"/>
+              </a:spcBef>
+              <a:spcAft>
+                <a:spcPct val="0"/>
+              </a:spcAft>
+              <a:buFont typeface="Arial" charset="0"/>
+              <a:buChar char="»"/>
+              <a:defRPr sz="2000" kern="1200">
+                <a:solidFill>
+                  <a:schemeClr val="tx1"/>
+                </a:solidFill>
+                <a:latin typeface="+mn-lt"/>
+                <a:ea typeface="+mn-ea"/>
+                <a:cs typeface="+mn-cs"/>
+              </a:defRPr>
+            </a:lvl5pPr>
+            <a:lvl6pPr marL="2514600" indent="-228600" algn="l" defTabSz="914400" rtl="0" eaLnBrk="1" latinLnBrk="0" hangingPunct="1">
+              <a:spcBef>
+                <a:spcPct val="20000"/>
+              </a:spcBef>
+              <a:buFont typeface="Arial" pitchFamily="34" charset="0"/>
+              <a:buChar char="•"/>
+              <a:defRPr sz="2000" kern="1200">
+                <a:solidFill>
+                  <a:schemeClr val="tx1"/>
+                </a:solidFill>
+                <a:latin typeface="+mn-lt"/>
+                <a:ea typeface="+mn-ea"/>
+                <a:cs typeface="+mn-cs"/>
+              </a:defRPr>
+            </a:lvl6pPr>
+            <a:lvl7pPr marL="2971800" indent="-228600" algn="l" defTabSz="914400" rtl="0" eaLnBrk="1" latinLnBrk="0" hangingPunct="1">
+              <a:spcBef>
+                <a:spcPct val="20000"/>
+              </a:spcBef>
+              <a:buFont typeface="Arial" pitchFamily="34" charset="0"/>
+              <a:buChar char="•"/>
+              <a:defRPr sz="2000" kern="1200">
+                <a:solidFill>
+                  <a:schemeClr val="tx1"/>
+                </a:solidFill>
+                <a:latin typeface="+mn-lt"/>
+                <a:ea typeface="+mn-ea"/>
+                <a:cs typeface="+mn-cs"/>
+              </a:defRPr>
+            </a:lvl7pPr>
+            <a:lvl8pPr marL="3429000" indent="-228600" algn="l" defTabSz="914400" rtl="0" eaLnBrk="1" latinLnBrk="0" hangingPunct="1">
+              <a:spcBef>
+                <a:spcPct val="20000"/>
+              </a:spcBef>
+              <a:buFont typeface="Arial" pitchFamily="34" charset="0"/>
+              <a:buChar char="•"/>
+              <a:defRPr sz="2000" kern="1200">
+                <a:solidFill>
+                  <a:schemeClr val="tx1"/>
+                </a:solidFill>
+                <a:latin typeface="+mn-lt"/>
+                <a:ea typeface="+mn-ea"/>
+                <a:cs typeface="+mn-cs"/>
+              </a:defRPr>
+            </a:lvl8pPr>
+            <a:lvl9pPr marL="3886200" indent="-228600" algn="l" defTabSz="914400" rtl="0" eaLnBrk="1" latinLnBrk="0" hangingPunct="1">
+              <a:spcBef>
+                <a:spcPct val="20000"/>
+              </a:spcBef>
+              <a:buFont typeface="Arial" pitchFamily="34" charset="0"/>
+              <a:buChar char="•"/>
+              <a:defRPr sz="2000" kern="1200">
+                <a:solidFill>
+                  <a:schemeClr val="tx1"/>
+                </a:solidFill>
+                <a:latin typeface="+mn-lt"/>
+                <a:ea typeface="+mn-ea"/>
+                <a:cs typeface="+mn-cs"/>
+              </a:defRPr>
+            </a:lvl9pPr>
+          </a:lstStyle>
+          <a:p>
+            <a:pPr>
+              <a:lnSpc>
+                <a:spcPct val="150000"/>
+              </a:lnSpc>
+            </a:pPr>
+            <a:r>
+              <a:rPr lang="de-DE" sz="2000" dirty="0" smtClean="0"/>
+              <a:t>Herausforderungen</a:t>
+            </a:r>
+          </a:p>
+          <a:p>
+            <a:pPr lvl="1">
+              <a:lnSpc>
+                <a:spcPct val="150000"/>
+              </a:lnSpc>
+            </a:pPr>
+            <a:r>
+              <a:rPr lang="de-DE" sz="1800" dirty="0" smtClean="0"/>
+              <a:t>Umwelt</a:t>
+            </a:r>
+          </a:p>
+          <a:p>
+            <a:pPr lvl="1">
+              <a:lnSpc>
+                <a:spcPct val="150000"/>
+              </a:lnSpc>
+            </a:pPr>
+            <a:r>
+              <a:rPr lang="de-DE" sz="1800" dirty="0" smtClean="0"/>
+              <a:t>Power </a:t>
+            </a:r>
+            <a:r>
+              <a:rPr lang="de-DE" sz="1800" dirty="0" err="1" smtClean="0"/>
+              <a:t>Ups</a:t>
+            </a:r>
+            <a:endParaRPr lang="de-DE" sz="1800" dirty="0" smtClean="0"/>
+          </a:p>
+          <a:p>
+            <a:pPr lvl="1">
+              <a:lnSpc>
+                <a:spcPct val="150000"/>
+              </a:lnSpc>
+            </a:pPr>
+            <a:r>
+              <a:rPr lang="de-DE" sz="1800" dirty="0" err="1" smtClean="0"/>
+              <a:t>Collision</a:t>
+            </a:r>
+            <a:r>
+              <a:rPr lang="de-DE" sz="1800" dirty="0" smtClean="0"/>
+              <a:t> </a:t>
+            </a:r>
+            <a:r>
+              <a:rPr lang="de-DE" sz="1800" dirty="0" err="1" smtClean="0"/>
+              <a:t>Detection</a:t>
+            </a:r>
+            <a:endParaRPr lang="de-DE" sz="1800" dirty="0" smtClean="0"/>
+          </a:p>
+          <a:p>
+            <a:pPr lvl="1">
+              <a:lnSpc>
+                <a:spcPct val="150000"/>
+              </a:lnSpc>
+            </a:pPr>
+            <a:r>
+              <a:rPr lang="de-DE" sz="1800" dirty="0" smtClean="0"/>
+              <a:t>Checkpoints</a:t>
+            </a:r>
+          </a:p>
+          <a:p>
+            <a:pPr lvl="1">
+              <a:lnSpc>
+                <a:spcPct val="150000"/>
+              </a:lnSpc>
+            </a:pPr>
+            <a:r>
+              <a:rPr lang="de-DE" sz="1800" dirty="0" err="1" smtClean="0"/>
+              <a:t>Respawn</a:t>
+            </a:r>
+            <a:endParaRPr lang="de-DE" sz="1800" dirty="0" smtClean="0"/>
+          </a:p>
+          <a:p>
+            <a:pPr lvl="1">
+              <a:lnSpc>
+                <a:spcPct val="150000"/>
+              </a:lnSpc>
+            </a:pPr>
+            <a:r>
+              <a:rPr lang="de-DE" sz="1800" dirty="0" err="1" smtClean="0"/>
+              <a:t>Damage</a:t>
+            </a:r>
+            <a:r>
+              <a:rPr lang="de-DE" sz="1800" dirty="0" smtClean="0"/>
+              <a:t> </a:t>
+            </a:r>
+            <a:r>
+              <a:rPr lang="de-DE" sz="1800" dirty="0" err="1" smtClean="0"/>
+              <a:t>Calculation</a:t>
+            </a:r>
+            <a:endParaRPr lang="de-DE" sz="1800" dirty="0" smtClean="0"/>
+          </a:p>
+          <a:p>
+            <a:pPr lvl="1">
+              <a:lnSpc>
+                <a:spcPct val="150000"/>
+              </a:lnSpc>
+            </a:pPr>
+            <a:r>
+              <a:rPr lang="de-DE" sz="1800" dirty="0" smtClean="0"/>
+              <a:t>Kamera</a:t>
+            </a:r>
+            <a:endParaRPr lang="de-DE" sz="1800" dirty="0" smtClean="0"/>
           </a:p>
         </p:txBody>
       </p:sp>
@@ -8413,14 +8650,14 @@
             <a:pPr algn="just"/>
             <a:r>
               <a:rPr lang="de-DE" dirty="0" smtClean="0"/>
-              <a:t>Die Lösung</a:t>
+              <a:t>Problematik</a:t>
             </a:r>
           </a:p>
           <a:p>
             <a:pPr lvl="1" algn="just"/>
             <a:r>
               <a:rPr lang="de-DE" dirty="0" smtClean="0"/>
-              <a:t>Relativ einfache Problematik</a:t>
+              <a:t>3rd Person Kamera hinter dem Wagen</a:t>
             </a:r>
           </a:p>
         </p:txBody>
@@ -8436,7 +8673,7 @@
         <p:spPr bwMode="auto">
           <a:xfrm>
             <a:off x="7806519" y="2711197"/>
-            <a:ext cx="4012441" cy="1164197"/>
+            <a:ext cx="4012441" cy="2328394"/>
           </a:xfrm>
           <a:prstGeom prst="rect">
             <a:avLst/>
@@ -8628,14 +8865,25 @@
             <a:pPr algn="just"/>
             <a:r>
               <a:rPr lang="de-DE" sz="2400" dirty="0" smtClean="0"/>
-              <a:t>Lösung</a:t>
+              <a:t>Problem</a:t>
             </a:r>
           </a:p>
           <a:p>
             <a:pPr lvl="1" algn="just"/>
             <a:r>
               <a:rPr lang="de-DE" sz="2000" dirty="0" smtClean="0"/>
-              <a:t>Eine Codezeile genügte um es zu richten.</a:t>
+              <a:t>Kamera ist nicht richtig eingestellt</a:t>
+            </a:r>
+          </a:p>
+          <a:p>
+            <a:pPr lvl="1" algn="just"/>
+            <a:endParaRPr lang="de-DE" sz="2000" dirty="0"/>
+          </a:p>
+          <a:p>
+            <a:pPr lvl="1" algn="just"/>
+            <a:r>
+              <a:rPr lang="de-DE" sz="2000" dirty="0" smtClean="0"/>
+              <a:t>Kamera folgt nicht dem Wagen</a:t>
             </a:r>
             <a:endParaRPr lang="de-DE" sz="2000" dirty="0"/>
           </a:p>
@@ -8698,6 +8946,404 @@
         <p:spPr>
           <a:xfrm>
             <a:off x="1460314" y="6387149"/>
+            <a:ext cx="5131555" cy="369332"/>
+          </a:xfrm>
+          <a:prstGeom prst="rect">
+            <a:avLst/>
+          </a:prstGeom>
+          <a:noFill/>
+        </p:spPr>
+        <p:txBody>
+          <a:bodyPr wrap="square" rtlCol="0">
+            <a:spAutoFit/>
+          </a:bodyPr>
+          <a:lstStyle/>
+          <a:p>
+            <a:r>
+              <a:rPr lang="de-DE" dirty="0" smtClean="0"/>
+              <a:t>Screenshot – 3rd Person Kamera View</a:t>
+            </a:r>
+            <a:endParaRPr lang="de-DE" dirty="0"/>
+          </a:p>
+        </p:txBody>
+      </p:sp>
+    </p:spTree>
+    <p:extLst>
+      <p:ext uri="{BB962C8B-B14F-4D97-AF65-F5344CB8AC3E}">
+        <p14:creationId xmlns:p14="http://schemas.microsoft.com/office/powerpoint/2010/main" val="3114547157"/>
+      </p:ext>
+    </p:extLst>
+  </p:cSld>
+  <p:clrMapOvr>
+    <a:masterClrMapping/>
+  </p:clrMapOvr>
+  <p:timing>
+    <p:tnLst>
+      <p:par>
+        <p:cTn id="1" dur="indefinite" restart="never" nodeType="tmRoot"/>
+      </p:par>
+    </p:tnLst>
+  </p:timing>
+</p:sld>
+</file>
+
+<file path=ppt/slides/slide21.xml><?xml version="1.0" encoding="utf-8"?>
+<p:sld xmlns:a="http://schemas.openxmlformats.org/drawingml/2006/main" xmlns:r="http://schemas.openxmlformats.org/officeDocument/2006/relationships" xmlns:p="http://schemas.openxmlformats.org/presentationml/2006/main">
+  <p:cSld>
+    <p:spTree>
+      <p:nvGrpSpPr>
+        <p:cNvPr id="1" name=""/>
+        <p:cNvGrpSpPr/>
+        <p:nvPr/>
+      </p:nvGrpSpPr>
+      <p:grpSpPr>
+        <a:xfrm>
+          <a:off x="0" y="0"/>
+          <a:ext cx="0" cy="0"/>
+          <a:chOff x="0" y="0"/>
+          <a:chExt cx="0" cy="0"/>
+        </a:xfrm>
+      </p:grpSpPr>
+      <p:sp>
+        <p:nvSpPr>
+          <p:cNvPr id="2" name="Titel 1"/>
+          <p:cNvSpPr>
+            <a:spLocks noGrp="1"/>
+          </p:cNvSpPr>
+          <p:nvPr>
+            <p:ph type="title"/>
+          </p:nvPr>
+        </p:nvSpPr>
+        <p:spPr/>
+        <p:txBody>
+          <a:bodyPr/>
+          <a:lstStyle/>
+          <a:p>
+            <a:r>
+              <a:rPr lang="de-DE" dirty="0" smtClean="0"/>
+              <a:t>Herausforderungen</a:t>
+            </a:r>
+            <a:br>
+              <a:rPr lang="de-DE" dirty="0" smtClean="0"/>
+            </a:br>
+            <a:r>
+              <a:rPr lang="de-DE" sz="3200" dirty="0" smtClean="0"/>
+              <a:t>Kamera</a:t>
+            </a:r>
+            <a:endParaRPr lang="de-DE" sz="3200" dirty="0"/>
+          </a:p>
+        </p:txBody>
+      </p:sp>
+      <p:sp>
+        <p:nvSpPr>
+          <p:cNvPr id="3" name="Inhaltsplatzhalter 2"/>
+          <p:cNvSpPr>
+            <a:spLocks noGrp="1"/>
+          </p:cNvSpPr>
+          <p:nvPr>
+            <p:ph idx="1"/>
+          </p:nvPr>
+        </p:nvSpPr>
+        <p:spPr>
+          <a:xfrm>
+            <a:off x="978090" y="2586094"/>
+            <a:ext cx="6787486" cy="1289872"/>
+          </a:xfrm>
+        </p:spPr>
+        <p:txBody>
+          <a:bodyPr>
+            <a:normAutofit/>
+          </a:bodyPr>
+          <a:lstStyle/>
+          <a:p>
+            <a:pPr algn="just"/>
+            <a:r>
+              <a:rPr lang="de-DE" dirty="0" smtClean="0"/>
+              <a:t>Die Lösung</a:t>
+            </a:r>
+          </a:p>
+          <a:p>
+            <a:pPr lvl="1" algn="just"/>
+            <a:r>
+              <a:rPr lang="de-DE" dirty="0" smtClean="0"/>
+              <a:t>Relativ einfache Problematik</a:t>
+            </a:r>
+          </a:p>
+        </p:txBody>
+      </p:sp>
+      <p:sp>
+        <p:nvSpPr>
+          <p:cNvPr id="4" name="Inhaltsplatzhalter 2"/>
+          <p:cNvSpPr txBox="1">
+            <a:spLocks/>
+          </p:cNvSpPr>
+          <p:nvPr/>
+        </p:nvSpPr>
+        <p:spPr bwMode="auto">
+          <a:xfrm>
+            <a:off x="7806519" y="2711197"/>
+            <a:ext cx="4012441" cy="1164197"/>
+          </a:xfrm>
+          <a:prstGeom prst="rect">
+            <a:avLst/>
+          </a:prstGeom>
+          <a:noFill/>
+          <a:ln>
+            <a:noFill/>
+          </a:ln>
+          <a:extLst>
+            <a:ext uri="{909E8E84-426E-40DD-AFC4-6F175D3DCCD1}">
+              <a14:hiddenFill xmlns:a14="http://schemas.microsoft.com/office/drawing/2010/main">
+                <a:solidFill>
+                  <a:srgbClr val="FFFFFF"/>
+                </a:solidFill>
+              </a14:hiddenFill>
+            </a:ext>
+            <a:ext uri="{91240B29-F687-4F45-9708-019B960494DF}">
+              <a14:hiddenLine xmlns:a14="http://schemas.microsoft.com/office/drawing/2010/main" w="9525">
+                <a:solidFill>
+                  <a:srgbClr val="000000"/>
+                </a:solidFill>
+                <a:miter lim="800000"/>
+                <a:headEnd/>
+                <a:tailEnd/>
+              </a14:hiddenLine>
+            </a:ext>
+          </a:extLst>
+        </p:spPr>
+        <p:txBody>
+          <a:bodyPr vert="horz" wrap="square" lIns="91440" tIns="45720" rIns="91440" bIns="45720" numCol="1" anchor="t" anchorCtr="0" compatLnSpc="1">
+            <a:prstTxWarp prst="textNoShape">
+              <a:avLst/>
+            </a:prstTxWarp>
+            <a:noAutofit/>
+          </a:bodyPr>
+          <a:lstStyle>
+            <a:lvl1pPr marL="342900" indent="-342900" algn="l" rtl="0" eaLnBrk="1" fontAlgn="base" hangingPunct="1">
+              <a:spcBef>
+                <a:spcPct val="20000"/>
+              </a:spcBef>
+              <a:spcAft>
+                <a:spcPct val="0"/>
+              </a:spcAft>
+              <a:buFont typeface="Arial" charset="0"/>
+              <a:buChar char="•"/>
+              <a:defRPr sz="3200" kern="1200">
+                <a:solidFill>
+                  <a:schemeClr val="tx1"/>
+                </a:solidFill>
+                <a:latin typeface="+mn-lt"/>
+                <a:ea typeface="+mn-ea"/>
+                <a:cs typeface="+mn-cs"/>
+              </a:defRPr>
+            </a:lvl1pPr>
+            <a:lvl2pPr marL="742950" indent="-285750" algn="l" rtl="0" eaLnBrk="1" fontAlgn="base" hangingPunct="1">
+              <a:spcBef>
+                <a:spcPct val="20000"/>
+              </a:spcBef>
+              <a:spcAft>
+                <a:spcPct val="0"/>
+              </a:spcAft>
+              <a:buFont typeface="Arial" charset="0"/>
+              <a:buChar char="–"/>
+              <a:defRPr sz="2800" kern="1200">
+                <a:solidFill>
+                  <a:schemeClr val="tx1"/>
+                </a:solidFill>
+                <a:latin typeface="+mn-lt"/>
+                <a:ea typeface="+mn-ea"/>
+                <a:cs typeface="+mn-cs"/>
+              </a:defRPr>
+            </a:lvl2pPr>
+            <a:lvl3pPr marL="1143000" indent="-228600" algn="l" rtl="0" eaLnBrk="1" fontAlgn="base" hangingPunct="1">
+              <a:spcBef>
+                <a:spcPct val="20000"/>
+              </a:spcBef>
+              <a:spcAft>
+                <a:spcPct val="0"/>
+              </a:spcAft>
+              <a:buFont typeface="Arial" charset="0"/>
+              <a:buChar char="•"/>
+              <a:defRPr sz="2400" kern="1200">
+                <a:solidFill>
+                  <a:schemeClr val="tx1"/>
+                </a:solidFill>
+                <a:latin typeface="+mn-lt"/>
+                <a:ea typeface="+mn-ea"/>
+                <a:cs typeface="+mn-cs"/>
+              </a:defRPr>
+            </a:lvl3pPr>
+            <a:lvl4pPr marL="1600200" indent="-228600" algn="l" rtl="0" eaLnBrk="1" fontAlgn="base" hangingPunct="1">
+              <a:spcBef>
+                <a:spcPct val="20000"/>
+              </a:spcBef>
+              <a:spcAft>
+                <a:spcPct val="0"/>
+              </a:spcAft>
+              <a:buFont typeface="Arial" charset="0"/>
+              <a:buChar char="–"/>
+              <a:defRPr sz="2000" kern="1200">
+                <a:solidFill>
+                  <a:schemeClr val="tx1"/>
+                </a:solidFill>
+                <a:latin typeface="+mn-lt"/>
+                <a:ea typeface="+mn-ea"/>
+                <a:cs typeface="+mn-cs"/>
+              </a:defRPr>
+            </a:lvl4pPr>
+            <a:lvl5pPr marL="2057400" indent="-228600" algn="l" rtl="0" eaLnBrk="1" fontAlgn="base" hangingPunct="1">
+              <a:spcBef>
+                <a:spcPct val="20000"/>
+              </a:spcBef>
+              <a:spcAft>
+                <a:spcPct val="0"/>
+              </a:spcAft>
+              <a:buFont typeface="Arial" charset="0"/>
+              <a:buChar char="»"/>
+              <a:defRPr sz="2000" kern="1200">
+                <a:solidFill>
+                  <a:schemeClr val="tx1"/>
+                </a:solidFill>
+                <a:latin typeface="+mn-lt"/>
+                <a:ea typeface="+mn-ea"/>
+                <a:cs typeface="+mn-cs"/>
+              </a:defRPr>
+            </a:lvl5pPr>
+            <a:lvl6pPr marL="2514600" indent="-228600" algn="l" defTabSz="914400" rtl="0" eaLnBrk="1" latinLnBrk="0" hangingPunct="1">
+              <a:spcBef>
+                <a:spcPct val="20000"/>
+              </a:spcBef>
+              <a:buFont typeface="Arial" pitchFamily="34" charset="0"/>
+              <a:buChar char="•"/>
+              <a:defRPr sz="2000" kern="1200">
+                <a:solidFill>
+                  <a:schemeClr val="tx1"/>
+                </a:solidFill>
+                <a:latin typeface="+mn-lt"/>
+                <a:ea typeface="+mn-ea"/>
+                <a:cs typeface="+mn-cs"/>
+              </a:defRPr>
+            </a:lvl6pPr>
+            <a:lvl7pPr marL="2971800" indent="-228600" algn="l" defTabSz="914400" rtl="0" eaLnBrk="1" latinLnBrk="0" hangingPunct="1">
+              <a:spcBef>
+                <a:spcPct val="20000"/>
+              </a:spcBef>
+              <a:buFont typeface="Arial" pitchFamily="34" charset="0"/>
+              <a:buChar char="•"/>
+              <a:defRPr sz="2000" kern="1200">
+                <a:solidFill>
+                  <a:schemeClr val="tx1"/>
+                </a:solidFill>
+                <a:latin typeface="+mn-lt"/>
+                <a:ea typeface="+mn-ea"/>
+                <a:cs typeface="+mn-cs"/>
+              </a:defRPr>
+            </a:lvl7pPr>
+            <a:lvl8pPr marL="3429000" indent="-228600" algn="l" defTabSz="914400" rtl="0" eaLnBrk="1" latinLnBrk="0" hangingPunct="1">
+              <a:spcBef>
+                <a:spcPct val="20000"/>
+              </a:spcBef>
+              <a:buFont typeface="Arial" pitchFamily="34" charset="0"/>
+              <a:buChar char="•"/>
+              <a:defRPr sz="2000" kern="1200">
+                <a:solidFill>
+                  <a:schemeClr val="tx1"/>
+                </a:solidFill>
+                <a:latin typeface="+mn-lt"/>
+                <a:ea typeface="+mn-ea"/>
+                <a:cs typeface="+mn-cs"/>
+              </a:defRPr>
+            </a:lvl8pPr>
+            <a:lvl9pPr marL="3886200" indent="-228600" algn="l" defTabSz="914400" rtl="0" eaLnBrk="1" latinLnBrk="0" hangingPunct="1">
+              <a:spcBef>
+                <a:spcPct val="20000"/>
+              </a:spcBef>
+              <a:buFont typeface="Arial" pitchFamily="34" charset="0"/>
+              <a:buChar char="•"/>
+              <a:defRPr sz="2000" kern="1200">
+                <a:solidFill>
+                  <a:schemeClr val="tx1"/>
+                </a:solidFill>
+                <a:latin typeface="+mn-lt"/>
+                <a:ea typeface="+mn-ea"/>
+                <a:cs typeface="+mn-cs"/>
+              </a:defRPr>
+            </a:lvl9pPr>
+          </a:lstStyle>
+          <a:p>
+            <a:pPr algn="just"/>
+            <a:r>
+              <a:rPr lang="de-DE" sz="2400" dirty="0" smtClean="0"/>
+              <a:t>Lösung</a:t>
+            </a:r>
+          </a:p>
+          <a:p>
+            <a:pPr lvl="1" algn="just"/>
+            <a:r>
+              <a:rPr lang="de-DE" sz="2000" dirty="0" smtClean="0"/>
+              <a:t>Eine Codezeile genügte um es zu richten.</a:t>
+            </a:r>
+            <a:endParaRPr lang="de-DE" sz="2000" dirty="0"/>
+          </a:p>
+          <a:p>
+            <a:pPr lvl="1" algn="just"/>
+            <a:endParaRPr lang="de-DE" sz="1400" dirty="0"/>
+          </a:p>
+          <a:p>
+            <a:pPr lvl="1" algn="just"/>
+            <a:endParaRPr lang="de-DE" sz="1400" dirty="0" smtClean="0"/>
+          </a:p>
+        </p:txBody>
+      </p:sp>
+      <p:pic>
+        <p:nvPicPr>
+          <p:cNvPr id="2050" name="Picture 2"/>
+          <p:cNvPicPr>
+            <a:picLocks noChangeAspect="1" noChangeArrowheads="1"/>
+          </p:cNvPicPr>
+          <p:nvPr/>
+        </p:nvPicPr>
+        <p:blipFill>
+          <a:blip r:embed="rId2" cstate="print">
+            <a:extLst>
+              <a:ext uri="{28A0092B-C50C-407E-A947-70E740481C1C}">
+                <a14:useLocalDpi xmlns:a14="http://schemas.microsoft.com/office/drawing/2010/main" val="0"/>
+              </a:ext>
+            </a:extLst>
+          </a:blip>
+          <a:stretch>
+            <a:fillRect/>
+          </a:stretch>
+        </p:blipFill>
+        <p:spPr bwMode="auto">
+          <a:xfrm>
+            <a:off x="1435251" y="3802865"/>
+            <a:ext cx="4965549" cy="2473452"/>
+          </a:xfrm>
+          <a:prstGeom prst="rect">
+            <a:avLst/>
+          </a:prstGeom>
+          <a:noFill/>
+          <a:extLst>
+            <a:ext uri="{909E8E84-426E-40DD-AFC4-6F175D3DCCD1}">
+              <a14:hiddenFill xmlns:a14="http://schemas.microsoft.com/office/drawing/2010/main">
+                <a:solidFill>
+                  <a:srgbClr val="FFFFFF"/>
+                </a:solidFill>
+              </a14:hiddenFill>
+            </a:ext>
+          </a:extLst>
+        </p:spPr>
+      </p:pic>
+      <p:sp>
+        <p:nvSpPr>
+          <p:cNvPr id="6" name="Textfeld 5"/>
+          <p:cNvSpPr txBox="1"/>
+          <p:nvPr/>
+        </p:nvSpPr>
+        <p:spPr>
+          <a:xfrm>
+            <a:off x="1460314" y="6387149"/>
             <a:ext cx="3671244" cy="369332"/>
           </a:xfrm>
           <a:prstGeom prst="rect">
@@ -8813,7 +9459,7 @@
 </p:sld>
 </file>
 
-<file path=ppt/slides/slide21.xml><?xml version="1.0" encoding="utf-8"?>
+<file path=ppt/slides/slide22.xml><?xml version="1.0" encoding="utf-8"?>
 <p:sld xmlns:a="http://schemas.openxmlformats.org/drawingml/2006/main" xmlns:r="http://schemas.openxmlformats.org/officeDocument/2006/relationships" xmlns:p="http://schemas.openxmlformats.org/presentationml/2006/main">
   <p:cSld>
     <p:spTree>
@@ -8942,7 +9588,7 @@
 </p:sld>
 </file>
 
-<file path=ppt/slides/slide22.xml><?xml version="1.0" encoding="utf-8"?>
+<file path=ppt/slides/slide23.xml><?xml version="1.0" encoding="utf-8"?>
 <p:sld xmlns:a="http://schemas.openxmlformats.org/drawingml/2006/main" xmlns:r="http://schemas.openxmlformats.org/officeDocument/2006/relationships" xmlns:p="http://schemas.openxmlformats.org/presentationml/2006/main">
   <p:cSld>
     <p:spTree>
@@ -9424,138 +10070,6 @@
 </p:sld>
 </file>
 
-<file path=ppt/slides/slide23.xml><?xml version="1.0" encoding="utf-8"?>
-<p:sld xmlns:a="http://schemas.openxmlformats.org/drawingml/2006/main" xmlns:r="http://schemas.openxmlformats.org/officeDocument/2006/relationships" xmlns:p="http://schemas.openxmlformats.org/presentationml/2006/main">
-  <p:cSld>
-    <p:spTree>
-      <p:nvGrpSpPr>
-        <p:cNvPr id="1" name=""/>
-        <p:cNvGrpSpPr/>
-        <p:nvPr/>
-      </p:nvGrpSpPr>
-      <p:grpSpPr>
-        <a:xfrm>
-          <a:off x="0" y="0"/>
-          <a:ext cx="0" cy="0"/>
-          <a:chOff x="0" y="0"/>
-          <a:chExt cx="0" cy="0"/>
-        </a:xfrm>
-      </p:grpSpPr>
-      <p:sp>
-        <p:nvSpPr>
-          <p:cNvPr id="2" name="Titel 1"/>
-          <p:cNvSpPr>
-            <a:spLocks noGrp="1"/>
-          </p:cNvSpPr>
-          <p:nvPr>
-            <p:ph type="ctrTitle"/>
-          </p:nvPr>
-        </p:nvSpPr>
-        <p:spPr/>
-        <p:txBody>
-          <a:bodyPr/>
-          <a:lstStyle/>
-          <a:p>
-            <a:r>
-              <a:rPr lang="de-DE" dirty="0" smtClean="0"/>
-              <a:t>Anhang : Die Planungspräsentation</a:t>
-            </a:r>
-            <a:br>
-              <a:rPr lang="de-DE" dirty="0" smtClean="0"/>
-            </a:br>
-            <a:r>
-              <a:rPr lang="de-DE" dirty="0" smtClean="0"/>
-              <a:t>GDV- </a:t>
-            </a:r>
-            <a:r>
-              <a:rPr lang="de-DE" dirty="0" smtClean="0"/>
-              <a:t>Das Rennen – Till </a:t>
-            </a:r>
-            <a:r>
-              <a:rPr lang="de-DE" dirty="0" err="1" smtClean="0"/>
-              <a:t>the</a:t>
-            </a:r>
-            <a:r>
-              <a:rPr lang="de-DE" dirty="0" smtClean="0"/>
-              <a:t> </a:t>
-            </a:r>
-            <a:r>
-              <a:rPr lang="de-DE" dirty="0" err="1" smtClean="0"/>
-              <a:t>DeaS</a:t>
-            </a:r>
-            <a:endParaRPr lang="de-DE" dirty="0"/>
-          </a:p>
-        </p:txBody>
-      </p:sp>
-      <p:sp>
-        <p:nvSpPr>
-          <p:cNvPr id="3" name="Untertitel 2"/>
-          <p:cNvSpPr>
-            <a:spLocks noGrp="1"/>
-          </p:cNvSpPr>
-          <p:nvPr>
-            <p:ph type="subTitle" idx="1"/>
-          </p:nvPr>
-        </p:nvSpPr>
-        <p:spPr/>
-        <p:txBody>
-          <a:bodyPr/>
-          <a:lstStyle/>
-          <a:p>
-            <a:r>
-              <a:rPr lang="de-DE" sz="2400" dirty="0" smtClean="0">
-                <a:solidFill>
-                  <a:schemeClr val="bg1"/>
-                </a:solidFill>
-              </a:rPr>
-              <a:t>Gruppe: 4</a:t>
-            </a:r>
-          </a:p>
-          <a:p>
-            <a:r>
-              <a:rPr lang="de-DE" sz="2400" dirty="0" smtClean="0">
-                <a:solidFill>
-                  <a:schemeClr val="bg1"/>
-                </a:solidFill>
-              </a:rPr>
-              <a:t>Ludwig Loth, Markus Wiegand, Nils Jahnel, Sven </a:t>
-            </a:r>
-            <a:r>
-              <a:rPr lang="de-DE" sz="2400" dirty="0" err="1" smtClean="0">
-                <a:solidFill>
-                  <a:schemeClr val="bg1"/>
-                </a:solidFill>
-              </a:rPr>
-              <a:t>Wernikowski</a:t>
-            </a:r>
-            <a:endParaRPr lang="de-DE" sz="2400" dirty="0">
-              <a:solidFill>
-                <a:schemeClr val="bg1"/>
-              </a:solidFill>
-            </a:endParaRPr>
-          </a:p>
-        </p:txBody>
-      </p:sp>
-    </p:spTree>
-    <p:extLst>
-      <p:ext uri="{BB962C8B-B14F-4D97-AF65-F5344CB8AC3E}">
-        <p14:creationId xmlns:p14="http://schemas.microsoft.com/office/powerpoint/2010/main" val="3646409148"/>
-      </p:ext>
-    </p:extLst>
-  </p:cSld>
-  <p:clrMapOvr>
-    <a:masterClrMapping/>
-  </p:clrMapOvr>
-  <p:timing>
-    <p:tnLst>
-      <p:par>
-        <p:cTn id="1" dur="indefinite" restart="never" nodeType="tmRoot"/>
-      </p:par>
-    </p:tnLst>
-  </p:timing>
-</p:sld>
-</file>
-
 <file path=ppt/slides/slide24.xml><?xml version="1.0" encoding="utf-8"?>
 <p:sld xmlns:a="http://schemas.openxmlformats.org/drawingml/2006/main" xmlns:r="http://schemas.openxmlformats.org/officeDocument/2006/relationships" xmlns:p="http://schemas.openxmlformats.org/presentationml/2006/main">
   <p:cSld>
@@ -9580,7 +10094,7 @@
             <a:spLocks noGrp="1"/>
           </p:cNvSpPr>
           <p:nvPr>
-            <p:ph type="title"/>
+            <p:ph type="ctrTitle"/>
           </p:nvPr>
         </p:nvSpPr>
         <p:spPr/>
@@ -9590,7 +10104,26 @@
           <a:p>
             <a:r>
               <a:rPr lang="de-DE" dirty="0" smtClean="0"/>
-              <a:t>Gliederung	</a:t>
+              <a:t>Anhang : Die Planungspräsentation</a:t>
+            </a:r>
+            <a:br>
+              <a:rPr lang="de-DE" dirty="0" smtClean="0"/>
+            </a:br>
+            <a:r>
+              <a:rPr lang="de-DE" dirty="0" smtClean="0"/>
+              <a:t>GDV- Das Rennen – Till </a:t>
+            </a:r>
+            <a:r>
+              <a:rPr lang="de-DE" dirty="0" err="1" smtClean="0"/>
+              <a:t>the</a:t>
+            </a:r>
+            <a:r>
+              <a:rPr lang="de-DE" dirty="0" smtClean="0"/>
+              <a:t> </a:t>
+            </a:r>
+            <a:r>
+              <a:rPr lang="de-DE" dirty="0" err="1" smtClean="0"/>
+              <a:t>DeaS</a:t>
             </a:r>
             <a:endParaRPr lang="de-DE" dirty="0"/>
           </a:p>
@@ -9598,93 +10131,57 @@
       </p:sp>
       <p:sp>
         <p:nvSpPr>
-          <p:cNvPr id="3" name="Inhaltsplatzhalter 2"/>
+          <p:cNvPr id="3" name="Untertitel 2"/>
           <p:cNvSpPr>
             <a:spLocks noGrp="1"/>
           </p:cNvSpPr>
           <p:nvPr>
-            <p:ph idx="1"/>
+            <p:ph type="subTitle" idx="1"/>
           </p:nvPr>
         </p:nvSpPr>
         <p:spPr/>
         <p:txBody>
-          <a:bodyPr>
-            <a:normAutofit fontScale="70000" lnSpcReduction="20000"/>
-          </a:bodyPr>
+          <a:bodyPr/>
           <a:lstStyle/>
           <a:p>
-            <a:pPr>
-              <a:lnSpc>
-                <a:spcPct val="150000"/>
-              </a:lnSpc>
-            </a:pPr>
-            <a:r>
-              <a:rPr lang="de-DE" dirty="0" smtClean="0"/>
-              <a:t>Kurzbeschreibung</a:t>
-            </a:r>
-          </a:p>
-          <a:p>
-            <a:pPr>
-              <a:lnSpc>
-                <a:spcPct val="150000"/>
-              </a:lnSpc>
-            </a:pPr>
-            <a:r>
-              <a:rPr lang="de-DE" dirty="0" smtClean="0"/>
-              <a:t>Bilder und Skizzen des Projektes</a:t>
-            </a:r>
-          </a:p>
-          <a:p>
-            <a:pPr>
-              <a:lnSpc>
-                <a:spcPct val="150000"/>
-              </a:lnSpc>
-            </a:pPr>
-            <a:r>
-              <a:rPr lang="de-DE" dirty="0" smtClean="0"/>
-              <a:t>Aufgabenverteilung</a:t>
-            </a:r>
-          </a:p>
-          <a:p>
-            <a:pPr>
-              <a:lnSpc>
-                <a:spcPct val="150000"/>
-              </a:lnSpc>
-            </a:pPr>
-            <a:r>
-              <a:rPr lang="de-DE" dirty="0" smtClean="0"/>
-              <a:t>Zeitplan</a:t>
-            </a:r>
-          </a:p>
-          <a:p>
-            <a:pPr>
-              <a:lnSpc>
-                <a:spcPct val="150000"/>
-              </a:lnSpc>
-            </a:pPr>
-            <a:r>
-              <a:rPr lang="de-DE" dirty="0" smtClean="0"/>
-              <a:t>Meilensteine</a:t>
-            </a:r>
-          </a:p>
-          <a:p>
-            <a:pPr>
-              <a:lnSpc>
-                <a:spcPct val="150000"/>
-              </a:lnSpc>
-            </a:pPr>
-            <a:r>
-              <a:rPr lang="de-DE" dirty="0" smtClean="0"/>
-              <a:t>Risiko</a:t>
-            </a:r>
-            <a:endParaRPr lang="de-DE" dirty="0"/>
+            <a:r>
+              <a:rPr lang="de-DE" sz="2400" dirty="0" smtClean="0">
+                <a:solidFill>
+                  <a:schemeClr val="bg1"/>
+                </a:solidFill>
+              </a:rPr>
+              <a:t>Gruppe: 4</a:t>
+            </a:r>
+          </a:p>
+          <a:p>
+            <a:r>
+              <a:rPr lang="de-DE" sz="2400" dirty="0" smtClean="0">
+                <a:solidFill>
+                  <a:schemeClr val="bg1"/>
+                </a:solidFill>
+              </a:rPr>
+              <a:t>Ludwig Loth, Markus Wiegand, Nils Jahnel, Sven </a:t>
+            </a:r>
+            <a:r>
+              <a:rPr lang="de-DE" sz="2400" dirty="0" err="1" smtClean="0">
+                <a:solidFill>
+                  <a:schemeClr val="bg1"/>
+                </a:solidFill>
+              </a:rPr>
+              <a:t>Wernikowski</a:t>
+            </a:r>
+            <a:endParaRPr lang="de-DE" sz="2400" dirty="0">
+              <a:solidFill>
+                <a:schemeClr val="bg1"/>
+              </a:solidFill>
+            </a:endParaRPr>
           </a:p>
         </p:txBody>
       </p:sp>
     </p:spTree>
     <p:extLst>
       <p:ext uri="{BB962C8B-B14F-4D97-AF65-F5344CB8AC3E}">
-        <p14:creationId xmlns:p14="http://schemas.microsoft.com/office/powerpoint/2010/main" val="515572243"/>
+        <p14:creationId xmlns:p14="http://schemas.microsoft.com/office/powerpoint/2010/main" val="3646409148"/>
       </p:ext>
     </p:extLst>
   </p:cSld>
@@ -9735,6 +10232,151 @@
           <a:p>
             <a:r>
               <a:rPr lang="de-DE" dirty="0" smtClean="0"/>
+              <a:t>Gliederung	</a:t>
+            </a:r>
+            <a:endParaRPr lang="de-DE" dirty="0"/>
+          </a:p>
+        </p:txBody>
+      </p:sp>
+      <p:sp>
+        <p:nvSpPr>
+          <p:cNvPr id="3" name="Inhaltsplatzhalter 2"/>
+          <p:cNvSpPr>
+            <a:spLocks noGrp="1"/>
+          </p:cNvSpPr>
+          <p:nvPr>
+            <p:ph idx="1"/>
+          </p:nvPr>
+        </p:nvSpPr>
+        <p:spPr/>
+        <p:txBody>
+          <a:bodyPr>
+            <a:normAutofit fontScale="70000" lnSpcReduction="20000"/>
+          </a:bodyPr>
+          <a:lstStyle/>
+          <a:p>
+            <a:pPr>
+              <a:lnSpc>
+                <a:spcPct val="150000"/>
+              </a:lnSpc>
+            </a:pPr>
+            <a:r>
+              <a:rPr lang="de-DE" dirty="0" smtClean="0"/>
+              <a:t>Kurzbeschreibung</a:t>
+            </a:r>
+          </a:p>
+          <a:p>
+            <a:pPr>
+              <a:lnSpc>
+                <a:spcPct val="150000"/>
+              </a:lnSpc>
+            </a:pPr>
+            <a:r>
+              <a:rPr lang="de-DE" dirty="0" smtClean="0"/>
+              <a:t>Bilder und Skizzen des Projektes</a:t>
+            </a:r>
+          </a:p>
+          <a:p>
+            <a:pPr>
+              <a:lnSpc>
+                <a:spcPct val="150000"/>
+              </a:lnSpc>
+            </a:pPr>
+            <a:r>
+              <a:rPr lang="de-DE" dirty="0" smtClean="0"/>
+              <a:t>Aufgabenverteilung</a:t>
+            </a:r>
+          </a:p>
+          <a:p>
+            <a:pPr>
+              <a:lnSpc>
+                <a:spcPct val="150000"/>
+              </a:lnSpc>
+            </a:pPr>
+            <a:r>
+              <a:rPr lang="de-DE" dirty="0" smtClean="0"/>
+              <a:t>Zeitplan</a:t>
+            </a:r>
+          </a:p>
+          <a:p>
+            <a:pPr>
+              <a:lnSpc>
+                <a:spcPct val="150000"/>
+              </a:lnSpc>
+            </a:pPr>
+            <a:r>
+              <a:rPr lang="de-DE" dirty="0" smtClean="0"/>
+              <a:t>Meilensteine</a:t>
+            </a:r>
+          </a:p>
+          <a:p>
+            <a:pPr>
+              <a:lnSpc>
+                <a:spcPct val="150000"/>
+              </a:lnSpc>
+            </a:pPr>
+            <a:r>
+              <a:rPr lang="de-DE" dirty="0" smtClean="0"/>
+              <a:t>Risiko</a:t>
+            </a:r>
+            <a:endParaRPr lang="de-DE" dirty="0"/>
+          </a:p>
+        </p:txBody>
+      </p:sp>
+    </p:spTree>
+    <p:extLst>
+      <p:ext uri="{BB962C8B-B14F-4D97-AF65-F5344CB8AC3E}">
+        <p14:creationId xmlns:p14="http://schemas.microsoft.com/office/powerpoint/2010/main" val="515572243"/>
+      </p:ext>
+    </p:extLst>
+  </p:cSld>
+  <p:clrMapOvr>
+    <a:masterClrMapping/>
+  </p:clrMapOvr>
+  <p:timing>
+    <p:tnLst>
+      <p:par>
+        <p:cTn id="1" dur="indefinite" restart="never" nodeType="tmRoot"/>
+      </p:par>
+    </p:tnLst>
+  </p:timing>
+</p:sld>
+</file>
+
+<file path=ppt/slides/slide26.xml><?xml version="1.0" encoding="utf-8"?>
+<p:sld xmlns:a="http://schemas.openxmlformats.org/drawingml/2006/main" xmlns:r="http://schemas.openxmlformats.org/officeDocument/2006/relationships" xmlns:p="http://schemas.openxmlformats.org/presentationml/2006/main">
+  <p:cSld>
+    <p:spTree>
+      <p:nvGrpSpPr>
+        <p:cNvPr id="1" name=""/>
+        <p:cNvGrpSpPr/>
+        <p:nvPr/>
+      </p:nvGrpSpPr>
+      <p:grpSpPr>
+        <a:xfrm>
+          <a:off x="0" y="0"/>
+          <a:ext cx="0" cy="0"/>
+          <a:chOff x="0" y="0"/>
+          <a:chExt cx="0" cy="0"/>
+        </a:xfrm>
+      </p:grpSpPr>
+      <p:sp>
+        <p:nvSpPr>
+          <p:cNvPr id="2" name="Titel 1"/>
+          <p:cNvSpPr>
+            <a:spLocks noGrp="1"/>
+          </p:cNvSpPr>
+          <p:nvPr>
+            <p:ph type="title"/>
+          </p:nvPr>
+        </p:nvSpPr>
+        <p:spPr/>
+        <p:txBody>
+          <a:bodyPr/>
+          <a:lstStyle/>
+          <a:p>
+            <a:r>
+              <a:rPr lang="de-DE" dirty="0" smtClean="0"/>
               <a:t>Kurzbeschreibung</a:t>
             </a:r>
             <a:endParaRPr lang="de-DE" dirty="0"/>
@@ -9826,7 +10468,7 @@
 </p:sld>
 </file>
 
-<file path=ppt/slides/slide26.xml><?xml version="1.0" encoding="utf-8"?>
+<file path=ppt/slides/slide27.xml><?xml version="1.0" encoding="utf-8"?>
 <p:sld xmlns:a="http://schemas.openxmlformats.org/drawingml/2006/main" xmlns:r="http://schemas.openxmlformats.org/officeDocument/2006/relationships" xmlns:p="http://schemas.openxmlformats.org/presentationml/2006/main">
   <p:cSld>
     <p:spTree>
@@ -10008,7 +10650,7 @@
 </p:sld>
 </file>
 
-<file path=ppt/slides/slide27.xml><?xml version="1.0" encoding="utf-8"?>
+<file path=ppt/slides/slide28.xml><?xml version="1.0" encoding="utf-8"?>
 <p:sld xmlns:a="http://schemas.openxmlformats.org/drawingml/2006/main" xmlns:r="http://schemas.openxmlformats.org/officeDocument/2006/relationships" xmlns:p="http://schemas.openxmlformats.org/presentationml/2006/main">
   <p:cSld>
     <p:spTree>
@@ -10137,7 +10779,7 @@
 </p:sld>
 </file>
 
-<file path=ppt/slides/slide28.xml><?xml version="1.0" encoding="utf-8"?>
+<file path=ppt/slides/slide29.xml><?xml version="1.0" encoding="utf-8"?>
 <p:sld xmlns:a="http://schemas.openxmlformats.org/drawingml/2006/main" xmlns:r="http://schemas.openxmlformats.org/officeDocument/2006/relationships" xmlns:p="http://schemas.openxmlformats.org/presentationml/2006/main">
   <p:cSld>
     <p:spTree>
@@ -10293,129 +10935,6 @@
 </p:sld>
 </file>
 
-<file path=ppt/slides/slide29.xml><?xml version="1.0" encoding="utf-8"?>
-<p:sld xmlns:a="http://schemas.openxmlformats.org/drawingml/2006/main" xmlns:r="http://schemas.openxmlformats.org/officeDocument/2006/relationships" xmlns:p="http://schemas.openxmlformats.org/presentationml/2006/main">
-  <p:cSld>
-    <p:spTree>
-      <p:nvGrpSpPr>
-        <p:cNvPr id="1" name=""/>
-        <p:cNvGrpSpPr/>
-        <p:nvPr/>
-      </p:nvGrpSpPr>
-      <p:grpSpPr>
-        <a:xfrm>
-          <a:off x="0" y="0"/>
-          <a:ext cx="0" cy="0"/>
-          <a:chOff x="0" y="0"/>
-          <a:chExt cx="0" cy="0"/>
-        </a:xfrm>
-      </p:grpSpPr>
-      <p:sp>
-        <p:nvSpPr>
-          <p:cNvPr id="2" name="Titel 1"/>
-          <p:cNvSpPr>
-            <a:spLocks noGrp="1"/>
-          </p:cNvSpPr>
-          <p:nvPr>
-            <p:ph type="title"/>
-          </p:nvPr>
-        </p:nvSpPr>
-        <p:spPr/>
-        <p:txBody>
-          <a:bodyPr/>
-          <a:lstStyle/>
-          <a:p>
-            <a:r>
-              <a:rPr lang="de-DE" dirty="0" smtClean="0"/>
-              <a:t>Meilensteine</a:t>
-            </a:r>
-            <a:endParaRPr lang="de-DE" dirty="0"/>
-          </a:p>
-        </p:txBody>
-      </p:sp>
-      <p:sp>
-        <p:nvSpPr>
-          <p:cNvPr id="3" name="Inhaltsplatzhalter 2"/>
-          <p:cNvSpPr>
-            <a:spLocks noGrp="1"/>
-          </p:cNvSpPr>
-          <p:nvPr>
-            <p:ph idx="1"/>
-          </p:nvPr>
-        </p:nvSpPr>
-        <p:spPr/>
-        <p:txBody>
-          <a:bodyPr/>
-          <a:lstStyle/>
-          <a:p>
-            <a:pPr lvl="1">
-              <a:buFont typeface="Arial" panose="020B0604020202020204" pitchFamily="34" charset="0"/>
-              <a:buChar char="•"/>
-            </a:pPr>
-            <a:r>
-              <a:rPr lang="de-DE" sz="2000" dirty="0" smtClean="0"/>
-              <a:t>Meilenstein 3</a:t>
-            </a:r>
-          </a:p>
-          <a:p>
-            <a:pPr lvl="2">
-              <a:buFont typeface="Symbol" panose="05050102010706020507" pitchFamily="18" charset="2"/>
-              <a:buChar char="-"/>
-            </a:pPr>
-            <a:r>
-              <a:rPr lang="de-DE" sz="2000" dirty="0" smtClean="0"/>
-              <a:t>Offizielle </a:t>
-            </a:r>
-            <a:r>
-              <a:rPr lang="de-DE" sz="2000" dirty="0"/>
-              <a:t>Modelle für das Auto und die Strecke an sich.</a:t>
-            </a:r>
-          </a:p>
-          <a:p>
-            <a:pPr lvl="2">
-              <a:buFont typeface="Symbol" panose="05050102010706020507" pitchFamily="18" charset="2"/>
-              <a:buChar char="-"/>
-            </a:pPr>
-            <a:r>
-              <a:rPr lang="de-DE" sz="2000" dirty="0"/>
-              <a:t>Erste </a:t>
-            </a:r>
-            <a:r>
-              <a:rPr lang="de-DE" sz="2000" dirty="0" smtClean="0"/>
-              <a:t>Texturierung</a:t>
-            </a:r>
-          </a:p>
-          <a:p>
-            <a:pPr lvl="2">
-              <a:buFont typeface="Symbol" panose="05050102010706020507" pitchFamily="18" charset="2"/>
-              <a:buChar char="-"/>
-            </a:pPr>
-            <a:r>
-              <a:rPr lang="de-DE" sz="2000" dirty="0" smtClean="0"/>
-              <a:t>Zusammenführung der einzelnen Teile</a:t>
-            </a:r>
-          </a:p>
-          <a:p>
-            <a:pPr marL="914400" lvl="2" indent="0">
-              <a:buNone/>
-            </a:pPr>
-            <a:endParaRPr lang="de-DE" sz="1600" dirty="0" smtClean="0"/>
-          </a:p>
-        </p:txBody>
-      </p:sp>
-    </p:spTree>
-    <p:extLst>
-      <p:ext uri="{BB962C8B-B14F-4D97-AF65-F5344CB8AC3E}">
-        <p14:creationId xmlns:p14="http://schemas.microsoft.com/office/powerpoint/2010/main" val="1953529443"/>
-      </p:ext>
-    </p:extLst>
-  </p:cSld>
-  <p:clrMapOvr>
-    <a:masterClrMapping/>
-  </p:clrMapOvr>
-</p:sld>
-</file>
-
 <file path=ppt/slides/slide3.xml><?xml version="1.0" encoding="utf-8"?>
 <p:sld xmlns:a="http://schemas.openxmlformats.org/drawingml/2006/main" xmlns:r="http://schemas.openxmlformats.org/officeDocument/2006/relationships" xmlns:p="http://schemas.openxmlformats.org/presentationml/2006/main">
   <p:cSld>
@@ -10521,7 +11040,6 @@
               <a:rPr lang="de-DE" dirty="0"/>
               <a:t> ein, fahr los und meistere dieses Abenteuer um der König der Karren zu werden.</a:t>
             </a:r>
-            <a:endParaRPr lang="de-DE" dirty="0"/>
           </a:p>
         </p:txBody>
       </p:sp>
@@ -10600,82 +11118,71 @@
           <a:bodyPr/>
           <a:lstStyle/>
           <a:p>
+            <a:pPr lvl="1">
+              <a:buFont typeface="Arial" panose="020B0604020202020204" pitchFamily="34" charset="0"/>
+              <a:buChar char="•"/>
+            </a:pPr>
+            <a:r>
+              <a:rPr lang="de-DE" sz="2000" dirty="0" smtClean="0"/>
+              <a:t>Meilenstein 3</a:t>
+            </a:r>
+          </a:p>
+          <a:p>
+            <a:pPr lvl="2">
+              <a:buFont typeface="Symbol" panose="05050102010706020507" pitchFamily="18" charset="2"/>
+              <a:buChar char="-"/>
+            </a:pPr>
+            <a:r>
+              <a:rPr lang="de-DE" sz="2000" dirty="0" smtClean="0"/>
+              <a:t>Offizielle </a:t>
+            </a:r>
             <a:r>
               <a:rPr lang="de-DE" sz="2000" dirty="0"/>
-              <a:t>Bonus: Ein </a:t>
+              <a:t>Modelle für das Auto und die Strecke an sich.</a:t>
+            </a:r>
+          </a:p>
+          <a:p>
+            <a:pPr lvl="2">
+              <a:buFont typeface="Symbol" panose="05050102010706020507" pitchFamily="18" charset="2"/>
+              <a:buChar char="-"/>
+            </a:pPr>
+            <a:r>
+              <a:rPr lang="de-DE" sz="2000" dirty="0"/>
+              <a:t>Erste </a:t>
             </a:r>
             <a:r>
               <a:rPr lang="de-DE" sz="2000" dirty="0" smtClean="0"/>
-              <a:t>Auto-Editor</a:t>
-            </a:r>
-          </a:p>
-          <a:p>
-            <a:pPr lvl="1"/>
+              <a:t>Texturierung</a:t>
+            </a:r>
+          </a:p>
+          <a:p>
+            <a:pPr lvl="2">
+              <a:buFont typeface="Symbol" panose="05050102010706020507" pitchFamily="18" charset="2"/>
+              <a:buChar char="-"/>
+            </a:pPr>
             <a:r>
               <a:rPr lang="de-DE" sz="2000" dirty="0" smtClean="0"/>
-              <a:t>Wenn noch Zeit bleibt!</a:t>
-            </a:r>
-          </a:p>
-          <a:p>
-            <a:pPr lvl="2"/>
-            <a:r>
-              <a:rPr lang="de-DE" sz="2000" dirty="0" smtClean="0"/>
-              <a:t>Vor dem eigentlichen Start des Rennens!</a:t>
-            </a:r>
-          </a:p>
-          <a:p>
-            <a:pPr lvl="2"/>
-            <a:r>
-              <a:rPr lang="de-DE" sz="2000" dirty="0" smtClean="0"/>
-              <a:t>Multiplayer</a:t>
+              <a:t>Zusammenführung der einzelnen Teile</a:t>
             </a:r>
           </a:p>
           <a:p>
             <a:pPr marL="914400" lvl="2" indent="0">
               <a:buNone/>
             </a:pPr>
-            <a:endParaRPr lang="de-DE" sz="2000" dirty="0" smtClean="0"/>
-          </a:p>
-          <a:p>
-            <a:pPr lvl="2"/>
-            <a:r>
-              <a:rPr lang="de-DE" sz="2000" dirty="0" smtClean="0"/>
-              <a:t>Evtl. auch Auswahl der Strecke selbst.</a:t>
-            </a:r>
-          </a:p>
-          <a:p>
-            <a:pPr lvl="3"/>
-            <a:r>
-              <a:rPr lang="de-DE" dirty="0" smtClean="0"/>
-              <a:t>(Voraussetzung: Unterschiedliche Streckenmodelle)</a:t>
-            </a:r>
-            <a:endParaRPr lang="de-DE" dirty="0"/>
-          </a:p>
-          <a:p>
-            <a:endParaRPr lang="de-DE" sz="2400" dirty="0"/>
-          </a:p>
-          <a:p>
-            <a:endParaRPr lang="de-DE" sz="2400" dirty="0"/>
+            <a:endParaRPr lang="de-DE" sz="1600" dirty="0" smtClean="0"/>
           </a:p>
         </p:txBody>
       </p:sp>
     </p:spTree>
     <p:extLst>
       <p:ext uri="{BB962C8B-B14F-4D97-AF65-F5344CB8AC3E}">
-        <p14:creationId xmlns:p14="http://schemas.microsoft.com/office/powerpoint/2010/main" val="3662122320"/>
+        <p14:creationId xmlns:p14="http://schemas.microsoft.com/office/powerpoint/2010/main" val="1953529443"/>
       </p:ext>
     </p:extLst>
   </p:cSld>
   <p:clrMapOvr>
     <a:masterClrMapping/>
   </p:clrMapOvr>
-  <p:timing>
-    <p:tnLst>
-      <p:par>
-        <p:cTn id="1" dur="indefinite" restart="never" nodeType="tmRoot"/>
-      </p:par>
-    </p:tnLst>
-  </p:timing>
 </p:sld>
 </file>
 
@@ -10713,7 +11220,7 @@
           <a:p>
             <a:r>
               <a:rPr lang="de-DE" dirty="0" smtClean="0"/>
-              <a:t>Das Größte Risiko</a:t>
+              <a:t>Meilensteine</a:t>
             </a:r>
             <a:endParaRPr lang="de-DE" dirty="0"/>
           </a:p>
@@ -10735,63 +11242,68 @@
           <a:lstStyle/>
           <a:p>
             <a:r>
-              <a:rPr lang="de-DE" dirty="0" smtClean="0"/>
-              <a:t>Die Umwelt reagiert nicht…</a:t>
-            </a:r>
-          </a:p>
-          <a:p>
-            <a:pPr marL="800100" lvl="3" indent="-342900"/>
-            <a:r>
-              <a:rPr lang="de-DE" dirty="0"/>
-              <a:t>Sie ist implementiert, tut aber nicht das was sie tun soll</a:t>
-            </a:r>
-            <a:r>
-              <a:rPr lang="de-DE" dirty="0" smtClean="0"/>
-              <a:t>!</a:t>
-            </a:r>
-          </a:p>
-          <a:p>
-            <a:r>
-              <a:rPr lang="de-DE" dirty="0" smtClean="0"/>
-              <a:t>Power </a:t>
-            </a:r>
-            <a:r>
-              <a:rPr lang="de-DE" dirty="0" err="1" smtClean="0"/>
-              <a:t>Ups</a:t>
-            </a:r>
-            <a:r>
-              <a:rPr lang="de-DE" dirty="0" smtClean="0"/>
-              <a:t> funktionieren nicht so wie geplant</a:t>
+              <a:rPr lang="de-DE" sz="2000" dirty="0"/>
+              <a:t>Bonus: Ein </a:t>
+            </a:r>
+            <a:r>
+              <a:rPr lang="de-DE" sz="2000" dirty="0" smtClean="0"/>
+              <a:t>Auto-Editor</a:t>
             </a:r>
           </a:p>
           <a:p>
             <a:pPr lvl="1"/>
             <a:r>
               <a:rPr lang="de-DE" sz="2000" dirty="0" smtClean="0"/>
-              <a:t>Geschosse zu ungenau oder schlagen falsch auf!</a:t>
-            </a:r>
-            <a:endParaRPr lang="de-DE" sz="2000" dirty="0"/>
-          </a:p>
-          <a:p>
-            <a:r>
-              <a:rPr lang="de-DE" dirty="0" smtClean="0"/>
-              <a:t>Check</a:t>
-            </a:r>
-            <a:r>
-              <a:rPr lang="de-DE" dirty="0"/>
-              <a:t>point wird nicht richtig </a:t>
-            </a:r>
-            <a:r>
-              <a:rPr lang="de-DE" dirty="0" smtClean="0"/>
-              <a:t>gewertet</a:t>
-            </a:r>
+              <a:t>Wenn noch Zeit bleibt!</a:t>
+            </a:r>
+          </a:p>
+          <a:p>
+            <a:pPr lvl="2"/>
+            <a:r>
+              <a:rPr lang="de-DE" sz="2000" dirty="0" smtClean="0"/>
+              <a:t>Vor dem eigentlichen Start des Rennens!</a:t>
+            </a:r>
+          </a:p>
+          <a:p>
+            <a:pPr lvl="2"/>
+            <a:r>
+              <a:rPr lang="de-DE" sz="2000" dirty="0" smtClean="0"/>
+              <a:t>Multiplayer</a:t>
+            </a:r>
+          </a:p>
+          <a:p>
+            <a:pPr marL="914400" lvl="2" indent="0">
+              <a:buNone/>
+            </a:pPr>
+            <a:endParaRPr lang="de-DE" sz="2000" dirty="0" smtClean="0"/>
+          </a:p>
+          <a:p>
+            <a:pPr lvl="2"/>
+            <a:r>
+              <a:rPr lang="de-DE" sz="2000" dirty="0" smtClean="0"/>
+              <a:t>Evtl. auch Auswahl der Strecke selbst.</a:t>
+            </a:r>
+          </a:p>
+          <a:p>
+            <a:pPr lvl="3"/>
+            <a:r>
+              <a:rPr lang="de-DE" dirty="0" smtClean="0"/>
+              <a:t>(Voraussetzung: Unterschiedliche Streckenmodelle)</a:t>
+            </a:r>
+            <a:endParaRPr lang="de-DE" dirty="0"/>
+          </a:p>
+          <a:p>
+            <a:endParaRPr lang="de-DE" sz="2400" dirty="0"/>
+          </a:p>
+          <a:p>
+            <a:endParaRPr lang="de-DE" sz="2400" dirty="0"/>
           </a:p>
         </p:txBody>
       </p:sp>
     </p:spTree>
     <p:extLst>
       <p:ext uri="{BB962C8B-B14F-4D97-AF65-F5344CB8AC3E}">
-        <p14:creationId xmlns:p14="http://schemas.microsoft.com/office/powerpoint/2010/main" val="480467576"/>
+        <p14:creationId xmlns:p14="http://schemas.microsoft.com/office/powerpoint/2010/main" val="3662122320"/>
       </p:ext>
     </p:extLst>
   </p:cSld>
@@ -10864,6 +11376,135 @@
           <a:lstStyle/>
           <a:p>
             <a:r>
+              <a:rPr lang="de-DE" dirty="0" smtClean="0"/>
+              <a:t>Die Umwelt reagiert nicht…</a:t>
+            </a:r>
+          </a:p>
+          <a:p>
+            <a:pPr marL="800100" lvl="3" indent="-342900"/>
+            <a:r>
+              <a:rPr lang="de-DE" dirty="0"/>
+              <a:t>Sie ist implementiert, tut aber nicht das was sie tun soll</a:t>
+            </a:r>
+            <a:r>
+              <a:rPr lang="de-DE" dirty="0" smtClean="0"/>
+              <a:t>!</a:t>
+            </a:r>
+          </a:p>
+          <a:p>
+            <a:r>
+              <a:rPr lang="de-DE" dirty="0" smtClean="0"/>
+              <a:t>Power </a:t>
+            </a:r>
+            <a:r>
+              <a:rPr lang="de-DE" dirty="0" err="1" smtClean="0"/>
+              <a:t>Ups</a:t>
+            </a:r>
+            <a:r>
+              <a:rPr lang="de-DE" dirty="0" smtClean="0"/>
+              <a:t> funktionieren nicht so wie geplant</a:t>
+            </a:r>
+          </a:p>
+          <a:p>
+            <a:pPr lvl="1"/>
+            <a:r>
+              <a:rPr lang="de-DE" sz="2000" dirty="0" smtClean="0"/>
+              <a:t>Geschosse zu ungenau oder schlagen falsch auf!</a:t>
+            </a:r>
+            <a:endParaRPr lang="de-DE" sz="2000" dirty="0"/>
+          </a:p>
+          <a:p>
+            <a:r>
+              <a:rPr lang="de-DE" dirty="0" smtClean="0"/>
+              <a:t>Check</a:t>
+            </a:r>
+            <a:r>
+              <a:rPr lang="de-DE" dirty="0"/>
+              <a:t>point wird nicht richtig </a:t>
+            </a:r>
+            <a:r>
+              <a:rPr lang="de-DE" dirty="0" smtClean="0"/>
+              <a:t>gewertet</a:t>
+            </a:r>
+          </a:p>
+        </p:txBody>
+      </p:sp>
+    </p:spTree>
+    <p:extLst>
+      <p:ext uri="{BB962C8B-B14F-4D97-AF65-F5344CB8AC3E}">
+        <p14:creationId xmlns:p14="http://schemas.microsoft.com/office/powerpoint/2010/main" val="480467576"/>
+      </p:ext>
+    </p:extLst>
+  </p:cSld>
+  <p:clrMapOvr>
+    <a:masterClrMapping/>
+  </p:clrMapOvr>
+  <p:timing>
+    <p:tnLst>
+      <p:par>
+        <p:cTn id="1" dur="indefinite" restart="never" nodeType="tmRoot"/>
+      </p:par>
+    </p:tnLst>
+  </p:timing>
+</p:sld>
+</file>
+
+<file path=ppt/slides/slide33.xml><?xml version="1.0" encoding="utf-8"?>
+<p:sld xmlns:a="http://schemas.openxmlformats.org/drawingml/2006/main" xmlns:r="http://schemas.openxmlformats.org/officeDocument/2006/relationships" xmlns:p="http://schemas.openxmlformats.org/presentationml/2006/main">
+  <p:cSld>
+    <p:spTree>
+      <p:nvGrpSpPr>
+        <p:cNvPr id="1" name=""/>
+        <p:cNvGrpSpPr/>
+        <p:nvPr/>
+      </p:nvGrpSpPr>
+      <p:grpSpPr>
+        <a:xfrm>
+          <a:off x="0" y="0"/>
+          <a:ext cx="0" cy="0"/>
+          <a:chOff x="0" y="0"/>
+          <a:chExt cx="0" cy="0"/>
+        </a:xfrm>
+      </p:grpSpPr>
+      <p:sp>
+        <p:nvSpPr>
+          <p:cNvPr id="2" name="Titel 1"/>
+          <p:cNvSpPr>
+            <a:spLocks noGrp="1"/>
+          </p:cNvSpPr>
+          <p:nvPr>
+            <p:ph type="title"/>
+          </p:nvPr>
+        </p:nvSpPr>
+        <p:spPr/>
+        <p:txBody>
+          <a:bodyPr/>
+          <a:lstStyle/>
+          <a:p>
+            <a:r>
+              <a:rPr lang="de-DE" dirty="0" smtClean="0"/>
+              <a:t>Das Größte Risiko</a:t>
+            </a:r>
+            <a:endParaRPr lang="de-DE" dirty="0"/>
+          </a:p>
+        </p:txBody>
+      </p:sp>
+      <p:sp>
+        <p:nvSpPr>
+          <p:cNvPr id="3" name="Inhaltsplatzhalter 2"/>
+          <p:cNvSpPr>
+            <a:spLocks noGrp="1"/>
+          </p:cNvSpPr>
+          <p:nvPr>
+            <p:ph idx="1"/>
+          </p:nvPr>
+        </p:nvSpPr>
+        <p:spPr/>
+        <p:txBody>
+          <a:bodyPr/>
+          <a:lstStyle/>
+          <a:p>
+            <a:r>
               <a:rPr lang="de-DE" dirty="0" err="1" smtClean="0"/>
               <a:t>Respawn</a:t>
             </a:r>
@@ -10946,7 +11587,7 @@
 </p:sld>
 </file>
 
-<file path=ppt/slides/slide33.xml><?xml version="1.0" encoding="utf-8"?>
+<file path=ppt/slides/slide34.xml><?xml version="1.0" encoding="utf-8"?>
 <p:sld xmlns:a="http://schemas.openxmlformats.org/drawingml/2006/main" xmlns:r="http://schemas.openxmlformats.org/officeDocument/2006/relationships" xmlns:p="http://schemas.openxmlformats.org/presentationml/2006/main">
   <p:cSld>
     <p:spTree>
@@ -11262,6 +11903,73 @@
           <a:p>
             <a:r>
               <a:rPr lang="de-DE" dirty="0" smtClean="0"/>
+              <a:t>Code &amp; Erläuterung</a:t>
+            </a:r>
+            <a:br>
+              <a:rPr lang="de-DE" dirty="0" smtClean="0"/>
+            </a:br>
+            <a:r>
+              <a:rPr lang="de-DE" sz="3200" dirty="0" smtClean="0"/>
+              <a:t>index.html</a:t>
+            </a:r>
+            <a:endParaRPr lang="de-DE" sz="3200" dirty="0"/>
+          </a:p>
+        </p:txBody>
+      </p:sp>
+    </p:spTree>
+    <p:extLst>
+      <p:ext uri="{BB962C8B-B14F-4D97-AF65-F5344CB8AC3E}">
+        <p14:creationId xmlns:p14="http://schemas.microsoft.com/office/powerpoint/2010/main" val="4248061759"/>
+      </p:ext>
+    </p:extLst>
+  </p:cSld>
+  <p:clrMapOvr>
+    <a:masterClrMapping/>
+  </p:clrMapOvr>
+  <p:timing>
+    <p:tnLst>
+      <p:par>
+        <p:cTn id="1" dur="indefinite" restart="never" nodeType="tmRoot"/>
+      </p:par>
+    </p:tnLst>
+  </p:timing>
+</p:sld>
+</file>
+
+<file path=ppt/slides/slide7.xml><?xml version="1.0" encoding="utf-8"?>
+<p:sld xmlns:a="http://schemas.openxmlformats.org/drawingml/2006/main" xmlns:r="http://schemas.openxmlformats.org/officeDocument/2006/relationships" xmlns:p="http://schemas.openxmlformats.org/presentationml/2006/main">
+  <p:cSld>
+    <p:spTree>
+      <p:nvGrpSpPr>
+        <p:cNvPr id="1" name=""/>
+        <p:cNvGrpSpPr/>
+        <p:nvPr/>
+      </p:nvGrpSpPr>
+      <p:grpSpPr>
+        <a:xfrm>
+          <a:off x="0" y="0"/>
+          <a:ext cx="0" cy="0"/>
+          <a:chOff x="0" y="0"/>
+          <a:chExt cx="0" cy="0"/>
+        </a:xfrm>
+      </p:grpSpPr>
+      <p:sp>
+        <p:nvSpPr>
+          <p:cNvPr id="2" name="Titel 1"/>
+          <p:cNvSpPr>
+            <a:spLocks noGrp="1"/>
+          </p:cNvSpPr>
+          <p:nvPr>
+            <p:ph type="title"/>
+          </p:nvPr>
+        </p:nvSpPr>
+        <p:spPr/>
+        <p:txBody>
+          <a:bodyPr/>
+          <a:lstStyle/>
+          <a:p>
+            <a:r>
+              <a:rPr lang="de-DE" dirty="0" smtClean="0"/>
               <a:t>Herausforderungen</a:t>
             </a:r>
             <a:br>
@@ -11539,7 +12247,6 @@
               <a:rPr lang="de-DE" sz="2000" dirty="0" smtClean="0"/>
               <a:t>Implementierung von fertigen Modellen</a:t>
             </a:r>
-            <a:endParaRPr lang="de-DE" sz="2000" dirty="0" smtClean="0"/>
           </a:p>
         </p:txBody>
       </p:sp>
@@ -11650,7 +12357,7 @@
 </p:sld>
 </file>
 
-<file path=ppt/slides/slide7.xml><?xml version="1.0" encoding="utf-8"?>
+<file path=ppt/slides/slide8.xml><?xml version="1.0" encoding="utf-8"?>
 <p:sld xmlns:a="http://schemas.openxmlformats.org/drawingml/2006/main" xmlns:r="http://schemas.openxmlformats.org/officeDocument/2006/relationships" xmlns:p="http://schemas.openxmlformats.org/presentationml/2006/main">
   <p:cSld>
     <p:spTree>
@@ -11968,7 +12675,6 @@
               <a:rPr lang="de-DE" sz="1600" dirty="0" smtClean="0"/>
               <a:t>Modelle nun nicht mehr notwendig</a:t>
             </a:r>
-            <a:endParaRPr lang="de-DE" sz="1600" dirty="0" smtClean="0"/>
           </a:p>
         </p:txBody>
       </p:sp>
@@ -12164,7 +12870,7 @@
 </p:sld>
 </file>
 
-<file path=ppt/slides/slide8.xml><?xml version="1.0" encoding="utf-8"?>
+<file path=ppt/slides/slide9.xml><?xml version="1.0" encoding="utf-8"?>
 <p:sld xmlns:a="http://schemas.openxmlformats.org/drawingml/2006/main" xmlns:r="http://schemas.openxmlformats.org/officeDocument/2006/relationships" xmlns:p="http://schemas.openxmlformats.org/presentationml/2006/main">
   <p:cSld>
     <p:spTree>
@@ -12566,434 +13272,6 @@
     <p:extLst>
       <p:ext uri="{BB962C8B-B14F-4D97-AF65-F5344CB8AC3E}">
         <p14:creationId xmlns:p14="http://schemas.microsoft.com/office/powerpoint/2010/main" val="104137852"/>
-      </p:ext>
-    </p:extLst>
-  </p:cSld>
-  <p:clrMapOvr>
-    <a:masterClrMapping/>
-  </p:clrMapOvr>
-  <p:timing>
-    <p:tnLst>
-      <p:par>
-        <p:cTn id="1" dur="indefinite" restart="never" nodeType="tmRoot"/>
-      </p:par>
-    </p:tnLst>
-  </p:timing>
-</p:sld>
-</file>
-
-<file path=ppt/slides/slide9.xml><?xml version="1.0" encoding="utf-8"?>
-<p:sld xmlns:a="http://schemas.openxmlformats.org/drawingml/2006/main" xmlns:r="http://schemas.openxmlformats.org/officeDocument/2006/relationships" xmlns:p="http://schemas.openxmlformats.org/presentationml/2006/main">
-  <p:cSld>
-    <p:spTree>
-      <p:nvGrpSpPr>
-        <p:cNvPr id="1" name=""/>
-        <p:cNvGrpSpPr/>
-        <p:nvPr/>
-      </p:nvGrpSpPr>
-      <p:grpSpPr>
-        <a:xfrm>
-          <a:off x="0" y="0"/>
-          <a:ext cx="0" cy="0"/>
-          <a:chOff x="0" y="0"/>
-          <a:chExt cx="0" cy="0"/>
-        </a:xfrm>
-      </p:grpSpPr>
-      <p:sp>
-        <p:nvSpPr>
-          <p:cNvPr id="2" name="Titel 1"/>
-          <p:cNvSpPr>
-            <a:spLocks noGrp="1"/>
-          </p:cNvSpPr>
-          <p:nvPr>
-            <p:ph type="title"/>
-          </p:nvPr>
-        </p:nvSpPr>
-        <p:spPr/>
-        <p:txBody>
-          <a:bodyPr/>
-          <a:lstStyle/>
-          <a:p>
-            <a:r>
-              <a:rPr lang="de-DE" dirty="0" smtClean="0"/>
-              <a:t>Herausforderungen</a:t>
-            </a:r>
-            <a:br>
-              <a:rPr lang="de-DE" dirty="0" smtClean="0"/>
-            </a:br>
-            <a:r>
-              <a:rPr lang="de-DE" sz="3200" dirty="0" smtClean="0"/>
-              <a:t>Power </a:t>
-            </a:r>
-            <a:r>
-              <a:rPr lang="de-DE" sz="3200" dirty="0" err="1" smtClean="0"/>
-              <a:t>Ups</a:t>
-            </a:r>
-            <a:endParaRPr lang="de-DE" sz="3200" dirty="0"/>
-          </a:p>
-        </p:txBody>
-      </p:sp>
-      <p:sp>
-        <p:nvSpPr>
-          <p:cNvPr id="3" name="Inhaltsplatzhalter 2"/>
-          <p:cNvSpPr>
-            <a:spLocks noGrp="1"/>
-          </p:cNvSpPr>
-          <p:nvPr>
-            <p:ph idx="1"/>
-          </p:nvPr>
-        </p:nvSpPr>
-        <p:spPr>
-          <a:xfrm>
-            <a:off x="978090" y="2586094"/>
-            <a:ext cx="6787486" cy="1289872"/>
-          </a:xfrm>
-        </p:spPr>
-        <p:txBody>
-          <a:bodyPr>
-            <a:normAutofit/>
-          </a:bodyPr>
-          <a:lstStyle/>
-          <a:p>
-            <a:pPr algn="just"/>
-            <a:r>
-              <a:rPr lang="de-DE" dirty="0" smtClean="0"/>
-              <a:t>Endergebnis</a:t>
-            </a:r>
-          </a:p>
-          <a:p>
-            <a:pPr lvl="1" algn="just"/>
-            <a:r>
-              <a:rPr lang="de-DE" dirty="0" smtClean="0"/>
-              <a:t>Nur ein Einziges Power </a:t>
-            </a:r>
-            <a:r>
-              <a:rPr lang="de-DE" dirty="0" err="1" smtClean="0"/>
-              <a:t>Up</a:t>
-            </a:r>
-            <a:endParaRPr lang="de-DE" dirty="0" smtClean="0"/>
-          </a:p>
-        </p:txBody>
-      </p:sp>
-      <p:sp>
-        <p:nvSpPr>
-          <p:cNvPr id="4" name="Inhaltsplatzhalter 2"/>
-          <p:cNvSpPr txBox="1">
-            <a:spLocks/>
-          </p:cNvSpPr>
-          <p:nvPr/>
-        </p:nvSpPr>
-        <p:spPr bwMode="auto">
-          <a:xfrm>
-            <a:off x="7806519" y="2711197"/>
-            <a:ext cx="4012441" cy="2474951"/>
-          </a:xfrm>
-          <a:prstGeom prst="rect">
-            <a:avLst/>
-          </a:prstGeom>
-          <a:noFill/>
-          <a:ln>
-            <a:noFill/>
-          </a:ln>
-          <a:extLst>
-            <a:ext uri="{909E8E84-426E-40DD-AFC4-6F175D3DCCD1}">
-              <a14:hiddenFill xmlns:a14="http://schemas.microsoft.com/office/drawing/2010/main">
-                <a:solidFill>
-                  <a:srgbClr val="FFFFFF"/>
-                </a:solidFill>
-              </a14:hiddenFill>
-            </a:ext>
-            <a:ext uri="{91240B29-F687-4F45-9708-019B960494DF}">
-              <a14:hiddenLine xmlns:a14="http://schemas.microsoft.com/office/drawing/2010/main" w="9525">
-                <a:solidFill>
-                  <a:srgbClr val="000000"/>
-                </a:solidFill>
-                <a:miter lim="800000"/>
-                <a:headEnd/>
-                <a:tailEnd/>
-              </a14:hiddenLine>
-            </a:ext>
-          </a:extLst>
-        </p:spPr>
-        <p:txBody>
-          <a:bodyPr vert="horz" wrap="square" lIns="91440" tIns="45720" rIns="91440" bIns="45720" numCol="1" anchor="t" anchorCtr="0" compatLnSpc="1">
-            <a:prstTxWarp prst="textNoShape">
-              <a:avLst/>
-            </a:prstTxWarp>
-            <a:noAutofit/>
-          </a:bodyPr>
-          <a:lstStyle>
-            <a:lvl1pPr marL="342900" indent="-342900" algn="l" rtl="0" eaLnBrk="1" fontAlgn="base" hangingPunct="1">
-              <a:spcBef>
-                <a:spcPct val="20000"/>
-              </a:spcBef>
-              <a:spcAft>
-                <a:spcPct val="0"/>
-              </a:spcAft>
-              <a:buFont typeface="Arial" charset="0"/>
-              <a:buChar char="•"/>
-              <a:defRPr sz="3200" kern="1200">
-                <a:solidFill>
-                  <a:schemeClr val="tx1"/>
-                </a:solidFill>
-                <a:latin typeface="+mn-lt"/>
-                <a:ea typeface="+mn-ea"/>
-                <a:cs typeface="+mn-cs"/>
-              </a:defRPr>
-            </a:lvl1pPr>
-            <a:lvl2pPr marL="742950" indent="-285750" algn="l" rtl="0" eaLnBrk="1" fontAlgn="base" hangingPunct="1">
-              <a:spcBef>
-                <a:spcPct val="20000"/>
-              </a:spcBef>
-              <a:spcAft>
-                <a:spcPct val="0"/>
-              </a:spcAft>
-              <a:buFont typeface="Arial" charset="0"/>
-              <a:buChar char="–"/>
-              <a:defRPr sz="2800" kern="1200">
-                <a:solidFill>
-                  <a:schemeClr val="tx1"/>
-                </a:solidFill>
-                <a:latin typeface="+mn-lt"/>
-                <a:ea typeface="+mn-ea"/>
-                <a:cs typeface="+mn-cs"/>
-              </a:defRPr>
-            </a:lvl2pPr>
-            <a:lvl3pPr marL="1143000" indent="-228600" algn="l" rtl="0" eaLnBrk="1" fontAlgn="base" hangingPunct="1">
-              <a:spcBef>
-                <a:spcPct val="20000"/>
-              </a:spcBef>
-              <a:spcAft>
-                <a:spcPct val="0"/>
-              </a:spcAft>
-              <a:buFont typeface="Arial" charset="0"/>
-              <a:buChar char="•"/>
-              <a:defRPr sz="2400" kern="1200">
-                <a:solidFill>
-                  <a:schemeClr val="tx1"/>
-                </a:solidFill>
-                <a:latin typeface="+mn-lt"/>
-                <a:ea typeface="+mn-ea"/>
-                <a:cs typeface="+mn-cs"/>
-              </a:defRPr>
-            </a:lvl3pPr>
-            <a:lvl4pPr marL="1600200" indent="-228600" algn="l" rtl="0" eaLnBrk="1" fontAlgn="base" hangingPunct="1">
-              <a:spcBef>
-                <a:spcPct val="20000"/>
-              </a:spcBef>
-              <a:spcAft>
-                <a:spcPct val="0"/>
-              </a:spcAft>
-              <a:buFont typeface="Arial" charset="0"/>
-              <a:buChar char="–"/>
-              <a:defRPr sz="2000" kern="1200">
-                <a:solidFill>
-                  <a:schemeClr val="tx1"/>
-                </a:solidFill>
-                <a:latin typeface="+mn-lt"/>
-                <a:ea typeface="+mn-ea"/>
-                <a:cs typeface="+mn-cs"/>
-              </a:defRPr>
-            </a:lvl4pPr>
-            <a:lvl5pPr marL="2057400" indent="-228600" algn="l" rtl="0" eaLnBrk="1" fontAlgn="base" hangingPunct="1">
-              <a:spcBef>
-                <a:spcPct val="20000"/>
-              </a:spcBef>
-              <a:spcAft>
-                <a:spcPct val="0"/>
-              </a:spcAft>
-              <a:buFont typeface="Arial" charset="0"/>
-              <a:buChar char="»"/>
-              <a:defRPr sz="2000" kern="1200">
-                <a:solidFill>
-                  <a:schemeClr val="tx1"/>
-                </a:solidFill>
-                <a:latin typeface="+mn-lt"/>
-                <a:ea typeface="+mn-ea"/>
-                <a:cs typeface="+mn-cs"/>
-              </a:defRPr>
-            </a:lvl5pPr>
-            <a:lvl6pPr marL="2514600" indent="-228600" algn="l" defTabSz="914400" rtl="0" eaLnBrk="1" latinLnBrk="0" hangingPunct="1">
-              <a:spcBef>
-                <a:spcPct val="20000"/>
-              </a:spcBef>
-              <a:buFont typeface="Arial" pitchFamily="34" charset="0"/>
-              <a:buChar char="•"/>
-              <a:defRPr sz="2000" kern="1200">
-                <a:solidFill>
-                  <a:schemeClr val="tx1"/>
-                </a:solidFill>
-                <a:latin typeface="+mn-lt"/>
-                <a:ea typeface="+mn-ea"/>
-                <a:cs typeface="+mn-cs"/>
-              </a:defRPr>
-            </a:lvl6pPr>
-            <a:lvl7pPr marL="2971800" indent="-228600" algn="l" defTabSz="914400" rtl="0" eaLnBrk="1" latinLnBrk="0" hangingPunct="1">
-              <a:spcBef>
-                <a:spcPct val="20000"/>
-              </a:spcBef>
-              <a:buFont typeface="Arial" pitchFamily="34" charset="0"/>
-              <a:buChar char="•"/>
-              <a:defRPr sz="2000" kern="1200">
-                <a:solidFill>
-                  <a:schemeClr val="tx1"/>
-                </a:solidFill>
-                <a:latin typeface="+mn-lt"/>
-                <a:ea typeface="+mn-ea"/>
-                <a:cs typeface="+mn-cs"/>
-              </a:defRPr>
-            </a:lvl7pPr>
-            <a:lvl8pPr marL="3429000" indent="-228600" algn="l" defTabSz="914400" rtl="0" eaLnBrk="1" latinLnBrk="0" hangingPunct="1">
-              <a:spcBef>
-                <a:spcPct val="20000"/>
-              </a:spcBef>
-              <a:buFont typeface="Arial" pitchFamily="34" charset="0"/>
-              <a:buChar char="•"/>
-              <a:defRPr sz="2000" kern="1200">
-                <a:solidFill>
-                  <a:schemeClr val="tx1"/>
-                </a:solidFill>
-                <a:latin typeface="+mn-lt"/>
-                <a:ea typeface="+mn-ea"/>
-                <a:cs typeface="+mn-cs"/>
-              </a:defRPr>
-            </a:lvl8pPr>
-            <a:lvl9pPr marL="3886200" indent="-228600" algn="l" defTabSz="914400" rtl="0" eaLnBrk="1" latinLnBrk="0" hangingPunct="1">
-              <a:spcBef>
-                <a:spcPct val="20000"/>
-              </a:spcBef>
-              <a:buFont typeface="Arial" pitchFamily="34" charset="0"/>
-              <a:buChar char="•"/>
-              <a:defRPr sz="2000" kern="1200">
-                <a:solidFill>
-                  <a:schemeClr val="tx1"/>
-                </a:solidFill>
-                <a:latin typeface="+mn-lt"/>
-                <a:ea typeface="+mn-ea"/>
-                <a:cs typeface="+mn-cs"/>
-              </a:defRPr>
-            </a:lvl9pPr>
-          </a:lstStyle>
-          <a:p>
-            <a:pPr algn="just"/>
-            <a:r>
-              <a:rPr lang="de-DE" sz="2400" dirty="0" smtClean="0"/>
-              <a:t>Lösung</a:t>
-            </a:r>
-          </a:p>
-          <a:p>
-            <a:pPr lvl="1" algn="just"/>
-            <a:r>
-              <a:rPr lang="de-DE" sz="2000" dirty="0" smtClean="0"/>
-              <a:t>Wegen neuem Konzept</a:t>
-            </a:r>
-          </a:p>
-          <a:p>
-            <a:pPr lvl="1" algn="just"/>
-            <a:r>
-              <a:rPr lang="de-DE" sz="2000" dirty="0" smtClean="0"/>
-              <a:t>Gegen die Zeit</a:t>
-            </a:r>
-          </a:p>
-          <a:p>
-            <a:pPr lvl="1" algn="just"/>
-            <a:r>
-              <a:rPr lang="de-DE" sz="2000" dirty="0" smtClean="0"/>
-              <a:t>Nur noch das Speed-Power </a:t>
-            </a:r>
-            <a:r>
-              <a:rPr lang="de-DE" sz="2000" dirty="0" err="1" smtClean="0"/>
-              <a:t>Up</a:t>
-            </a:r>
-            <a:endParaRPr lang="de-DE" sz="1600" dirty="0" smtClean="0"/>
-          </a:p>
-        </p:txBody>
-      </p:sp>
-      <p:pic>
-        <p:nvPicPr>
-          <p:cNvPr id="2050" name="Picture 2" descr="D:\Nils\Desktop\Tron-Light-Bike-Race.jpg"/>
-          <p:cNvPicPr>
-            <a:picLocks noChangeAspect="1" noChangeArrowheads="1"/>
-          </p:cNvPicPr>
-          <p:nvPr/>
-        </p:nvPicPr>
-        <p:blipFill rotWithShape="1">
-          <a:blip r:embed="rId2" cstate="print">
-            <a:extLst>
-              <a:ext uri="{28A0092B-C50C-407E-A947-70E740481C1C}">
-                <a14:useLocalDpi xmlns:a14="http://schemas.microsoft.com/office/drawing/2010/main" val="0"/>
-              </a:ext>
-            </a:extLst>
-          </a:blip>
-          <a:srcRect l="6322" r="16490"/>
-          <a:stretch/>
-        </p:blipFill>
-        <p:spPr bwMode="auto">
-          <a:xfrm>
-            <a:off x="1435251" y="3698545"/>
-            <a:ext cx="4965549" cy="2682092"/>
-          </a:xfrm>
-          <a:prstGeom prst="rect">
-            <a:avLst/>
-          </a:prstGeom>
-          <a:noFill/>
-          <a:extLst>
-            <a:ext uri="{909E8E84-426E-40DD-AFC4-6F175D3DCCD1}">
-              <a14:hiddenFill xmlns:a14="http://schemas.microsoft.com/office/drawing/2010/main">
-                <a:solidFill>
-                  <a:srgbClr val="FFFFFF"/>
-                </a:solidFill>
-              </a14:hiddenFill>
-            </a:ext>
-          </a:extLst>
-        </p:spPr>
-      </p:pic>
-      <p:sp>
-        <p:nvSpPr>
-          <p:cNvPr id="6" name="Textfeld 5"/>
-          <p:cNvSpPr txBox="1"/>
-          <p:nvPr/>
-        </p:nvSpPr>
-        <p:spPr>
-          <a:xfrm>
-            <a:off x="1460314" y="6387149"/>
-            <a:ext cx="3862313" cy="369332"/>
-          </a:xfrm>
-          <a:prstGeom prst="rect">
-            <a:avLst/>
-          </a:prstGeom>
-          <a:noFill/>
-        </p:spPr>
-        <p:txBody>
-          <a:bodyPr wrap="square" rtlCol="0">
-            <a:spAutoFit/>
-          </a:bodyPr>
-          <a:lstStyle/>
-          <a:p>
-            <a:r>
-              <a:rPr lang="de-DE" dirty="0" err="1" smtClean="0"/>
-              <a:t>Gif</a:t>
-            </a:r>
-            <a:r>
-              <a:rPr lang="de-DE" dirty="0" smtClean="0"/>
-              <a:t> Bild – Speed-Power </a:t>
-            </a:r>
-            <a:r>
-              <a:rPr lang="de-DE" dirty="0" err="1" smtClean="0"/>
-              <a:t>Up</a:t>
-            </a:r>
-            <a:r>
-              <a:rPr lang="de-DE" dirty="0" smtClean="0"/>
-              <a:t> in Aktion</a:t>
-            </a:r>
-            <a:endParaRPr lang="de-DE" dirty="0"/>
-          </a:p>
-        </p:txBody>
-      </p:sp>
-    </p:spTree>
-    <p:extLst>
-      <p:ext uri="{BB962C8B-B14F-4D97-AF65-F5344CB8AC3E}">
-        <p14:creationId xmlns:p14="http://schemas.microsoft.com/office/powerpoint/2010/main" val="4272078257"/>
       </p:ext>
     </p:extLst>
   </p:cSld>
@@ -13292,7 +13570,7 @@
   <a:extraClrSchemeLst/>
   <a:extLst>
     <a:ext uri="{05A4C25C-085E-4340-85A3-A5531E510DB2}">
-      <thm15:themeFamily xmlns:thm15="http://schemas.microsoft.com/office/thememl/2012/main" xmlns="" name="Fulda Master" id="{74D752EF-3FAA-4935-ABB4-7B74A58079FF}" vid="{C97248B2-61E8-49D9-A36C-898FD5117E19}"/>
+      <thm15:themeFamily xmlns="" xmlns:thm15="http://schemas.microsoft.com/office/thememl/2012/main" name="Fulda Master" id="{74D752EF-3FAA-4935-ABB4-7B74A58079FF}" vid="{C97248B2-61E8-49D9-A36C-898FD5117E19}"/>
     </a:ext>
   </a:extLst>
 </a:theme>

--- a/final/GDV - Finale Präsentation V0.9.pptx
+++ b/final/GDV - Finale Präsentation V0.9.pptx
@@ -1,9 +1,12 @@
 
 <file path=ppt/presentation.xml><?xml version="1.0" encoding="utf-8"?>
-<p:presentation xmlns:a="http://schemas.openxmlformats.org/drawingml/2006/main" xmlns:r="http://schemas.openxmlformats.org/officeDocument/2006/relationships" xmlns:p="http://schemas.openxmlformats.org/presentationml/2006/main" saveSubsetFonts="1">
+<p:presentation xmlns:a="http://schemas.openxmlformats.org/drawingml/2006/main" xmlns:r="http://schemas.openxmlformats.org/officeDocument/2006/relationships" xmlns:p="http://schemas.openxmlformats.org/presentationml/2006/main" showSpecialPlsOnTitleSld="0" saveSubsetFonts="1">
   <p:sldMasterIdLst>
     <p:sldMasterId id="2147483660" r:id="rId1"/>
   </p:sldMasterIdLst>
+  <p:notesMasterIdLst>
+    <p:notesMasterId r:id="rId43"/>
+  </p:notesMasterIdLst>
   <p:sldIdLst>
     <p:sldId id="256" r:id="rId2"/>
     <p:sldId id="257" r:id="rId3"/>
@@ -13,32 +16,39 @@
     <p:sldId id="297" r:id="rId7"/>
     <p:sldId id="271" r:id="rId8"/>
     <p:sldId id="270" r:id="rId9"/>
-    <p:sldId id="273" r:id="rId10"/>
-    <p:sldId id="274" r:id="rId11"/>
-    <p:sldId id="275" r:id="rId12"/>
-    <p:sldId id="276" r:id="rId13"/>
-    <p:sldId id="277" r:id="rId14"/>
-    <p:sldId id="278" r:id="rId15"/>
-    <p:sldId id="279" r:id="rId16"/>
-    <p:sldId id="280" r:id="rId17"/>
-    <p:sldId id="281" r:id="rId18"/>
-    <p:sldId id="282" r:id="rId19"/>
-    <p:sldId id="284" r:id="rId20"/>
-    <p:sldId id="283" r:id="rId21"/>
-    <p:sldId id="285" r:id="rId22"/>
-    <p:sldId id="260" r:id="rId23"/>
-    <p:sldId id="286" r:id="rId24"/>
-    <p:sldId id="287" r:id="rId25"/>
-    <p:sldId id="288" r:id="rId26"/>
-    <p:sldId id="289" r:id="rId27"/>
-    <p:sldId id="290" r:id="rId28"/>
-    <p:sldId id="291" r:id="rId29"/>
-    <p:sldId id="292" r:id="rId30"/>
-    <p:sldId id="293" r:id="rId31"/>
-    <p:sldId id="294" r:id="rId32"/>
-    <p:sldId id="295" r:id="rId33"/>
-    <p:sldId id="296" r:id="rId34"/>
-    <p:sldId id="272" r:id="rId35"/>
+    <p:sldId id="298" r:id="rId10"/>
+    <p:sldId id="303" r:id="rId11"/>
+    <p:sldId id="304" r:id="rId12"/>
+    <p:sldId id="302" r:id="rId13"/>
+    <p:sldId id="273" r:id="rId14"/>
+    <p:sldId id="274" r:id="rId15"/>
+    <p:sldId id="299" r:id="rId16"/>
+    <p:sldId id="275" r:id="rId17"/>
+    <p:sldId id="276" r:id="rId18"/>
+    <p:sldId id="277" r:id="rId19"/>
+    <p:sldId id="278" r:id="rId20"/>
+    <p:sldId id="279" r:id="rId21"/>
+    <p:sldId id="300" r:id="rId22"/>
+    <p:sldId id="280" r:id="rId23"/>
+    <p:sldId id="281" r:id="rId24"/>
+    <p:sldId id="282" r:id="rId25"/>
+    <p:sldId id="284" r:id="rId26"/>
+    <p:sldId id="283" r:id="rId27"/>
+    <p:sldId id="285" r:id="rId28"/>
+    <p:sldId id="301" r:id="rId29"/>
+    <p:sldId id="260" r:id="rId30"/>
+    <p:sldId id="286" r:id="rId31"/>
+    <p:sldId id="287" r:id="rId32"/>
+    <p:sldId id="288" r:id="rId33"/>
+    <p:sldId id="289" r:id="rId34"/>
+    <p:sldId id="290" r:id="rId35"/>
+    <p:sldId id="291" r:id="rId36"/>
+    <p:sldId id="292" r:id="rId37"/>
+    <p:sldId id="293" r:id="rId38"/>
+    <p:sldId id="294" r:id="rId39"/>
+    <p:sldId id="295" r:id="rId40"/>
+    <p:sldId id="296" r:id="rId41"/>
+    <p:sldId id="272" r:id="rId42"/>
   </p:sldIdLst>
   <p:sldSz cx="12192000" cy="6858000"/>
   <p:notesSz cx="6858000" cy="9144000"/>
@@ -139,7 +149,7 @@
   </p:defaultTextStyle>
   <p:extLst>
     <p:ext uri="{EFAFB233-063F-42B5-8137-9DF3F51BA10A}">
-      <p15:sldGuideLst xmlns="" xmlns:p15="http://schemas.microsoft.com/office/powerpoint/2012/main">
+      <p15:sldGuideLst xmlns:p15="http://schemas.microsoft.com/office/powerpoint/2012/main" xmlns="">
         <p15:guide id="1" orient="horz" pos="2160">
           <p15:clr>
             <a:srgbClr val="A4A3A4"/>
@@ -154,6 +164,356 @@
     </p:ext>
   </p:extLst>
 </p:presentation>
+</file>
+
+<file path=ppt/notesMasters/notesMaster1.xml><?xml version="1.0" encoding="utf-8"?>
+<p:notesMaster xmlns:a="http://schemas.openxmlformats.org/drawingml/2006/main" xmlns:r="http://schemas.openxmlformats.org/officeDocument/2006/relationships" xmlns:p="http://schemas.openxmlformats.org/presentationml/2006/main">
+  <p:cSld>
+    <p:bg>
+      <p:bgRef idx="1001">
+        <a:schemeClr val="bg1"/>
+      </p:bgRef>
+    </p:bg>
+    <p:spTree>
+      <p:nvGrpSpPr>
+        <p:cNvPr id="1" name=""/>
+        <p:cNvGrpSpPr/>
+        <p:nvPr/>
+      </p:nvGrpSpPr>
+      <p:grpSpPr>
+        <a:xfrm>
+          <a:off x="0" y="0"/>
+          <a:ext cx="0" cy="0"/>
+          <a:chOff x="0" y="0"/>
+          <a:chExt cx="0" cy="0"/>
+        </a:xfrm>
+      </p:grpSpPr>
+      <p:sp>
+        <p:nvSpPr>
+          <p:cNvPr id="2" name="Kopfzeilenplatzhalter 1"/>
+          <p:cNvSpPr>
+            <a:spLocks noGrp="1"/>
+          </p:cNvSpPr>
+          <p:nvPr>
+            <p:ph type="hdr" sz="quarter"/>
+          </p:nvPr>
+        </p:nvSpPr>
+        <p:spPr>
+          <a:xfrm>
+            <a:off x="0" y="0"/>
+            <a:ext cx="2971800" cy="457200"/>
+          </a:xfrm>
+          <a:prstGeom prst="rect">
+            <a:avLst/>
+          </a:prstGeom>
+        </p:spPr>
+        <p:txBody>
+          <a:bodyPr vert="horz" lIns="91440" tIns="45720" rIns="91440" bIns="45720" rtlCol="0"/>
+          <a:lstStyle>
+            <a:lvl1pPr algn="l">
+              <a:defRPr sz="1200"/>
+            </a:lvl1pPr>
+          </a:lstStyle>
+          <a:p>
+            <a:endParaRPr lang="de-DE"/>
+          </a:p>
+        </p:txBody>
+      </p:sp>
+      <p:sp>
+        <p:nvSpPr>
+          <p:cNvPr id="3" name="Datumsplatzhalter 2"/>
+          <p:cNvSpPr>
+            <a:spLocks noGrp="1"/>
+          </p:cNvSpPr>
+          <p:nvPr>
+            <p:ph type="dt" idx="1"/>
+          </p:nvPr>
+        </p:nvSpPr>
+        <p:spPr>
+          <a:xfrm>
+            <a:off x="3884613" y="0"/>
+            <a:ext cx="2971800" cy="457200"/>
+          </a:xfrm>
+          <a:prstGeom prst="rect">
+            <a:avLst/>
+          </a:prstGeom>
+        </p:spPr>
+        <p:txBody>
+          <a:bodyPr vert="horz" lIns="91440" tIns="45720" rIns="91440" bIns="45720" rtlCol="0"/>
+          <a:lstStyle>
+            <a:lvl1pPr algn="r">
+              <a:defRPr sz="1200"/>
+            </a:lvl1pPr>
+          </a:lstStyle>
+          <a:p>
+            <a:fld id="{2294DDCF-9B4A-4AB3-A6AF-CD280108E8A8}" type="datetimeFigureOut">
+              <a:rPr lang="de-DE" smtClean="0"/>
+              <a:t>02.10.2015</a:t>
+            </a:fld>
+            <a:endParaRPr lang="de-DE"/>
+          </a:p>
+        </p:txBody>
+      </p:sp>
+      <p:sp>
+        <p:nvSpPr>
+          <p:cNvPr id="4" name="Folienbildplatzhalter 3"/>
+          <p:cNvSpPr>
+            <a:spLocks noGrp="1" noRot="1" noChangeAspect="1"/>
+          </p:cNvSpPr>
+          <p:nvPr>
+            <p:ph type="sldImg" idx="2"/>
+          </p:nvPr>
+        </p:nvSpPr>
+        <p:spPr>
+          <a:xfrm>
+            <a:off x="381000" y="685800"/>
+            <a:ext cx="6096000" cy="3429000"/>
+          </a:xfrm>
+          <a:prstGeom prst="rect">
+            <a:avLst/>
+          </a:prstGeom>
+          <a:noFill/>
+          <a:ln w="12700">
+            <a:solidFill>
+              <a:prstClr val="black"/>
+            </a:solidFill>
+          </a:ln>
+        </p:spPr>
+        <p:txBody>
+          <a:bodyPr vert="horz" lIns="91440" tIns="45720" rIns="91440" bIns="45720" rtlCol="0" anchor="ctr"/>
+          <a:lstStyle/>
+          <a:p>
+            <a:endParaRPr lang="de-DE"/>
+          </a:p>
+        </p:txBody>
+      </p:sp>
+      <p:sp>
+        <p:nvSpPr>
+          <p:cNvPr id="5" name="Notizenplatzhalter 4"/>
+          <p:cNvSpPr>
+            <a:spLocks noGrp="1"/>
+          </p:cNvSpPr>
+          <p:nvPr>
+            <p:ph type="body" sz="quarter" idx="3"/>
+          </p:nvPr>
+        </p:nvSpPr>
+        <p:spPr>
+          <a:xfrm>
+            <a:off x="685800" y="4343400"/>
+            <a:ext cx="5486400" cy="4114800"/>
+          </a:xfrm>
+          <a:prstGeom prst="rect">
+            <a:avLst/>
+          </a:prstGeom>
+        </p:spPr>
+        <p:txBody>
+          <a:bodyPr vert="horz" lIns="91440" tIns="45720" rIns="91440" bIns="45720" rtlCol="0"/>
+          <a:lstStyle/>
+          <a:p>
+            <a:pPr lvl="0"/>
+            <a:r>
+              <a:rPr lang="de-DE" smtClean="0"/>
+              <a:t>Textmasterformat bearbeiten</a:t>
+            </a:r>
+          </a:p>
+          <a:p>
+            <a:pPr lvl="1"/>
+            <a:r>
+              <a:rPr lang="de-DE" smtClean="0"/>
+              <a:t>Zweite Ebene</a:t>
+            </a:r>
+          </a:p>
+          <a:p>
+            <a:pPr lvl="2"/>
+            <a:r>
+              <a:rPr lang="de-DE" smtClean="0"/>
+              <a:t>Dritte Ebene</a:t>
+            </a:r>
+          </a:p>
+          <a:p>
+            <a:pPr lvl="3"/>
+            <a:r>
+              <a:rPr lang="de-DE" smtClean="0"/>
+              <a:t>Vierte Ebene</a:t>
+            </a:r>
+          </a:p>
+          <a:p>
+            <a:pPr lvl="4"/>
+            <a:r>
+              <a:rPr lang="de-DE" smtClean="0"/>
+              <a:t>Fünfte Ebene</a:t>
+            </a:r>
+            <a:endParaRPr lang="de-DE"/>
+          </a:p>
+        </p:txBody>
+      </p:sp>
+      <p:sp>
+        <p:nvSpPr>
+          <p:cNvPr id="6" name="Fußzeilenplatzhalter 5"/>
+          <p:cNvSpPr>
+            <a:spLocks noGrp="1"/>
+          </p:cNvSpPr>
+          <p:nvPr>
+            <p:ph type="ftr" sz="quarter" idx="4"/>
+          </p:nvPr>
+        </p:nvSpPr>
+        <p:spPr>
+          <a:xfrm>
+            <a:off x="0" y="8685213"/>
+            <a:ext cx="2971800" cy="457200"/>
+          </a:xfrm>
+          <a:prstGeom prst="rect">
+            <a:avLst/>
+          </a:prstGeom>
+        </p:spPr>
+        <p:txBody>
+          <a:bodyPr vert="horz" lIns="91440" tIns="45720" rIns="91440" bIns="45720" rtlCol="0" anchor="b"/>
+          <a:lstStyle>
+            <a:lvl1pPr algn="l">
+              <a:defRPr sz="1200"/>
+            </a:lvl1pPr>
+          </a:lstStyle>
+          <a:p>
+            <a:endParaRPr lang="de-DE"/>
+          </a:p>
+        </p:txBody>
+      </p:sp>
+      <p:sp>
+        <p:nvSpPr>
+          <p:cNvPr id="7" name="Foliennummernplatzhalter 6"/>
+          <p:cNvSpPr>
+            <a:spLocks noGrp="1"/>
+          </p:cNvSpPr>
+          <p:nvPr>
+            <p:ph type="sldNum" sz="quarter" idx="5"/>
+          </p:nvPr>
+        </p:nvSpPr>
+        <p:spPr>
+          <a:xfrm>
+            <a:off x="3884613" y="8685213"/>
+            <a:ext cx="2971800" cy="457200"/>
+          </a:xfrm>
+          <a:prstGeom prst="rect">
+            <a:avLst/>
+          </a:prstGeom>
+        </p:spPr>
+        <p:txBody>
+          <a:bodyPr vert="horz" lIns="91440" tIns="45720" rIns="91440" bIns="45720" rtlCol="0" anchor="b"/>
+          <a:lstStyle>
+            <a:lvl1pPr algn="r">
+              <a:defRPr sz="1200"/>
+            </a:lvl1pPr>
+          </a:lstStyle>
+          <a:p>
+            <a:fld id="{AB2E00E5-3331-435E-85D3-29A0B4942A98}" type="slidenum">
+              <a:rPr lang="de-DE" smtClean="0"/>
+              <a:t>‹Nr.›</a:t>
+            </a:fld>
+            <a:endParaRPr lang="de-DE"/>
+          </a:p>
+        </p:txBody>
+      </p:sp>
+    </p:spTree>
+    <p:extLst>
+      <p:ext uri="{BB962C8B-B14F-4D97-AF65-F5344CB8AC3E}">
+        <p14:creationId xmlns:p14="http://schemas.microsoft.com/office/powerpoint/2010/main" val="1391937382"/>
+      </p:ext>
+    </p:extLst>
+  </p:cSld>
+  <p:clrMap bg1="lt1" tx1="dk1" bg2="lt2" tx2="dk2" accent1="accent1" accent2="accent2" accent3="accent3" accent4="accent4" accent5="accent5" accent6="accent6" hlink="hlink" folHlink="folHlink"/>
+  <p:notesStyle>
+    <a:lvl1pPr marL="0" algn="l" defTabSz="914400" rtl="0" eaLnBrk="1" latinLnBrk="0" hangingPunct="1">
+      <a:defRPr sz="1200" kern="1200">
+        <a:solidFill>
+          <a:schemeClr val="tx1"/>
+        </a:solidFill>
+        <a:latin typeface="+mn-lt"/>
+        <a:ea typeface="+mn-ea"/>
+        <a:cs typeface="+mn-cs"/>
+      </a:defRPr>
+    </a:lvl1pPr>
+    <a:lvl2pPr marL="457200" algn="l" defTabSz="914400" rtl="0" eaLnBrk="1" latinLnBrk="0" hangingPunct="1">
+      <a:defRPr sz="1200" kern="1200">
+        <a:solidFill>
+          <a:schemeClr val="tx1"/>
+        </a:solidFill>
+        <a:latin typeface="+mn-lt"/>
+        <a:ea typeface="+mn-ea"/>
+        <a:cs typeface="+mn-cs"/>
+      </a:defRPr>
+    </a:lvl2pPr>
+    <a:lvl3pPr marL="914400" algn="l" defTabSz="914400" rtl="0" eaLnBrk="1" latinLnBrk="0" hangingPunct="1">
+      <a:defRPr sz="1200" kern="1200">
+        <a:solidFill>
+          <a:schemeClr val="tx1"/>
+        </a:solidFill>
+        <a:latin typeface="+mn-lt"/>
+        <a:ea typeface="+mn-ea"/>
+        <a:cs typeface="+mn-cs"/>
+      </a:defRPr>
+    </a:lvl3pPr>
+    <a:lvl4pPr marL="1371600" algn="l" defTabSz="914400" rtl="0" eaLnBrk="1" latinLnBrk="0" hangingPunct="1">
+      <a:defRPr sz="1200" kern="1200">
+        <a:solidFill>
+          <a:schemeClr val="tx1"/>
+        </a:solidFill>
+        <a:latin typeface="+mn-lt"/>
+        <a:ea typeface="+mn-ea"/>
+        <a:cs typeface="+mn-cs"/>
+      </a:defRPr>
+    </a:lvl4pPr>
+    <a:lvl5pPr marL="1828800" algn="l" defTabSz="914400" rtl="0" eaLnBrk="1" latinLnBrk="0" hangingPunct="1">
+      <a:defRPr sz="1200" kern="1200">
+        <a:solidFill>
+          <a:schemeClr val="tx1"/>
+        </a:solidFill>
+        <a:latin typeface="+mn-lt"/>
+        <a:ea typeface="+mn-ea"/>
+        <a:cs typeface="+mn-cs"/>
+      </a:defRPr>
+    </a:lvl5pPr>
+    <a:lvl6pPr marL="2286000" algn="l" defTabSz="914400" rtl="0" eaLnBrk="1" latinLnBrk="0" hangingPunct="1">
+      <a:defRPr sz="1200" kern="1200">
+        <a:solidFill>
+          <a:schemeClr val="tx1"/>
+        </a:solidFill>
+        <a:latin typeface="+mn-lt"/>
+        <a:ea typeface="+mn-ea"/>
+        <a:cs typeface="+mn-cs"/>
+      </a:defRPr>
+    </a:lvl6pPr>
+    <a:lvl7pPr marL="2743200" algn="l" defTabSz="914400" rtl="0" eaLnBrk="1" latinLnBrk="0" hangingPunct="1">
+      <a:defRPr sz="1200" kern="1200">
+        <a:solidFill>
+          <a:schemeClr val="tx1"/>
+        </a:solidFill>
+        <a:latin typeface="+mn-lt"/>
+        <a:ea typeface="+mn-ea"/>
+        <a:cs typeface="+mn-cs"/>
+      </a:defRPr>
+    </a:lvl7pPr>
+    <a:lvl8pPr marL="3200400" algn="l" defTabSz="914400" rtl="0" eaLnBrk="1" latinLnBrk="0" hangingPunct="1">
+      <a:defRPr sz="1200" kern="1200">
+        <a:solidFill>
+          <a:schemeClr val="tx1"/>
+        </a:solidFill>
+        <a:latin typeface="+mn-lt"/>
+        <a:ea typeface="+mn-ea"/>
+        <a:cs typeface="+mn-cs"/>
+      </a:defRPr>
+    </a:lvl8pPr>
+    <a:lvl9pPr marL="3657600" algn="l" defTabSz="914400" rtl="0" eaLnBrk="1" latinLnBrk="0" hangingPunct="1">
+      <a:defRPr sz="1200" kern="1200">
+        <a:solidFill>
+          <a:schemeClr val="tx1"/>
+        </a:solidFill>
+        <a:latin typeface="+mn-lt"/>
+        <a:ea typeface="+mn-ea"/>
+        <a:cs typeface="+mn-cs"/>
+      </a:defRPr>
+    </a:lvl9pPr>
+  </p:notesStyle>
+</p:notesMaster>
 </file>
 
 <file path=ppt/slideLayouts/slideLayout1.xml><?xml version="1.0" encoding="utf-8"?>
@@ -393,10 +753,10 @@
             </a:lvl1pPr>
           </a:lstStyle>
           <a:p>
-            <a:fld id="{EF89B6B9-B857-4877-A1E1-A78A6A94EA51}" type="datetimeFigureOut">
+            <a:r>
               <a:rPr lang="de-DE" smtClean="0"/>
-              <a:t>30.09.2015</a:t>
-            </a:fld>
+              <a:t>02.10.2015</a:t>
+            </a:r>
             <a:endParaRPr lang="de-DE"/>
           </a:p>
         </p:txBody>
@@ -575,10 +935,10 @@
             </a:lvl1pPr>
           </a:lstStyle>
           <a:p>
-            <a:fld id="{EF89B6B9-B857-4877-A1E1-A78A6A94EA51}" type="datetimeFigureOut">
+            <a:r>
               <a:rPr lang="de-DE" smtClean="0"/>
-              <a:t>30.09.2015</a:t>
-            </a:fld>
+              <a:t>02.10.2015</a:t>
+            </a:r>
             <a:endParaRPr lang="de-DE"/>
           </a:p>
         </p:txBody>
@@ -767,10 +1127,10 @@
             </a:lvl1pPr>
           </a:lstStyle>
           <a:p>
-            <a:fld id="{EF89B6B9-B857-4877-A1E1-A78A6A94EA51}" type="datetimeFigureOut">
+            <a:r>
               <a:rPr lang="de-DE" smtClean="0"/>
-              <a:t>30.09.2015</a:t>
-            </a:fld>
+              <a:t>02.10.2015</a:t>
+            </a:r>
             <a:endParaRPr lang="de-DE"/>
           </a:p>
         </p:txBody>
@@ -1013,10 +1373,10 @@
             </a:lvl1pPr>
           </a:lstStyle>
           <a:p>
-            <a:fld id="{EF89B6B9-B857-4877-A1E1-A78A6A94EA51}" type="datetimeFigureOut">
+            <a:r>
               <a:rPr lang="de-DE" smtClean="0"/>
-              <a:t>30.09.2015</a:t>
-            </a:fld>
+              <a:t>02.10.2015</a:t>
+            </a:r>
             <a:endParaRPr lang="de-DE"/>
           </a:p>
         </p:txBody>
@@ -1271,10 +1631,10 @@
             </a:lvl1pPr>
           </a:lstStyle>
           <a:p>
-            <a:fld id="{EF89B6B9-B857-4877-A1E1-A78A6A94EA51}" type="datetimeFigureOut">
+            <a:r>
               <a:rPr lang="de-DE" smtClean="0"/>
-              <a:t>30.09.2015</a:t>
-            </a:fld>
+              <a:t>02.10.2015</a:t>
+            </a:r>
             <a:endParaRPr lang="de-DE"/>
           </a:p>
         </p:txBody>
@@ -1571,10 +1931,10 @@
             </a:lvl1pPr>
           </a:lstStyle>
           <a:p>
-            <a:fld id="{EF89B6B9-B857-4877-A1E1-A78A6A94EA51}" type="datetimeFigureOut">
+            <a:r>
               <a:rPr lang="de-DE" smtClean="0"/>
-              <a:t>30.09.2015</a:t>
-            </a:fld>
+              <a:t>02.10.2015</a:t>
+            </a:r>
             <a:endParaRPr lang="de-DE"/>
           </a:p>
         </p:txBody>
@@ -2005,10 +2365,10 @@
             </a:lvl1pPr>
           </a:lstStyle>
           <a:p>
-            <a:fld id="{EF89B6B9-B857-4877-A1E1-A78A6A94EA51}" type="datetimeFigureOut">
+            <a:r>
               <a:rPr lang="de-DE" smtClean="0"/>
-              <a:t>30.09.2015</a:t>
-            </a:fld>
+              <a:t>02.10.2015</a:t>
+            </a:r>
             <a:endParaRPr lang="de-DE"/>
           </a:p>
         </p:txBody>
@@ -2135,10 +2495,10 @@
             </a:lvl1pPr>
           </a:lstStyle>
           <a:p>
-            <a:fld id="{EF89B6B9-B857-4877-A1E1-A78A6A94EA51}" type="datetimeFigureOut">
+            <a:r>
               <a:rPr lang="de-DE" smtClean="0"/>
-              <a:t>30.09.2015</a:t>
-            </a:fld>
+              <a:t>02.10.2015</a:t>
+            </a:r>
             <a:endParaRPr lang="de-DE"/>
           </a:p>
         </p:txBody>
@@ -2242,10 +2602,10 @@
             </a:lvl1pPr>
           </a:lstStyle>
           <a:p>
-            <a:fld id="{EF89B6B9-B857-4877-A1E1-A78A6A94EA51}" type="datetimeFigureOut">
+            <a:r>
               <a:rPr lang="de-DE" smtClean="0"/>
-              <a:t>30.09.2015</a:t>
-            </a:fld>
+              <a:t>02.10.2015</a:t>
+            </a:r>
             <a:endParaRPr lang="de-DE"/>
           </a:p>
         </p:txBody>
@@ -2531,10 +2891,10 @@
             </a:lvl1pPr>
           </a:lstStyle>
           <a:p>
-            <a:fld id="{EF89B6B9-B857-4877-A1E1-A78A6A94EA51}" type="datetimeFigureOut">
+            <a:r>
               <a:rPr lang="de-DE" smtClean="0"/>
-              <a:t>30.09.2015</a:t>
-            </a:fld>
+              <a:t>02.10.2015</a:t>
+            </a:r>
             <a:endParaRPr lang="de-DE"/>
           </a:p>
         </p:txBody>
@@ -2803,10 +3163,10 @@
             </a:lvl1pPr>
           </a:lstStyle>
           <a:p>
-            <a:fld id="{EF89B6B9-B857-4877-A1E1-A78A6A94EA51}" type="datetimeFigureOut">
+            <a:r>
               <a:rPr lang="de-DE" smtClean="0"/>
-              <a:t>30.09.2015</a:t>
-            </a:fld>
+              <a:t>02.10.2015</a:t>
+            </a:r>
             <a:endParaRPr lang="de-DE"/>
           </a:p>
         </p:txBody>
@@ -3084,10 +3444,10 @@
             </a:lvl1pPr>
           </a:lstStyle>
           <a:p>
-            <a:fld id="{EF89B6B9-B857-4877-A1E1-A78A6A94EA51}" type="datetimeFigureOut">
+            <a:r>
               <a:rPr lang="de-DE" smtClean="0"/>
-              <a:t>30.09.2015</a:t>
-            </a:fld>
+              <a:t>02.10.2015</a:t>
+            </a:r>
             <a:endParaRPr lang="de-DE"/>
           </a:p>
         </p:txBody>
@@ -3202,6 +3562,7 @@
     <p:sldLayoutId id="2147483670" r:id="rId10"/>
     <p:sldLayoutId id="2147483671" r:id="rId11"/>
   </p:sldLayoutIdLst>
+  <p:hf hdr="0" ftr="0"/>
   <p:txStyles>
     <p:titleStyle>
       <a:lvl1pPr algn="ctr" rtl="0" eaLnBrk="1" fontAlgn="base" hangingPunct="1">
@@ -3756,12 +4117,8 @@
               <a:rPr lang="de-DE" dirty="0" smtClean="0"/>
             </a:br>
             <a:r>
-              <a:rPr lang="de-DE" sz="3200" dirty="0" smtClean="0"/>
-              <a:t>Power </a:t>
-            </a:r>
-            <a:r>
               <a:rPr lang="de-DE" sz="3200" dirty="0" err="1" smtClean="0"/>
-              <a:t>Ups</a:t>
+              <a:t>Gameplay</a:t>
             </a:r>
             <a:endParaRPr lang="de-DE" sz="3200" dirty="0"/>
           </a:p>
@@ -3792,18 +4149,15 @@
             <a:pPr algn="just"/>
             <a:r>
               <a:rPr lang="de-DE" dirty="0" smtClean="0"/>
-              <a:t>Endergebnis</a:t>
-            </a:r>
+              <a:t>Konzept</a:t>
+            </a:r>
+            <a:endParaRPr lang="de-DE" dirty="0" smtClean="0"/>
           </a:p>
           <a:p>
             <a:pPr lvl="1" algn="just"/>
             <a:r>
               <a:rPr lang="de-DE" dirty="0" smtClean="0"/>
-              <a:t>Nur ein Einziges Power </a:t>
-            </a:r>
-            <a:r>
-              <a:rPr lang="de-DE" dirty="0" err="1" smtClean="0"/>
-              <a:t>Up</a:t>
+              <a:t>Rennen gegen AI / KI</a:t>
             </a:r>
             <a:endParaRPr lang="de-DE" dirty="0" smtClean="0"/>
           </a:p>
@@ -3820,7 +4174,7 @@
         <p:spPr bwMode="auto">
           <a:xfrm>
             <a:off x="7806519" y="2711197"/>
-            <a:ext cx="4012441" cy="2474951"/>
+            <a:ext cx="4012441" cy="3061806"/>
           </a:xfrm>
           <a:prstGeom prst="rect">
             <a:avLst/>
@@ -4012,34 +4366,19 @@
             <a:pPr algn="just"/>
             <a:r>
               <a:rPr lang="de-DE" sz="2400" dirty="0" smtClean="0"/>
-              <a:t>Lösung</a:t>
+              <a:t>Erläuterung</a:t>
             </a:r>
           </a:p>
           <a:p>
             <a:pPr lvl="1" algn="just"/>
             <a:r>
               <a:rPr lang="de-DE" sz="2000" dirty="0" smtClean="0"/>
-              <a:t>Wegen neuem Konzept</a:t>
+              <a:t>Singleplayer gegen vom Computer gesteuerte Gegner</a:t>
             </a:r>
           </a:p>
           <a:p>
             <a:pPr lvl="1" algn="just"/>
-            <a:r>
-              <a:rPr lang="de-DE" sz="2000" dirty="0" smtClean="0"/>
-              <a:t>Gegen die Zeit</a:t>
-            </a:r>
-          </a:p>
-          <a:p>
-            <a:pPr lvl="1" algn="just"/>
-            <a:r>
-              <a:rPr lang="de-DE" sz="2000" dirty="0" smtClean="0"/>
-              <a:t>Nur noch das Speed-Power </a:t>
-            </a:r>
-            <a:r>
-              <a:rPr lang="de-DE" sz="2000" dirty="0" err="1" smtClean="0"/>
-              <a:t>Up</a:t>
-            </a:r>
-            <a:endParaRPr lang="de-DE" sz="1600" dirty="0" smtClean="0"/>
+            <a:endParaRPr lang="de-DE" sz="2000" dirty="0" smtClean="0"/>
           </a:p>
         </p:txBody>
       </p:sp>
@@ -4065,7 +4404,7 @@
         <p:spPr bwMode="auto">
           <a:xfrm>
             <a:off x="1435251" y="3698545"/>
-            <a:ext cx="4965549" cy="2682092"/>
+            <a:ext cx="3832785" cy="2682092"/>
           </a:xfrm>
           <a:prstGeom prst="rect">
             <a:avLst/>
@@ -4090,8 +4429,8 @@
         </p:nvSpPr>
         <p:spPr>
           <a:xfrm>
-            <a:off x="1460314" y="6387149"/>
-            <a:ext cx="3862313" cy="369332"/>
+            <a:off x="1460315" y="6387149"/>
+            <a:ext cx="4353632" cy="369332"/>
           </a:xfrm>
           <a:prstGeom prst="rect">
             <a:avLst/>
@@ -4105,29 +4444,87 @@
           <a:lstStyle/>
           <a:p>
             <a:r>
+              <a:rPr lang="de-DE" dirty="0" smtClean="0"/>
+              <a:t>Screenshot – </a:t>
+            </a:r>
+            <a:r>
               <a:rPr lang="de-DE" dirty="0" err="1" smtClean="0"/>
-              <a:t>Gif</a:t>
-            </a:r>
-            <a:r>
-              <a:rPr lang="de-DE" dirty="0" smtClean="0"/>
-              <a:t> Bild – Speed-Power </a:t>
+              <a:t>Race</a:t>
+            </a:r>
+            <a:r>
+              <a:rPr lang="de-DE" dirty="0" smtClean="0"/>
+              <a:t> </a:t>
             </a:r>
             <a:r>
               <a:rPr lang="de-DE" dirty="0" err="1" smtClean="0"/>
-              <a:t>Up</a:t>
-            </a:r>
-            <a:r>
-              <a:rPr lang="de-DE" dirty="0" smtClean="0"/>
-              <a:t> in Aktion</a:t>
+              <a:t>Of</a:t>
+            </a:r>
+            <a:r>
+              <a:rPr lang="de-DE" dirty="0" smtClean="0"/>
+              <a:t> </a:t>
+            </a:r>
+            <a:r>
+              <a:rPr lang="de-DE" dirty="0" err="1" smtClean="0"/>
+              <a:t>DeaS</a:t>
+            </a:r>
+            <a:r>
+              <a:rPr lang="de-DE" dirty="0" smtClean="0"/>
+              <a:t> (Prototyp)</a:t>
             </a:r>
             <a:endParaRPr lang="de-DE" dirty="0"/>
+          </a:p>
+        </p:txBody>
+      </p:sp>
+      <p:sp>
+        <p:nvSpPr>
+          <p:cNvPr id="5" name="Datumsplatzhalter 4"/>
+          <p:cNvSpPr>
+            <a:spLocks noGrp="1"/>
+          </p:cNvSpPr>
+          <p:nvPr>
+            <p:ph type="dt" sz="half" idx="10"/>
+          </p:nvPr>
+        </p:nvSpPr>
+        <p:spPr/>
+        <p:txBody>
+          <a:bodyPr/>
+          <a:lstStyle/>
+          <a:p>
+            <a:r>
+              <a:rPr lang="de-DE" smtClean="0"/>
+              <a:t>02.10.2015</a:t>
+            </a:r>
+            <a:endParaRPr lang="de-DE"/>
+          </a:p>
+        </p:txBody>
+      </p:sp>
+      <p:sp>
+        <p:nvSpPr>
+          <p:cNvPr id="7" name="Foliennummernplatzhalter 6"/>
+          <p:cNvSpPr>
+            <a:spLocks noGrp="1"/>
+          </p:cNvSpPr>
+          <p:nvPr>
+            <p:ph type="sldNum" sz="quarter" idx="12"/>
+          </p:nvPr>
+        </p:nvSpPr>
+        <p:spPr/>
+        <p:txBody>
+          <a:bodyPr/>
+          <a:lstStyle/>
+          <a:p>
+            <a:fld id="{AA18DD3B-6366-410C-8003-B36A9F3BD685}" type="slidenum">
+              <a:rPr lang="de-DE" smtClean="0"/>
+              <a:t>10</a:t>
+            </a:fld>
+            <a:endParaRPr lang="de-DE"/>
           </a:p>
         </p:txBody>
       </p:sp>
     </p:spTree>
     <p:extLst>
       <p:ext uri="{BB962C8B-B14F-4D97-AF65-F5344CB8AC3E}">
-        <p14:creationId xmlns:p14="http://schemas.microsoft.com/office/powerpoint/2010/main" val="4272078257"/>
+        <p14:creationId xmlns:p14="http://schemas.microsoft.com/office/powerpoint/2010/main" val="1805065094"/>
       </p:ext>
     </p:extLst>
   </p:cSld>
@@ -4185,15 +4582,7 @@
             </a:br>
             <a:r>
               <a:rPr lang="de-DE" sz="3200" dirty="0" err="1" smtClean="0"/>
-              <a:t>Collision</a:t>
-            </a:r>
-            <a:r>
-              <a:rPr lang="de-DE" sz="3200" dirty="0" smtClean="0"/>
-              <a:t> </a:t>
-            </a:r>
-            <a:r>
-              <a:rPr lang="de-DE" sz="3200" dirty="0" err="1" smtClean="0"/>
-              <a:t>Detection</a:t>
+              <a:t>Gameplay</a:t>
             </a:r>
             <a:endParaRPr lang="de-DE" sz="3200" dirty="0"/>
           </a:p>
@@ -4224,15 +4613,17 @@
             <a:pPr algn="just"/>
             <a:r>
               <a:rPr lang="de-DE" dirty="0" smtClean="0"/>
-              <a:t>Hauptproblem</a:t>
-            </a:r>
+              <a:t>Problem</a:t>
+            </a:r>
+            <a:endParaRPr lang="de-DE" dirty="0" smtClean="0"/>
           </a:p>
           <a:p>
             <a:pPr lvl="1" algn="just"/>
             <a:r>
               <a:rPr lang="de-DE" dirty="0" smtClean="0"/>
-              <a:t>Keine „soliden“ Wände</a:t>
-            </a:r>
+              <a:t>Eine richtige AI / KI</a:t>
+            </a:r>
+            <a:endParaRPr lang="de-DE" dirty="0" smtClean="0"/>
           </a:p>
         </p:txBody>
       </p:sp>
@@ -4247,7 +4638,7 @@
         <p:spPr bwMode="auto">
           <a:xfrm>
             <a:off x="7806519" y="2711197"/>
-            <a:ext cx="4012441" cy="2474951"/>
+            <a:ext cx="4012441" cy="3061806"/>
           </a:xfrm>
           <a:prstGeom prst="rect">
             <a:avLst/>
@@ -4439,15 +4830,51 @@
             <a:pPr algn="just"/>
             <a:r>
               <a:rPr lang="de-DE" sz="2400" dirty="0" smtClean="0"/>
-              <a:t>Problem</a:t>
+              <a:t>Lösung</a:t>
             </a:r>
           </a:p>
           <a:p>
             <a:pPr lvl="1" algn="just"/>
             <a:r>
               <a:rPr lang="de-DE" sz="2000" dirty="0" smtClean="0"/>
-              <a:t>Fahrzeug fährt durch die „offensichtliche“ Grenze.</a:t>
-            </a:r>
+              <a:t>1. Versuch: AI / KI einfach Pfaden folgen lassen</a:t>
+            </a:r>
+          </a:p>
+          <a:p>
+            <a:pPr lvl="1" algn="just"/>
+            <a:r>
+              <a:rPr lang="de-DE" sz="2000" dirty="0" smtClean="0"/>
+              <a:t>Zu langweilig!</a:t>
+            </a:r>
+          </a:p>
+          <a:p>
+            <a:pPr lvl="1" algn="just"/>
+            <a:endParaRPr lang="de-DE" sz="2000" dirty="0"/>
+          </a:p>
+          <a:p>
+            <a:pPr lvl="1" algn="just"/>
+            <a:r>
+              <a:rPr lang="de-DE" sz="2000" dirty="0" smtClean="0"/>
+              <a:t>2. Versuch: Multiplayer</a:t>
+            </a:r>
+          </a:p>
+          <a:p>
+            <a:pPr lvl="2" algn="just"/>
+            <a:r>
+              <a:rPr lang="de-DE" sz="1600" dirty="0" smtClean="0"/>
+              <a:t>Nachteil: Kein Singleplayer mehr</a:t>
+            </a:r>
+          </a:p>
+          <a:p>
+            <a:pPr lvl="2" algn="just"/>
+            <a:r>
+              <a:rPr lang="de-DE" sz="1600" dirty="0" smtClean="0"/>
+              <a:t>Kein Menü aufgrund von Zeit.</a:t>
+            </a:r>
+          </a:p>
+          <a:p>
+            <a:pPr lvl="1" algn="just"/>
+            <a:endParaRPr lang="de-DE" sz="2000" dirty="0" smtClean="0"/>
           </a:p>
         </p:txBody>
       </p:sp>
@@ -4472,8 +4899,8 @@
         </p:blipFill>
         <p:spPr bwMode="auto">
           <a:xfrm>
-            <a:off x="1435251" y="3698545"/>
-            <a:ext cx="4965549" cy="2682092"/>
+            <a:off x="1720738" y="3698545"/>
+            <a:ext cx="3832785" cy="2682092"/>
           </a:xfrm>
           <a:prstGeom prst="rect">
             <a:avLst/>
@@ -4498,8 +4925,8 @@
         </p:nvSpPr>
         <p:spPr>
           <a:xfrm>
-            <a:off x="1460314" y="6387149"/>
-            <a:ext cx="3862313" cy="369332"/>
+            <a:off x="1460315" y="6387149"/>
+            <a:ext cx="4353632" cy="369332"/>
           </a:xfrm>
           <a:prstGeom prst="rect">
             <a:avLst/>
@@ -4513,21 +4940,87 @@
           <a:lstStyle/>
           <a:p>
             <a:r>
+              <a:rPr lang="de-DE" dirty="0" smtClean="0"/>
+              <a:t>Screenshot – </a:t>
+            </a:r>
+            <a:r>
               <a:rPr lang="de-DE" dirty="0" err="1" smtClean="0"/>
-              <a:t>Gif</a:t>
-            </a:r>
-            <a:r>
-              <a:rPr lang="de-DE" dirty="0" smtClean="0"/>
-              <a:t> Bild – „Fahrzeug“ fährt durch Wand</a:t>
+              <a:t>Race</a:t>
+            </a:r>
+            <a:r>
+              <a:rPr lang="de-DE" dirty="0" smtClean="0"/>
+              <a:t> </a:t>
+            </a:r>
+            <a:r>
+              <a:rPr lang="de-DE" dirty="0" err="1" smtClean="0"/>
+              <a:t>Of</a:t>
+            </a:r>
+            <a:r>
+              <a:rPr lang="de-DE" dirty="0" smtClean="0"/>
+              <a:t> </a:t>
+            </a:r>
+            <a:r>
+              <a:rPr lang="de-DE" dirty="0" err="1" smtClean="0"/>
+              <a:t>DeaS</a:t>
+            </a:r>
+            <a:r>
+              <a:rPr lang="de-DE" dirty="0" smtClean="0"/>
+              <a:t> (Finale Version)</a:t>
             </a:r>
             <a:endParaRPr lang="de-DE" dirty="0"/>
+          </a:p>
+        </p:txBody>
+      </p:sp>
+      <p:sp>
+        <p:nvSpPr>
+          <p:cNvPr id="5" name="Datumsplatzhalter 4"/>
+          <p:cNvSpPr>
+            <a:spLocks noGrp="1"/>
+          </p:cNvSpPr>
+          <p:nvPr>
+            <p:ph type="dt" sz="half" idx="10"/>
+          </p:nvPr>
+        </p:nvSpPr>
+        <p:spPr/>
+        <p:txBody>
+          <a:bodyPr/>
+          <a:lstStyle/>
+          <a:p>
+            <a:r>
+              <a:rPr lang="de-DE" dirty="0" smtClean="0"/>
+              <a:t>02.10.2015</a:t>
+            </a:r>
+            <a:endParaRPr lang="de-DE" dirty="0"/>
+          </a:p>
+        </p:txBody>
+      </p:sp>
+      <p:sp>
+        <p:nvSpPr>
+          <p:cNvPr id="7" name="Foliennummernplatzhalter 6"/>
+          <p:cNvSpPr>
+            <a:spLocks noGrp="1"/>
+          </p:cNvSpPr>
+          <p:nvPr>
+            <p:ph type="sldNum" sz="quarter" idx="12"/>
+          </p:nvPr>
+        </p:nvSpPr>
+        <p:spPr/>
+        <p:txBody>
+          <a:bodyPr/>
+          <a:lstStyle/>
+          <a:p>
+            <a:fld id="{AA18DD3B-6366-410C-8003-B36A9F3BD685}" type="slidenum">
+              <a:rPr lang="de-DE" smtClean="0"/>
+              <a:t>11</a:t>
+            </a:fld>
+            <a:endParaRPr lang="de-DE"/>
           </a:p>
         </p:txBody>
       </p:sp>
     </p:spTree>
     <p:extLst>
       <p:ext uri="{BB962C8B-B14F-4D97-AF65-F5344CB8AC3E}">
-        <p14:creationId xmlns:p14="http://schemas.microsoft.com/office/powerpoint/2010/main" val="748917962"/>
+        <p14:creationId xmlns:p14="http://schemas.microsoft.com/office/powerpoint/2010/main" val="3327254405"/>
       </p:ext>
     </p:extLst>
   </p:cSld>
@@ -4584,16 +5077,8 @@
               <a:rPr lang="de-DE" dirty="0" smtClean="0"/>
             </a:br>
             <a:r>
-              <a:rPr lang="de-DE" sz="3200" dirty="0" err="1" smtClean="0"/>
-              <a:t>Collision</a:t>
-            </a:r>
-            <a:r>
               <a:rPr lang="de-DE" sz="3200" dirty="0" smtClean="0"/>
-              <a:t> </a:t>
-            </a:r>
-            <a:r>
-              <a:rPr lang="de-DE" sz="3200" dirty="0" err="1" smtClean="0"/>
-              <a:t>Detection</a:t>
+              <a:t>Modelle</a:t>
             </a:r>
             <a:endParaRPr lang="de-DE" sz="3200" dirty="0"/>
           </a:p>
@@ -4624,15 +5109,17 @@
             <a:pPr algn="just"/>
             <a:r>
               <a:rPr lang="de-DE" dirty="0" smtClean="0"/>
-              <a:t>Endergebnis</a:t>
-            </a:r>
+              <a:t>Probleme</a:t>
+            </a:r>
+            <a:endParaRPr lang="de-DE" dirty="0" smtClean="0"/>
           </a:p>
           <a:p>
             <a:pPr lvl="1" algn="just"/>
             <a:r>
               <a:rPr lang="de-DE" dirty="0" smtClean="0"/>
-              <a:t>„Gummi“-Wand</a:t>
-            </a:r>
+              <a:t>JSON Modelle Import nicht sichtbar</a:t>
+            </a:r>
+            <a:endParaRPr lang="de-DE" dirty="0" smtClean="0"/>
           </a:p>
         </p:txBody>
       </p:sp>
@@ -4647,7 +5134,7 @@
         <p:spPr bwMode="auto">
           <a:xfrm>
             <a:off x="7806519" y="2711197"/>
-            <a:ext cx="4012441" cy="3669440"/>
+            <a:ext cx="4012441" cy="3061806"/>
           </a:xfrm>
           <a:prstGeom prst="rect">
             <a:avLst/>
@@ -4839,23 +5326,47 @@
             <a:pPr algn="just"/>
             <a:r>
               <a:rPr lang="de-DE" sz="2400" dirty="0" smtClean="0"/>
-              <a:t>Lösung</a:t>
-            </a:r>
+              <a:t>Problemstellung</a:t>
+            </a:r>
+            <a:endParaRPr lang="de-DE" sz="1200" dirty="0"/>
           </a:p>
           <a:p>
             <a:pPr lvl="1" algn="just"/>
             <a:r>
               <a:rPr lang="de-DE" sz="2000" dirty="0" smtClean="0"/>
-              <a:t>Wand lässt Fahrzeug zurückfedern</a:t>
+              <a:t>Nach langem Forschen, zur Erkenntnis: der Browser blockiert die </a:t>
+            </a:r>
+            <a:r>
+              <a:rPr lang="de-DE" sz="2000" dirty="0"/>
+              <a:t>V</a:t>
+            </a:r>
+            <a:r>
+              <a:rPr lang="de-DE" sz="2000" dirty="0" smtClean="0"/>
+              <a:t>erwendung von fremden Objekten.</a:t>
             </a:r>
           </a:p>
           <a:p>
             <a:pPr lvl="1" algn="just"/>
-            <a:endParaRPr lang="de-DE" sz="1400" dirty="0"/>
+            <a:endParaRPr lang="de-DE" sz="2000" dirty="0"/>
           </a:p>
           <a:p>
             <a:pPr lvl="1" algn="just"/>
-            <a:endParaRPr lang="de-DE" sz="1400" dirty="0" smtClean="0"/>
+            <a:r>
+              <a:rPr lang="de-DE" sz="2000" dirty="0" smtClean="0"/>
+              <a:t>Leider keine Lösung gefunden um das zu beheben.</a:t>
+            </a:r>
+          </a:p>
+          <a:p>
+            <a:pPr lvl="1" algn="just"/>
+            <a:endParaRPr lang="de-DE" sz="2000" dirty="0"/>
+          </a:p>
+          <a:p>
+            <a:pPr lvl="1" algn="just"/>
+            <a:r>
+              <a:rPr lang="de-DE" sz="2000" dirty="0" smtClean="0"/>
+              <a:t>Dennoch spielbar über „Online-Link“ (siehe Folie 3)</a:t>
+            </a:r>
+            <a:endParaRPr lang="de-DE" sz="2000" dirty="0" smtClean="0"/>
           </a:p>
         </p:txBody>
       </p:sp>
@@ -4880,8 +5391,8 @@
         </p:blipFill>
         <p:spPr bwMode="auto">
           <a:xfrm>
-            <a:off x="1435251" y="3698545"/>
-            <a:ext cx="4965549" cy="2682092"/>
+            <a:off x="877972" y="3698545"/>
+            <a:ext cx="3489311" cy="2682092"/>
           </a:xfrm>
           <a:prstGeom prst="rect">
             <a:avLst/>
@@ -4906,8 +5417,8 @@
         </p:nvSpPr>
         <p:spPr>
           <a:xfrm>
-            <a:off x="1460314" y="6387149"/>
-            <a:ext cx="5841238" cy="369332"/>
+            <a:off x="877972" y="6387149"/>
+            <a:ext cx="3330049" cy="369332"/>
           </a:xfrm>
           <a:prstGeom prst="rect">
             <a:avLst/>
@@ -4921,21 +5432,132 @@
           <a:lstStyle/>
           <a:p>
             <a:r>
-              <a:rPr lang="de-DE" dirty="0" err="1" smtClean="0"/>
-              <a:t>Gif</a:t>
-            </a:r>
-            <a:r>
-              <a:rPr lang="de-DE" dirty="0" smtClean="0"/>
-              <a:t> Bild – „Fahrzeug“ wird zurückgeworfen</a:t>
+              <a:rPr lang="de-DE" dirty="0" smtClean="0"/>
+              <a:t>Screenshot – Lokal geöffnet</a:t>
             </a:r>
             <a:endParaRPr lang="de-DE" dirty="0"/>
+          </a:p>
+        </p:txBody>
+      </p:sp>
+      <p:pic>
+        <p:nvPicPr>
+          <p:cNvPr id="7" name="Picture 2" descr="D:\Nils\Desktop\Tron-Light-Bike-Race.jpg"/>
+          <p:cNvPicPr>
+            <a:picLocks noChangeAspect="1" noChangeArrowheads="1"/>
+          </p:cNvPicPr>
+          <p:nvPr/>
+        </p:nvPicPr>
+        <p:blipFill rotWithShape="1">
+          <a:blip r:embed="rId2" cstate="print">
+            <a:extLst>
+              <a:ext uri="{28A0092B-C50C-407E-A947-70E740481C1C}">
+                <a14:useLocalDpi xmlns:a14="http://schemas.microsoft.com/office/drawing/2010/main" val="0"/>
+              </a:ext>
+            </a:extLst>
+          </a:blip>
+          <a:srcRect l="6322" r="16490"/>
+          <a:stretch/>
+        </p:blipFill>
+        <p:spPr bwMode="auto">
+          <a:xfrm>
+            <a:off x="4546984" y="3698545"/>
+            <a:ext cx="3338036" cy="2682092"/>
+          </a:xfrm>
+          <a:prstGeom prst="rect">
+            <a:avLst/>
+          </a:prstGeom>
+          <a:noFill/>
+          <a:extLst>
+            <a:ext uri="{909E8E84-426E-40DD-AFC4-6F175D3DCCD1}">
+              <a14:hiddenFill xmlns:a14="http://schemas.microsoft.com/office/drawing/2010/main">
+                <a:solidFill>
+                  <a:srgbClr val="FFFFFF"/>
+                </a:solidFill>
+              </a14:hiddenFill>
+            </a:ext>
+          </a:extLst>
+        </p:spPr>
+      </p:pic>
+      <p:sp>
+        <p:nvSpPr>
+          <p:cNvPr id="8" name="Textfeld 7"/>
+          <p:cNvSpPr txBox="1"/>
+          <p:nvPr/>
+        </p:nvSpPr>
+        <p:spPr>
+          <a:xfrm>
+            <a:off x="4476470" y="6387149"/>
+            <a:ext cx="3330049" cy="369332"/>
+          </a:xfrm>
+          <a:prstGeom prst="rect">
+            <a:avLst/>
+          </a:prstGeom>
+          <a:noFill/>
+        </p:spPr>
+        <p:txBody>
+          <a:bodyPr wrap="square" rtlCol="0">
+            <a:spAutoFit/>
+          </a:bodyPr>
+          <a:lstStyle/>
+          <a:p>
+            <a:r>
+              <a:rPr lang="de-DE" dirty="0" smtClean="0"/>
+              <a:t>Screenshot – Online</a:t>
+            </a:r>
+            <a:endParaRPr lang="de-DE" dirty="0"/>
+          </a:p>
+        </p:txBody>
+      </p:sp>
+      <p:sp>
+        <p:nvSpPr>
+          <p:cNvPr id="5" name="Datumsplatzhalter 4"/>
+          <p:cNvSpPr>
+            <a:spLocks noGrp="1"/>
+          </p:cNvSpPr>
+          <p:nvPr>
+            <p:ph type="dt" sz="half" idx="10"/>
+          </p:nvPr>
+        </p:nvSpPr>
+        <p:spPr/>
+        <p:txBody>
+          <a:bodyPr/>
+          <a:lstStyle/>
+          <a:p>
+            <a:r>
+              <a:rPr lang="de-DE" smtClean="0"/>
+              <a:t>02.10.2015</a:t>
+            </a:r>
+            <a:endParaRPr lang="de-DE"/>
+          </a:p>
+        </p:txBody>
+      </p:sp>
+      <p:sp>
+        <p:nvSpPr>
+          <p:cNvPr id="9" name="Foliennummernplatzhalter 8"/>
+          <p:cNvSpPr>
+            <a:spLocks noGrp="1"/>
+          </p:cNvSpPr>
+          <p:nvPr>
+            <p:ph type="sldNum" sz="quarter" idx="12"/>
+          </p:nvPr>
+        </p:nvSpPr>
+        <p:spPr/>
+        <p:txBody>
+          <a:bodyPr/>
+          <a:lstStyle/>
+          <a:p>
+            <a:fld id="{AA18DD3B-6366-410C-8003-B36A9F3BD685}" type="slidenum">
+              <a:rPr lang="de-DE" smtClean="0"/>
+              <a:t>12</a:t>
+            </a:fld>
+            <a:endParaRPr lang="de-DE"/>
           </a:p>
         </p:txBody>
       </p:sp>
     </p:spTree>
     <p:extLst>
       <p:ext uri="{BB962C8B-B14F-4D97-AF65-F5344CB8AC3E}">
-        <p14:creationId xmlns:p14="http://schemas.microsoft.com/office/powerpoint/2010/main" val="2587824926"/>
+        <p14:creationId xmlns:p14="http://schemas.microsoft.com/office/powerpoint/2010/main" val="912970753"/>
       </p:ext>
     </p:extLst>
   </p:cSld>
@@ -4992,16 +5614,12 @@
               <a:rPr lang="de-DE" dirty="0" smtClean="0"/>
             </a:br>
             <a:r>
+              <a:rPr lang="de-DE" sz="3200" dirty="0" smtClean="0"/>
+              <a:t>Power </a:t>
+            </a:r>
+            <a:r>
               <a:rPr lang="de-DE" sz="3200" dirty="0" err="1" smtClean="0"/>
-              <a:t>Collision</a:t>
-            </a:r>
-            <a:r>
-              <a:rPr lang="de-DE" sz="3200" dirty="0" smtClean="0"/>
-              <a:t> </a:t>
-            </a:r>
-            <a:r>
-              <a:rPr lang="de-DE" sz="3200" dirty="0" err="1" smtClean="0"/>
-              <a:t>Detection</a:t>
+              <a:t>Ups</a:t>
             </a:r>
             <a:endParaRPr lang="de-DE" sz="3200" dirty="0"/>
           </a:p>
@@ -5032,15 +5650,20 @@
             <a:pPr algn="just"/>
             <a:r>
               <a:rPr lang="de-DE" dirty="0" smtClean="0"/>
-              <a:t>Neue Probleme</a:t>
+              <a:t>Erste Pläne</a:t>
             </a:r>
           </a:p>
           <a:p>
             <a:pPr lvl="1" algn="just"/>
             <a:r>
               <a:rPr lang="de-DE" dirty="0" smtClean="0"/>
-              <a:t>Grafikfehler &amp; „Ghost-Effekt“</a:t>
-            </a:r>
+              <a:t>Kampf Power </a:t>
+            </a:r>
+            <a:r>
+              <a:rPr lang="de-DE" dirty="0" err="1" smtClean="0"/>
+              <a:t>Ups</a:t>
+            </a:r>
+            <a:endParaRPr lang="de-DE" dirty="0" smtClean="0"/>
           </a:p>
         </p:txBody>
       </p:sp>
@@ -5055,7 +5678,7 @@
         <p:spPr bwMode="auto">
           <a:xfrm>
             <a:off x="7806519" y="2711197"/>
-            <a:ext cx="4012441" cy="3669440"/>
+            <a:ext cx="4012441" cy="2379415"/>
           </a:xfrm>
           <a:prstGeom prst="rect">
             <a:avLst/>
@@ -5247,71 +5870,74 @@
             <a:pPr algn="just"/>
             <a:r>
               <a:rPr lang="de-DE" sz="2400" dirty="0" smtClean="0"/>
-              <a:t>Bugs</a:t>
+              <a:t>Probleme</a:t>
             </a:r>
           </a:p>
           <a:p>
             <a:pPr lvl="1" algn="just"/>
             <a:r>
-              <a:rPr lang="de-DE" sz="1600" dirty="0"/>
-              <a:t>Neuer Bug: Bei zu starkem zurückfedern kann Spieler doch durch die Wand fahren</a:t>
-            </a:r>
+              <a:rPr lang="de-DE" sz="2000" dirty="0" err="1" smtClean="0"/>
+              <a:t>Collisions</a:t>
+            </a:r>
+            <a:r>
+              <a:rPr lang="de-DE" sz="2000" dirty="0"/>
+              <a:t> </a:t>
+            </a:r>
+            <a:r>
+              <a:rPr lang="de-DE" sz="2000" dirty="0" err="1" smtClean="0"/>
+              <a:t>Detection</a:t>
+            </a:r>
+            <a:endParaRPr lang="de-DE" sz="2000" dirty="0" smtClean="0"/>
+          </a:p>
+          <a:p>
+            <a:pPr lvl="2" algn="just"/>
+            <a:r>
+              <a:rPr lang="de-DE" sz="1600" dirty="0" smtClean="0"/>
+              <a:t>Geschoss fliegt durch Fahrzeug durch ohne zu reagieren</a:t>
+            </a:r>
+            <a:endParaRPr lang="de-DE" sz="1600" dirty="0" smtClean="0"/>
           </a:p>
           <a:p>
             <a:pPr lvl="1" algn="just"/>
-            <a:endParaRPr lang="de-DE" sz="1600" dirty="0"/>
-          </a:p>
-          <a:p>
-            <a:pPr lvl="1" algn="just"/>
-            <a:r>
-              <a:rPr lang="de-DE" sz="1600" dirty="0"/>
-              <a:t>Neuer Bug: Bei starker Beschleunigung, dringt das Fahrzeug ins Material der Wand ein</a:t>
-            </a:r>
-          </a:p>
-          <a:p>
-            <a:pPr lvl="1" algn="just"/>
-            <a:endParaRPr lang="de-DE" sz="1600" dirty="0"/>
-          </a:p>
-          <a:p>
-            <a:pPr lvl="1" algn="just"/>
-            <a:r>
-              <a:rPr lang="de-DE" sz="1600" dirty="0"/>
-              <a:t>Beide Bugs noch nicht behoben, wegen Zeitmangel und inkompatiblem Code</a:t>
-            </a:r>
-          </a:p>
-          <a:p>
-            <a:pPr lvl="1" algn="just"/>
-            <a:endParaRPr lang="de-DE" sz="1400" dirty="0"/>
-          </a:p>
-          <a:p>
-            <a:pPr lvl="1" algn="just"/>
-            <a:endParaRPr lang="de-DE" sz="1400" dirty="0" smtClean="0"/>
+            <a:r>
+              <a:rPr lang="de-DE" sz="2000" dirty="0" smtClean="0"/>
+              <a:t>Aktivierung</a:t>
+            </a:r>
+          </a:p>
+          <a:p>
+            <a:pPr lvl="2" algn="just"/>
+            <a:r>
+              <a:rPr lang="de-DE" sz="1600" dirty="0" smtClean="0"/>
+              <a:t>Fahrzeug sammelt ein, aber nichts geschieht</a:t>
+            </a:r>
+            <a:endParaRPr lang="de-DE" sz="1600" dirty="0" smtClean="0"/>
           </a:p>
         </p:txBody>
       </p:sp>
       <p:pic>
         <p:nvPicPr>
-          <p:cNvPr id="2050" name="Picture 2" descr="D:\Nils\Desktop\Tron-Light-Bike-Race.jpg"/>
+          <p:cNvPr id="2050" name="Picture 2"/>
           <p:cNvPicPr>
             <a:picLocks noChangeAspect="1" noChangeArrowheads="1"/>
           </p:cNvPicPr>
           <p:nvPr/>
         </p:nvPicPr>
-        <p:blipFill rotWithShape="1">
-          <a:blip r:embed="rId2" cstate="print">
+        <p:blipFill>
+          <a:blip r:embed="rId2">
             <a:extLst>
               <a:ext uri="{28A0092B-C50C-407E-A947-70E740481C1C}">
                 <a14:useLocalDpi xmlns:a14="http://schemas.microsoft.com/office/drawing/2010/main" val="0"/>
               </a:ext>
             </a:extLst>
           </a:blip>
-          <a:srcRect l="6322" r="16490"/>
-          <a:stretch/>
+          <a:stretch>
+            <a:fillRect/>
+          </a:stretch>
         </p:blipFill>
         <p:spPr bwMode="auto">
           <a:xfrm>
-            <a:off x="1435251" y="3698545"/>
-            <a:ext cx="4965549" cy="2682092"/>
+            <a:off x="1435251" y="3794078"/>
+            <a:ext cx="3832785" cy="2593071"/>
           </a:xfrm>
           <a:prstGeom prst="rect">
             <a:avLst/>
@@ -5337,7 +5963,7 @@
         <p:spPr>
           <a:xfrm>
             <a:off x="1460314" y="6387149"/>
-            <a:ext cx="5841238" cy="369332"/>
+            <a:ext cx="2920617" cy="369332"/>
           </a:xfrm>
           <a:prstGeom prst="rect">
             <a:avLst/>
@@ -5351,21 +5977,67 @@
           <a:lstStyle/>
           <a:p>
             <a:r>
+              <a:rPr lang="de-DE" dirty="0" smtClean="0"/>
+              <a:t>Screenshot - </a:t>
+            </a:r>
+            <a:r>
               <a:rPr lang="de-DE" dirty="0" err="1" smtClean="0"/>
-              <a:t>Gif</a:t>
-            </a:r>
-            <a:r>
-              <a:rPr lang="de-DE" dirty="0" smtClean="0"/>
-              <a:t> Bild – Dennoch durch die Wand &amp; Material Grafik Fehler</a:t>
+              <a:t>LittleBigPlanet</a:t>
             </a:r>
             <a:endParaRPr lang="de-DE" dirty="0"/>
+          </a:p>
+        </p:txBody>
+      </p:sp>
+      <p:sp>
+        <p:nvSpPr>
+          <p:cNvPr id="5" name="Datumsplatzhalter 4"/>
+          <p:cNvSpPr>
+            <a:spLocks noGrp="1"/>
+          </p:cNvSpPr>
+          <p:nvPr>
+            <p:ph type="dt" sz="half" idx="10"/>
+          </p:nvPr>
+        </p:nvSpPr>
+        <p:spPr/>
+        <p:txBody>
+          <a:bodyPr/>
+          <a:lstStyle/>
+          <a:p>
+            <a:r>
+              <a:rPr lang="de-DE" smtClean="0"/>
+              <a:t>02.10.2015</a:t>
+            </a:r>
+            <a:endParaRPr lang="de-DE"/>
+          </a:p>
+        </p:txBody>
+      </p:sp>
+      <p:sp>
+        <p:nvSpPr>
+          <p:cNvPr id="7" name="Foliennummernplatzhalter 6"/>
+          <p:cNvSpPr>
+            <a:spLocks noGrp="1"/>
+          </p:cNvSpPr>
+          <p:nvPr>
+            <p:ph type="sldNum" sz="quarter" idx="12"/>
+          </p:nvPr>
+        </p:nvSpPr>
+        <p:spPr/>
+        <p:txBody>
+          <a:bodyPr/>
+          <a:lstStyle/>
+          <a:p>
+            <a:fld id="{AA18DD3B-6366-410C-8003-B36A9F3BD685}" type="slidenum">
+              <a:rPr lang="de-DE" smtClean="0"/>
+              <a:t>13</a:t>
+            </a:fld>
+            <a:endParaRPr lang="de-DE"/>
           </a:p>
         </p:txBody>
       </p:sp>
     </p:spTree>
     <p:extLst>
       <p:ext uri="{BB962C8B-B14F-4D97-AF65-F5344CB8AC3E}">
-        <p14:creationId xmlns:p14="http://schemas.microsoft.com/office/powerpoint/2010/main" val="2601844610"/>
+        <p14:creationId xmlns:p14="http://schemas.microsoft.com/office/powerpoint/2010/main" val="104137852"/>
       </p:ext>
     </p:extLst>
   </p:cSld>
@@ -5423,7 +6095,11 @@
             </a:br>
             <a:r>
               <a:rPr lang="de-DE" sz="3200" dirty="0" smtClean="0"/>
-              <a:t>Checkpoints</a:t>
+              <a:t>Power </a:t>
+            </a:r>
+            <a:r>
+              <a:rPr lang="de-DE" sz="3200" dirty="0" err="1" smtClean="0"/>
+              <a:t>Ups</a:t>
             </a:r>
             <a:endParaRPr lang="de-DE" sz="3200" dirty="0"/>
           </a:p>
@@ -5454,15 +6130,24 @@
             <a:pPr algn="just"/>
             <a:r>
               <a:rPr lang="de-DE" dirty="0" smtClean="0"/>
-              <a:t>Hauptproblem</a:t>
+              <a:t>Endergebnis</a:t>
             </a:r>
           </a:p>
           <a:p>
             <a:pPr lvl="1" algn="just"/>
             <a:r>
               <a:rPr lang="de-DE" dirty="0" smtClean="0"/>
-              <a:t>Checkpoints für Start/Ziel </a:t>
-            </a:r>
+              <a:t>Nur ein </a:t>
+            </a:r>
+            <a:r>
+              <a:rPr lang="de-DE" dirty="0" smtClean="0"/>
+              <a:t>zwei Sammelbare Power </a:t>
+            </a:r>
+            <a:r>
+              <a:rPr lang="de-DE" dirty="0" err="1" smtClean="0"/>
+              <a:t>Ups</a:t>
+            </a:r>
+            <a:endParaRPr lang="de-DE" dirty="0" smtClean="0"/>
           </a:p>
         </p:txBody>
       </p:sp>
@@ -5477,7 +6162,7 @@
         <p:spPr bwMode="auto">
           <a:xfrm>
             <a:off x="7806519" y="2711197"/>
-            <a:ext cx="4012441" cy="1587848"/>
+            <a:ext cx="4012441" cy="2474951"/>
           </a:xfrm>
           <a:prstGeom prst="rect">
             <a:avLst/>
@@ -5669,36 +6354,55 @@
             <a:pPr algn="just"/>
             <a:r>
               <a:rPr lang="de-DE" sz="2400" dirty="0" smtClean="0"/>
-              <a:t>Problem</a:t>
+              <a:t>Lösung</a:t>
             </a:r>
           </a:p>
           <a:p>
             <a:pPr lvl="1" algn="just"/>
             <a:r>
               <a:rPr lang="de-DE" sz="2000" dirty="0" smtClean="0"/>
-              <a:t>Checkpoints reagieren zwar auf Kontakt, werden aber nicht gewertet</a:t>
-            </a:r>
-            <a:endParaRPr lang="de-DE" sz="2000" dirty="0"/>
+              <a:t>Wegen neuem </a:t>
+            </a:r>
+            <a:r>
+              <a:rPr lang="de-DE" sz="2000" dirty="0" smtClean="0"/>
+              <a:t>Konzept</a:t>
+            </a:r>
           </a:p>
           <a:p>
             <a:pPr lvl="1" algn="just"/>
-            <a:endParaRPr lang="de-DE" sz="1400" dirty="0"/>
-          </a:p>
-          <a:p>
-            <a:pPr lvl="1" algn="just"/>
-            <a:endParaRPr lang="de-DE" sz="1400" dirty="0" smtClean="0"/>
+            <a:r>
+              <a:rPr lang="de-DE" sz="2000" dirty="0" smtClean="0"/>
+              <a:t>Nur zwei Power </a:t>
+            </a:r>
+            <a:r>
+              <a:rPr lang="de-DE" sz="2000" dirty="0" err="1" smtClean="0"/>
+              <a:t>Ups</a:t>
+            </a:r>
+            <a:endParaRPr lang="de-DE" sz="1200" dirty="0"/>
+          </a:p>
+          <a:p>
+            <a:pPr lvl="2" algn="just"/>
+            <a:r>
+              <a:rPr lang="de-DE" sz="1600" dirty="0" smtClean="0"/>
+              <a:t>Speed &amp; </a:t>
+            </a:r>
+            <a:r>
+              <a:rPr lang="de-DE" sz="1600" dirty="0" err="1" smtClean="0"/>
+              <a:t>Healing</a:t>
+            </a:r>
+            <a:endParaRPr lang="de-DE" sz="1600" dirty="0" smtClean="0"/>
           </a:p>
         </p:txBody>
       </p:sp>
       <p:pic>
         <p:nvPicPr>
-          <p:cNvPr id="2050" name="Picture 2"/>
+          <p:cNvPr id="2050" name="Picture 2" descr="D:\Nils\Desktop\Tron-Light-Bike-Race.jpg"/>
           <p:cNvPicPr>
             <a:picLocks noChangeAspect="1" noChangeArrowheads="1"/>
           </p:cNvPicPr>
           <p:nvPr/>
         </p:nvPicPr>
-        <p:blipFill>
+        <p:blipFill rotWithShape="1">
           <a:blip r:embed="rId2" cstate="print">
             <a:extLst>
               <a:ext uri="{28A0092B-C50C-407E-A947-70E740481C1C}">
@@ -5706,14 +6410,13 @@
               </a:ext>
             </a:extLst>
           </a:blip>
-          <a:stretch>
-            <a:fillRect/>
-          </a:stretch>
+          <a:srcRect l="6322" r="16490"/>
+          <a:stretch/>
         </p:blipFill>
         <p:spPr bwMode="auto">
           <a:xfrm>
-            <a:off x="1435251" y="3802865"/>
-            <a:ext cx="4965549" cy="2473452"/>
+            <a:off x="1435251" y="3698545"/>
+            <a:ext cx="4965549" cy="2682092"/>
           </a:xfrm>
           <a:prstGeom prst="rect">
             <a:avLst/>
@@ -5739,7 +6442,7 @@
         <p:spPr>
           <a:xfrm>
             <a:off x="1460314" y="6387149"/>
-            <a:ext cx="5841238" cy="369332"/>
+            <a:ext cx="3862313" cy="369332"/>
           </a:xfrm>
           <a:prstGeom prst="rect">
             <a:avLst/>
@@ -5753,17 +6456,75 @@
           <a:lstStyle/>
           <a:p>
             <a:r>
-              <a:rPr lang="de-DE" dirty="0" smtClean="0"/>
-              <a:t>Screenshot – Prototyp Checkpoint zum Testen</a:t>
+              <a:rPr lang="de-DE" dirty="0" err="1" smtClean="0"/>
+              <a:t>Gif</a:t>
+            </a:r>
+            <a:r>
+              <a:rPr lang="de-DE" dirty="0" smtClean="0"/>
+              <a:t> Bild – Speed-Power </a:t>
+            </a:r>
+            <a:r>
+              <a:rPr lang="de-DE" dirty="0" err="1" smtClean="0"/>
+              <a:t>Up</a:t>
+            </a:r>
+            <a:r>
+              <a:rPr lang="de-DE" dirty="0" smtClean="0"/>
+              <a:t> in Aktion</a:t>
             </a:r>
             <a:endParaRPr lang="de-DE" dirty="0"/>
+          </a:p>
+        </p:txBody>
+      </p:sp>
+      <p:sp>
+        <p:nvSpPr>
+          <p:cNvPr id="5" name="Datumsplatzhalter 4"/>
+          <p:cNvSpPr>
+            <a:spLocks noGrp="1"/>
+          </p:cNvSpPr>
+          <p:nvPr>
+            <p:ph type="dt" sz="half" idx="10"/>
+          </p:nvPr>
+        </p:nvSpPr>
+        <p:spPr/>
+        <p:txBody>
+          <a:bodyPr/>
+          <a:lstStyle/>
+          <a:p>
+            <a:r>
+              <a:rPr lang="de-DE" smtClean="0"/>
+              <a:t>02.10.2015</a:t>
+            </a:r>
+            <a:endParaRPr lang="de-DE"/>
+          </a:p>
+        </p:txBody>
+      </p:sp>
+      <p:sp>
+        <p:nvSpPr>
+          <p:cNvPr id="7" name="Foliennummernplatzhalter 6"/>
+          <p:cNvSpPr>
+            <a:spLocks noGrp="1"/>
+          </p:cNvSpPr>
+          <p:nvPr>
+            <p:ph type="sldNum" sz="quarter" idx="12"/>
+          </p:nvPr>
+        </p:nvSpPr>
+        <p:spPr/>
+        <p:txBody>
+          <a:bodyPr/>
+          <a:lstStyle/>
+          <a:p>
+            <a:fld id="{AA18DD3B-6366-410C-8003-B36A9F3BD685}" type="slidenum">
+              <a:rPr lang="de-DE" smtClean="0"/>
+              <a:t>14</a:t>
+            </a:fld>
+            <a:endParaRPr lang="de-DE"/>
           </a:p>
         </p:txBody>
       </p:sp>
     </p:spTree>
     <p:extLst>
       <p:ext uri="{BB962C8B-B14F-4D97-AF65-F5344CB8AC3E}">
-        <p14:creationId xmlns:p14="http://schemas.microsoft.com/office/powerpoint/2010/main" val="850133919"/>
+        <p14:creationId xmlns:p14="http://schemas.microsoft.com/office/powerpoint/2010/main" val="4272078257"/>
       </p:ext>
     </p:extLst>
   </p:cSld>
@@ -5821,7 +6582,11 @@
             </a:br>
             <a:r>
               <a:rPr lang="de-DE" sz="3200" dirty="0" smtClean="0"/>
-              <a:t>Checkpoints</a:t>
+              <a:t>Power </a:t>
+            </a:r>
+            <a:r>
+              <a:rPr lang="de-DE" sz="3200" dirty="0" err="1" smtClean="0"/>
+              <a:t>Ups</a:t>
             </a:r>
             <a:endParaRPr lang="de-DE" sz="3200" dirty="0"/>
           </a:p>
@@ -5852,15 +6617,16 @@
             <a:pPr algn="just"/>
             <a:r>
               <a:rPr lang="de-DE" dirty="0" smtClean="0"/>
-              <a:t>Lösung?</a:t>
+              <a:t>Endergebnis</a:t>
             </a:r>
           </a:p>
           <a:p>
             <a:pPr lvl="1" algn="just"/>
             <a:r>
               <a:rPr lang="de-DE" dirty="0" smtClean="0"/>
-              <a:t>Noch ausstehend…</a:t>
-            </a:r>
+              <a:t>Geschoss dauerhaft aktiv</a:t>
+            </a:r>
+            <a:endParaRPr lang="de-DE" dirty="0" smtClean="0"/>
           </a:p>
         </p:txBody>
       </p:sp>
@@ -5875,7 +6641,7 @@
         <p:spPr bwMode="auto">
           <a:xfrm>
             <a:off x="7806519" y="2711197"/>
-            <a:ext cx="4012441" cy="1587848"/>
+            <a:ext cx="4012441" cy="3512182"/>
           </a:xfrm>
           <a:prstGeom prst="rect">
             <a:avLst/>
@@ -6067,36 +6833,54 @@
             <a:pPr algn="just"/>
             <a:r>
               <a:rPr lang="de-DE" sz="2400" dirty="0" smtClean="0"/>
-              <a:t>Lösung</a:t>
-            </a:r>
+              <a:t>Anmerkung</a:t>
+            </a:r>
+            <a:endParaRPr lang="de-DE" sz="2400" dirty="0" smtClean="0"/>
           </a:p>
           <a:p>
             <a:pPr lvl="1" algn="just"/>
             <a:r>
               <a:rPr lang="de-DE" sz="2000" dirty="0" smtClean="0"/>
-              <a:t>…</a:t>
-            </a:r>
-            <a:endParaRPr lang="de-DE" sz="2000" dirty="0"/>
+              <a:t>Um das Geschoss vollständig abzufeuern, muss die „Feuern“-Taste dauerhaft gedrückt werden.</a:t>
+            </a:r>
           </a:p>
           <a:p>
             <a:pPr lvl="1" algn="just"/>
-            <a:endParaRPr lang="de-DE" sz="1400" dirty="0"/>
-          </a:p>
-          <a:p>
-            <a:pPr lvl="1" algn="just"/>
-            <a:endParaRPr lang="de-DE" sz="1400" dirty="0" smtClean="0"/>
+            <a:r>
+              <a:rPr lang="de-DE" sz="2000" dirty="0" smtClean="0"/>
+              <a:t>Eine selbstständige Flugbahn lies sich nicht umsetzen</a:t>
+            </a:r>
+          </a:p>
+          <a:p>
+            <a:pPr lvl="2" algn="just"/>
+            <a:r>
+              <a:rPr lang="de-DE" sz="1600" dirty="0" smtClean="0"/>
+              <a:t>Zu viele Code-Interne Komplikationen</a:t>
+            </a:r>
+          </a:p>
+          <a:p>
+            <a:pPr lvl="2" algn="just"/>
+            <a:r>
+              <a:rPr lang="de-DE" sz="1600" dirty="0" err="1" smtClean="0"/>
+              <a:t>Bsp</a:t>
+            </a:r>
+            <a:r>
+              <a:rPr lang="de-DE" sz="1600" dirty="0" smtClean="0"/>
+              <a:t>: Geschoss fliegt gar nicht oder trifft einen selbst.</a:t>
+            </a:r>
+            <a:endParaRPr lang="de-DE" sz="1600" dirty="0" smtClean="0"/>
           </a:p>
         </p:txBody>
       </p:sp>
       <p:pic>
         <p:nvPicPr>
-          <p:cNvPr id="2050" name="Picture 2"/>
+          <p:cNvPr id="2050" name="Picture 2" descr="D:\Nils\Desktop\Tron-Light-Bike-Race.jpg"/>
           <p:cNvPicPr>
             <a:picLocks noChangeAspect="1" noChangeArrowheads="1"/>
           </p:cNvPicPr>
           <p:nvPr/>
         </p:nvPicPr>
-        <p:blipFill>
+        <p:blipFill rotWithShape="1">
           <a:blip r:embed="rId2" cstate="print">
             <a:extLst>
               <a:ext uri="{28A0092B-C50C-407E-A947-70E740481C1C}">
@@ -6104,14 +6888,13 @@
               </a:ext>
             </a:extLst>
           </a:blip>
-          <a:stretch>
-            <a:fillRect/>
-          </a:stretch>
+          <a:srcRect l="6322" r="16490"/>
+          <a:stretch/>
         </p:blipFill>
         <p:spPr bwMode="auto">
           <a:xfrm>
-            <a:off x="1435251" y="3802865"/>
-            <a:ext cx="4965549" cy="2473452"/>
+            <a:off x="1435251" y="3698545"/>
+            <a:ext cx="4965549" cy="2682092"/>
           </a:xfrm>
           <a:prstGeom prst="rect">
             <a:avLst/>
@@ -6137,7 +6920,7 @@
         <p:spPr>
           <a:xfrm>
             <a:off x="1460314" y="6387149"/>
-            <a:ext cx="5131555" cy="369332"/>
+            <a:ext cx="3862313" cy="369332"/>
           </a:xfrm>
           <a:prstGeom prst="rect">
             <a:avLst/>
@@ -6151,17 +6934,71 @@
           <a:lstStyle/>
           <a:p>
             <a:r>
-              <a:rPr lang="de-DE" dirty="0" smtClean="0"/>
-              <a:t>Screenshot – Vogelperspektive des fertigen Levels</a:t>
+              <a:rPr lang="de-DE" dirty="0" err="1" smtClean="0"/>
+              <a:t>Gif</a:t>
+            </a:r>
+            <a:r>
+              <a:rPr lang="de-DE" dirty="0" smtClean="0"/>
+              <a:t> Bild – </a:t>
+            </a:r>
+            <a:r>
+              <a:rPr lang="de-DE" dirty="0" smtClean="0"/>
+              <a:t>Geschoss wird abgefeuert</a:t>
             </a:r>
             <a:endParaRPr lang="de-DE" dirty="0"/>
+          </a:p>
+        </p:txBody>
+      </p:sp>
+      <p:sp>
+        <p:nvSpPr>
+          <p:cNvPr id="5" name="Datumsplatzhalter 4"/>
+          <p:cNvSpPr>
+            <a:spLocks noGrp="1"/>
+          </p:cNvSpPr>
+          <p:nvPr>
+            <p:ph type="dt" sz="half" idx="10"/>
+          </p:nvPr>
+        </p:nvSpPr>
+        <p:spPr/>
+        <p:txBody>
+          <a:bodyPr/>
+          <a:lstStyle/>
+          <a:p>
+            <a:r>
+              <a:rPr lang="de-DE" smtClean="0"/>
+              <a:t>02.10.2015</a:t>
+            </a:r>
+            <a:endParaRPr lang="de-DE"/>
+          </a:p>
+        </p:txBody>
+      </p:sp>
+      <p:sp>
+        <p:nvSpPr>
+          <p:cNvPr id="7" name="Foliennummernplatzhalter 6"/>
+          <p:cNvSpPr>
+            <a:spLocks noGrp="1"/>
+          </p:cNvSpPr>
+          <p:nvPr>
+            <p:ph type="sldNum" sz="quarter" idx="12"/>
+          </p:nvPr>
+        </p:nvSpPr>
+        <p:spPr/>
+        <p:txBody>
+          <a:bodyPr/>
+          <a:lstStyle/>
+          <a:p>
+            <a:fld id="{AA18DD3B-6366-410C-8003-B36A9F3BD685}" type="slidenum">
+              <a:rPr lang="de-DE" smtClean="0"/>
+              <a:t>15</a:t>
+            </a:fld>
+            <a:endParaRPr lang="de-DE"/>
           </a:p>
         </p:txBody>
       </p:sp>
     </p:spTree>
     <p:extLst>
       <p:ext uri="{BB962C8B-B14F-4D97-AF65-F5344CB8AC3E}">
-        <p14:creationId xmlns:p14="http://schemas.microsoft.com/office/powerpoint/2010/main" val="1767145185"/>
+        <p14:creationId xmlns:p14="http://schemas.microsoft.com/office/powerpoint/2010/main" val="3485084903"/>
       </p:ext>
     </p:extLst>
   </p:cSld>
@@ -6219,7 +7056,15 @@
             </a:br>
             <a:r>
               <a:rPr lang="de-DE" sz="3200" dirty="0" err="1" smtClean="0"/>
-              <a:t>Respawn</a:t>
+              <a:t>Collision</a:t>
+            </a:r>
+            <a:r>
+              <a:rPr lang="de-DE" sz="3200" dirty="0" smtClean="0"/>
+              <a:t> </a:t>
+            </a:r>
+            <a:r>
+              <a:rPr lang="de-DE" sz="3200" dirty="0" err="1" smtClean="0"/>
+              <a:t>Detection</a:t>
             </a:r>
             <a:endParaRPr lang="de-DE" sz="3200" dirty="0"/>
           </a:p>
@@ -6250,14 +7095,14 @@
             <a:pPr algn="just"/>
             <a:r>
               <a:rPr lang="de-DE" dirty="0" smtClean="0"/>
-              <a:t>Was getan werden soll…</a:t>
+              <a:t>Hauptproblem</a:t>
             </a:r>
           </a:p>
           <a:p>
             <a:pPr lvl="1" algn="just"/>
             <a:r>
               <a:rPr lang="de-DE" dirty="0" smtClean="0"/>
-              <a:t>Auf Knopfdruck bzw. bei Zerstörung</a:t>
+              <a:t>Keine „soliden“ Wände</a:t>
             </a:r>
           </a:p>
         </p:txBody>
@@ -6273,7 +7118,7 @@
         <p:spPr bwMode="auto">
           <a:xfrm>
             <a:off x="7806519" y="2711197"/>
-            <a:ext cx="4012441" cy="1587848"/>
+            <a:ext cx="4012441" cy="2474951"/>
           </a:xfrm>
           <a:prstGeom prst="rect">
             <a:avLst/>
@@ -6472,48 +7317,20 @@
             <a:pPr lvl="1" algn="just"/>
             <a:r>
               <a:rPr lang="de-DE" sz="2000" dirty="0" smtClean="0"/>
-              <a:t>Der </a:t>
-            </a:r>
-            <a:r>
-              <a:rPr lang="de-DE" sz="2000" dirty="0" err="1" smtClean="0"/>
-              <a:t>Respawn</a:t>
-            </a:r>
-            <a:r>
-              <a:rPr lang="de-DE" sz="2000" dirty="0" smtClean="0"/>
-              <a:t> funktioniert nicht oder nur halb.</a:t>
-            </a:r>
-          </a:p>
-          <a:p>
-            <a:pPr lvl="1" algn="just"/>
-            <a:r>
-              <a:rPr lang="de-DE" sz="2000" dirty="0" err="1" smtClean="0"/>
-              <a:t>Respawn</a:t>
-            </a:r>
-            <a:r>
-              <a:rPr lang="de-DE" sz="2000" dirty="0" smtClean="0"/>
-              <a:t> auf falscher Position</a:t>
-            </a:r>
-            <a:endParaRPr lang="de-DE" sz="2000" dirty="0"/>
-          </a:p>
-          <a:p>
-            <a:pPr lvl="1" algn="just"/>
-            <a:endParaRPr lang="de-DE" sz="1400" dirty="0"/>
-          </a:p>
-          <a:p>
-            <a:pPr lvl="1" algn="just"/>
-            <a:endParaRPr lang="de-DE" sz="1400" dirty="0" smtClean="0"/>
+              <a:t>Fahrzeug fährt durch die „offensichtliche“ Grenze.</a:t>
+            </a:r>
           </a:p>
         </p:txBody>
       </p:sp>
       <p:pic>
         <p:nvPicPr>
-          <p:cNvPr id="2050" name="Picture 2"/>
+          <p:cNvPr id="2050" name="Picture 2" descr="D:\Nils\Desktop\Tron-Light-Bike-Race.jpg"/>
           <p:cNvPicPr>
             <a:picLocks noChangeAspect="1" noChangeArrowheads="1"/>
           </p:cNvPicPr>
           <p:nvPr/>
         </p:nvPicPr>
-        <p:blipFill>
+        <p:blipFill rotWithShape="1">
           <a:blip r:embed="rId2" cstate="print">
             <a:extLst>
               <a:ext uri="{28A0092B-C50C-407E-A947-70E740481C1C}">
@@ -6521,14 +7338,13 @@
               </a:ext>
             </a:extLst>
           </a:blip>
-          <a:stretch>
-            <a:fillRect/>
-          </a:stretch>
+          <a:srcRect l="6322" r="16490"/>
+          <a:stretch/>
         </p:blipFill>
         <p:spPr bwMode="auto">
           <a:xfrm>
-            <a:off x="1435251" y="3802865"/>
-            <a:ext cx="4965549" cy="2473452"/>
+            <a:off x="1435251" y="3698545"/>
+            <a:ext cx="4965549" cy="2682092"/>
           </a:xfrm>
           <a:prstGeom prst="rect">
             <a:avLst/>
@@ -6554,7 +7370,7 @@
         <p:spPr>
           <a:xfrm>
             <a:off x="1460314" y="6387149"/>
-            <a:ext cx="5131555" cy="369332"/>
+            <a:ext cx="3862313" cy="369332"/>
           </a:xfrm>
           <a:prstGeom prst="rect">
             <a:avLst/>
@@ -6573,24 +7389,62 @@
             </a:r>
             <a:r>
               <a:rPr lang="de-DE" dirty="0" smtClean="0"/>
-              <a:t> – Spieler führt einen </a:t>
-            </a:r>
-            <a:r>
-              <a:rPr lang="de-DE" dirty="0" err="1" smtClean="0"/>
-              <a:t>Respawn</a:t>
-            </a:r>
-            <a:r>
-              <a:rPr lang="de-DE" dirty="0" smtClean="0"/>
-              <a:t> aus</a:t>
+              <a:t> Bild – „Fahrzeug“ fährt durch Wand</a:t>
             </a:r>
             <a:endParaRPr lang="de-DE" dirty="0"/>
+          </a:p>
+        </p:txBody>
+      </p:sp>
+      <p:sp>
+        <p:nvSpPr>
+          <p:cNvPr id="5" name="Datumsplatzhalter 4"/>
+          <p:cNvSpPr>
+            <a:spLocks noGrp="1"/>
+          </p:cNvSpPr>
+          <p:nvPr>
+            <p:ph type="dt" sz="half" idx="10"/>
+          </p:nvPr>
+        </p:nvSpPr>
+        <p:spPr/>
+        <p:txBody>
+          <a:bodyPr/>
+          <a:lstStyle/>
+          <a:p>
+            <a:r>
+              <a:rPr lang="de-DE" smtClean="0"/>
+              <a:t>02.10.2015</a:t>
+            </a:r>
+            <a:endParaRPr lang="de-DE"/>
+          </a:p>
+        </p:txBody>
+      </p:sp>
+      <p:sp>
+        <p:nvSpPr>
+          <p:cNvPr id="7" name="Foliennummernplatzhalter 6"/>
+          <p:cNvSpPr>
+            <a:spLocks noGrp="1"/>
+          </p:cNvSpPr>
+          <p:nvPr>
+            <p:ph type="sldNum" sz="quarter" idx="12"/>
+          </p:nvPr>
+        </p:nvSpPr>
+        <p:spPr/>
+        <p:txBody>
+          <a:bodyPr/>
+          <a:lstStyle/>
+          <a:p>
+            <a:fld id="{AA18DD3B-6366-410C-8003-B36A9F3BD685}" type="slidenum">
+              <a:rPr lang="de-DE" smtClean="0"/>
+              <a:t>16</a:t>
+            </a:fld>
+            <a:endParaRPr lang="de-DE"/>
           </a:p>
         </p:txBody>
       </p:sp>
     </p:spTree>
     <p:extLst>
       <p:ext uri="{BB962C8B-B14F-4D97-AF65-F5344CB8AC3E}">
-        <p14:creationId xmlns:p14="http://schemas.microsoft.com/office/powerpoint/2010/main" val="2615663998"/>
+        <p14:creationId xmlns:p14="http://schemas.microsoft.com/office/powerpoint/2010/main" val="748917962"/>
       </p:ext>
     </p:extLst>
   </p:cSld>
@@ -6648,7 +7502,15 @@
             </a:br>
             <a:r>
               <a:rPr lang="de-DE" sz="3200" dirty="0" err="1" smtClean="0"/>
-              <a:t>Respawn</a:t>
+              <a:t>Collision</a:t>
+            </a:r>
+            <a:r>
+              <a:rPr lang="de-DE" sz="3200" dirty="0" smtClean="0"/>
+              <a:t> </a:t>
+            </a:r>
+            <a:r>
+              <a:rPr lang="de-DE" sz="3200" dirty="0" err="1" smtClean="0"/>
+              <a:t>Detection</a:t>
             </a:r>
             <a:endParaRPr lang="de-DE" sz="3200" dirty="0"/>
           </a:p>
@@ -6679,14 +7541,14 @@
             <a:pPr algn="just"/>
             <a:r>
               <a:rPr lang="de-DE" dirty="0" smtClean="0"/>
-              <a:t>Endfunktion</a:t>
+              <a:t>Endergebnis</a:t>
             </a:r>
           </a:p>
           <a:p>
             <a:pPr lvl="1" algn="just"/>
             <a:r>
               <a:rPr lang="de-DE" dirty="0" smtClean="0"/>
-              <a:t>Einsatzfähig</a:t>
+              <a:t>„Gummi“-Wand</a:t>
             </a:r>
           </a:p>
         </p:txBody>
@@ -6702,7 +7564,7 @@
         <p:spPr bwMode="auto">
           <a:xfrm>
             <a:off x="7806519" y="2711197"/>
-            <a:ext cx="4012441" cy="2328394"/>
+            <a:ext cx="4012441" cy="3669440"/>
           </a:xfrm>
           <a:prstGeom prst="rect">
             <a:avLst/>
@@ -6901,33 +7763,8 @@
             <a:pPr lvl="1" algn="just"/>
             <a:r>
               <a:rPr lang="de-DE" sz="2000" dirty="0" smtClean="0"/>
-              <a:t>Bei </a:t>
-            </a:r>
-            <a:r>
-              <a:rPr lang="de-DE" sz="2000" dirty="0" err="1" smtClean="0"/>
-              <a:t>betätigung</a:t>
-            </a:r>
-            <a:r>
-              <a:rPr lang="de-DE" sz="2000" dirty="0" smtClean="0"/>
-              <a:t> von „R“ wird </a:t>
-            </a:r>
-            <a:r>
-              <a:rPr lang="de-DE" sz="2000" dirty="0" err="1" smtClean="0"/>
-              <a:t>respawnt</a:t>
-            </a:r>
-            <a:endParaRPr lang="de-DE" sz="2000" dirty="0"/>
-          </a:p>
-          <a:p>
-            <a:pPr lvl="1" algn="just"/>
-            <a:endParaRPr lang="de-DE" sz="2000" dirty="0" smtClean="0"/>
-          </a:p>
-          <a:p>
-            <a:pPr lvl="1" algn="just"/>
-            <a:r>
-              <a:rPr lang="de-DE" sz="2000" dirty="0" smtClean="0"/>
-              <a:t>Leider nur auf die Anfangsposition</a:t>
-            </a:r>
-            <a:endParaRPr lang="de-DE" sz="2000" dirty="0"/>
+              <a:t>Wand lässt Fahrzeug zurückfedern</a:t>
+            </a:r>
           </a:p>
           <a:p>
             <a:pPr lvl="1" algn="just"/>
@@ -6941,13 +7778,13 @@
       </p:sp>
       <p:pic>
         <p:nvPicPr>
-          <p:cNvPr id="2050" name="Picture 2"/>
+          <p:cNvPr id="2050" name="Picture 2" descr="D:\Nils\Desktop\Tron-Light-Bike-Race.jpg"/>
           <p:cNvPicPr>
             <a:picLocks noChangeAspect="1" noChangeArrowheads="1"/>
           </p:cNvPicPr>
           <p:nvPr/>
         </p:nvPicPr>
-        <p:blipFill>
+        <p:blipFill rotWithShape="1">
           <a:blip r:embed="rId2" cstate="print">
             <a:extLst>
               <a:ext uri="{28A0092B-C50C-407E-A947-70E740481C1C}">
@@ -6955,14 +7792,13 @@
               </a:ext>
             </a:extLst>
           </a:blip>
-          <a:stretch>
-            <a:fillRect/>
-          </a:stretch>
+          <a:srcRect l="6322" r="16490"/>
+          <a:stretch/>
         </p:blipFill>
         <p:spPr bwMode="auto">
           <a:xfrm>
-            <a:off x="1435251" y="3802865"/>
-            <a:ext cx="4965549" cy="2473452"/>
+            <a:off x="1435251" y="3698545"/>
+            <a:ext cx="4965549" cy="2682092"/>
           </a:xfrm>
           <a:prstGeom prst="rect">
             <a:avLst/>
@@ -6988,7 +7824,7 @@
         <p:spPr>
           <a:xfrm>
             <a:off x="1460314" y="6387149"/>
-            <a:ext cx="5131555" cy="369332"/>
+            <a:ext cx="5841238" cy="369332"/>
           </a:xfrm>
           <a:prstGeom prst="rect">
             <a:avLst/>
@@ -7007,24 +7843,66 @@
             </a:r>
             <a:r>
               <a:rPr lang="de-DE" dirty="0" smtClean="0"/>
-              <a:t> – Spieler führt einen </a:t>
-            </a:r>
-            <a:r>
-              <a:rPr lang="de-DE" dirty="0" err="1" smtClean="0"/>
-              <a:t>Respawn</a:t>
-            </a:r>
-            <a:r>
-              <a:rPr lang="de-DE" dirty="0" smtClean="0"/>
-              <a:t> aus</a:t>
+              <a:t> Bild – „Fahrzeug“ wird </a:t>
+            </a:r>
+            <a:r>
+              <a:rPr lang="de-DE" dirty="0" smtClean="0"/>
+              <a:t>zurückgeworfen (Prototyp)</a:t>
             </a:r>
             <a:endParaRPr lang="de-DE" dirty="0"/>
+          </a:p>
+        </p:txBody>
+      </p:sp>
+      <p:sp>
+        <p:nvSpPr>
+          <p:cNvPr id="5" name="Datumsplatzhalter 4"/>
+          <p:cNvSpPr>
+            <a:spLocks noGrp="1"/>
+          </p:cNvSpPr>
+          <p:nvPr>
+            <p:ph type="dt" sz="half" idx="10"/>
+          </p:nvPr>
+        </p:nvSpPr>
+        <p:spPr/>
+        <p:txBody>
+          <a:bodyPr/>
+          <a:lstStyle/>
+          <a:p>
+            <a:r>
+              <a:rPr lang="de-DE" smtClean="0"/>
+              <a:t>02.10.2015</a:t>
+            </a:r>
+            <a:endParaRPr lang="de-DE"/>
+          </a:p>
+        </p:txBody>
+      </p:sp>
+      <p:sp>
+        <p:nvSpPr>
+          <p:cNvPr id="7" name="Foliennummernplatzhalter 6"/>
+          <p:cNvSpPr>
+            <a:spLocks noGrp="1"/>
+          </p:cNvSpPr>
+          <p:nvPr>
+            <p:ph type="sldNum" sz="quarter" idx="12"/>
+          </p:nvPr>
+        </p:nvSpPr>
+        <p:spPr/>
+        <p:txBody>
+          <a:bodyPr/>
+          <a:lstStyle/>
+          <a:p>
+            <a:fld id="{AA18DD3B-6366-410C-8003-B36A9F3BD685}" type="slidenum">
+              <a:rPr lang="de-DE" smtClean="0"/>
+              <a:t>17</a:t>
+            </a:fld>
+            <a:endParaRPr lang="de-DE"/>
           </a:p>
         </p:txBody>
       </p:sp>
     </p:spTree>
     <p:extLst>
       <p:ext uri="{BB962C8B-B14F-4D97-AF65-F5344CB8AC3E}">
-        <p14:creationId xmlns:p14="http://schemas.microsoft.com/office/powerpoint/2010/main" val="3641270933"/>
+        <p14:creationId xmlns:p14="http://schemas.microsoft.com/office/powerpoint/2010/main" val="2587824926"/>
       </p:ext>
     </p:extLst>
   </p:cSld>
@@ -7082,7 +7960,7 @@
             </a:br>
             <a:r>
               <a:rPr lang="de-DE" sz="3200" dirty="0" err="1" smtClean="0"/>
-              <a:t>Damage</a:t>
+              <a:t>Collision</a:t>
             </a:r>
             <a:r>
               <a:rPr lang="de-DE" sz="3200" dirty="0" smtClean="0"/>
@@ -7090,7 +7968,7 @@
             </a:r>
             <a:r>
               <a:rPr lang="de-DE" sz="3200" dirty="0" err="1" smtClean="0"/>
-              <a:t>Calculation</a:t>
+              <a:t>Detection</a:t>
             </a:r>
             <a:endParaRPr lang="de-DE" sz="3200" dirty="0"/>
           </a:p>
@@ -7121,18 +7999,14 @@
             <a:pPr algn="just"/>
             <a:r>
               <a:rPr lang="de-DE" dirty="0" smtClean="0"/>
-              <a:t>Hauptproblem</a:t>
+              <a:t>Neue Probleme</a:t>
             </a:r>
           </a:p>
           <a:p>
             <a:pPr lvl="1" algn="just"/>
             <a:r>
-              <a:rPr lang="de-DE" dirty="0" err="1" smtClean="0"/>
-              <a:t>Damage</a:t>
-            </a:r>
-            <a:r>
-              <a:rPr lang="de-DE" dirty="0" smtClean="0"/>
-              <a:t> wenn es richtig ist</a:t>
+              <a:rPr lang="de-DE" dirty="0" smtClean="0"/>
+              <a:t>Grafikfehler &amp; „Ghost-Effekt“</a:t>
             </a:r>
           </a:p>
         </p:txBody>
@@ -7148,7 +8022,7 @@
         <p:spPr bwMode="auto">
           <a:xfrm>
             <a:off x="7806519" y="2711197"/>
-            <a:ext cx="4012441" cy="2328394"/>
+            <a:ext cx="4012441" cy="3669440"/>
           </a:xfrm>
           <a:prstGeom prst="rect">
             <a:avLst/>
@@ -7340,31 +8214,37 @@
             <a:pPr algn="just"/>
             <a:r>
               <a:rPr lang="de-DE" sz="2400" dirty="0" smtClean="0"/>
-              <a:t>Problem</a:t>
+              <a:t>Bugs</a:t>
             </a:r>
           </a:p>
           <a:p>
             <a:pPr lvl="1" algn="just"/>
             <a:r>
-              <a:rPr lang="de-DE" sz="2000" dirty="0" err="1" smtClean="0"/>
-              <a:t>Damage</a:t>
-            </a:r>
-            <a:r>
-              <a:rPr lang="de-DE" sz="2000" dirty="0" smtClean="0"/>
-              <a:t> bei Zusammenstoß mit der Wand wird nicht registriert</a:t>
+              <a:rPr lang="de-DE" sz="1600" dirty="0"/>
+              <a:t>Neuer Bug: Bei zu starkem zurückfedern kann Spieler doch durch die Wand fahren</a:t>
             </a:r>
           </a:p>
           <a:p>
             <a:pPr lvl="1" algn="just"/>
-            <a:r>
-              <a:rPr lang="de-DE" sz="2000" dirty="0" err="1" smtClean="0"/>
-              <a:t>Damage</a:t>
-            </a:r>
-            <a:r>
-              <a:rPr lang="de-DE" sz="2000" dirty="0" smtClean="0"/>
-              <a:t> zu hoch oder zu niedrig</a:t>
-            </a:r>
-            <a:endParaRPr lang="de-DE" sz="2000" dirty="0"/>
+            <a:endParaRPr lang="de-DE" sz="1600" dirty="0"/>
+          </a:p>
+          <a:p>
+            <a:pPr lvl="1" algn="just"/>
+            <a:r>
+              <a:rPr lang="de-DE" sz="1600" dirty="0"/>
+              <a:t>Neuer Bug: Bei starker Beschleunigung, dringt das Fahrzeug ins Material der Wand ein</a:t>
+            </a:r>
+          </a:p>
+          <a:p>
+            <a:pPr lvl="1" algn="just"/>
+            <a:endParaRPr lang="de-DE" sz="1600" dirty="0"/>
+          </a:p>
+          <a:p>
+            <a:pPr lvl="1" algn="just"/>
+            <a:r>
+              <a:rPr lang="de-DE" sz="1600" dirty="0"/>
+              <a:t>Beide Bugs noch nicht behoben, wegen Zeitmangel und inkompatiblem Code</a:t>
+            </a:r>
           </a:p>
           <a:p>
             <a:pPr lvl="1" algn="just"/>
@@ -7378,13 +8258,13 @@
       </p:sp>
       <p:pic>
         <p:nvPicPr>
-          <p:cNvPr id="2050" name="Picture 2"/>
+          <p:cNvPr id="2050" name="Picture 2" descr="D:\Nils\Desktop\Tron-Light-Bike-Race.jpg"/>
           <p:cNvPicPr>
             <a:picLocks noChangeAspect="1" noChangeArrowheads="1"/>
           </p:cNvPicPr>
           <p:nvPr/>
         </p:nvPicPr>
-        <p:blipFill>
+        <p:blipFill rotWithShape="1">
           <a:blip r:embed="rId2" cstate="print">
             <a:extLst>
               <a:ext uri="{28A0092B-C50C-407E-A947-70E740481C1C}">
@@ -7392,14 +8272,13 @@
               </a:ext>
             </a:extLst>
           </a:blip>
-          <a:stretch>
-            <a:fillRect/>
-          </a:stretch>
+          <a:srcRect l="6322" r="16490"/>
+          <a:stretch/>
         </p:blipFill>
         <p:spPr bwMode="auto">
           <a:xfrm>
-            <a:off x="1435251" y="3802865"/>
-            <a:ext cx="4965549" cy="2473452"/>
+            <a:off x="1435251" y="3698545"/>
+            <a:ext cx="4965549" cy="2682092"/>
           </a:xfrm>
           <a:prstGeom prst="rect">
             <a:avLst/>
@@ -7425,7 +8304,7 @@
         <p:spPr>
           <a:xfrm>
             <a:off x="1460314" y="6387149"/>
-            <a:ext cx="5131555" cy="369332"/>
+            <a:ext cx="5841238" cy="369332"/>
           </a:xfrm>
           <a:prstGeom prst="rect">
             <a:avLst/>
@@ -7444,20 +8323,62 @@
             </a:r>
             <a:r>
               <a:rPr lang="de-DE" dirty="0" smtClean="0"/>
-              <a:t> – Spieler erhält </a:t>
-            </a:r>
-            <a:r>
-              <a:rPr lang="de-DE" dirty="0" err="1" smtClean="0"/>
-              <a:t>Damage</a:t>
+              <a:t> Bild – Dennoch durch die Wand &amp; Material Grafik Fehler</a:t>
             </a:r>
             <a:endParaRPr lang="de-DE" dirty="0"/>
+          </a:p>
+        </p:txBody>
+      </p:sp>
+      <p:sp>
+        <p:nvSpPr>
+          <p:cNvPr id="5" name="Datumsplatzhalter 4"/>
+          <p:cNvSpPr>
+            <a:spLocks noGrp="1"/>
+          </p:cNvSpPr>
+          <p:nvPr>
+            <p:ph type="dt" sz="half" idx="10"/>
+          </p:nvPr>
+        </p:nvSpPr>
+        <p:spPr/>
+        <p:txBody>
+          <a:bodyPr/>
+          <a:lstStyle/>
+          <a:p>
+            <a:r>
+              <a:rPr lang="de-DE" smtClean="0"/>
+              <a:t>02.10.2015</a:t>
+            </a:r>
+            <a:endParaRPr lang="de-DE"/>
+          </a:p>
+        </p:txBody>
+      </p:sp>
+      <p:sp>
+        <p:nvSpPr>
+          <p:cNvPr id="7" name="Foliennummernplatzhalter 6"/>
+          <p:cNvSpPr>
+            <a:spLocks noGrp="1"/>
+          </p:cNvSpPr>
+          <p:nvPr>
+            <p:ph type="sldNum" sz="quarter" idx="12"/>
+          </p:nvPr>
+        </p:nvSpPr>
+        <p:spPr/>
+        <p:txBody>
+          <a:bodyPr/>
+          <a:lstStyle/>
+          <a:p>
+            <a:fld id="{AA18DD3B-6366-410C-8003-B36A9F3BD685}" type="slidenum">
+              <a:rPr lang="de-DE" smtClean="0"/>
+              <a:t>18</a:t>
+            </a:fld>
+            <a:endParaRPr lang="de-DE"/>
           </a:p>
         </p:txBody>
       </p:sp>
     </p:spTree>
     <p:extLst>
       <p:ext uri="{BB962C8B-B14F-4D97-AF65-F5344CB8AC3E}">
-        <p14:creationId xmlns:p14="http://schemas.microsoft.com/office/powerpoint/2010/main" val="2721563962"/>
+        <p14:creationId xmlns:p14="http://schemas.microsoft.com/office/powerpoint/2010/main" val="2601844610"/>
       </p:ext>
     </p:extLst>
   </p:cSld>
@@ -7514,16 +8435,8 @@
               <a:rPr lang="de-DE" dirty="0" smtClean="0"/>
             </a:br>
             <a:r>
-              <a:rPr lang="de-DE" sz="3200" dirty="0" err="1" smtClean="0"/>
-              <a:t>Damage</a:t>
-            </a:r>
-            <a:r>
               <a:rPr lang="de-DE" sz="3200" dirty="0" smtClean="0"/>
-              <a:t> </a:t>
-            </a:r>
-            <a:r>
-              <a:rPr lang="de-DE" sz="3200" dirty="0" err="1" smtClean="0"/>
-              <a:t>Calculation</a:t>
+              <a:t>Checkpoints</a:t>
             </a:r>
             <a:endParaRPr lang="de-DE" sz="3200" dirty="0"/>
           </a:p>
@@ -7554,18 +8467,14 @@
             <a:pPr algn="just"/>
             <a:r>
               <a:rPr lang="de-DE" dirty="0" smtClean="0"/>
-              <a:t>Lösungen &amp; Ansätze</a:t>
+              <a:t>Hauptproblem</a:t>
             </a:r>
           </a:p>
           <a:p>
             <a:pPr lvl="1" algn="just"/>
             <a:r>
-              <a:rPr lang="de-DE" dirty="0" err="1" smtClean="0"/>
-              <a:t>Damage</a:t>
-            </a:r>
-            <a:r>
-              <a:rPr lang="de-DE" dirty="0" smtClean="0"/>
-              <a:t> wird verteilt</a:t>
+              <a:rPr lang="de-DE" dirty="0" smtClean="0"/>
+              <a:t>Checkpoints für Start/Ziel </a:t>
             </a:r>
           </a:p>
         </p:txBody>
@@ -7581,7 +8490,7 @@
         <p:spPr bwMode="auto">
           <a:xfrm>
             <a:off x="7806519" y="2711197"/>
-            <a:ext cx="4012441" cy="2328394"/>
+            <a:ext cx="4012441" cy="1587848"/>
           </a:xfrm>
           <a:prstGeom prst="rect">
             <a:avLst/>
@@ -7773,33 +8682,14 @@
             <a:pPr algn="just"/>
             <a:r>
               <a:rPr lang="de-DE" sz="2400" dirty="0" smtClean="0"/>
-              <a:t>Lösung</a:t>
+              <a:t>Problem</a:t>
             </a:r>
           </a:p>
           <a:p>
             <a:pPr lvl="1" algn="just"/>
             <a:r>
-              <a:rPr lang="de-DE" sz="2000" dirty="0" err="1" smtClean="0"/>
-              <a:t>Damage</a:t>
-            </a:r>
-            <a:r>
               <a:rPr lang="de-DE" sz="2000" dirty="0" smtClean="0"/>
-              <a:t> wird zwar gegeben, aber zu häufig</a:t>
-            </a:r>
-          </a:p>
-          <a:p>
-            <a:pPr lvl="1" algn="just"/>
-            <a:endParaRPr lang="de-DE" sz="2000" dirty="0"/>
-          </a:p>
-          <a:p>
-            <a:pPr lvl="1" algn="just"/>
-            <a:r>
-              <a:rPr lang="de-DE" sz="2000" dirty="0" err="1" smtClean="0"/>
-              <a:t>Damage</a:t>
-            </a:r>
-            <a:r>
-              <a:rPr lang="de-DE" sz="2000" dirty="0" smtClean="0"/>
-              <a:t> Höhe wurde reduziert</a:t>
+              <a:t>Checkpoints reagieren zwar auf Kontakt, werden aber nicht gewertet</a:t>
             </a:r>
             <a:endParaRPr lang="de-DE" sz="2000" dirty="0"/>
           </a:p>
@@ -7862,7 +8752,7 @@
         <p:spPr>
           <a:xfrm>
             <a:off x="1460314" y="6387149"/>
-            <a:ext cx="5131555" cy="369332"/>
+            <a:ext cx="5841238" cy="369332"/>
           </a:xfrm>
           <a:prstGeom prst="rect">
             <a:avLst/>
@@ -7876,25 +8766,63 @@
           <a:lstStyle/>
           <a:p>
             <a:r>
-              <a:rPr lang="de-DE" dirty="0" err="1" smtClean="0"/>
-              <a:t>Gif</a:t>
-            </a:r>
-            <a:r>
-              <a:rPr lang="de-DE" dirty="0" smtClean="0"/>
-              <a:t> – Spieler erhält </a:t>
-            </a:r>
-            <a:r>
-              <a:rPr lang="de-DE" dirty="0" err="1" smtClean="0"/>
-              <a:t>Damage</a:t>
+              <a:rPr lang="de-DE" dirty="0" smtClean="0"/>
+              <a:t>Screenshot – Prototyp Checkpoint zum Testen</a:t>
             </a:r>
             <a:endParaRPr lang="de-DE" dirty="0"/>
+          </a:p>
+        </p:txBody>
+      </p:sp>
+      <p:sp>
+        <p:nvSpPr>
+          <p:cNvPr id="5" name="Datumsplatzhalter 4"/>
+          <p:cNvSpPr>
+            <a:spLocks noGrp="1"/>
+          </p:cNvSpPr>
+          <p:nvPr>
+            <p:ph type="dt" sz="half" idx="10"/>
+          </p:nvPr>
+        </p:nvSpPr>
+        <p:spPr/>
+        <p:txBody>
+          <a:bodyPr/>
+          <a:lstStyle/>
+          <a:p>
+            <a:r>
+              <a:rPr lang="de-DE" smtClean="0"/>
+              <a:t>02.10.2015</a:t>
+            </a:r>
+            <a:endParaRPr lang="de-DE"/>
+          </a:p>
+        </p:txBody>
+      </p:sp>
+      <p:sp>
+        <p:nvSpPr>
+          <p:cNvPr id="7" name="Foliennummernplatzhalter 6"/>
+          <p:cNvSpPr>
+            <a:spLocks noGrp="1"/>
+          </p:cNvSpPr>
+          <p:nvPr>
+            <p:ph type="sldNum" sz="quarter" idx="12"/>
+          </p:nvPr>
+        </p:nvSpPr>
+        <p:spPr/>
+        <p:txBody>
+          <a:bodyPr/>
+          <a:lstStyle/>
+          <a:p>
+            <a:fld id="{AA18DD3B-6366-410C-8003-B36A9F3BD685}" type="slidenum">
+              <a:rPr lang="de-DE" smtClean="0"/>
+              <a:t>19</a:t>
+            </a:fld>
+            <a:endParaRPr lang="de-DE"/>
           </a:p>
         </p:txBody>
       </p:sp>
     </p:spTree>
     <p:extLst>
       <p:ext uri="{BB962C8B-B14F-4D97-AF65-F5344CB8AC3E}">
-        <p14:creationId xmlns:p14="http://schemas.microsoft.com/office/powerpoint/2010/main" val="888652820"/>
+        <p14:creationId xmlns:p14="http://schemas.microsoft.com/office/powerpoint/2010/main" val="850133919"/>
       </p:ext>
     </p:extLst>
   </p:cSld>
@@ -7963,7 +8891,7 @@
         </p:nvSpPr>
         <p:spPr>
           <a:xfrm>
-            <a:off x="609600" y="2708921"/>
+            <a:off x="609600" y="2347731"/>
             <a:ext cx="2870579" cy="3417243"/>
           </a:xfrm>
         </p:spPr>
@@ -7980,11 +8908,7 @@
             </a:pPr>
             <a:r>
               <a:rPr lang="de-DE" sz="1800" dirty="0" smtClean="0"/>
-              <a:t>Das </a:t>
-            </a:r>
-            <a:r>
-              <a:rPr lang="de-DE" sz="1800" dirty="0" smtClean="0"/>
-              <a:t>Spiel</a:t>
+              <a:t>Das Spiel</a:t>
             </a:r>
           </a:p>
           <a:p>
@@ -7995,8 +8919,86 @@
             </a:pPr>
             <a:r>
               <a:rPr lang="de-DE" sz="1800" dirty="0" smtClean="0"/>
-              <a:t>Code &amp; Erläuterung</a:t>
-            </a:r>
+              <a:t>Code </a:t>
+            </a:r>
+            <a:r>
+              <a:rPr lang="de-DE" sz="1800" dirty="0" smtClean="0"/>
+              <a:t>&amp; </a:t>
+            </a:r>
+            <a:r>
+              <a:rPr lang="de-DE" sz="1800" dirty="0" smtClean="0"/>
+              <a:t>Erläuterung</a:t>
+            </a:r>
+          </a:p>
+          <a:p>
+            <a:pPr>
+              <a:lnSpc>
+                <a:spcPct val="150000"/>
+              </a:lnSpc>
+            </a:pPr>
+            <a:r>
+              <a:rPr lang="de-DE" sz="2000" dirty="0"/>
+              <a:t>Herausforderungen</a:t>
+            </a:r>
+          </a:p>
+          <a:p>
+            <a:pPr lvl="1">
+              <a:lnSpc>
+                <a:spcPct val="150000"/>
+              </a:lnSpc>
+            </a:pPr>
+            <a:r>
+              <a:rPr lang="de-DE" sz="1800" dirty="0" smtClean="0"/>
+              <a:t>Umwelt</a:t>
+            </a:r>
+          </a:p>
+          <a:p>
+            <a:pPr lvl="1">
+              <a:lnSpc>
+                <a:spcPct val="150000"/>
+              </a:lnSpc>
+            </a:pPr>
+            <a:r>
+              <a:rPr lang="de-DE" sz="1800" dirty="0" err="1" smtClean="0"/>
+              <a:t>Gameplay</a:t>
+            </a:r>
+            <a:endParaRPr lang="de-DE" sz="1800" dirty="0"/>
+          </a:p>
+          <a:p>
+            <a:pPr lvl="1">
+              <a:lnSpc>
+                <a:spcPct val="150000"/>
+              </a:lnSpc>
+            </a:pPr>
+            <a:r>
+              <a:rPr lang="de-DE" sz="1800" dirty="0"/>
+              <a:t>Modelle</a:t>
+            </a:r>
+          </a:p>
+          <a:p>
+            <a:pPr lvl="1">
+              <a:lnSpc>
+                <a:spcPct val="150000"/>
+              </a:lnSpc>
+            </a:pPr>
+            <a:r>
+              <a:rPr lang="de-DE" sz="1800" dirty="0"/>
+              <a:t>Power </a:t>
+            </a:r>
+            <a:r>
+              <a:rPr lang="de-DE" sz="1800" dirty="0" err="1"/>
+              <a:t>Ups</a:t>
+            </a:r>
+            <a:endParaRPr lang="de-DE" sz="1800" dirty="0"/>
+          </a:p>
+          <a:p>
+            <a:pPr marL="0" indent="0">
+              <a:lnSpc>
+                <a:spcPct val="150000"/>
+              </a:lnSpc>
+              <a:buNone/>
+            </a:pPr>
+            <a:endParaRPr lang="de-DE" sz="1800" dirty="0" smtClean="0"/>
           </a:p>
         </p:txBody>
       </p:sp>
@@ -8010,7 +9012,7 @@
         </p:nvSpPr>
         <p:spPr bwMode="auto">
           <a:xfrm>
-            <a:off x="6926239" y="2661636"/>
+            <a:off x="6926239" y="2348055"/>
             <a:ext cx="4236915" cy="3417243"/>
           </a:xfrm>
           <a:prstGeom prst="rect">
@@ -8254,7 +9256,7 @@
         </p:nvSpPr>
         <p:spPr bwMode="auto">
           <a:xfrm>
-            <a:off x="3414215" y="2661636"/>
+            <a:off x="3414215" y="2347732"/>
             <a:ext cx="3512024" cy="3417243"/>
           </a:xfrm>
           <a:prstGeom prst="rect">
@@ -8450,7 +9452,7 @@
               </a:lnSpc>
             </a:pPr>
             <a:r>
-              <a:rPr lang="de-DE" sz="2000" dirty="0" smtClean="0"/>
+              <a:rPr lang="de-DE" sz="2000" dirty="0"/>
               <a:t>Herausforderungen</a:t>
             </a:r>
           </a:p>
@@ -8461,9 +9463,18 @@
               </a:lnSpc>
             </a:pPr>
             <a:r>
-              <a:rPr lang="de-DE" sz="1800" dirty="0" smtClean="0"/>
-              <a:t>Umwelt</a:t>
-            </a:r>
+              <a:rPr lang="de-DE" sz="1800" dirty="0" err="1"/>
+              <a:t>Collision</a:t>
+            </a:r>
+            <a:r>
+              <a:rPr lang="de-DE" sz="1800" dirty="0"/>
+              <a:t> </a:t>
+            </a:r>
+            <a:r>
+              <a:rPr lang="de-DE" sz="1800" dirty="0" err="1"/>
+              <a:t>Detection</a:t>
+            </a:r>
+            <a:endParaRPr lang="de-DE" sz="1800" dirty="0"/>
           </a:p>
           <a:p>
             <a:pPr lvl="1">
@@ -8473,13 +9484,9 @@
             </a:pPr>
             <a:r>
               <a:rPr lang="de-DE" sz="1800" dirty="0" smtClean="0"/>
-              <a:t>Power </a:t>
-            </a:r>
-            <a:r>
-              <a:rPr lang="de-DE" sz="1800" dirty="0" err="1" smtClean="0"/>
-              <a:t>Ups</a:t>
-            </a:r>
-            <a:endParaRPr lang="de-DE" sz="1800" dirty="0" smtClean="0"/>
+              <a:t>Checkpoints</a:t>
+            </a:r>
+            <a:endParaRPr lang="de-DE" sz="1800" dirty="0"/>
           </a:p>
           <a:p>
             <a:pPr lvl="1">
@@ -8488,18 +9495,10 @@
               </a:lnSpc>
             </a:pPr>
             <a:r>
-              <a:rPr lang="de-DE" sz="1800" dirty="0" err="1" smtClean="0"/>
-              <a:t>Collision</a:t>
-            </a:r>
-            <a:r>
-              <a:rPr lang="de-DE" sz="1800" dirty="0" smtClean="0"/>
-              <a:t> </a:t>
-            </a:r>
-            <a:r>
-              <a:rPr lang="de-DE" sz="1800" dirty="0" err="1" smtClean="0"/>
-              <a:t>Detection</a:t>
-            </a:r>
-            <a:endParaRPr lang="de-DE" sz="1800" dirty="0" smtClean="0"/>
+              <a:rPr lang="de-DE" sz="1800" dirty="0" err="1"/>
+              <a:t>Respawn</a:t>
+            </a:r>
+            <a:endParaRPr lang="de-DE" sz="1800" dirty="0"/>
           </a:p>
           <a:p>
             <a:pPr lvl="1">
@@ -8508,9 +9507,18 @@
               </a:lnSpc>
             </a:pPr>
             <a:r>
-              <a:rPr lang="de-DE" sz="1800" dirty="0" smtClean="0"/>
-              <a:t>Checkpoints</a:t>
-            </a:r>
+              <a:rPr lang="de-DE" sz="1800" dirty="0" err="1"/>
+              <a:t>Damage</a:t>
+            </a:r>
+            <a:r>
+              <a:rPr lang="de-DE" sz="1800" dirty="0"/>
+              <a:t> </a:t>
+            </a:r>
+            <a:r>
+              <a:rPr lang="de-DE" sz="1800" dirty="0" err="1"/>
+              <a:t>Calculation</a:t>
+            </a:r>
+            <a:endParaRPr lang="de-DE" sz="1800" dirty="0"/>
           </a:p>
           <a:p>
             <a:pPr lvl="1">
@@ -8519,42 +9527,64 @@
               </a:lnSpc>
             </a:pPr>
             <a:r>
-              <a:rPr lang="de-DE" sz="1800" dirty="0" err="1" smtClean="0"/>
-              <a:t>Respawn</a:t>
-            </a:r>
-            <a:endParaRPr lang="de-DE" sz="1800" dirty="0" smtClean="0"/>
-          </a:p>
-          <a:p>
-            <a:pPr lvl="1">
+              <a:rPr lang="de-DE" sz="1800" dirty="0"/>
+              <a:t>Kamera</a:t>
+            </a:r>
+          </a:p>
+          <a:p>
+            <a:pPr marL="457200" lvl="1" indent="0">
               <a:lnSpc>
                 <a:spcPct val="150000"/>
               </a:lnSpc>
+              <a:buNone/>
             </a:pPr>
-            <a:r>
-              <a:rPr lang="de-DE" sz="1800" dirty="0" err="1" smtClean="0"/>
-              <a:t>Damage</a:t>
-            </a:r>
-            <a:r>
-              <a:rPr lang="de-DE" sz="1800" dirty="0" smtClean="0"/>
-              <a:t> </a:t>
-            </a:r>
-            <a:r>
-              <a:rPr lang="de-DE" sz="1800" dirty="0" err="1" smtClean="0"/>
-              <a:t>Calculation</a:t>
-            </a:r>
             <a:endParaRPr lang="de-DE" sz="1800" dirty="0" smtClean="0"/>
           </a:p>
-          <a:p>
-            <a:pPr lvl="1">
-              <a:lnSpc>
-                <a:spcPct val="150000"/>
-              </a:lnSpc>
-            </a:pPr>
-            <a:r>
-              <a:rPr lang="de-DE" sz="1800" dirty="0" smtClean="0"/>
-              <a:t>Kamera</a:t>
-            </a:r>
-            <a:endParaRPr lang="de-DE" sz="1800" dirty="0" smtClean="0"/>
+        </p:txBody>
+      </p:sp>
+      <p:sp>
+        <p:nvSpPr>
+          <p:cNvPr id="6" name="Datumsplatzhalter 5"/>
+          <p:cNvSpPr>
+            <a:spLocks noGrp="1"/>
+          </p:cNvSpPr>
+          <p:nvPr>
+            <p:ph type="dt" sz="half" idx="10"/>
+          </p:nvPr>
+        </p:nvSpPr>
+        <p:spPr/>
+        <p:txBody>
+          <a:bodyPr/>
+          <a:lstStyle/>
+          <a:p>
+            <a:r>
+              <a:rPr lang="de-DE" smtClean="0"/>
+              <a:t>02.10.2015</a:t>
+            </a:r>
+            <a:endParaRPr lang="de-DE"/>
+          </a:p>
+        </p:txBody>
+      </p:sp>
+      <p:sp>
+        <p:nvSpPr>
+          <p:cNvPr id="7" name="Foliennummernplatzhalter 6"/>
+          <p:cNvSpPr>
+            <a:spLocks noGrp="1"/>
+          </p:cNvSpPr>
+          <p:nvPr>
+            <p:ph type="sldNum" sz="quarter" idx="12"/>
+          </p:nvPr>
+        </p:nvSpPr>
+        <p:spPr/>
+        <p:txBody>
+          <a:bodyPr/>
+          <a:lstStyle/>
+          <a:p>
+            <a:fld id="{AA18DD3B-6366-410C-8003-B36A9F3BD685}" type="slidenum">
+              <a:rPr lang="de-DE" smtClean="0"/>
+              <a:t>2</a:t>
+            </a:fld>
+            <a:endParaRPr lang="de-DE"/>
           </a:p>
         </p:txBody>
       </p:sp>
@@ -8619,7 +9649,7 @@
             </a:br>
             <a:r>
               <a:rPr lang="de-DE" sz="3200" dirty="0" smtClean="0"/>
-              <a:t>Kamera</a:t>
+              <a:t>Checkpoints</a:t>
             </a:r>
             <a:endParaRPr lang="de-DE" sz="3200" dirty="0"/>
           </a:p>
@@ -8650,15 +9680,17 @@
             <a:pPr algn="just"/>
             <a:r>
               <a:rPr lang="de-DE" dirty="0" smtClean="0"/>
-              <a:t>Problematik</a:t>
-            </a:r>
+              <a:t>Lösung</a:t>
+            </a:r>
+            <a:endParaRPr lang="de-DE" dirty="0" smtClean="0"/>
           </a:p>
           <a:p>
             <a:pPr lvl="1" algn="just"/>
             <a:r>
               <a:rPr lang="de-DE" dirty="0" smtClean="0"/>
-              <a:t>3rd Person Kamera hinter dem Wagen</a:t>
-            </a:r>
+              <a:t>Checkpoints als „durchfahrbare Wand“</a:t>
+            </a:r>
+            <a:endParaRPr lang="de-DE" dirty="0" smtClean="0"/>
           </a:p>
         </p:txBody>
       </p:sp>
@@ -8673,7 +9705,7 @@
         <p:spPr bwMode="auto">
           <a:xfrm>
             <a:off x="7806519" y="2711197"/>
-            <a:ext cx="4012441" cy="2328394"/>
+            <a:ext cx="4012441" cy="1587848"/>
           </a:xfrm>
           <a:prstGeom prst="rect">
             <a:avLst/>
@@ -8865,25 +9897,44 @@
             <a:pPr algn="just"/>
             <a:r>
               <a:rPr lang="de-DE" sz="2400" dirty="0" smtClean="0"/>
-              <a:t>Problem</a:t>
+              <a:t>Lösung</a:t>
             </a:r>
           </a:p>
           <a:p>
             <a:pPr lvl="1" algn="just"/>
             <a:r>
               <a:rPr lang="de-DE" sz="2000" dirty="0" smtClean="0"/>
-              <a:t>Kamera ist nicht richtig eingestellt</a:t>
+              <a:t>Die </a:t>
+            </a:r>
+            <a:r>
+              <a:rPr lang="de-DE" sz="2000" dirty="0" err="1" smtClean="0"/>
+              <a:t>Collsion</a:t>
+            </a:r>
+            <a:r>
+              <a:rPr lang="de-DE" sz="2000" dirty="0" smtClean="0"/>
+              <a:t> </a:t>
+            </a:r>
+            <a:r>
+              <a:rPr lang="de-DE" sz="2000" dirty="0" err="1" smtClean="0"/>
+              <a:t>Detection</a:t>
+            </a:r>
+            <a:r>
+              <a:rPr lang="de-DE" sz="2000" dirty="0" smtClean="0"/>
+              <a:t> registriert die Berührung mit Checkpoint Wall</a:t>
             </a:r>
           </a:p>
           <a:p>
             <a:pPr lvl="1" algn="just"/>
-            <a:endParaRPr lang="de-DE" sz="2000" dirty="0"/>
+            <a:r>
+              <a:rPr lang="de-DE" sz="2000" dirty="0" smtClean="0"/>
+              <a:t>Es existiert immer nur EIN aktiver Checkpoint</a:t>
+            </a:r>
           </a:p>
           <a:p>
             <a:pPr lvl="1" algn="just"/>
             <a:r>
               <a:rPr lang="de-DE" sz="2000" dirty="0" smtClean="0"/>
-              <a:t>Kamera folgt nicht dem Wagen</a:t>
+              <a:t>Nach erreichen des Checkpoints, wird nächster als Ziel definiert!</a:t>
             </a:r>
             <a:endParaRPr lang="de-DE" sz="2000" dirty="0"/>
           </a:p>
@@ -8961,16 +10012,62 @@
           <a:p>
             <a:r>
               <a:rPr lang="de-DE" dirty="0" smtClean="0"/>
-              <a:t>Screenshot – 3rd Person Kamera View</a:t>
+              <a:t>Screenshot – Vogelperspektive des fertigen Levels</a:t>
             </a:r>
             <a:endParaRPr lang="de-DE" dirty="0"/>
+          </a:p>
+        </p:txBody>
+      </p:sp>
+      <p:sp>
+        <p:nvSpPr>
+          <p:cNvPr id="5" name="Datumsplatzhalter 4"/>
+          <p:cNvSpPr>
+            <a:spLocks noGrp="1"/>
+          </p:cNvSpPr>
+          <p:nvPr>
+            <p:ph type="dt" sz="half" idx="10"/>
+          </p:nvPr>
+        </p:nvSpPr>
+        <p:spPr/>
+        <p:txBody>
+          <a:bodyPr/>
+          <a:lstStyle/>
+          <a:p>
+            <a:r>
+              <a:rPr lang="de-DE" smtClean="0"/>
+              <a:t>02.10.2015</a:t>
+            </a:r>
+            <a:endParaRPr lang="de-DE"/>
+          </a:p>
+        </p:txBody>
+      </p:sp>
+      <p:sp>
+        <p:nvSpPr>
+          <p:cNvPr id="7" name="Foliennummernplatzhalter 6"/>
+          <p:cNvSpPr>
+            <a:spLocks noGrp="1"/>
+          </p:cNvSpPr>
+          <p:nvPr>
+            <p:ph type="sldNum" sz="quarter" idx="12"/>
+          </p:nvPr>
+        </p:nvSpPr>
+        <p:spPr/>
+        <p:txBody>
+          <a:bodyPr/>
+          <a:lstStyle/>
+          <a:p>
+            <a:fld id="{AA18DD3B-6366-410C-8003-B36A9F3BD685}" type="slidenum">
+              <a:rPr lang="de-DE" smtClean="0"/>
+              <a:t>20</a:t>
+            </a:fld>
+            <a:endParaRPr lang="de-DE"/>
           </a:p>
         </p:txBody>
       </p:sp>
     </p:spTree>
     <p:extLst>
       <p:ext uri="{BB962C8B-B14F-4D97-AF65-F5344CB8AC3E}">
-        <p14:creationId xmlns:p14="http://schemas.microsoft.com/office/powerpoint/2010/main" val="3114547157"/>
+        <p14:creationId xmlns:p14="http://schemas.microsoft.com/office/powerpoint/2010/main" val="1767145185"/>
       </p:ext>
     </p:extLst>
   </p:cSld>
@@ -9028,7 +10125,7 @@
             </a:br>
             <a:r>
               <a:rPr lang="de-DE" sz="3200" dirty="0" smtClean="0"/>
-              <a:t>Kamera</a:t>
+              <a:t>Checkpoints</a:t>
             </a:r>
             <a:endParaRPr lang="de-DE" sz="3200" dirty="0"/>
           </a:p>
@@ -9059,15 +10156,17 @@
             <a:pPr algn="just"/>
             <a:r>
               <a:rPr lang="de-DE" dirty="0" smtClean="0"/>
-              <a:t>Die Lösung</a:t>
-            </a:r>
+              <a:t>Bonus</a:t>
+            </a:r>
+            <a:endParaRPr lang="de-DE" dirty="0" smtClean="0"/>
           </a:p>
           <a:p>
             <a:pPr lvl="1" algn="just"/>
             <a:r>
               <a:rPr lang="de-DE" dirty="0" smtClean="0"/>
-              <a:t>Relativ einfache Problematik</a:t>
-            </a:r>
+              <a:t>Multiplayer</a:t>
+            </a:r>
+            <a:endParaRPr lang="de-DE" dirty="0" smtClean="0"/>
           </a:p>
         </p:txBody>
       </p:sp>
@@ -9081,8 +10180,8 @@
         </p:nvSpPr>
         <p:spPr bwMode="auto">
           <a:xfrm>
-            <a:off x="7806519" y="2711197"/>
-            <a:ext cx="4012441" cy="1164197"/>
+            <a:off x="7806519" y="2711196"/>
+            <a:ext cx="4012441" cy="2434009"/>
           </a:xfrm>
           <a:prstGeom prst="rect">
             <a:avLst/>
@@ -9274,14 +10373,22 @@
             <a:pPr algn="just"/>
             <a:r>
               <a:rPr lang="de-DE" sz="2400" dirty="0" smtClean="0"/>
-              <a:t>Lösung</a:t>
-            </a:r>
+              <a:t>Anmerkung</a:t>
+            </a:r>
+            <a:endParaRPr lang="de-DE" sz="2400" dirty="0" smtClean="0"/>
           </a:p>
           <a:p>
             <a:pPr lvl="1" algn="just"/>
             <a:r>
               <a:rPr lang="de-DE" sz="2000" dirty="0" smtClean="0"/>
-              <a:t>Eine Codezeile genügte um es zu richten.</a:t>
+              <a:t>Durch den Multiplayer Modus gibt es keinen Singleplayer mehr!</a:t>
+            </a:r>
+          </a:p>
+          <a:p>
+            <a:pPr lvl="1" algn="just"/>
+            <a:r>
+              <a:rPr lang="de-DE" sz="2000" dirty="0" smtClean="0"/>
+              <a:t>Checkpoints arbeiten dennoch 100% richtig!</a:t>
             </a:r>
             <a:endParaRPr lang="de-DE" sz="2000" dirty="0"/>
           </a:p>
@@ -9344,7 +10451,7 @@
         <p:spPr>
           <a:xfrm>
             <a:off x="1460314" y="6387149"/>
-            <a:ext cx="3671244" cy="369332"/>
+            <a:ext cx="6905764" cy="369332"/>
           </a:xfrm>
           <a:prstGeom prst="rect">
             <a:avLst/>
@@ -9363,86 +10470,62 @@
             </a:r>
             <a:r>
               <a:rPr lang="de-DE" dirty="0" smtClean="0"/>
-              <a:t> – Kamera folgt dem Wagen</a:t>
+              <a:t> Bild – Checkpoint wird für Spieler 1 aktiviert und weiter gestellt</a:t>
             </a:r>
             <a:endParaRPr lang="de-DE" dirty="0"/>
           </a:p>
         </p:txBody>
       </p:sp>
-      <p:pic>
-        <p:nvPicPr>
-          <p:cNvPr id="7" name="Picture 2"/>
-          <p:cNvPicPr>
-            <a:picLocks noChangeAspect="1" noChangeArrowheads="1"/>
-          </p:cNvPicPr>
-          <p:nvPr/>
-        </p:nvPicPr>
-        <p:blipFill>
-          <a:blip r:embed="rId2" cstate="print">
-            <a:extLst>
-              <a:ext uri="{28A0092B-C50C-407E-A947-70E740481C1C}">
-                <a14:useLocalDpi xmlns:a14="http://schemas.microsoft.com/office/drawing/2010/main" val="0"/>
-              </a:ext>
-            </a:extLst>
-          </a:blip>
-          <a:stretch>
-            <a:fillRect/>
-          </a:stretch>
-        </p:blipFill>
-        <p:spPr bwMode="auto">
-          <a:xfrm>
-            <a:off x="6664617" y="3802865"/>
-            <a:ext cx="4965549" cy="2473452"/>
-          </a:xfrm>
-          <a:prstGeom prst="rect">
-            <a:avLst/>
-          </a:prstGeom>
-          <a:noFill/>
-          <a:extLst>
-            <a:ext uri="{909E8E84-426E-40DD-AFC4-6F175D3DCCD1}">
-              <a14:hiddenFill xmlns:a14="http://schemas.microsoft.com/office/drawing/2010/main">
-                <a:solidFill>
-                  <a:srgbClr val="FFFFFF"/>
-                </a:solidFill>
-              </a14:hiddenFill>
-            </a:ext>
-          </a:extLst>
-        </p:spPr>
-      </p:pic>
-      <p:sp>
-        <p:nvSpPr>
-          <p:cNvPr id="8" name="Textfeld 7"/>
-          <p:cNvSpPr txBox="1"/>
-          <p:nvPr/>
-        </p:nvSpPr>
-        <p:spPr>
-          <a:xfrm>
-            <a:off x="6689680" y="6387149"/>
-            <a:ext cx="5129280" cy="369332"/>
-          </a:xfrm>
-          <a:prstGeom prst="rect">
-            <a:avLst/>
-          </a:prstGeom>
-          <a:noFill/>
-        </p:spPr>
-        <p:txBody>
-          <a:bodyPr wrap="square" rtlCol="0">
-            <a:spAutoFit/>
-          </a:bodyPr>
+      <p:sp>
+        <p:nvSpPr>
+          <p:cNvPr id="5" name="Datumsplatzhalter 4"/>
+          <p:cNvSpPr>
+            <a:spLocks noGrp="1"/>
+          </p:cNvSpPr>
+          <p:nvPr>
+            <p:ph type="dt" sz="half" idx="10"/>
+          </p:nvPr>
+        </p:nvSpPr>
+        <p:spPr/>
+        <p:txBody>
+          <a:bodyPr/>
           <a:lstStyle/>
           <a:p>
             <a:r>
-              <a:rPr lang="de-DE" dirty="0" smtClean="0"/>
-              <a:t>Screenshot – Code Ausschnitt der Kameraführung</a:t>
-            </a:r>
-            <a:endParaRPr lang="de-DE" dirty="0"/>
+              <a:rPr lang="de-DE" smtClean="0"/>
+              <a:t>02.10.2015</a:t>
+            </a:r>
+            <a:endParaRPr lang="de-DE"/>
+          </a:p>
+        </p:txBody>
+      </p:sp>
+      <p:sp>
+        <p:nvSpPr>
+          <p:cNvPr id="7" name="Foliennummernplatzhalter 6"/>
+          <p:cNvSpPr>
+            <a:spLocks noGrp="1"/>
+          </p:cNvSpPr>
+          <p:nvPr>
+            <p:ph type="sldNum" sz="quarter" idx="12"/>
+          </p:nvPr>
+        </p:nvSpPr>
+        <p:spPr/>
+        <p:txBody>
+          <a:bodyPr/>
+          <a:lstStyle/>
+          <a:p>
+            <a:fld id="{AA18DD3B-6366-410C-8003-B36A9F3BD685}" type="slidenum">
+              <a:rPr lang="de-DE" smtClean="0"/>
+              <a:t>21</a:t>
+            </a:fld>
+            <a:endParaRPr lang="de-DE"/>
           </a:p>
         </p:txBody>
       </p:sp>
     </p:spTree>
     <p:extLst>
       <p:ext uri="{BB962C8B-B14F-4D97-AF65-F5344CB8AC3E}">
-        <p14:creationId xmlns:p14="http://schemas.microsoft.com/office/powerpoint/2010/main" val="2672779886"/>
+        <p14:creationId xmlns:p14="http://schemas.microsoft.com/office/powerpoint/2010/main" val="1683831905"/>
       </p:ext>
     </p:extLst>
   </p:cSld>
@@ -9493,6 +10576,3410 @@
           <a:p>
             <a:r>
               <a:rPr lang="de-DE" dirty="0" smtClean="0"/>
+              <a:t>Herausforderungen</a:t>
+            </a:r>
+            <a:br>
+              <a:rPr lang="de-DE" dirty="0" smtClean="0"/>
+            </a:br>
+            <a:r>
+              <a:rPr lang="de-DE" sz="3200" dirty="0" err="1" smtClean="0"/>
+              <a:t>Respawn</a:t>
+            </a:r>
+            <a:endParaRPr lang="de-DE" sz="3200" dirty="0"/>
+          </a:p>
+        </p:txBody>
+      </p:sp>
+      <p:sp>
+        <p:nvSpPr>
+          <p:cNvPr id="3" name="Inhaltsplatzhalter 2"/>
+          <p:cNvSpPr>
+            <a:spLocks noGrp="1"/>
+          </p:cNvSpPr>
+          <p:nvPr>
+            <p:ph idx="1"/>
+          </p:nvPr>
+        </p:nvSpPr>
+        <p:spPr>
+          <a:xfrm>
+            <a:off x="978090" y="2586094"/>
+            <a:ext cx="6787486" cy="1289872"/>
+          </a:xfrm>
+        </p:spPr>
+        <p:txBody>
+          <a:bodyPr>
+            <a:normAutofit/>
+          </a:bodyPr>
+          <a:lstStyle/>
+          <a:p>
+            <a:pPr algn="just"/>
+            <a:r>
+              <a:rPr lang="de-DE" dirty="0" smtClean="0"/>
+              <a:t>Was getan werden soll…</a:t>
+            </a:r>
+          </a:p>
+          <a:p>
+            <a:pPr lvl="1" algn="just"/>
+            <a:r>
+              <a:rPr lang="de-DE" dirty="0" smtClean="0"/>
+              <a:t>Auf Knopfdruck bzw. bei Zerstörung</a:t>
+            </a:r>
+          </a:p>
+        </p:txBody>
+      </p:sp>
+      <p:sp>
+        <p:nvSpPr>
+          <p:cNvPr id="4" name="Inhaltsplatzhalter 2"/>
+          <p:cNvSpPr txBox="1">
+            <a:spLocks/>
+          </p:cNvSpPr>
+          <p:nvPr/>
+        </p:nvSpPr>
+        <p:spPr bwMode="auto">
+          <a:xfrm>
+            <a:off x="7806519" y="2711197"/>
+            <a:ext cx="4012441" cy="1587848"/>
+          </a:xfrm>
+          <a:prstGeom prst="rect">
+            <a:avLst/>
+          </a:prstGeom>
+          <a:noFill/>
+          <a:ln>
+            <a:noFill/>
+          </a:ln>
+          <a:extLst>
+            <a:ext uri="{909E8E84-426E-40DD-AFC4-6F175D3DCCD1}">
+              <a14:hiddenFill xmlns:a14="http://schemas.microsoft.com/office/drawing/2010/main">
+                <a:solidFill>
+                  <a:srgbClr val="FFFFFF"/>
+                </a:solidFill>
+              </a14:hiddenFill>
+            </a:ext>
+            <a:ext uri="{91240B29-F687-4F45-9708-019B960494DF}">
+              <a14:hiddenLine xmlns:a14="http://schemas.microsoft.com/office/drawing/2010/main" w="9525">
+                <a:solidFill>
+                  <a:srgbClr val="000000"/>
+                </a:solidFill>
+                <a:miter lim="800000"/>
+                <a:headEnd/>
+                <a:tailEnd/>
+              </a14:hiddenLine>
+            </a:ext>
+          </a:extLst>
+        </p:spPr>
+        <p:txBody>
+          <a:bodyPr vert="horz" wrap="square" lIns="91440" tIns="45720" rIns="91440" bIns="45720" numCol="1" anchor="t" anchorCtr="0" compatLnSpc="1">
+            <a:prstTxWarp prst="textNoShape">
+              <a:avLst/>
+            </a:prstTxWarp>
+            <a:noAutofit/>
+          </a:bodyPr>
+          <a:lstStyle>
+            <a:lvl1pPr marL="342900" indent="-342900" algn="l" rtl="0" eaLnBrk="1" fontAlgn="base" hangingPunct="1">
+              <a:spcBef>
+                <a:spcPct val="20000"/>
+              </a:spcBef>
+              <a:spcAft>
+                <a:spcPct val="0"/>
+              </a:spcAft>
+              <a:buFont typeface="Arial" charset="0"/>
+              <a:buChar char="•"/>
+              <a:defRPr sz="3200" kern="1200">
+                <a:solidFill>
+                  <a:schemeClr val="tx1"/>
+                </a:solidFill>
+                <a:latin typeface="+mn-lt"/>
+                <a:ea typeface="+mn-ea"/>
+                <a:cs typeface="+mn-cs"/>
+              </a:defRPr>
+            </a:lvl1pPr>
+            <a:lvl2pPr marL="742950" indent="-285750" algn="l" rtl="0" eaLnBrk="1" fontAlgn="base" hangingPunct="1">
+              <a:spcBef>
+                <a:spcPct val="20000"/>
+              </a:spcBef>
+              <a:spcAft>
+                <a:spcPct val="0"/>
+              </a:spcAft>
+              <a:buFont typeface="Arial" charset="0"/>
+              <a:buChar char="–"/>
+              <a:defRPr sz="2800" kern="1200">
+                <a:solidFill>
+                  <a:schemeClr val="tx1"/>
+                </a:solidFill>
+                <a:latin typeface="+mn-lt"/>
+                <a:ea typeface="+mn-ea"/>
+                <a:cs typeface="+mn-cs"/>
+              </a:defRPr>
+            </a:lvl2pPr>
+            <a:lvl3pPr marL="1143000" indent="-228600" algn="l" rtl="0" eaLnBrk="1" fontAlgn="base" hangingPunct="1">
+              <a:spcBef>
+                <a:spcPct val="20000"/>
+              </a:spcBef>
+              <a:spcAft>
+                <a:spcPct val="0"/>
+              </a:spcAft>
+              <a:buFont typeface="Arial" charset="0"/>
+              <a:buChar char="•"/>
+              <a:defRPr sz="2400" kern="1200">
+                <a:solidFill>
+                  <a:schemeClr val="tx1"/>
+                </a:solidFill>
+                <a:latin typeface="+mn-lt"/>
+                <a:ea typeface="+mn-ea"/>
+                <a:cs typeface="+mn-cs"/>
+              </a:defRPr>
+            </a:lvl3pPr>
+            <a:lvl4pPr marL="1600200" indent="-228600" algn="l" rtl="0" eaLnBrk="1" fontAlgn="base" hangingPunct="1">
+              <a:spcBef>
+                <a:spcPct val="20000"/>
+              </a:spcBef>
+              <a:spcAft>
+                <a:spcPct val="0"/>
+              </a:spcAft>
+              <a:buFont typeface="Arial" charset="0"/>
+              <a:buChar char="–"/>
+              <a:defRPr sz="2000" kern="1200">
+                <a:solidFill>
+                  <a:schemeClr val="tx1"/>
+                </a:solidFill>
+                <a:latin typeface="+mn-lt"/>
+                <a:ea typeface="+mn-ea"/>
+                <a:cs typeface="+mn-cs"/>
+              </a:defRPr>
+            </a:lvl4pPr>
+            <a:lvl5pPr marL="2057400" indent="-228600" algn="l" rtl="0" eaLnBrk="1" fontAlgn="base" hangingPunct="1">
+              <a:spcBef>
+                <a:spcPct val="20000"/>
+              </a:spcBef>
+              <a:spcAft>
+                <a:spcPct val="0"/>
+              </a:spcAft>
+              <a:buFont typeface="Arial" charset="0"/>
+              <a:buChar char="»"/>
+              <a:defRPr sz="2000" kern="1200">
+                <a:solidFill>
+                  <a:schemeClr val="tx1"/>
+                </a:solidFill>
+                <a:latin typeface="+mn-lt"/>
+                <a:ea typeface="+mn-ea"/>
+                <a:cs typeface="+mn-cs"/>
+              </a:defRPr>
+            </a:lvl5pPr>
+            <a:lvl6pPr marL="2514600" indent="-228600" algn="l" defTabSz="914400" rtl="0" eaLnBrk="1" latinLnBrk="0" hangingPunct="1">
+              <a:spcBef>
+                <a:spcPct val="20000"/>
+              </a:spcBef>
+              <a:buFont typeface="Arial" pitchFamily="34" charset="0"/>
+              <a:buChar char="•"/>
+              <a:defRPr sz="2000" kern="1200">
+                <a:solidFill>
+                  <a:schemeClr val="tx1"/>
+                </a:solidFill>
+                <a:latin typeface="+mn-lt"/>
+                <a:ea typeface="+mn-ea"/>
+                <a:cs typeface="+mn-cs"/>
+              </a:defRPr>
+            </a:lvl6pPr>
+            <a:lvl7pPr marL="2971800" indent="-228600" algn="l" defTabSz="914400" rtl="0" eaLnBrk="1" latinLnBrk="0" hangingPunct="1">
+              <a:spcBef>
+                <a:spcPct val="20000"/>
+              </a:spcBef>
+              <a:buFont typeface="Arial" pitchFamily="34" charset="0"/>
+              <a:buChar char="•"/>
+              <a:defRPr sz="2000" kern="1200">
+                <a:solidFill>
+                  <a:schemeClr val="tx1"/>
+                </a:solidFill>
+                <a:latin typeface="+mn-lt"/>
+                <a:ea typeface="+mn-ea"/>
+                <a:cs typeface="+mn-cs"/>
+              </a:defRPr>
+            </a:lvl7pPr>
+            <a:lvl8pPr marL="3429000" indent="-228600" algn="l" defTabSz="914400" rtl="0" eaLnBrk="1" latinLnBrk="0" hangingPunct="1">
+              <a:spcBef>
+                <a:spcPct val="20000"/>
+              </a:spcBef>
+              <a:buFont typeface="Arial" pitchFamily="34" charset="0"/>
+              <a:buChar char="•"/>
+              <a:defRPr sz="2000" kern="1200">
+                <a:solidFill>
+                  <a:schemeClr val="tx1"/>
+                </a:solidFill>
+                <a:latin typeface="+mn-lt"/>
+                <a:ea typeface="+mn-ea"/>
+                <a:cs typeface="+mn-cs"/>
+              </a:defRPr>
+            </a:lvl8pPr>
+            <a:lvl9pPr marL="3886200" indent="-228600" algn="l" defTabSz="914400" rtl="0" eaLnBrk="1" latinLnBrk="0" hangingPunct="1">
+              <a:spcBef>
+                <a:spcPct val="20000"/>
+              </a:spcBef>
+              <a:buFont typeface="Arial" pitchFamily="34" charset="0"/>
+              <a:buChar char="•"/>
+              <a:defRPr sz="2000" kern="1200">
+                <a:solidFill>
+                  <a:schemeClr val="tx1"/>
+                </a:solidFill>
+                <a:latin typeface="+mn-lt"/>
+                <a:ea typeface="+mn-ea"/>
+                <a:cs typeface="+mn-cs"/>
+              </a:defRPr>
+            </a:lvl9pPr>
+          </a:lstStyle>
+          <a:p>
+            <a:pPr algn="just"/>
+            <a:r>
+              <a:rPr lang="de-DE" sz="2400" dirty="0" smtClean="0"/>
+              <a:t>Problem</a:t>
+            </a:r>
+          </a:p>
+          <a:p>
+            <a:pPr lvl="1" algn="just"/>
+            <a:r>
+              <a:rPr lang="de-DE" sz="2000" dirty="0" smtClean="0"/>
+              <a:t>Der </a:t>
+            </a:r>
+            <a:r>
+              <a:rPr lang="de-DE" sz="2000" dirty="0" err="1" smtClean="0"/>
+              <a:t>Respawn</a:t>
+            </a:r>
+            <a:r>
+              <a:rPr lang="de-DE" sz="2000" dirty="0" smtClean="0"/>
+              <a:t> funktioniert nicht oder nur halb.</a:t>
+            </a:r>
+          </a:p>
+          <a:p>
+            <a:pPr lvl="1" algn="just"/>
+            <a:r>
+              <a:rPr lang="de-DE" sz="2000" dirty="0" err="1" smtClean="0"/>
+              <a:t>Respawn</a:t>
+            </a:r>
+            <a:r>
+              <a:rPr lang="de-DE" sz="2000" dirty="0" smtClean="0"/>
+              <a:t> auf falscher Position</a:t>
+            </a:r>
+            <a:endParaRPr lang="de-DE" sz="2000" dirty="0"/>
+          </a:p>
+          <a:p>
+            <a:pPr lvl="1" algn="just"/>
+            <a:endParaRPr lang="de-DE" sz="1400" dirty="0"/>
+          </a:p>
+          <a:p>
+            <a:pPr lvl="1" algn="just"/>
+            <a:endParaRPr lang="de-DE" sz="1400" dirty="0" smtClean="0"/>
+          </a:p>
+        </p:txBody>
+      </p:sp>
+      <p:pic>
+        <p:nvPicPr>
+          <p:cNvPr id="2050" name="Picture 2"/>
+          <p:cNvPicPr>
+            <a:picLocks noChangeAspect="1" noChangeArrowheads="1"/>
+          </p:cNvPicPr>
+          <p:nvPr/>
+        </p:nvPicPr>
+        <p:blipFill>
+          <a:blip r:embed="rId2" cstate="print">
+            <a:extLst>
+              <a:ext uri="{28A0092B-C50C-407E-A947-70E740481C1C}">
+                <a14:useLocalDpi xmlns:a14="http://schemas.microsoft.com/office/drawing/2010/main" val="0"/>
+              </a:ext>
+            </a:extLst>
+          </a:blip>
+          <a:stretch>
+            <a:fillRect/>
+          </a:stretch>
+        </p:blipFill>
+        <p:spPr bwMode="auto">
+          <a:xfrm>
+            <a:off x="1435251" y="3802865"/>
+            <a:ext cx="4965549" cy="2473452"/>
+          </a:xfrm>
+          <a:prstGeom prst="rect">
+            <a:avLst/>
+          </a:prstGeom>
+          <a:noFill/>
+          <a:extLst>
+            <a:ext uri="{909E8E84-426E-40DD-AFC4-6F175D3DCCD1}">
+              <a14:hiddenFill xmlns:a14="http://schemas.microsoft.com/office/drawing/2010/main">
+                <a:solidFill>
+                  <a:srgbClr val="FFFFFF"/>
+                </a:solidFill>
+              </a14:hiddenFill>
+            </a:ext>
+          </a:extLst>
+        </p:spPr>
+      </p:pic>
+      <p:sp>
+        <p:nvSpPr>
+          <p:cNvPr id="6" name="Textfeld 5"/>
+          <p:cNvSpPr txBox="1"/>
+          <p:nvPr/>
+        </p:nvSpPr>
+        <p:spPr>
+          <a:xfrm>
+            <a:off x="1460314" y="6387149"/>
+            <a:ext cx="5131555" cy="369332"/>
+          </a:xfrm>
+          <a:prstGeom prst="rect">
+            <a:avLst/>
+          </a:prstGeom>
+          <a:noFill/>
+        </p:spPr>
+        <p:txBody>
+          <a:bodyPr wrap="square" rtlCol="0">
+            <a:spAutoFit/>
+          </a:bodyPr>
+          <a:lstStyle/>
+          <a:p>
+            <a:r>
+              <a:rPr lang="de-DE" dirty="0" err="1" smtClean="0"/>
+              <a:t>Gif</a:t>
+            </a:r>
+            <a:r>
+              <a:rPr lang="de-DE" dirty="0" smtClean="0"/>
+              <a:t> – Spieler </a:t>
+            </a:r>
+            <a:r>
+              <a:rPr lang="de-DE" dirty="0" smtClean="0"/>
+              <a:t> 1 führt </a:t>
+            </a:r>
+            <a:r>
+              <a:rPr lang="de-DE" dirty="0" smtClean="0"/>
+              <a:t>einen </a:t>
+            </a:r>
+            <a:r>
+              <a:rPr lang="de-DE" dirty="0" err="1" smtClean="0"/>
+              <a:t>Respawn</a:t>
+            </a:r>
+            <a:r>
+              <a:rPr lang="de-DE" dirty="0" smtClean="0"/>
+              <a:t> aus</a:t>
+            </a:r>
+            <a:endParaRPr lang="de-DE" dirty="0"/>
+          </a:p>
+        </p:txBody>
+      </p:sp>
+      <p:sp>
+        <p:nvSpPr>
+          <p:cNvPr id="5" name="Datumsplatzhalter 4"/>
+          <p:cNvSpPr>
+            <a:spLocks noGrp="1"/>
+          </p:cNvSpPr>
+          <p:nvPr>
+            <p:ph type="dt" sz="half" idx="10"/>
+          </p:nvPr>
+        </p:nvSpPr>
+        <p:spPr/>
+        <p:txBody>
+          <a:bodyPr/>
+          <a:lstStyle/>
+          <a:p>
+            <a:r>
+              <a:rPr lang="de-DE" smtClean="0"/>
+              <a:t>02.10.2015</a:t>
+            </a:r>
+            <a:endParaRPr lang="de-DE"/>
+          </a:p>
+        </p:txBody>
+      </p:sp>
+      <p:sp>
+        <p:nvSpPr>
+          <p:cNvPr id="7" name="Foliennummernplatzhalter 6"/>
+          <p:cNvSpPr>
+            <a:spLocks noGrp="1"/>
+          </p:cNvSpPr>
+          <p:nvPr>
+            <p:ph type="sldNum" sz="quarter" idx="12"/>
+          </p:nvPr>
+        </p:nvSpPr>
+        <p:spPr/>
+        <p:txBody>
+          <a:bodyPr/>
+          <a:lstStyle/>
+          <a:p>
+            <a:fld id="{AA18DD3B-6366-410C-8003-B36A9F3BD685}" type="slidenum">
+              <a:rPr lang="de-DE" smtClean="0"/>
+              <a:t>22</a:t>
+            </a:fld>
+            <a:endParaRPr lang="de-DE"/>
+          </a:p>
+        </p:txBody>
+      </p:sp>
+    </p:spTree>
+    <p:extLst>
+      <p:ext uri="{BB962C8B-B14F-4D97-AF65-F5344CB8AC3E}">
+        <p14:creationId xmlns:p14="http://schemas.microsoft.com/office/powerpoint/2010/main" val="2615663998"/>
+      </p:ext>
+    </p:extLst>
+  </p:cSld>
+  <p:clrMapOvr>
+    <a:masterClrMapping/>
+  </p:clrMapOvr>
+  <p:timing>
+    <p:tnLst>
+      <p:par>
+        <p:cTn id="1" dur="indefinite" restart="never" nodeType="tmRoot"/>
+      </p:par>
+    </p:tnLst>
+  </p:timing>
+</p:sld>
+</file>
+
+<file path=ppt/slides/slide23.xml><?xml version="1.0" encoding="utf-8"?>
+<p:sld xmlns:a="http://schemas.openxmlformats.org/drawingml/2006/main" xmlns:r="http://schemas.openxmlformats.org/officeDocument/2006/relationships" xmlns:p="http://schemas.openxmlformats.org/presentationml/2006/main">
+  <p:cSld>
+    <p:spTree>
+      <p:nvGrpSpPr>
+        <p:cNvPr id="1" name=""/>
+        <p:cNvGrpSpPr/>
+        <p:nvPr/>
+      </p:nvGrpSpPr>
+      <p:grpSpPr>
+        <a:xfrm>
+          <a:off x="0" y="0"/>
+          <a:ext cx="0" cy="0"/>
+          <a:chOff x="0" y="0"/>
+          <a:chExt cx="0" cy="0"/>
+        </a:xfrm>
+      </p:grpSpPr>
+      <p:sp>
+        <p:nvSpPr>
+          <p:cNvPr id="2" name="Titel 1"/>
+          <p:cNvSpPr>
+            <a:spLocks noGrp="1"/>
+          </p:cNvSpPr>
+          <p:nvPr>
+            <p:ph type="title"/>
+          </p:nvPr>
+        </p:nvSpPr>
+        <p:spPr/>
+        <p:txBody>
+          <a:bodyPr/>
+          <a:lstStyle/>
+          <a:p>
+            <a:r>
+              <a:rPr lang="de-DE" dirty="0" smtClean="0"/>
+              <a:t>Herausforderungen</a:t>
+            </a:r>
+            <a:br>
+              <a:rPr lang="de-DE" dirty="0" smtClean="0"/>
+            </a:br>
+            <a:r>
+              <a:rPr lang="de-DE" sz="3200" dirty="0" err="1" smtClean="0"/>
+              <a:t>Respawn</a:t>
+            </a:r>
+            <a:endParaRPr lang="de-DE" sz="3200" dirty="0"/>
+          </a:p>
+        </p:txBody>
+      </p:sp>
+      <p:sp>
+        <p:nvSpPr>
+          <p:cNvPr id="3" name="Inhaltsplatzhalter 2"/>
+          <p:cNvSpPr>
+            <a:spLocks noGrp="1"/>
+          </p:cNvSpPr>
+          <p:nvPr>
+            <p:ph idx="1"/>
+          </p:nvPr>
+        </p:nvSpPr>
+        <p:spPr>
+          <a:xfrm>
+            <a:off x="978090" y="2586094"/>
+            <a:ext cx="6787486" cy="1289872"/>
+          </a:xfrm>
+        </p:spPr>
+        <p:txBody>
+          <a:bodyPr>
+            <a:normAutofit/>
+          </a:bodyPr>
+          <a:lstStyle/>
+          <a:p>
+            <a:pPr algn="just"/>
+            <a:r>
+              <a:rPr lang="de-DE" dirty="0" smtClean="0"/>
+              <a:t>Endfunktion</a:t>
+            </a:r>
+          </a:p>
+          <a:p>
+            <a:pPr lvl="1" algn="just"/>
+            <a:r>
+              <a:rPr lang="de-DE" dirty="0" smtClean="0"/>
+              <a:t>Einsatzfähig</a:t>
+            </a:r>
+          </a:p>
+        </p:txBody>
+      </p:sp>
+      <p:sp>
+        <p:nvSpPr>
+          <p:cNvPr id="4" name="Inhaltsplatzhalter 2"/>
+          <p:cNvSpPr txBox="1">
+            <a:spLocks/>
+          </p:cNvSpPr>
+          <p:nvPr/>
+        </p:nvSpPr>
+        <p:spPr bwMode="auto">
+          <a:xfrm>
+            <a:off x="7806519" y="2711197"/>
+            <a:ext cx="4012441" cy="2328394"/>
+          </a:xfrm>
+          <a:prstGeom prst="rect">
+            <a:avLst/>
+          </a:prstGeom>
+          <a:noFill/>
+          <a:ln>
+            <a:noFill/>
+          </a:ln>
+          <a:extLst>
+            <a:ext uri="{909E8E84-426E-40DD-AFC4-6F175D3DCCD1}">
+              <a14:hiddenFill xmlns:a14="http://schemas.microsoft.com/office/drawing/2010/main">
+                <a:solidFill>
+                  <a:srgbClr val="FFFFFF"/>
+                </a:solidFill>
+              </a14:hiddenFill>
+            </a:ext>
+            <a:ext uri="{91240B29-F687-4F45-9708-019B960494DF}">
+              <a14:hiddenLine xmlns:a14="http://schemas.microsoft.com/office/drawing/2010/main" w="9525">
+                <a:solidFill>
+                  <a:srgbClr val="000000"/>
+                </a:solidFill>
+                <a:miter lim="800000"/>
+                <a:headEnd/>
+                <a:tailEnd/>
+              </a14:hiddenLine>
+            </a:ext>
+          </a:extLst>
+        </p:spPr>
+        <p:txBody>
+          <a:bodyPr vert="horz" wrap="square" lIns="91440" tIns="45720" rIns="91440" bIns="45720" numCol="1" anchor="t" anchorCtr="0" compatLnSpc="1">
+            <a:prstTxWarp prst="textNoShape">
+              <a:avLst/>
+            </a:prstTxWarp>
+            <a:noAutofit/>
+          </a:bodyPr>
+          <a:lstStyle>
+            <a:lvl1pPr marL="342900" indent="-342900" algn="l" rtl="0" eaLnBrk="1" fontAlgn="base" hangingPunct="1">
+              <a:spcBef>
+                <a:spcPct val="20000"/>
+              </a:spcBef>
+              <a:spcAft>
+                <a:spcPct val="0"/>
+              </a:spcAft>
+              <a:buFont typeface="Arial" charset="0"/>
+              <a:buChar char="•"/>
+              <a:defRPr sz="3200" kern="1200">
+                <a:solidFill>
+                  <a:schemeClr val="tx1"/>
+                </a:solidFill>
+                <a:latin typeface="+mn-lt"/>
+                <a:ea typeface="+mn-ea"/>
+                <a:cs typeface="+mn-cs"/>
+              </a:defRPr>
+            </a:lvl1pPr>
+            <a:lvl2pPr marL="742950" indent="-285750" algn="l" rtl="0" eaLnBrk="1" fontAlgn="base" hangingPunct="1">
+              <a:spcBef>
+                <a:spcPct val="20000"/>
+              </a:spcBef>
+              <a:spcAft>
+                <a:spcPct val="0"/>
+              </a:spcAft>
+              <a:buFont typeface="Arial" charset="0"/>
+              <a:buChar char="–"/>
+              <a:defRPr sz="2800" kern="1200">
+                <a:solidFill>
+                  <a:schemeClr val="tx1"/>
+                </a:solidFill>
+                <a:latin typeface="+mn-lt"/>
+                <a:ea typeface="+mn-ea"/>
+                <a:cs typeface="+mn-cs"/>
+              </a:defRPr>
+            </a:lvl2pPr>
+            <a:lvl3pPr marL="1143000" indent="-228600" algn="l" rtl="0" eaLnBrk="1" fontAlgn="base" hangingPunct="1">
+              <a:spcBef>
+                <a:spcPct val="20000"/>
+              </a:spcBef>
+              <a:spcAft>
+                <a:spcPct val="0"/>
+              </a:spcAft>
+              <a:buFont typeface="Arial" charset="0"/>
+              <a:buChar char="•"/>
+              <a:defRPr sz="2400" kern="1200">
+                <a:solidFill>
+                  <a:schemeClr val="tx1"/>
+                </a:solidFill>
+                <a:latin typeface="+mn-lt"/>
+                <a:ea typeface="+mn-ea"/>
+                <a:cs typeface="+mn-cs"/>
+              </a:defRPr>
+            </a:lvl3pPr>
+            <a:lvl4pPr marL="1600200" indent="-228600" algn="l" rtl="0" eaLnBrk="1" fontAlgn="base" hangingPunct="1">
+              <a:spcBef>
+                <a:spcPct val="20000"/>
+              </a:spcBef>
+              <a:spcAft>
+                <a:spcPct val="0"/>
+              </a:spcAft>
+              <a:buFont typeface="Arial" charset="0"/>
+              <a:buChar char="–"/>
+              <a:defRPr sz="2000" kern="1200">
+                <a:solidFill>
+                  <a:schemeClr val="tx1"/>
+                </a:solidFill>
+                <a:latin typeface="+mn-lt"/>
+                <a:ea typeface="+mn-ea"/>
+                <a:cs typeface="+mn-cs"/>
+              </a:defRPr>
+            </a:lvl4pPr>
+            <a:lvl5pPr marL="2057400" indent="-228600" algn="l" rtl="0" eaLnBrk="1" fontAlgn="base" hangingPunct="1">
+              <a:spcBef>
+                <a:spcPct val="20000"/>
+              </a:spcBef>
+              <a:spcAft>
+                <a:spcPct val="0"/>
+              </a:spcAft>
+              <a:buFont typeface="Arial" charset="0"/>
+              <a:buChar char="»"/>
+              <a:defRPr sz="2000" kern="1200">
+                <a:solidFill>
+                  <a:schemeClr val="tx1"/>
+                </a:solidFill>
+                <a:latin typeface="+mn-lt"/>
+                <a:ea typeface="+mn-ea"/>
+                <a:cs typeface="+mn-cs"/>
+              </a:defRPr>
+            </a:lvl5pPr>
+            <a:lvl6pPr marL="2514600" indent="-228600" algn="l" defTabSz="914400" rtl="0" eaLnBrk="1" latinLnBrk="0" hangingPunct="1">
+              <a:spcBef>
+                <a:spcPct val="20000"/>
+              </a:spcBef>
+              <a:buFont typeface="Arial" pitchFamily="34" charset="0"/>
+              <a:buChar char="•"/>
+              <a:defRPr sz="2000" kern="1200">
+                <a:solidFill>
+                  <a:schemeClr val="tx1"/>
+                </a:solidFill>
+                <a:latin typeface="+mn-lt"/>
+                <a:ea typeface="+mn-ea"/>
+                <a:cs typeface="+mn-cs"/>
+              </a:defRPr>
+            </a:lvl6pPr>
+            <a:lvl7pPr marL="2971800" indent="-228600" algn="l" defTabSz="914400" rtl="0" eaLnBrk="1" latinLnBrk="0" hangingPunct="1">
+              <a:spcBef>
+                <a:spcPct val="20000"/>
+              </a:spcBef>
+              <a:buFont typeface="Arial" pitchFamily="34" charset="0"/>
+              <a:buChar char="•"/>
+              <a:defRPr sz="2000" kern="1200">
+                <a:solidFill>
+                  <a:schemeClr val="tx1"/>
+                </a:solidFill>
+                <a:latin typeface="+mn-lt"/>
+                <a:ea typeface="+mn-ea"/>
+                <a:cs typeface="+mn-cs"/>
+              </a:defRPr>
+            </a:lvl7pPr>
+            <a:lvl8pPr marL="3429000" indent="-228600" algn="l" defTabSz="914400" rtl="0" eaLnBrk="1" latinLnBrk="0" hangingPunct="1">
+              <a:spcBef>
+                <a:spcPct val="20000"/>
+              </a:spcBef>
+              <a:buFont typeface="Arial" pitchFamily="34" charset="0"/>
+              <a:buChar char="•"/>
+              <a:defRPr sz="2000" kern="1200">
+                <a:solidFill>
+                  <a:schemeClr val="tx1"/>
+                </a:solidFill>
+                <a:latin typeface="+mn-lt"/>
+                <a:ea typeface="+mn-ea"/>
+                <a:cs typeface="+mn-cs"/>
+              </a:defRPr>
+            </a:lvl8pPr>
+            <a:lvl9pPr marL="3886200" indent="-228600" algn="l" defTabSz="914400" rtl="0" eaLnBrk="1" latinLnBrk="0" hangingPunct="1">
+              <a:spcBef>
+                <a:spcPct val="20000"/>
+              </a:spcBef>
+              <a:buFont typeface="Arial" pitchFamily="34" charset="0"/>
+              <a:buChar char="•"/>
+              <a:defRPr sz="2000" kern="1200">
+                <a:solidFill>
+                  <a:schemeClr val="tx1"/>
+                </a:solidFill>
+                <a:latin typeface="+mn-lt"/>
+                <a:ea typeface="+mn-ea"/>
+                <a:cs typeface="+mn-cs"/>
+              </a:defRPr>
+            </a:lvl9pPr>
+          </a:lstStyle>
+          <a:p>
+            <a:pPr algn="just"/>
+            <a:r>
+              <a:rPr lang="de-DE" sz="2400" dirty="0" smtClean="0"/>
+              <a:t>Lösung</a:t>
+            </a:r>
+          </a:p>
+          <a:p>
+            <a:pPr lvl="1" algn="just"/>
+            <a:r>
+              <a:rPr lang="de-DE" sz="2000" dirty="0" smtClean="0"/>
+              <a:t>Bei </a:t>
+            </a:r>
+            <a:r>
+              <a:rPr lang="de-DE" sz="2000" dirty="0" err="1" smtClean="0"/>
+              <a:t>betätigung</a:t>
+            </a:r>
+            <a:r>
+              <a:rPr lang="de-DE" sz="2000" dirty="0" smtClean="0"/>
+              <a:t> von „R“ wird </a:t>
+            </a:r>
+            <a:r>
+              <a:rPr lang="de-DE" sz="2000" dirty="0" err="1" smtClean="0"/>
+              <a:t>respawnt</a:t>
+            </a:r>
+            <a:endParaRPr lang="de-DE" sz="2000" dirty="0"/>
+          </a:p>
+          <a:p>
+            <a:pPr lvl="1" algn="just"/>
+            <a:endParaRPr lang="de-DE" sz="2000" dirty="0" smtClean="0"/>
+          </a:p>
+          <a:p>
+            <a:pPr lvl="1" algn="just"/>
+            <a:r>
+              <a:rPr lang="de-DE" sz="2000" dirty="0" smtClean="0"/>
+              <a:t>Immer auf den letzten Checkpoint!</a:t>
+            </a:r>
+            <a:endParaRPr lang="de-DE" sz="2000" dirty="0"/>
+          </a:p>
+          <a:p>
+            <a:pPr lvl="1" algn="just"/>
+            <a:endParaRPr lang="de-DE" sz="1400" dirty="0"/>
+          </a:p>
+          <a:p>
+            <a:pPr lvl="1" algn="just"/>
+            <a:endParaRPr lang="de-DE" sz="1400" dirty="0" smtClean="0"/>
+          </a:p>
+        </p:txBody>
+      </p:sp>
+      <p:pic>
+        <p:nvPicPr>
+          <p:cNvPr id="2050" name="Picture 2"/>
+          <p:cNvPicPr>
+            <a:picLocks noChangeAspect="1" noChangeArrowheads="1"/>
+          </p:cNvPicPr>
+          <p:nvPr/>
+        </p:nvPicPr>
+        <p:blipFill>
+          <a:blip r:embed="rId2" cstate="print">
+            <a:extLst>
+              <a:ext uri="{28A0092B-C50C-407E-A947-70E740481C1C}">
+                <a14:useLocalDpi xmlns:a14="http://schemas.microsoft.com/office/drawing/2010/main" val="0"/>
+              </a:ext>
+            </a:extLst>
+          </a:blip>
+          <a:stretch>
+            <a:fillRect/>
+          </a:stretch>
+        </p:blipFill>
+        <p:spPr bwMode="auto">
+          <a:xfrm>
+            <a:off x="1435251" y="3802865"/>
+            <a:ext cx="4965549" cy="2473452"/>
+          </a:xfrm>
+          <a:prstGeom prst="rect">
+            <a:avLst/>
+          </a:prstGeom>
+          <a:noFill/>
+          <a:extLst>
+            <a:ext uri="{909E8E84-426E-40DD-AFC4-6F175D3DCCD1}">
+              <a14:hiddenFill xmlns:a14="http://schemas.microsoft.com/office/drawing/2010/main">
+                <a:solidFill>
+                  <a:srgbClr val="FFFFFF"/>
+                </a:solidFill>
+              </a14:hiddenFill>
+            </a:ext>
+          </a:extLst>
+        </p:spPr>
+      </p:pic>
+      <p:sp>
+        <p:nvSpPr>
+          <p:cNvPr id="6" name="Textfeld 5"/>
+          <p:cNvSpPr txBox="1"/>
+          <p:nvPr/>
+        </p:nvSpPr>
+        <p:spPr>
+          <a:xfrm>
+            <a:off x="1460314" y="6387149"/>
+            <a:ext cx="8175005" cy="369332"/>
+          </a:xfrm>
+          <a:prstGeom prst="rect">
+            <a:avLst/>
+          </a:prstGeom>
+          <a:noFill/>
+        </p:spPr>
+        <p:txBody>
+          <a:bodyPr wrap="square" rtlCol="0">
+            <a:spAutoFit/>
+          </a:bodyPr>
+          <a:lstStyle/>
+          <a:p>
+            <a:r>
+              <a:rPr lang="de-DE" dirty="0" err="1" smtClean="0"/>
+              <a:t>Gif</a:t>
+            </a:r>
+            <a:r>
+              <a:rPr lang="de-DE" dirty="0" smtClean="0"/>
+              <a:t> – </a:t>
+            </a:r>
+            <a:r>
+              <a:rPr lang="de-DE" dirty="0" smtClean="0"/>
+              <a:t>Spieler 2 </a:t>
+            </a:r>
+            <a:r>
+              <a:rPr lang="de-DE" dirty="0" smtClean="0"/>
+              <a:t>führt einen </a:t>
+            </a:r>
+            <a:r>
+              <a:rPr lang="de-DE" dirty="0" err="1" smtClean="0"/>
+              <a:t>Respawn</a:t>
+            </a:r>
+            <a:r>
+              <a:rPr lang="de-DE" dirty="0" smtClean="0"/>
+              <a:t> </a:t>
+            </a:r>
+            <a:r>
+              <a:rPr lang="de-DE" dirty="0" smtClean="0"/>
+              <a:t>aus, nachdem er einen Checkpoint passiert hat!</a:t>
+            </a:r>
+            <a:endParaRPr lang="de-DE" dirty="0"/>
+          </a:p>
+        </p:txBody>
+      </p:sp>
+      <p:sp>
+        <p:nvSpPr>
+          <p:cNvPr id="5" name="Datumsplatzhalter 4"/>
+          <p:cNvSpPr>
+            <a:spLocks noGrp="1"/>
+          </p:cNvSpPr>
+          <p:nvPr>
+            <p:ph type="dt" sz="half" idx="10"/>
+          </p:nvPr>
+        </p:nvSpPr>
+        <p:spPr/>
+        <p:txBody>
+          <a:bodyPr/>
+          <a:lstStyle/>
+          <a:p>
+            <a:r>
+              <a:rPr lang="de-DE" smtClean="0"/>
+              <a:t>02.10.2015</a:t>
+            </a:r>
+            <a:endParaRPr lang="de-DE"/>
+          </a:p>
+        </p:txBody>
+      </p:sp>
+      <p:sp>
+        <p:nvSpPr>
+          <p:cNvPr id="7" name="Foliennummernplatzhalter 6"/>
+          <p:cNvSpPr>
+            <a:spLocks noGrp="1"/>
+          </p:cNvSpPr>
+          <p:nvPr>
+            <p:ph type="sldNum" sz="quarter" idx="12"/>
+          </p:nvPr>
+        </p:nvSpPr>
+        <p:spPr/>
+        <p:txBody>
+          <a:bodyPr/>
+          <a:lstStyle/>
+          <a:p>
+            <a:fld id="{AA18DD3B-6366-410C-8003-B36A9F3BD685}" type="slidenum">
+              <a:rPr lang="de-DE" smtClean="0"/>
+              <a:t>23</a:t>
+            </a:fld>
+            <a:endParaRPr lang="de-DE"/>
+          </a:p>
+        </p:txBody>
+      </p:sp>
+    </p:spTree>
+    <p:extLst>
+      <p:ext uri="{BB962C8B-B14F-4D97-AF65-F5344CB8AC3E}">
+        <p14:creationId xmlns:p14="http://schemas.microsoft.com/office/powerpoint/2010/main" val="3641270933"/>
+      </p:ext>
+    </p:extLst>
+  </p:cSld>
+  <p:clrMapOvr>
+    <a:masterClrMapping/>
+  </p:clrMapOvr>
+  <p:timing>
+    <p:tnLst>
+      <p:par>
+        <p:cTn id="1" dur="indefinite" restart="never" nodeType="tmRoot"/>
+      </p:par>
+    </p:tnLst>
+  </p:timing>
+</p:sld>
+</file>
+
+<file path=ppt/slides/slide24.xml><?xml version="1.0" encoding="utf-8"?>
+<p:sld xmlns:a="http://schemas.openxmlformats.org/drawingml/2006/main" xmlns:r="http://schemas.openxmlformats.org/officeDocument/2006/relationships" xmlns:p="http://schemas.openxmlformats.org/presentationml/2006/main">
+  <p:cSld>
+    <p:spTree>
+      <p:nvGrpSpPr>
+        <p:cNvPr id="1" name=""/>
+        <p:cNvGrpSpPr/>
+        <p:nvPr/>
+      </p:nvGrpSpPr>
+      <p:grpSpPr>
+        <a:xfrm>
+          <a:off x="0" y="0"/>
+          <a:ext cx="0" cy="0"/>
+          <a:chOff x="0" y="0"/>
+          <a:chExt cx="0" cy="0"/>
+        </a:xfrm>
+      </p:grpSpPr>
+      <p:sp>
+        <p:nvSpPr>
+          <p:cNvPr id="2" name="Titel 1"/>
+          <p:cNvSpPr>
+            <a:spLocks noGrp="1"/>
+          </p:cNvSpPr>
+          <p:nvPr>
+            <p:ph type="title"/>
+          </p:nvPr>
+        </p:nvSpPr>
+        <p:spPr/>
+        <p:txBody>
+          <a:bodyPr/>
+          <a:lstStyle/>
+          <a:p>
+            <a:r>
+              <a:rPr lang="de-DE" dirty="0" smtClean="0"/>
+              <a:t>Herausforderungen</a:t>
+            </a:r>
+            <a:br>
+              <a:rPr lang="de-DE" dirty="0" smtClean="0"/>
+            </a:br>
+            <a:r>
+              <a:rPr lang="de-DE" sz="3200" dirty="0" err="1" smtClean="0"/>
+              <a:t>Damage</a:t>
+            </a:r>
+            <a:r>
+              <a:rPr lang="de-DE" sz="3200" dirty="0" smtClean="0"/>
+              <a:t> </a:t>
+            </a:r>
+            <a:r>
+              <a:rPr lang="de-DE" sz="3200" dirty="0" err="1" smtClean="0"/>
+              <a:t>Calculation</a:t>
+            </a:r>
+            <a:endParaRPr lang="de-DE" sz="3200" dirty="0"/>
+          </a:p>
+        </p:txBody>
+      </p:sp>
+      <p:sp>
+        <p:nvSpPr>
+          <p:cNvPr id="3" name="Inhaltsplatzhalter 2"/>
+          <p:cNvSpPr>
+            <a:spLocks noGrp="1"/>
+          </p:cNvSpPr>
+          <p:nvPr>
+            <p:ph idx="1"/>
+          </p:nvPr>
+        </p:nvSpPr>
+        <p:spPr>
+          <a:xfrm>
+            <a:off x="978090" y="2586094"/>
+            <a:ext cx="6787486" cy="1289872"/>
+          </a:xfrm>
+        </p:spPr>
+        <p:txBody>
+          <a:bodyPr>
+            <a:normAutofit/>
+          </a:bodyPr>
+          <a:lstStyle/>
+          <a:p>
+            <a:pPr algn="just"/>
+            <a:r>
+              <a:rPr lang="de-DE" dirty="0" smtClean="0"/>
+              <a:t>Hauptproblem</a:t>
+            </a:r>
+          </a:p>
+          <a:p>
+            <a:pPr lvl="1" algn="just"/>
+            <a:r>
+              <a:rPr lang="de-DE" dirty="0" err="1" smtClean="0"/>
+              <a:t>Damage</a:t>
+            </a:r>
+            <a:r>
+              <a:rPr lang="de-DE" dirty="0" smtClean="0"/>
+              <a:t> wenn es richtig ist</a:t>
+            </a:r>
+          </a:p>
+        </p:txBody>
+      </p:sp>
+      <p:sp>
+        <p:nvSpPr>
+          <p:cNvPr id="4" name="Inhaltsplatzhalter 2"/>
+          <p:cNvSpPr txBox="1">
+            <a:spLocks/>
+          </p:cNvSpPr>
+          <p:nvPr/>
+        </p:nvSpPr>
+        <p:spPr bwMode="auto">
+          <a:xfrm>
+            <a:off x="7806519" y="2711197"/>
+            <a:ext cx="4012441" cy="2328394"/>
+          </a:xfrm>
+          <a:prstGeom prst="rect">
+            <a:avLst/>
+          </a:prstGeom>
+          <a:noFill/>
+          <a:ln>
+            <a:noFill/>
+          </a:ln>
+          <a:extLst>
+            <a:ext uri="{909E8E84-426E-40DD-AFC4-6F175D3DCCD1}">
+              <a14:hiddenFill xmlns:a14="http://schemas.microsoft.com/office/drawing/2010/main">
+                <a:solidFill>
+                  <a:srgbClr val="FFFFFF"/>
+                </a:solidFill>
+              </a14:hiddenFill>
+            </a:ext>
+            <a:ext uri="{91240B29-F687-4F45-9708-019B960494DF}">
+              <a14:hiddenLine xmlns:a14="http://schemas.microsoft.com/office/drawing/2010/main" w="9525">
+                <a:solidFill>
+                  <a:srgbClr val="000000"/>
+                </a:solidFill>
+                <a:miter lim="800000"/>
+                <a:headEnd/>
+                <a:tailEnd/>
+              </a14:hiddenLine>
+            </a:ext>
+          </a:extLst>
+        </p:spPr>
+        <p:txBody>
+          <a:bodyPr vert="horz" wrap="square" lIns="91440" tIns="45720" rIns="91440" bIns="45720" numCol="1" anchor="t" anchorCtr="0" compatLnSpc="1">
+            <a:prstTxWarp prst="textNoShape">
+              <a:avLst/>
+            </a:prstTxWarp>
+            <a:noAutofit/>
+          </a:bodyPr>
+          <a:lstStyle>
+            <a:lvl1pPr marL="342900" indent="-342900" algn="l" rtl="0" eaLnBrk="1" fontAlgn="base" hangingPunct="1">
+              <a:spcBef>
+                <a:spcPct val="20000"/>
+              </a:spcBef>
+              <a:spcAft>
+                <a:spcPct val="0"/>
+              </a:spcAft>
+              <a:buFont typeface="Arial" charset="0"/>
+              <a:buChar char="•"/>
+              <a:defRPr sz="3200" kern="1200">
+                <a:solidFill>
+                  <a:schemeClr val="tx1"/>
+                </a:solidFill>
+                <a:latin typeface="+mn-lt"/>
+                <a:ea typeface="+mn-ea"/>
+                <a:cs typeface="+mn-cs"/>
+              </a:defRPr>
+            </a:lvl1pPr>
+            <a:lvl2pPr marL="742950" indent="-285750" algn="l" rtl="0" eaLnBrk="1" fontAlgn="base" hangingPunct="1">
+              <a:spcBef>
+                <a:spcPct val="20000"/>
+              </a:spcBef>
+              <a:spcAft>
+                <a:spcPct val="0"/>
+              </a:spcAft>
+              <a:buFont typeface="Arial" charset="0"/>
+              <a:buChar char="–"/>
+              <a:defRPr sz="2800" kern="1200">
+                <a:solidFill>
+                  <a:schemeClr val="tx1"/>
+                </a:solidFill>
+                <a:latin typeface="+mn-lt"/>
+                <a:ea typeface="+mn-ea"/>
+                <a:cs typeface="+mn-cs"/>
+              </a:defRPr>
+            </a:lvl2pPr>
+            <a:lvl3pPr marL="1143000" indent="-228600" algn="l" rtl="0" eaLnBrk="1" fontAlgn="base" hangingPunct="1">
+              <a:spcBef>
+                <a:spcPct val="20000"/>
+              </a:spcBef>
+              <a:spcAft>
+                <a:spcPct val="0"/>
+              </a:spcAft>
+              <a:buFont typeface="Arial" charset="0"/>
+              <a:buChar char="•"/>
+              <a:defRPr sz="2400" kern="1200">
+                <a:solidFill>
+                  <a:schemeClr val="tx1"/>
+                </a:solidFill>
+                <a:latin typeface="+mn-lt"/>
+                <a:ea typeface="+mn-ea"/>
+                <a:cs typeface="+mn-cs"/>
+              </a:defRPr>
+            </a:lvl3pPr>
+            <a:lvl4pPr marL="1600200" indent="-228600" algn="l" rtl="0" eaLnBrk="1" fontAlgn="base" hangingPunct="1">
+              <a:spcBef>
+                <a:spcPct val="20000"/>
+              </a:spcBef>
+              <a:spcAft>
+                <a:spcPct val="0"/>
+              </a:spcAft>
+              <a:buFont typeface="Arial" charset="0"/>
+              <a:buChar char="–"/>
+              <a:defRPr sz="2000" kern="1200">
+                <a:solidFill>
+                  <a:schemeClr val="tx1"/>
+                </a:solidFill>
+                <a:latin typeface="+mn-lt"/>
+                <a:ea typeface="+mn-ea"/>
+                <a:cs typeface="+mn-cs"/>
+              </a:defRPr>
+            </a:lvl4pPr>
+            <a:lvl5pPr marL="2057400" indent="-228600" algn="l" rtl="0" eaLnBrk="1" fontAlgn="base" hangingPunct="1">
+              <a:spcBef>
+                <a:spcPct val="20000"/>
+              </a:spcBef>
+              <a:spcAft>
+                <a:spcPct val="0"/>
+              </a:spcAft>
+              <a:buFont typeface="Arial" charset="0"/>
+              <a:buChar char="»"/>
+              <a:defRPr sz="2000" kern="1200">
+                <a:solidFill>
+                  <a:schemeClr val="tx1"/>
+                </a:solidFill>
+                <a:latin typeface="+mn-lt"/>
+                <a:ea typeface="+mn-ea"/>
+                <a:cs typeface="+mn-cs"/>
+              </a:defRPr>
+            </a:lvl5pPr>
+            <a:lvl6pPr marL="2514600" indent="-228600" algn="l" defTabSz="914400" rtl="0" eaLnBrk="1" latinLnBrk="0" hangingPunct="1">
+              <a:spcBef>
+                <a:spcPct val="20000"/>
+              </a:spcBef>
+              <a:buFont typeface="Arial" pitchFamily="34" charset="0"/>
+              <a:buChar char="•"/>
+              <a:defRPr sz="2000" kern="1200">
+                <a:solidFill>
+                  <a:schemeClr val="tx1"/>
+                </a:solidFill>
+                <a:latin typeface="+mn-lt"/>
+                <a:ea typeface="+mn-ea"/>
+                <a:cs typeface="+mn-cs"/>
+              </a:defRPr>
+            </a:lvl6pPr>
+            <a:lvl7pPr marL="2971800" indent="-228600" algn="l" defTabSz="914400" rtl="0" eaLnBrk="1" latinLnBrk="0" hangingPunct="1">
+              <a:spcBef>
+                <a:spcPct val="20000"/>
+              </a:spcBef>
+              <a:buFont typeface="Arial" pitchFamily="34" charset="0"/>
+              <a:buChar char="•"/>
+              <a:defRPr sz="2000" kern="1200">
+                <a:solidFill>
+                  <a:schemeClr val="tx1"/>
+                </a:solidFill>
+                <a:latin typeface="+mn-lt"/>
+                <a:ea typeface="+mn-ea"/>
+                <a:cs typeface="+mn-cs"/>
+              </a:defRPr>
+            </a:lvl7pPr>
+            <a:lvl8pPr marL="3429000" indent="-228600" algn="l" defTabSz="914400" rtl="0" eaLnBrk="1" latinLnBrk="0" hangingPunct="1">
+              <a:spcBef>
+                <a:spcPct val="20000"/>
+              </a:spcBef>
+              <a:buFont typeface="Arial" pitchFamily="34" charset="0"/>
+              <a:buChar char="•"/>
+              <a:defRPr sz="2000" kern="1200">
+                <a:solidFill>
+                  <a:schemeClr val="tx1"/>
+                </a:solidFill>
+                <a:latin typeface="+mn-lt"/>
+                <a:ea typeface="+mn-ea"/>
+                <a:cs typeface="+mn-cs"/>
+              </a:defRPr>
+            </a:lvl8pPr>
+            <a:lvl9pPr marL="3886200" indent="-228600" algn="l" defTabSz="914400" rtl="0" eaLnBrk="1" latinLnBrk="0" hangingPunct="1">
+              <a:spcBef>
+                <a:spcPct val="20000"/>
+              </a:spcBef>
+              <a:buFont typeface="Arial" pitchFamily="34" charset="0"/>
+              <a:buChar char="•"/>
+              <a:defRPr sz="2000" kern="1200">
+                <a:solidFill>
+                  <a:schemeClr val="tx1"/>
+                </a:solidFill>
+                <a:latin typeface="+mn-lt"/>
+                <a:ea typeface="+mn-ea"/>
+                <a:cs typeface="+mn-cs"/>
+              </a:defRPr>
+            </a:lvl9pPr>
+          </a:lstStyle>
+          <a:p>
+            <a:pPr algn="just"/>
+            <a:r>
+              <a:rPr lang="de-DE" sz="2400" dirty="0" smtClean="0"/>
+              <a:t>Problem</a:t>
+            </a:r>
+          </a:p>
+          <a:p>
+            <a:pPr lvl="1" algn="just"/>
+            <a:r>
+              <a:rPr lang="de-DE" sz="2000" dirty="0" err="1" smtClean="0"/>
+              <a:t>Damage</a:t>
+            </a:r>
+            <a:r>
+              <a:rPr lang="de-DE" sz="2000" dirty="0" smtClean="0"/>
+              <a:t> bei Zusammenstoß mit der Wand wird nicht registriert</a:t>
+            </a:r>
+          </a:p>
+          <a:p>
+            <a:pPr lvl="1" algn="just"/>
+            <a:r>
+              <a:rPr lang="de-DE" sz="2000" dirty="0" err="1" smtClean="0"/>
+              <a:t>Damage</a:t>
+            </a:r>
+            <a:r>
+              <a:rPr lang="de-DE" sz="2000" dirty="0" smtClean="0"/>
+              <a:t> zu hoch oder zu niedrig</a:t>
+            </a:r>
+            <a:endParaRPr lang="de-DE" sz="2000" dirty="0"/>
+          </a:p>
+          <a:p>
+            <a:pPr lvl="1" algn="just"/>
+            <a:endParaRPr lang="de-DE" sz="1400" dirty="0"/>
+          </a:p>
+          <a:p>
+            <a:pPr lvl="1" algn="just"/>
+            <a:endParaRPr lang="de-DE" sz="1400" dirty="0" smtClean="0"/>
+          </a:p>
+        </p:txBody>
+      </p:sp>
+      <p:pic>
+        <p:nvPicPr>
+          <p:cNvPr id="2050" name="Picture 2"/>
+          <p:cNvPicPr>
+            <a:picLocks noChangeAspect="1" noChangeArrowheads="1"/>
+          </p:cNvPicPr>
+          <p:nvPr/>
+        </p:nvPicPr>
+        <p:blipFill>
+          <a:blip r:embed="rId2" cstate="print">
+            <a:extLst>
+              <a:ext uri="{28A0092B-C50C-407E-A947-70E740481C1C}">
+                <a14:useLocalDpi xmlns:a14="http://schemas.microsoft.com/office/drawing/2010/main" val="0"/>
+              </a:ext>
+            </a:extLst>
+          </a:blip>
+          <a:stretch>
+            <a:fillRect/>
+          </a:stretch>
+        </p:blipFill>
+        <p:spPr bwMode="auto">
+          <a:xfrm>
+            <a:off x="1435251" y="3802865"/>
+            <a:ext cx="4965549" cy="2473452"/>
+          </a:xfrm>
+          <a:prstGeom prst="rect">
+            <a:avLst/>
+          </a:prstGeom>
+          <a:noFill/>
+          <a:extLst>
+            <a:ext uri="{909E8E84-426E-40DD-AFC4-6F175D3DCCD1}">
+              <a14:hiddenFill xmlns:a14="http://schemas.microsoft.com/office/drawing/2010/main">
+                <a:solidFill>
+                  <a:srgbClr val="FFFFFF"/>
+                </a:solidFill>
+              </a14:hiddenFill>
+            </a:ext>
+          </a:extLst>
+        </p:spPr>
+      </p:pic>
+      <p:sp>
+        <p:nvSpPr>
+          <p:cNvPr id="6" name="Textfeld 5"/>
+          <p:cNvSpPr txBox="1"/>
+          <p:nvPr/>
+        </p:nvSpPr>
+        <p:spPr>
+          <a:xfrm>
+            <a:off x="1460314" y="6387149"/>
+            <a:ext cx="5131555" cy="369332"/>
+          </a:xfrm>
+          <a:prstGeom prst="rect">
+            <a:avLst/>
+          </a:prstGeom>
+          <a:noFill/>
+        </p:spPr>
+        <p:txBody>
+          <a:bodyPr wrap="square" rtlCol="0">
+            <a:spAutoFit/>
+          </a:bodyPr>
+          <a:lstStyle/>
+          <a:p>
+            <a:r>
+              <a:rPr lang="de-DE" dirty="0" err="1" smtClean="0"/>
+              <a:t>Gif</a:t>
+            </a:r>
+            <a:r>
+              <a:rPr lang="de-DE" dirty="0" smtClean="0"/>
+              <a:t> – Spieler erhält </a:t>
+            </a:r>
+            <a:r>
+              <a:rPr lang="de-DE" dirty="0" err="1" smtClean="0"/>
+              <a:t>Damage</a:t>
+            </a:r>
+            <a:endParaRPr lang="de-DE" dirty="0"/>
+          </a:p>
+        </p:txBody>
+      </p:sp>
+      <p:sp>
+        <p:nvSpPr>
+          <p:cNvPr id="5" name="Datumsplatzhalter 4"/>
+          <p:cNvSpPr>
+            <a:spLocks noGrp="1"/>
+          </p:cNvSpPr>
+          <p:nvPr>
+            <p:ph type="dt" sz="half" idx="10"/>
+          </p:nvPr>
+        </p:nvSpPr>
+        <p:spPr/>
+        <p:txBody>
+          <a:bodyPr/>
+          <a:lstStyle/>
+          <a:p>
+            <a:r>
+              <a:rPr lang="de-DE" smtClean="0"/>
+              <a:t>02.10.2015</a:t>
+            </a:r>
+            <a:endParaRPr lang="de-DE"/>
+          </a:p>
+        </p:txBody>
+      </p:sp>
+      <p:sp>
+        <p:nvSpPr>
+          <p:cNvPr id="7" name="Foliennummernplatzhalter 6"/>
+          <p:cNvSpPr>
+            <a:spLocks noGrp="1"/>
+          </p:cNvSpPr>
+          <p:nvPr>
+            <p:ph type="sldNum" sz="quarter" idx="12"/>
+          </p:nvPr>
+        </p:nvSpPr>
+        <p:spPr/>
+        <p:txBody>
+          <a:bodyPr/>
+          <a:lstStyle/>
+          <a:p>
+            <a:fld id="{AA18DD3B-6366-410C-8003-B36A9F3BD685}" type="slidenum">
+              <a:rPr lang="de-DE" smtClean="0"/>
+              <a:t>24</a:t>
+            </a:fld>
+            <a:endParaRPr lang="de-DE"/>
+          </a:p>
+        </p:txBody>
+      </p:sp>
+    </p:spTree>
+    <p:extLst>
+      <p:ext uri="{BB962C8B-B14F-4D97-AF65-F5344CB8AC3E}">
+        <p14:creationId xmlns:p14="http://schemas.microsoft.com/office/powerpoint/2010/main" val="2721563962"/>
+      </p:ext>
+    </p:extLst>
+  </p:cSld>
+  <p:clrMapOvr>
+    <a:masterClrMapping/>
+  </p:clrMapOvr>
+  <p:timing>
+    <p:tnLst>
+      <p:par>
+        <p:cTn id="1" dur="indefinite" restart="never" nodeType="tmRoot"/>
+      </p:par>
+    </p:tnLst>
+  </p:timing>
+</p:sld>
+</file>
+
+<file path=ppt/slides/slide25.xml><?xml version="1.0" encoding="utf-8"?>
+<p:sld xmlns:a="http://schemas.openxmlformats.org/drawingml/2006/main" xmlns:r="http://schemas.openxmlformats.org/officeDocument/2006/relationships" xmlns:p="http://schemas.openxmlformats.org/presentationml/2006/main">
+  <p:cSld>
+    <p:spTree>
+      <p:nvGrpSpPr>
+        <p:cNvPr id="1" name=""/>
+        <p:cNvGrpSpPr/>
+        <p:nvPr/>
+      </p:nvGrpSpPr>
+      <p:grpSpPr>
+        <a:xfrm>
+          <a:off x="0" y="0"/>
+          <a:ext cx="0" cy="0"/>
+          <a:chOff x="0" y="0"/>
+          <a:chExt cx="0" cy="0"/>
+        </a:xfrm>
+      </p:grpSpPr>
+      <p:sp>
+        <p:nvSpPr>
+          <p:cNvPr id="2" name="Titel 1"/>
+          <p:cNvSpPr>
+            <a:spLocks noGrp="1"/>
+          </p:cNvSpPr>
+          <p:nvPr>
+            <p:ph type="title"/>
+          </p:nvPr>
+        </p:nvSpPr>
+        <p:spPr/>
+        <p:txBody>
+          <a:bodyPr/>
+          <a:lstStyle/>
+          <a:p>
+            <a:r>
+              <a:rPr lang="de-DE" dirty="0" smtClean="0"/>
+              <a:t>Herausforderungen</a:t>
+            </a:r>
+            <a:br>
+              <a:rPr lang="de-DE" dirty="0" smtClean="0"/>
+            </a:br>
+            <a:r>
+              <a:rPr lang="de-DE" sz="3200" dirty="0" err="1" smtClean="0"/>
+              <a:t>Damage</a:t>
+            </a:r>
+            <a:r>
+              <a:rPr lang="de-DE" sz="3200" dirty="0" smtClean="0"/>
+              <a:t> </a:t>
+            </a:r>
+            <a:r>
+              <a:rPr lang="de-DE" sz="3200" dirty="0" err="1" smtClean="0"/>
+              <a:t>Calculation</a:t>
+            </a:r>
+            <a:endParaRPr lang="de-DE" sz="3200" dirty="0"/>
+          </a:p>
+        </p:txBody>
+      </p:sp>
+      <p:sp>
+        <p:nvSpPr>
+          <p:cNvPr id="3" name="Inhaltsplatzhalter 2"/>
+          <p:cNvSpPr>
+            <a:spLocks noGrp="1"/>
+          </p:cNvSpPr>
+          <p:nvPr>
+            <p:ph idx="1"/>
+          </p:nvPr>
+        </p:nvSpPr>
+        <p:spPr>
+          <a:xfrm>
+            <a:off x="978090" y="2586094"/>
+            <a:ext cx="6787486" cy="1289872"/>
+          </a:xfrm>
+        </p:spPr>
+        <p:txBody>
+          <a:bodyPr>
+            <a:normAutofit/>
+          </a:bodyPr>
+          <a:lstStyle/>
+          <a:p>
+            <a:pPr algn="just"/>
+            <a:r>
+              <a:rPr lang="de-DE" dirty="0" smtClean="0"/>
+              <a:t>Lösungen &amp; Ansätze</a:t>
+            </a:r>
+          </a:p>
+          <a:p>
+            <a:pPr lvl="1" algn="just"/>
+            <a:r>
+              <a:rPr lang="de-DE" dirty="0" err="1" smtClean="0"/>
+              <a:t>Damage</a:t>
+            </a:r>
+            <a:r>
+              <a:rPr lang="de-DE" dirty="0" smtClean="0"/>
+              <a:t> wird verteilt</a:t>
+            </a:r>
+          </a:p>
+        </p:txBody>
+      </p:sp>
+      <p:sp>
+        <p:nvSpPr>
+          <p:cNvPr id="4" name="Inhaltsplatzhalter 2"/>
+          <p:cNvSpPr txBox="1">
+            <a:spLocks/>
+          </p:cNvSpPr>
+          <p:nvPr/>
+        </p:nvSpPr>
+        <p:spPr bwMode="auto">
+          <a:xfrm>
+            <a:off x="7806519" y="2711196"/>
+            <a:ext cx="4012441" cy="3860619"/>
+          </a:xfrm>
+          <a:prstGeom prst="rect">
+            <a:avLst/>
+          </a:prstGeom>
+          <a:noFill/>
+          <a:ln>
+            <a:noFill/>
+          </a:ln>
+          <a:extLst>
+            <a:ext uri="{909E8E84-426E-40DD-AFC4-6F175D3DCCD1}">
+              <a14:hiddenFill xmlns:a14="http://schemas.microsoft.com/office/drawing/2010/main">
+                <a:solidFill>
+                  <a:srgbClr val="FFFFFF"/>
+                </a:solidFill>
+              </a14:hiddenFill>
+            </a:ext>
+            <a:ext uri="{91240B29-F687-4F45-9708-019B960494DF}">
+              <a14:hiddenLine xmlns:a14="http://schemas.microsoft.com/office/drawing/2010/main" w="9525">
+                <a:solidFill>
+                  <a:srgbClr val="000000"/>
+                </a:solidFill>
+                <a:miter lim="800000"/>
+                <a:headEnd/>
+                <a:tailEnd/>
+              </a14:hiddenLine>
+            </a:ext>
+          </a:extLst>
+        </p:spPr>
+        <p:txBody>
+          <a:bodyPr vert="horz" wrap="square" lIns="91440" tIns="45720" rIns="91440" bIns="45720" numCol="1" anchor="t" anchorCtr="0" compatLnSpc="1">
+            <a:prstTxWarp prst="textNoShape">
+              <a:avLst/>
+            </a:prstTxWarp>
+            <a:noAutofit/>
+          </a:bodyPr>
+          <a:lstStyle>
+            <a:lvl1pPr marL="342900" indent="-342900" algn="l" rtl="0" eaLnBrk="1" fontAlgn="base" hangingPunct="1">
+              <a:spcBef>
+                <a:spcPct val="20000"/>
+              </a:spcBef>
+              <a:spcAft>
+                <a:spcPct val="0"/>
+              </a:spcAft>
+              <a:buFont typeface="Arial" charset="0"/>
+              <a:buChar char="•"/>
+              <a:defRPr sz="3200" kern="1200">
+                <a:solidFill>
+                  <a:schemeClr val="tx1"/>
+                </a:solidFill>
+                <a:latin typeface="+mn-lt"/>
+                <a:ea typeface="+mn-ea"/>
+                <a:cs typeface="+mn-cs"/>
+              </a:defRPr>
+            </a:lvl1pPr>
+            <a:lvl2pPr marL="742950" indent="-285750" algn="l" rtl="0" eaLnBrk="1" fontAlgn="base" hangingPunct="1">
+              <a:spcBef>
+                <a:spcPct val="20000"/>
+              </a:spcBef>
+              <a:spcAft>
+                <a:spcPct val="0"/>
+              </a:spcAft>
+              <a:buFont typeface="Arial" charset="0"/>
+              <a:buChar char="–"/>
+              <a:defRPr sz="2800" kern="1200">
+                <a:solidFill>
+                  <a:schemeClr val="tx1"/>
+                </a:solidFill>
+                <a:latin typeface="+mn-lt"/>
+                <a:ea typeface="+mn-ea"/>
+                <a:cs typeface="+mn-cs"/>
+              </a:defRPr>
+            </a:lvl2pPr>
+            <a:lvl3pPr marL="1143000" indent="-228600" algn="l" rtl="0" eaLnBrk="1" fontAlgn="base" hangingPunct="1">
+              <a:spcBef>
+                <a:spcPct val="20000"/>
+              </a:spcBef>
+              <a:spcAft>
+                <a:spcPct val="0"/>
+              </a:spcAft>
+              <a:buFont typeface="Arial" charset="0"/>
+              <a:buChar char="•"/>
+              <a:defRPr sz="2400" kern="1200">
+                <a:solidFill>
+                  <a:schemeClr val="tx1"/>
+                </a:solidFill>
+                <a:latin typeface="+mn-lt"/>
+                <a:ea typeface="+mn-ea"/>
+                <a:cs typeface="+mn-cs"/>
+              </a:defRPr>
+            </a:lvl3pPr>
+            <a:lvl4pPr marL="1600200" indent="-228600" algn="l" rtl="0" eaLnBrk="1" fontAlgn="base" hangingPunct="1">
+              <a:spcBef>
+                <a:spcPct val="20000"/>
+              </a:spcBef>
+              <a:spcAft>
+                <a:spcPct val="0"/>
+              </a:spcAft>
+              <a:buFont typeface="Arial" charset="0"/>
+              <a:buChar char="–"/>
+              <a:defRPr sz="2000" kern="1200">
+                <a:solidFill>
+                  <a:schemeClr val="tx1"/>
+                </a:solidFill>
+                <a:latin typeface="+mn-lt"/>
+                <a:ea typeface="+mn-ea"/>
+                <a:cs typeface="+mn-cs"/>
+              </a:defRPr>
+            </a:lvl4pPr>
+            <a:lvl5pPr marL="2057400" indent="-228600" algn="l" rtl="0" eaLnBrk="1" fontAlgn="base" hangingPunct="1">
+              <a:spcBef>
+                <a:spcPct val="20000"/>
+              </a:spcBef>
+              <a:spcAft>
+                <a:spcPct val="0"/>
+              </a:spcAft>
+              <a:buFont typeface="Arial" charset="0"/>
+              <a:buChar char="»"/>
+              <a:defRPr sz="2000" kern="1200">
+                <a:solidFill>
+                  <a:schemeClr val="tx1"/>
+                </a:solidFill>
+                <a:latin typeface="+mn-lt"/>
+                <a:ea typeface="+mn-ea"/>
+                <a:cs typeface="+mn-cs"/>
+              </a:defRPr>
+            </a:lvl5pPr>
+            <a:lvl6pPr marL="2514600" indent="-228600" algn="l" defTabSz="914400" rtl="0" eaLnBrk="1" latinLnBrk="0" hangingPunct="1">
+              <a:spcBef>
+                <a:spcPct val="20000"/>
+              </a:spcBef>
+              <a:buFont typeface="Arial" pitchFamily="34" charset="0"/>
+              <a:buChar char="•"/>
+              <a:defRPr sz="2000" kern="1200">
+                <a:solidFill>
+                  <a:schemeClr val="tx1"/>
+                </a:solidFill>
+                <a:latin typeface="+mn-lt"/>
+                <a:ea typeface="+mn-ea"/>
+                <a:cs typeface="+mn-cs"/>
+              </a:defRPr>
+            </a:lvl6pPr>
+            <a:lvl7pPr marL="2971800" indent="-228600" algn="l" defTabSz="914400" rtl="0" eaLnBrk="1" latinLnBrk="0" hangingPunct="1">
+              <a:spcBef>
+                <a:spcPct val="20000"/>
+              </a:spcBef>
+              <a:buFont typeface="Arial" pitchFamily="34" charset="0"/>
+              <a:buChar char="•"/>
+              <a:defRPr sz="2000" kern="1200">
+                <a:solidFill>
+                  <a:schemeClr val="tx1"/>
+                </a:solidFill>
+                <a:latin typeface="+mn-lt"/>
+                <a:ea typeface="+mn-ea"/>
+                <a:cs typeface="+mn-cs"/>
+              </a:defRPr>
+            </a:lvl7pPr>
+            <a:lvl8pPr marL="3429000" indent="-228600" algn="l" defTabSz="914400" rtl="0" eaLnBrk="1" latinLnBrk="0" hangingPunct="1">
+              <a:spcBef>
+                <a:spcPct val="20000"/>
+              </a:spcBef>
+              <a:buFont typeface="Arial" pitchFamily="34" charset="0"/>
+              <a:buChar char="•"/>
+              <a:defRPr sz="2000" kern="1200">
+                <a:solidFill>
+                  <a:schemeClr val="tx1"/>
+                </a:solidFill>
+                <a:latin typeface="+mn-lt"/>
+                <a:ea typeface="+mn-ea"/>
+                <a:cs typeface="+mn-cs"/>
+              </a:defRPr>
+            </a:lvl8pPr>
+            <a:lvl9pPr marL="3886200" indent="-228600" algn="l" defTabSz="914400" rtl="0" eaLnBrk="1" latinLnBrk="0" hangingPunct="1">
+              <a:spcBef>
+                <a:spcPct val="20000"/>
+              </a:spcBef>
+              <a:buFont typeface="Arial" pitchFamily="34" charset="0"/>
+              <a:buChar char="•"/>
+              <a:defRPr sz="2000" kern="1200">
+                <a:solidFill>
+                  <a:schemeClr val="tx1"/>
+                </a:solidFill>
+                <a:latin typeface="+mn-lt"/>
+                <a:ea typeface="+mn-ea"/>
+                <a:cs typeface="+mn-cs"/>
+              </a:defRPr>
+            </a:lvl9pPr>
+          </a:lstStyle>
+          <a:p>
+            <a:pPr algn="just"/>
+            <a:r>
+              <a:rPr lang="de-DE" sz="2000" dirty="0" smtClean="0"/>
+              <a:t>Lösung</a:t>
+            </a:r>
+          </a:p>
+          <a:p>
+            <a:pPr lvl="1" algn="just"/>
+            <a:r>
+              <a:rPr lang="de-DE" sz="1800" dirty="0" err="1" smtClean="0"/>
+              <a:t>Damage</a:t>
+            </a:r>
+            <a:r>
+              <a:rPr lang="de-DE" sz="1800" dirty="0" smtClean="0"/>
+              <a:t> wird zwar gegeben, aber </a:t>
+            </a:r>
+            <a:r>
+              <a:rPr lang="de-DE" sz="1800" dirty="0" smtClean="0"/>
+              <a:t>leider immer noch zu stark</a:t>
+            </a:r>
+            <a:endParaRPr lang="de-DE" sz="1800" dirty="0"/>
+          </a:p>
+          <a:p>
+            <a:pPr lvl="1" algn="just"/>
+            <a:r>
+              <a:rPr lang="de-DE" sz="1800" dirty="0" smtClean="0"/>
+              <a:t>Trotz </a:t>
+            </a:r>
+            <a:r>
+              <a:rPr lang="de-DE" sz="1800" dirty="0" err="1" smtClean="0"/>
+              <a:t>reduzierung</a:t>
+            </a:r>
+            <a:r>
+              <a:rPr lang="de-DE" sz="1800" dirty="0" smtClean="0"/>
+              <a:t> immer noch viel zu hoch.</a:t>
+            </a:r>
+            <a:endParaRPr lang="de-DE" sz="1800" dirty="0"/>
+          </a:p>
+          <a:p>
+            <a:pPr lvl="1" algn="just"/>
+            <a:r>
+              <a:rPr lang="de-DE" sz="1800" dirty="0" smtClean="0"/>
+              <a:t>Aufgrund des Online-Zwangs für Modelle und den dadurch entstehenden </a:t>
+            </a:r>
+            <a:r>
+              <a:rPr lang="de-DE" sz="1800" dirty="0" err="1" smtClean="0"/>
+              <a:t>Laggs</a:t>
+            </a:r>
+            <a:r>
+              <a:rPr lang="de-DE" sz="1800" dirty="0" smtClean="0"/>
+              <a:t> zu viel Schaden vergeben</a:t>
+            </a:r>
+            <a:endParaRPr lang="de-DE" sz="300" dirty="0"/>
+          </a:p>
+          <a:p>
+            <a:pPr lvl="2" algn="just"/>
+            <a:r>
+              <a:rPr lang="de-DE" sz="1400" dirty="0" smtClean="0"/>
+              <a:t>Die </a:t>
+            </a:r>
+            <a:r>
+              <a:rPr lang="de-DE" sz="1400" dirty="0" err="1" smtClean="0"/>
+              <a:t>Collsions</a:t>
+            </a:r>
+            <a:r>
+              <a:rPr lang="de-DE" sz="1400" dirty="0" smtClean="0"/>
+              <a:t> </a:t>
+            </a:r>
+            <a:r>
+              <a:rPr lang="de-DE" sz="1400" dirty="0" err="1" smtClean="0"/>
+              <a:t>Detection</a:t>
+            </a:r>
+            <a:r>
+              <a:rPr lang="de-DE" sz="1400" dirty="0" smtClean="0"/>
+              <a:t> ist der Grund dafür. </a:t>
+            </a:r>
+          </a:p>
+          <a:p>
+            <a:pPr lvl="2" algn="just"/>
+            <a:r>
+              <a:rPr lang="de-DE" sz="1400" dirty="0" smtClean="0"/>
+              <a:t>Problem dadurch leider noch nicht behoben.</a:t>
+            </a:r>
+            <a:endParaRPr lang="de-DE" sz="1400" dirty="0" smtClean="0"/>
+          </a:p>
+        </p:txBody>
+      </p:sp>
+      <p:pic>
+        <p:nvPicPr>
+          <p:cNvPr id="2050" name="Picture 2"/>
+          <p:cNvPicPr>
+            <a:picLocks noChangeAspect="1" noChangeArrowheads="1"/>
+          </p:cNvPicPr>
+          <p:nvPr/>
+        </p:nvPicPr>
+        <p:blipFill>
+          <a:blip r:embed="rId2" cstate="print">
+            <a:extLst>
+              <a:ext uri="{28A0092B-C50C-407E-A947-70E740481C1C}">
+                <a14:useLocalDpi xmlns:a14="http://schemas.microsoft.com/office/drawing/2010/main" val="0"/>
+              </a:ext>
+            </a:extLst>
+          </a:blip>
+          <a:stretch>
+            <a:fillRect/>
+          </a:stretch>
+        </p:blipFill>
+        <p:spPr bwMode="auto">
+          <a:xfrm>
+            <a:off x="1435251" y="3802865"/>
+            <a:ext cx="4965549" cy="2473452"/>
+          </a:xfrm>
+          <a:prstGeom prst="rect">
+            <a:avLst/>
+          </a:prstGeom>
+          <a:noFill/>
+          <a:extLst>
+            <a:ext uri="{909E8E84-426E-40DD-AFC4-6F175D3DCCD1}">
+              <a14:hiddenFill xmlns:a14="http://schemas.microsoft.com/office/drawing/2010/main">
+                <a:solidFill>
+                  <a:srgbClr val="FFFFFF"/>
+                </a:solidFill>
+              </a14:hiddenFill>
+            </a:ext>
+          </a:extLst>
+        </p:spPr>
+      </p:pic>
+      <p:sp>
+        <p:nvSpPr>
+          <p:cNvPr id="6" name="Textfeld 5"/>
+          <p:cNvSpPr txBox="1"/>
+          <p:nvPr/>
+        </p:nvSpPr>
+        <p:spPr>
+          <a:xfrm>
+            <a:off x="1460314" y="6387149"/>
+            <a:ext cx="5131555" cy="369332"/>
+          </a:xfrm>
+          <a:prstGeom prst="rect">
+            <a:avLst/>
+          </a:prstGeom>
+          <a:noFill/>
+        </p:spPr>
+        <p:txBody>
+          <a:bodyPr wrap="square" rtlCol="0">
+            <a:spAutoFit/>
+          </a:bodyPr>
+          <a:lstStyle/>
+          <a:p>
+            <a:r>
+              <a:rPr lang="de-DE" dirty="0" err="1" smtClean="0"/>
+              <a:t>Gif</a:t>
+            </a:r>
+            <a:r>
+              <a:rPr lang="de-DE" dirty="0" smtClean="0"/>
+              <a:t> – Spieler erhält </a:t>
+            </a:r>
+            <a:r>
+              <a:rPr lang="de-DE" dirty="0" err="1" smtClean="0"/>
+              <a:t>Damage</a:t>
+            </a:r>
+            <a:r>
+              <a:rPr lang="de-DE" dirty="0" smtClean="0"/>
+              <a:t> und ändert die Farbe</a:t>
+            </a:r>
+            <a:endParaRPr lang="de-DE" dirty="0"/>
+          </a:p>
+        </p:txBody>
+      </p:sp>
+      <p:sp>
+        <p:nvSpPr>
+          <p:cNvPr id="5" name="Datumsplatzhalter 4"/>
+          <p:cNvSpPr>
+            <a:spLocks noGrp="1"/>
+          </p:cNvSpPr>
+          <p:nvPr>
+            <p:ph type="dt" sz="half" idx="10"/>
+          </p:nvPr>
+        </p:nvSpPr>
+        <p:spPr/>
+        <p:txBody>
+          <a:bodyPr/>
+          <a:lstStyle/>
+          <a:p>
+            <a:r>
+              <a:rPr lang="de-DE" smtClean="0"/>
+              <a:t>02.10.2015</a:t>
+            </a:r>
+            <a:endParaRPr lang="de-DE"/>
+          </a:p>
+        </p:txBody>
+      </p:sp>
+      <p:sp>
+        <p:nvSpPr>
+          <p:cNvPr id="7" name="Foliennummernplatzhalter 6"/>
+          <p:cNvSpPr>
+            <a:spLocks noGrp="1"/>
+          </p:cNvSpPr>
+          <p:nvPr>
+            <p:ph type="sldNum" sz="quarter" idx="12"/>
+          </p:nvPr>
+        </p:nvSpPr>
+        <p:spPr/>
+        <p:txBody>
+          <a:bodyPr/>
+          <a:lstStyle/>
+          <a:p>
+            <a:fld id="{AA18DD3B-6366-410C-8003-B36A9F3BD685}" type="slidenum">
+              <a:rPr lang="de-DE" smtClean="0"/>
+              <a:t>25</a:t>
+            </a:fld>
+            <a:endParaRPr lang="de-DE"/>
+          </a:p>
+        </p:txBody>
+      </p:sp>
+    </p:spTree>
+    <p:extLst>
+      <p:ext uri="{BB962C8B-B14F-4D97-AF65-F5344CB8AC3E}">
+        <p14:creationId xmlns:p14="http://schemas.microsoft.com/office/powerpoint/2010/main" val="888652820"/>
+      </p:ext>
+    </p:extLst>
+  </p:cSld>
+  <p:clrMapOvr>
+    <a:masterClrMapping/>
+  </p:clrMapOvr>
+  <p:timing>
+    <p:tnLst>
+      <p:par>
+        <p:cTn id="1" dur="indefinite" restart="never" nodeType="tmRoot"/>
+      </p:par>
+    </p:tnLst>
+  </p:timing>
+</p:sld>
+</file>
+
+<file path=ppt/slides/slide26.xml><?xml version="1.0" encoding="utf-8"?>
+<p:sld xmlns:a="http://schemas.openxmlformats.org/drawingml/2006/main" xmlns:r="http://schemas.openxmlformats.org/officeDocument/2006/relationships" xmlns:p="http://schemas.openxmlformats.org/presentationml/2006/main">
+  <p:cSld>
+    <p:spTree>
+      <p:nvGrpSpPr>
+        <p:cNvPr id="1" name=""/>
+        <p:cNvGrpSpPr/>
+        <p:nvPr/>
+      </p:nvGrpSpPr>
+      <p:grpSpPr>
+        <a:xfrm>
+          <a:off x="0" y="0"/>
+          <a:ext cx="0" cy="0"/>
+          <a:chOff x="0" y="0"/>
+          <a:chExt cx="0" cy="0"/>
+        </a:xfrm>
+      </p:grpSpPr>
+      <p:sp>
+        <p:nvSpPr>
+          <p:cNvPr id="2" name="Titel 1"/>
+          <p:cNvSpPr>
+            <a:spLocks noGrp="1"/>
+          </p:cNvSpPr>
+          <p:nvPr>
+            <p:ph type="title"/>
+          </p:nvPr>
+        </p:nvSpPr>
+        <p:spPr/>
+        <p:txBody>
+          <a:bodyPr/>
+          <a:lstStyle/>
+          <a:p>
+            <a:r>
+              <a:rPr lang="de-DE" dirty="0" smtClean="0"/>
+              <a:t>Herausforderungen</a:t>
+            </a:r>
+            <a:br>
+              <a:rPr lang="de-DE" dirty="0" smtClean="0"/>
+            </a:br>
+            <a:r>
+              <a:rPr lang="de-DE" sz="3200" dirty="0" smtClean="0"/>
+              <a:t>Kamera</a:t>
+            </a:r>
+            <a:endParaRPr lang="de-DE" sz="3200" dirty="0"/>
+          </a:p>
+        </p:txBody>
+      </p:sp>
+      <p:sp>
+        <p:nvSpPr>
+          <p:cNvPr id="3" name="Inhaltsplatzhalter 2"/>
+          <p:cNvSpPr>
+            <a:spLocks noGrp="1"/>
+          </p:cNvSpPr>
+          <p:nvPr>
+            <p:ph idx="1"/>
+          </p:nvPr>
+        </p:nvSpPr>
+        <p:spPr>
+          <a:xfrm>
+            <a:off x="978090" y="2586094"/>
+            <a:ext cx="6787486" cy="1289872"/>
+          </a:xfrm>
+        </p:spPr>
+        <p:txBody>
+          <a:bodyPr>
+            <a:normAutofit/>
+          </a:bodyPr>
+          <a:lstStyle/>
+          <a:p>
+            <a:pPr algn="just"/>
+            <a:r>
+              <a:rPr lang="de-DE" dirty="0" smtClean="0"/>
+              <a:t>Problematik</a:t>
+            </a:r>
+          </a:p>
+          <a:p>
+            <a:pPr lvl="1" algn="just"/>
+            <a:r>
+              <a:rPr lang="de-DE" dirty="0" smtClean="0"/>
+              <a:t>3rd Person Kamera hinter dem Wagen</a:t>
+            </a:r>
+          </a:p>
+        </p:txBody>
+      </p:sp>
+      <p:sp>
+        <p:nvSpPr>
+          <p:cNvPr id="4" name="Inhaltsplatzhalter 2"/>
+          <p:cNvSpPr txBox="1">
+            <a:spLocks/>
+          </p:cNvSpPr>
+          <p:nvPr/>
+        </p:nvSpPr>
+        <p:spPr bwMode="auto">
+          <a:xfrm>
+            <a:off x="7806519" y="2711197"/>
+            <a:ext cx="4012441" cy="2328394"/>
+          </a:xfrm>
+          <a:prstGeom prst="rect">
+            <a:avLst/>
+          </a:prstGeom>
+          <a:noFill/>
+          <a:ln>
+            <a:noFill/>
+          </a:ln>
+          <a:extLst>
+            <a:ext uri="{909E8E84-426E-40DD-AFC4-6F175D3DCCD1}">
+              <a14:hiddenFill xmlns:a14="http://schemas.microsoft.com/office/drawing/2010/main">
+                <a:solidFill>
+                  <a:srgbClr val="FFFFFF"/>
+                </a:solidFill>
+              </a14:hiddenFill>
+            </a:ext>
+            <a:ext uri="{91240B29-F687-4F45-9708-019B960494DF}">
+              <a14:hiddenLine xmlns:a14="http://schemas.microsoft.com/office/drawing/2010/main" w="9525">
+                <a:solidFill>
+                  <a:srgbClr val="000000"/>
+                </a:solidFill>
+                <a:miter lim="800000"/>
+                <a:headEnd/>
+                <a:tailEnd/>
+              </a14:hiddenLine>
+            </a:ext>
+          </a:extLst>
+        </p:spPr>
+        <p:txBody>
+          <a:bodyPr vert="horz" wrap="square" lIns="91440" tIns="45720" rIns="91440" bIns="45720" numCol="1" anchor="t" anchorCtr="0" compatLnSpc="1">
+            <a:prstTxWarp prst="textNoShape">
+              <a:avLst/>
+            </a:prstTxWarp>
+            <a:noAutofit/>
+          </a:bodyPr>
+          <a:lstStyle>
+            <a:lvl1pPr marL="342900" indent="-342900" algn="l" rtl="0" eaLnBrk="1" fontAlgn="base" hangingPunct="1">
+              <a:spcBef>
+                <a:spcPct val="20000"/>
+              </a:spcBef>
+              <a:spcAft>
+                <a:spcPct val="0"/>
+              </a:spcAft>
+              <a:buFont typeface="Arial" charset="0"/>
+              <a:buChar char="•"/>
+              <a:defRPr sz="3200" kern="1200">
+                <a:solidFill>
+                  <a:schemeClr val="tx1"/>
+                </a:solidFill>
+                <a:latin typeface="+mn-lt"/>
+                <a:ea typeface="+mn-ea"/>
+                <a:cs typeface="+mn-cs"/>
+              </a:defRPr>
+            </a:lvl1pPr>
+            <a:lvl2pPr marL="742950" indent="-285750" algn="l" rtl="0" eaLnBrk="1" fontAlgn="base" hangingPunct="1">
+              <a:spcBef>
+                <a:spcPct val="20000"/>
+              </a:spcBef>
+              <a:spcAft>
+                <a:spcPct val="0"/>
+              </a:spcAft>
+              <a:buFont typeface="Arial" charset="0"/>
+              <a:buChar char="–"/>
+              <a:defRPr sz="2800" kern="1200">
+                <a:solidFill>
+                  <a:schemeClr val="tx1"/>
+                </a:solidFill>
+                <a:latin typeface="+mn-lt"/>
+                <a:ea typeface="+mn-ea"/>
+                <a:cs typeface="+mn-cs"/>
+              </a:defRPr>
+            </a:lvl2pPr>
+            <a:lvl3pPr marL="1143000" indent="-228600" algn="l" rtl="0" eaLnBrk="1" fontAlgn="base" hangingPunct="1">
+              <a:spcBef>
+                <a:spcPct val="20000"/>
+              </a:spcBef>
+              <a:spcAft>
+                <a:spcPct val="0"/>
+              </a:spcAft>
+              <a:buFont typeface="Arial" charset="0"/>
+              <a:buChar char="•"/>
+              <a:defRPr sz="2400" kern="1200">
+                <a:solidFill>
+                  <a:schemeClr val="tx1"/>
+                </a:solidFill>
+                <a:latin typeface="+mn-lt"/>
+                <a:ea typeface="+mn-ea"/>
+                <a:cs typeface="+mn-cs"/>
+              </a:defRPr>
+            </a:lvl3pPr>
+            <a:lvl4pPr marL="1600200" indent="-228600" algn="l" rtl="0" eaLnBrk="1" fontAlgn="base" hangingPunct="1">
+              <a:spcBef>
+                <a:spcPct val="20000"/>
+              </a:spcBef>
+              <a:spcAft>
+                <a:spcPct val="0"/>
+              </a:spcAft>
+              <a:buFont typeface="Arial" charset="0"/>
+              <a:buChar char="–"/>
+              <a:defRPr sz="2000" kern="1200">
+                <a:solidFill>
+                  <a:schemeClr val="tx1"/>
+                </a:solidFill>
+                <a:latin typeface="+mn-lt"/>
+                <a:ea typeface="+mn-ea"/>
+                <a:cs typeface="+mn-cs"/>
+              </a:defRPr>
+            </a:lvl4pPr>
+            <a:lvl5pPr marL="2057400" indent="-228600" algn="l" rtl="0" eaLnBrk="1" fontAlgn="base" hangingPunct="1">
+              <a:spcBef>
+                <a:spcPct val="20000"/>
+              </a:spcBef>
+              <a:spcAft>
+                <a:spcPct val="0"/>
+              </a:spcAft>
+              <a:buFont typeface="Arial" charset="0"/>
+              <a:buChar char="»"/>
+              <a:defRPr sz="2000" kern="1200">
+                <a:solidFill>
+                  <a:schemeClr val="tx1"/>
+                </a:solidFill>
+                <a:latin typeface="+mn-lt"/>
+                <a:ea typeface="+mn-ea"/>
+                <a:cs typeface="+mn-cs"/>
+              </a:defRPr>
+            </a:lvl5pPr>
+            <a:lvl6pPr marL="2514600" indent="-228600" algn="l" defTabSz="914400" rtl="0" eaLnBrk="1" latinLnBrk="0" hangingPunct="1">
+              <a:spcBef>
+                <a:spcPct val="20000"/>
+              </a:spcBef>
+              <a:buFont typeface="Arial" pitchFamily="34" charset="0"/>
+              <a:buChar char="•"/>
+              <a:defRPr sz="2000" kern="1200">
+                <a:solidFill>
+                  <a:schemeClr val="tx1"/>
+                </a:solidFill>
+                <a:latin typeface="+mn-lt"/>
+                <a:ea typeface="+mn-ea"/>
+                <a:cs typeface="+mn-cs"/>
+              </a:defRPr>
+            </a:lvl6pPr>
+            <a:lvl7pPr marL="2971800" indent="-228600" algn="l" defTabSz="914400" rtl="0" eaLnBrk="1" latinLnBrk="0" hangingPunct="1">
+              <a:spcBef>
+                <a:spcPct val="20000"/>
+              </a:spcBef>
+              <a:buFont typeface="Arial" pitchFamily="34" charset="0"/>
+              <a:buChar char="•"/>
+              <a:defRPr sz="2000" kern="1200">
+                <a:solidFill>
+                  <a:schemeClr val="tx1"/>
+                </a:solidFill>
+                <a:latin typeface="+mn-lt"/>
+                <a:ea typeface="+mn-ea"/>
+                <a:cs typeface="+mn-cs"/>
+              </a:defRPr>
+            </a:lvl7pPr>
+            <a:lvl8pPr marL="3429000" indent="-228600" algn="l" defTabSz="914400" rtl="0" eaLnBrk="1" latinLnBrk="0" hangingPunct="1">
+              <a:spcBef>
+                <a:spcPct val="20000"/>
+              </a:spcBef>
+              <a:buFont typeface="Arial" pitchFamily="34" charset="0"/>
+              <a:buChar char="•"/>
+              <a:defRPr sz="2000" kern="1200">
+                <a:solidFill>
+                  <a:schemeClr val="tx1"/>
+                </a:solidFill>
+                <a:latin typeface="+mn-lt"/>
+                <a:ea typeface="+mn-ea"/>
+                <a:cs typeface="+mn-cs"/>
+              </a:defRPr>
+            </a:lvl8pPr>
+            <a:lvl9pPr marL="3886200" indent="-228600" algn="l" defTabSz="914400" rtl="0" eaLnBrk="1" latinLnBrk="0" hangingPunct="1">
+              <a:spcBef>
+                <a:spcPct val="20000"/>
+              </a:spcBef>
+              <a:buFont typeface="Arial" pitchFamily="34" charset="0"/>
+              <a:buChar char="•"/>
+              <a:defRPr sz="2000" kern="1200">
+                <a:solidFill>
+                  <a:schemeClr val="tx1"/>
+                </a:solidFill>
+                <a:latin typeface="+mn-lt"/>
+                <a:ea typeface="+mn-ea"/>
+                <a:cs typeface="+mn-cs"/>
+              </a:defRPr>
+            </a:lvl9pPr>
+          </a:lstStyle>
+          <a:p>
+            <a:pPr algn="just"/>
+            <a:r>
+              <a:rPr lang="de-DE" sz="2400" dirty="0" smtClean="0"/>
+              <a:t>Problem</a:t>
+            </a:r>
+          </a:p>
+          <a:p>
+            <a:pPr lvl="1" algn="just"/>
+            <a:r>
+              <a:rPr lang="de-DE" sz="2000" dirty="0" smtClean="0"/>
+              <a:t>Kamera ist nicht richtig eingestellt</a:t>
+            </a:r>
+          </a:p>
+          <a:p>
+            <a:pPr lvl="1" algn="just"/>
+            <a:endParaRPr lang="de-DE" sz="2000" dirty="0"/>
+          </a:p>
+          <a:p>
+            <a:pPr lvl="1" algn="just"/>
+            <a:r>
+              <a:rPr lang="de-DE" sz="2000" dirty="0" smtClean="0"/>
+              <a:t>Kamera folgt nicht dem Wagen</a:t>
+            </a:r>
+            <a:endParaRPr lang="de-DE" sz="2000" dirty="0"/>
+          </a:p>
+          <a:p>
+            <a:pPr lvl="1" algn="just"/>
+            <a:endParaRPr lang="de-DE" sz="1400" dirty="0"/>
+          </a:p>
+          <a:p>
+            <a:pPr lvl="1" algn="just"/>
+            <a:endParaRPr lang="de-DE" sz="1400" dirty="0" smtClean="0"/>
+          </a:p>
+        </p:txBody>
+      </p:sp>
+      <p:pic>
+        <p:nvPicPr>
+          <p:cNvPr id="2050" name="Picture 2"/>
+          <p:cNvPicPr>
+            <a:picLocks noChangeAspect="1" noChangeArrowheads="1"/>
+          </p:cNvPicPr>
+          <p:nvPr/>
+        </p:nvPicPr>
+        <p:blipFill>
+          <a:blip r:embed="rId2" cstate="print">
+            <a:extLst>
+              <a:ext uri="{28A0092B-C50C-407E-A947-70E740481C1C}">
+                <a14:useLocalDpi xmlns:a14="http://schemas.microsoft.com/office/drawing/2010/main" val="0"/>
+              </a:ext>
+            </a:extLst>
+          </a:blip>
+          <a:stretch>
+            <a:fillRect/>
+          </a:stretch>
+        </p:blipFill>
+        <p:spPr bwMode="auto">
+          <a:xfrm>
+            <a:off x="1435251" y="3802865"/>
+            <a:ext cx="4965549" cy="2473452"/>
+          </a:xfrm>
+          <a:prstGeom prst="rect">
+            <a:avLst/>
+          </a:prstGeom>
+          <a:noFill/>
+          <a:extLst>
+            <a:ext uri="{909E8E84-426E-40DD-AFC4-6F175D3DCCD1}">
+              <a14:hiddenFill xmlns:a14="http://schemas.microsoft.com/office/drawing/2010/main">
+                <a:solidFill>
+                  <a:srgbClr val="FFFFFF"/>
+                </a:solidFill>
+              </a14:hiddenFill>
+            </a:ext>
+          </a:extLst>
+        </p:spPr>
+      </p:pic>
+      <p:sp>
+        <p:nvSpPr>
+          <p:cNvPr id="6" name="Textfeld 5"/>
+          <p:cNvSpPr txBox="1"/>
+          <p:nvPr/>
+        </p:nvSpPr>
+        <p:spPr>
+          <a:xfrm>
+            <a:off x="1460314" y="6387149"/>
+            <a:ext cx="5131555" cy="369332"/>
+          </a:xfrm>
+          <a:prstGeom prst="rect">
+            <a:avLst/>
+          </a:prstGeom>
+          <a:noFill/>
+        </p:spPr>
+        <p:txBody>
+          <a:bodyPr wrap="square" rtlCol="0">
+            <a:spAutoFit/>
+          </a:bodyPr>
+          <a:lstStyle/>
+          <a:p>
+            <a:r>
+              <a:rPr lang="de-DE" dirty="0" smtClean="0"/>
+              <a:t>Screenshot – 3rd Person Kamera View</a:t>
+            </a:r>
+            <a:endParaRPr lang="de-DE" dirty="0"/>
+          </a:p>
+        </p:txBody>
+      </p:sp>
+      <p:sp>
+        <p:nvSpPr>
+          <p:cNvPr id="5" name="Datumsplatzhalter 4"/>
+          <p:cNvSpPr>
+            <a:spLocks noGrp="1"/>
+          </p:cNvSpPr>
+          <p:nvPr>
+            <p:ph type="dt" sz="half" idx="10"/>
+          </p:nvPr>
+        </p:nvSpPr>
+        <p:spPr/>
+        <p:txBody>
+          <a:bodyPr/>
+          <a:lstStyle/>
+          <a:p>
+            <a:r>
+              <a:rPr lang="de-DE" smtClean="0"/>
+              <a:t>02.10.2015</a:t>
+            </a:r>
+            <a:endParaRPr lang="de-DE"/>
+          </a:p>
+        </p:txBody>
+      </p:sp>
+      <p:sp>
+        <p:nvSpPr>
+          <p:cNvPr id="7" name="Foliennummernplatzhalter 6"/>
+          <p:cNvSpPr>
+            <a:spLocks noGrp="1"/>
+          </p:cNvSpPr>
+          <p:nvPr>
+            <p:ph type="sldNum" sz="quarter" idx="12"/>
+          </p:nvPr>
+        </p:nvSpPr>
+        <p:spPr/>
+        <p:txBody>
+          <a:bodyPr/>
+          <a:lstStyle/>
+          <a:p>
+            <a:fld id="{AA18DD3B-6366-410C-8003-B36A9F3BD685}" type="slidenum">
+              <a:rPr lang="de-DE" smtClean="0"/>
+              <a:t>26</a:t>
+            </a:fld>
+            <a:endParaRPr lang="de-DE"/>
+          </a:p>
+        </p:txBody>
+      </p:sp>
+    </p:spTree>
+    <p:extLst>
+      <p:ext uri="{BB962C8B-B14F-4D97-AF65-F5344CB8AC3E}">
+        <p14:creationId xmlns:p14="http://schemas.microsoft.com/office/powerpoint/2010/main" val="3114547157"/>
+      </p:ext>
+    </p:extLst>
+  </p:cSld>
+  <p:clrMapOvr>
+    <a:masterClrMapping/>
+  </p:clrMapOvr>
+  <p:timing>
+    <p:tnLst>
+      <p:par>
+        <p:cTn id="1" dur="indefinite" restart="never" nodeType="tmRoot"/>
+      </p:par>
+    </p:tnLst>
+  </p:timing>
+</p:sld>
+</file>
+
+<file path=ppt/slides/slide27.xml><?xml version="1.0" encoding="utf-8"?>
+<p:sld xmlns:a="http://schemas.openxmlformats.org/drawingml/2006/main" xmlns:r="http://schemas.openxmlformats.org/officeDocument/2006/relationships" xmlns:p="http://schemas.openxmlformats.org/presentationml/2006/main">
+  <p:cSld>
+    <p:spTree>
+      <p:nvGrpSpPr>
+        <p:cNvPr id="1" name=""/>
+        <p:cNvGrpSpPr/>
+        <p:nvPr/>
+      </p:nvGrpSpPr>
+      <p:grpSpPr>
+        <a:xfrm>
+          <a:off x="0" y="0"/>
+          <a:ext cx="0" cy="0"/>
+          <a:chOff x="0" y="0"/>
+          <a:chExt cx="0" cy="0"/>
+        </a:xfrm>
+      </p:grpSpPr>
+      <p:sp>
+        <p:nvSpPr>
+          <p:cNvPr id="2" name="Titel 1"/>
+          <p:cNvSpPr>
+            <a:spLocks noGrp="1"/>
+          </p:cNvSpPr>
+          <p:nvPr>
+            <p:ph type="title"/>
+          </p:nvPr>
+        </p:nvSpPr>
+        <p:spPr/>
+        <p:txBody>
+          <a:bodyPr/>
+          <a:lstStyle/>
+          <a:p>
+            <a:r>
+              <a:rPr lang="de-DE" dirty="0" smtClean="0"/>
+              <a:t>Herausforderungen</a:t>
+            </a:r>
+            <a:br>
+              <a:rPr lang="de-DE" dirty="0" smtClean="0"/>
+            </a:br>
+            <a:r>
+              <a:rPr lang="de-DE" sz="3200" dirty="0" smtClean="0"/>
+              <a:t>Kamera</a:t>
+            </a:r>
+            <a:endParaRPr lang="de-DE" sz="3200" dirty="0"/>
+          </a:p>
+        </p:txBody>
+      </p:sp>
+      <p:sp>
+        <p:nvSpPr>
+          <p:cNvPr id="3" name="Inhaltsplatzhalter 2"/>
+          <p:cNvSpPr>
+            <a:spLocks noGrp="1"/>
+          </p:cNvSpPr>
+          <p:nvPr>
+            <p:ph idx="1"/>
+          </p:nvPr>
+        </p:nvSpPr>
+        <p:spPr>
+          <a:xfrm>
+            <a:off x="978090" y="2586094"/>
+            <a:ext cx="6787486" cy="1289872"/>
+          </a:xfrm>
+        </p:spPr>
+        <p:txBody>
+          <a:bodyPr>
+            <a:normAutofit/>
+          </a:bodyPr>
+          <a:lstStyle/>
+          <a:p>
+            <a:pPr algn="just"/>
+            <a:r>
+              <a:rPr lang="de-DE" dirty="0" smtClean="0"/>
+              <a:t>Die Lösung</a:t>
+            </a:r>
+          </a:p>
+          <a:p>
+            <a:pPr lvl="1" algn="just"/>
+            <a:r>
+              <a:rPr lang="de-DE" dirty="0" smtClean="0"/>
+              <a:t>Relativ einfache Problematik</a:t>
+            </a:r>
+          </a:p>
+        </p:txBody>
+      </p:sp>
+      <p:sp>
+        <p:nvSpPr>
+          <p:cNvPr id="4" name="Inhaltsplatzhalter 2"/>
+          <p:cNvSpPr txBox="1">
+            <a:spLocks/>
+          </p:cNvSpPr>
+          <p:nvPr/>
+        </p:nvSpPr>
+        <p:spPr bwMode="auto">
+          <a:xfrm>
+            <a:off x="7806519" y="2711197"/>
+            <a:ext cx="4012441" cy="1164197"/>
+          </a:xfrm>
+          <a:prstGeom prst="rect">
+            <a:avLst/>
+          </a:prstGeom>
+          <a:noFill/>
+          <a:ln>
+            <a:noFill/>
+          </a:ln>
+          <a:extLst>
+            <a:ext uri="{909E8E84-426E-40DD-AFC4-6F175D3DCCD1}">
+              <a14:hiddenFill xmlns:a14="http://schemas.microsoft.com/office/drawing/2010/main">
+                <a:solidFill>
+                  <a:srgbClr val="FFFFFF"/>
+                </a:solidFill>
+              </a14:hiddenFill>
+            </a:ext>
+            <a:ext uri="{91240B29-F687-4F45-9708-019B960494DF}">
+              <a14:hiddenLine xmlns:a14="http://schemas.microsoft.com/office/drawing/2010/main" w="9525">
+                <a:solidFill>
+                  <a:srgbClr val="000000"/>
+                </a:solidFill>
+                <a:miter lim="800000"/>
+                <a:headEnd/>
+                <a:tailEnd/>
+              </a14:hiddenLine>
+            </a:ext>
+          </a:extLst>
+        </p:spPr>
+        <p:txBody>
+          <a:bodyPr vert="horz" wrap="square" lIns="91440" tIns="45720" rIns="91440" bIns="45720" numCol="1" anchor="t" anchorCtr="0" compatLnSpc="1">
+            <a:prstTxWarp prst="textNoShape">
+              <a:avLst/>
+            </a:prstTxWarp>
+            <a:noAutofit/>
+          </a:bodyPr>
+          <a:lstStyle>
+            <a:lvl1pPr marL="342900" indent="-342900" algn="l" rtl="0" eaLnBrk="1" fontAlgn="base" hangingPunct="1">
+              <a:spcBef>
+                <a:spcPct val="20000"/>
+              </a:spcBef>
+              <a:spcAft>
+                <a:spcPct val="0"/>
+              </a:spcAft>
+              <a:buFont typeface="Arial" charset="0"/>
+              <a:buChar char="•"/>
+              <a:defRPr sz="3200" kern="1200">
+                <a:solidFill>
+                  <a:schemeClr val="tx1"/>
+                </a:solidFill>
+                <a:latin typeface="+mn-lt"/>
+                <a:ea typeface="+mn-ea"/>
+                <a:cs typeface="+mn-cs"/>
+              </a:defRPr>
+            </a:lvl1pPr>
+            <a:lvl2pPr marL="742950" indent="-285750" algn="l" rtl="0" eaLnBrk="1" fontAlgn="base" hangingPunct="1">
+              <a:spcBef>
+                <a:spcPct val="20000"/>
+              </a:spcBef>
+              <a:spcAft>
+                <a:spcPct val="0"/>
+              </a:spcAft>
+              <a:buFont typeface="Arial" charset="0"/>
+              <a:buChar char="–"/>
+              <a:defRPr sz="2800" kern="1200">
+                <a:solidFill>
+                  <a:schemeClr val="tx1"/>
+                </a:solidFill>
+                <a:latin typeface="+mn-lt"/>
+                <a:ea typeface="+mn-ea"/>
+                <a:cs typeface="+mn-cs"/>
+              </a:defRPr>
+            </a:lvl2pPr>
+            <a:lvl3pPr marL="1143000" indent="-228600" algn="l" rtl="0" eaLnBrk="1" fontAlgn="base" hangingPunct="1">
+              <a:spcBef>
+                <a:spcPct val="20000"/>
+              </a:spcBef>
+              <a:spcAft>
+                <a:spcPct val="0"/>
+              </a:spcAft>
+              <a:buFont typeface="Arial" charset="0"/>
+              <a:buChar char="•"/>
+              <a:defRPr sz="2400" kern="1200">
+                <a:solidFill>
+                  <a:schemeClr val="tx1"/>
+                </a:solidFill>
+                <a:latin typeface="+mn-lt"/>
+                <a:ea typeface="+mn-ea"/>
+                <a:cs typeface="+mn-cs"/>
+              </a:defRPr>
+            </a:lvl3pPr>
+            <a:lvl4pPr marL="1600200" indent="-228600" algn="l" rtl="0" eaLnBrk="1" fontAlgn="base" hangingPunct="1">
+              <a:spcBef>
+                <a:spcPct val="20000"/>
+              </a:spcBef>
+              <a:spcAft>
+                <a:spcPct val="0"/>
+              </a:spcAft>
+              <a:buFont typeface="Arial" charset="0"/>
+              <a:buChar char="–"/>
+              <a:defRPr sz="2000" kern="1200">
+                <a:solidFill>
+                  <a:schemeClr val="tx1"/>
+                </a:solidFill>
+                <a:latin typeface="+mn-lt"/>
+                <a:ea typeface="+mn-ea"/>
+                <a:cs typeface="+mn-cs"/>
+              </a:defRPr>
+            </a:lvl4pPr>
+            <a:lvl5pPr marL="2057400" indent="-228600" algn="l" rtl="0" eaLnBrk="1" fontAlgn="base" hangingPunct="1">
+              <a:spcBef>
+                <a:spcPct val="20000"/>
+              </a:spcBef>
+              <a:spcAft>
+                <a:spcPct val="0"/>
+              </a:spcAft>
+              <a:buFont typeface="Arial" charset="0"/>
+              <a:buChar char="»"/>
+              <a:defRPr sz="2000" kern="1200">
+                <a:solidFill>
+                  <a:schemeClr val="tx1"/>
+                </a:solidFill>
+                <a:latin typeface="+mn-lt"/>
+                <a:ea typeface="+mn-ea"/>
+                <a:cs typeface="+mn-cs"/>
+              </a:defRPr>
+            </a:lvl5pPr>
+            <a:lvl6pPr marL="2514600" indent="-228600" algn="l" defTabSz="914400" rtl="0" eaLnBrk="1" latinLnBrk="0" hangingPunct="1">
+              <a:spcBef>
+                <a:spcPct val="20000"/>
+              </a:spcBef>
+              <a:buFont typeface="Arial" pitchFamily="34" charset="0"/>
+              <a:buChar char="•"/>
+              <a:defRPr sz="2000" kern="1200">
+                <a:solidFill>
+                  <a:schemeClr val="tx1"/>
+                </a:solidFill>
+                <a:latin typeface="+mn-lt"/>
+                <a:ea typeface="+mn-ea"/>
+                <a:cs typeface="+mn-cs"/>
+              </a:defRPr>
+            </a:lvl6pPr>
+            <a:lvl7pPr marL="2971800" indent="-228600" algn="l" defTabSz="914400" rtl="0" eaLnBrk="1" latinLnBrk="0" hangingPunct="1">
+              <a:spcBef>
+                <a:spcPct val="20000"/>
+              </a:spcBef>
+              <a:buFont typeface="Arial" pitchFamily="34" charset="0"/>
+              <a:buChar char="•"/>
+              <a:defRPr sz="2000" kern="1200">
+                <a:solidFill>
+                  <a:schemeClr val="tx1"/>
+                </a:solidFill>
+                <a:latin typeface="+mn-lt"/>
+                <a:ea typeface="+mn-ea"/>
+                <a:cs typeface="+mn-cs"/>
+              </a:defRPr>
+            </a:lvl7pPr>
+            <a:lvl8pPr marL="3429000" indent="-228600" algn="l" defTabSz="914400" rtl="0" eaLnBrk="1" latinLnBrk="0" hangingPunct="1">
+              <a:spcBef>
+                <a:spcPct val="20000"/>
+              </a:spcBef>
+              <a:buFont typeface="Arial" pitchFamily="34" charset="0"/>
+              <a:buChar char="•"/>
+              <a:defRPr sz="2000" kern="1200">
+                <a:solidFill>
+                  <a:schemeClr val="tx1"/>
+                </a:solidFill>
+                <a:latin typeface="+mn-lt"/>
+                <a:ea typeface="+mn-ea"/>
+                <a:cs typeface="+mn-cs"/>
+              </a:defRPr>
+            </a:lvl8pPr>
+            <a:lvl9pPr marL="3886200" indent="-228600" algn="l" defTabSz="914400" rtl="0" eaLnBrk="1" latinLnBrk="0" hangingPunct="1">
+              <a:spcBef>
+                <a:spcPct val="20000"/>
+              </a:spcBef>
+              <a:buFont typeface="Arial" pitchFamily="34" charset="0"/>
+              <a:buChar char="•"/>
+              <a:defRPr sz="2000" kern="1200">
+                <a:solidFill>
+                  <a:schemeClr val="tx1"/>
+                </a:solidFill>
+                <a:latin typeface="+mn-lt"/>
+                <a:ea typeface="+mn-ea"/>
+                <a:cs typeface="+mn-cs"/>
+              </a:defRPr>
+            </a:lvl9pPr>
+          </a:lstStyle>
+          <a:p>
+            <a:pPr algn="just"/>
+            <a:r>
+              <a:rPr lang="de-DE" sz="2400" dirty="0" smtClean="0"/>
+              <a:t>Lösung</a:t>
+            </a:r>
+          </a:p>
+          <a:p>
+            <a:pPr lvl="1" algn="just"/>
+            <a:r>
+              <a:rPr lang="de-DE" sz="2000" dirty="0" smtClean="0"/>
+              <a:t>Eine Codezeile genügte um es zu richten.</a:t>
+            </a:r>
+            <a:endParaRPr lang="de-DE" sz="2000" dirty="0"/>
+          </a:p>
+          <a:p>
+            <a:pPr lvl="1" algn="just"/>
+            <a:endParaRPr lang="de-DE" sz="1400" dirty="0"/>
+          </a:p>
+          <a:p>
+            <a:pPr lvl="1" algn="just"/>
+            <a:endParaRPr lang="de-DE" sz="1400" dirty="0" smtClean="0"/>
+          </a:p>
+        </p:txBody>
+      </p:sp>
+      <p:pic>
+        <p:nvPicPr>
+          <p:cNvPr id="2050" name="Picture 2"/>
+          <p:cNvPicPr>
+            <a:picLocks noChangeAspect="1" noChangeArrowheads="1"/>
+          </p:cNvPicPr>
+          <p:nvPr/>
+        </p:nvPicPr>
+        <p:blipFill>
+          <a:blip r:embed="rId2" cstate="print">
+            <a:extLst>
+              <a:ext uri="{28A0092B-C50C-407E-A947-70E740481C1C}">
+                <a14:useLocalDpi xmlns:a14="http://schemas.microsoft.com/office/drawing/2010/main" val="0"/>
+              </a:ext>
+            </a:extLst>
+          </a:blip>
+          <a:stretch>
+            <a:fillRect/>
+          </a:stretch>
+        </p:blipFill>
+        <p:spPr bwMode="auto">
+          <a:xfrm>
+            <a:off x="1435251" y="3802865"/>
+            <a:ext cx="4965549" cy="2473452"/>
+          </a:xfrm>
+          <a:prstGeom prst="rect">
+            <a:avLst/>
+          </a:prstGeom>
+          <a:noFill/>
+          <a:extLst>
+            <a:ext uri="{909E8E84-426E-40DD-AFC4-6F175D3DCCD1}">
+              <a14:hiddenFill xmlns:a14="http://schemas.microsoft.com/office/drawing/2010/main">
+                <a:solidFill>
+                  <a:srgbClr val="FFFFFF"/>
+                </a:solidFill>
+              </a14:hiddenFill>
+            </a:ext>
+          </a:extLst>
+        </p:spPr>
+      </p:pic>
+      <p:sp>
+        <p:nvSpPr>
+          <p:cNvPr id="6" name="Textfeld 5"/>
+          <p:cNvSpPr txBox="1"/>
+          <p:nvPr/>
+        </p:nvSpPr>
+        <p:spPr>
+          <a:xfrm>
+            <a:off x="1596794" y="6291613"/>
+            <a:ext cx="3671244" cy="369332"/>
+          </a:xfrm>
+          <a:prstGeom prst="rect">
+            <a:avLst/>
+          </a:prstGeom>
+          <a:noFill/>
+        </p:spPr>
+        <p:txBody>
+          <a:bodyPr wrap="square" rtlCol="0">
+            <a:spAutoFit/>
+          </a:bodyPr>
+          <a:lstStyle/>
+          <a:p>
+            <a:r>
+              <a:rPr lang="de-DE" dirty="0" err="1" smtClean="0"/>
+              <a:t>Gif</a:t>
+            </a:r>
+            <a:r>
+              <a:rPr lang="de-DE" dirty="0" smtClean="0"/>
+              <a:t> – Kamera folgt dem Wagen</a:t>
+            </a:r>
+            <a:endParaRPr lang="de-DE" dirty="0"/>
+          </a:p>
+        </p:txBody>
+      </p:sp>
+      <p:pic>
+        <p:nvPicPr>
+          <p:cNvPr id="7" name="Picture 2"/>
+          <p:cNvPicPr>
+            <a:picLocks noChangeAspect="1" noChangeArrowheads="1"/>
+          </p:cNvPicPr>
+          <p:nvPr/>
+        </p:nvPicPr>
+        <p:blipFill>
+          <a:blip r:embed="rId2" cstate="print">
+            <a:extLst>
+              <a:ext uri="{28A0092B-C50C-407E-A947-70E740481C1C}">
+                <a14:useLocalDpi xmlns:a14="http://schemas.microsoft.com/office/drawing/2010/main" val="0"/>
+              </a:ext>
+            </a:extLst>
+          </a:blip>
+          <a:stretch>
+            <a:fillRect/>
+          </a:stretch>
+        </p:blipFill>
+        <p:spPr bwMode="auto">
+          <a:xfrm>
+            <a:off x="6664617" y="3802865"/>
+            <a:ext cx="4965549" cy="2473452"/>
+          </a:xfrm>
+          <a:prstGeom prst="rect">
+            <a:avLst/>
+          </a:prstGeom>
+          <a:noFill/>
+          <a:extLst>
+            <a:ext uri="{909E8E84-426E-40DD-AFC4-6F175D3DCCD1}">
+              <a14:hiddenFill xmlns:a14="http://schemas.microsoft.com/office/drawing/2010/main">
+                <a:solidFill>
+                  <a:srgbClr val="FFFFFF"/>
+                </a:solidFill>
+              </a14:hiddenFill>
+            </a:ext>
+          </a:extLst>
+        </p:spPr>
+      </p:pic>
+      <p:sp>
+        <p:nvSpPr>
+          <p:cNvPr id="8" name="Textfeld 7"/>
+          <p:cNvSpPr txBox="1"/>
+          <p:nvPr/>
+        </p:nvSpPr>
+        <p:spPr>
+          <a:xfrm>
+            <a:off x="6498608" y="6291613"/>
+            <a:ext cx="5129280" cy="369332"/>
+          </a:xfrm>
+          <a:prstGeom prst="rect">
+            <a:avLst/>
+          </a:prstGeom>
+          <a:noFill/>
+        </p:spPr>
+        <p:txBody>
+          <a:bodyPr wrap="square" rtlCol="0">
+            <a:spAutoFit/>
+          </a:bodyPr>
+          <a:lstStyle/>
+          <a:p>
+            <a:r>
+              <a:rPr lang="de-DE" dirty="0" smtClean="0"/>
+              <a:t>Screenshot – Code Ausschnitt der Kameraführung</a:t>
+            </a:r>
+            <a:endParaRPr lang="de-DE" dirty="0"/>
+          </a:p>
+        </p:txBody>
+      </p:sp>
+      <p:sp>
+        <p:nvSpPr>
+          <p:cNvPr id="5" name="Datumsplatzhalter 4"/>
+          <p:cNvSpPr>
+            <a:spLocks noGrp="1"/>
+          </p:cNvSpPr>
+          <p:nvPr>
+            <p:ph type="dt" sz="half" idx="10"/>
+          </p:nvPr>
+        </p:nvSpPr>
+        <p:spPr/>
+        <p:txBody>
+          <a:bodyPr/>
+          <a:lstStyle/>
+          <a:p>
+            <a:r>
+              <a:rPr lang="de-DE" smtClean="0"/>
+              <a:t>02.10.2015</a:t>
+            </a:r>
+            <a:endParaRPr lang="de-DE"/>
+          </a:p>
+        </p:txBody>
+      </p:sp>
+      <p:sp>
+        <p:nvSpPr>
+          <p:cNvPr id="9" name="Foliennummernplatzhalter 8"/>
+          <p:cNvSpPr>
+            <a:spLocks noGrp="1"/>
+          </p:cNvSpPr>
+          <p:nvPr>
+            <p:ph type="sldNum" sz="quarter" idx="12"/>
+          </p:nvPr>
+        </p:nvSpPr>
+        <p:spPr/>
+        <p:txBody>
+          <a:bodyPr/>
+          <a:lstStyle/>
+          <a:p>
+            <a:fld id="{AA18DD3B-6366-410C-8003-B36A9F3BD685}" type="slidenum">
+              <a:rPr lang="de-DE" smtClean="0"/>
+              <a:t>27</a:t>
+            </a:fld>
+            <a:endParaRPr lang="de-DE"/>
+          </a:p>
+        </p:txBody>
+      </p:sp>
+    </p:spTree>
+    <p:extLst>
+      <p:ext uri="{BB962C8B-B14F-4D97-AF65-F5344CB8AC3E}">
+        <p14:creationId xmlns:p14="http://schemas.microsoft.com/office/powerpoint/2010/main" val="2672779886"/>
+      </p:ext>
+    </p:extLst>
+  </p:cSld>
+  <p:clrMapOvr>
+    <a:masterClrMapping/>
+  </p:clrMapOvr>
+  <p:timing>
+    <p:tnLst>
+      <p:par>
+        <p:cTn id="1" dur="indefinite" restart="never" nodeType="tmRoot"/>
+      </p:par>
+    </p:tnLst>
+  </p:timing>
+</p:sld>
+</file>
+
+<file path=ppt/slides/slide28.xml><?xml version="1.0" encoding="utf-8"?>
+<p:sld xmlns:a="http://schemas.openxmlformats.org/drawingml/2006/main" xmlns:r="http://schemas.openxmlformats.org/officeDocument/2006/relationships" xmlns:p="http://schemas.openxmlformats.org/presentationml/2006/main">
+  <p:cSld>
+    <p:spTree>
+      <p:nvGrpSpPr>
+        <p:cNvPr id="1" name=""/>
+        <p:cNvGrpSpPr/>
+        <p:nvPr/>
+      </p:nvGrpSpPr>
+      <p:grpSpPr>
+        <a:xfrm>
+          <a:off x="0" y="0"/>
+          <a:ext cx="0" cy="0"/>
+          <a:chOff x="0" y="0"/>
+          <a:chExt cx="0" cy="0"/>
+        </a:xfrm>
+      </p:grpSpPr>
+      <p:sp>
+        <p:nvSpPr>
+          <p:cNvPr id="2" name="Titel 1"/>
+          <p:cNvSpPr>
+            <a:spLocks noGrp="1"/>
+          </p:cNvSpPr>
+          <p:nvPr>
+            <p:ph type="title"/>
+          </p:nvPr>
+        </p:nvSpPr>
+        <p:spPr/>
+        <p:txBody>
+          <a:bodyPr/>
+          <a:lstStyle/>
+          <a:p>
+            <a:r>
+              <a:rPr lang="de-DE" dirty="0" smtClean="0"/>
+              <a:t>Herausforderungen</a:t>
+            </a:r>
+            <a:br>
+              <a:rPr lang="de-DE" dirty="0" smtClean="0"/>
+            </a:br>
+            <a:r>
+              <a:rPr lang="de-DE" sz="3200" dirty="0" smtClean="0"/>
+              <a:t>Kamera</a:t>
+            </a:r>
+            <a:endParaRPr lang="de-DE" sz="3200" dirty="0"/>
+          </a:p>
+        </p:txBody>
+      </p:sp>
+      <p:sp>
+        <p:nvSpPr>
+          <p:cNvPr id="3" name="Inhaltsplatzhalter 2"/>
+          <p:cNvSpPr>
+            <a:spLocks noGrp="1"/>
+          </p:cNvSpPr>
+          <p:nvPr>
+            <p:ph idx="1"/>
+          </p:nvPr>
+        </p:nvSpPr>
+        <p:spPr>
+          <a:xfrm>
+            <a:off x="978090" y="2586094"/>
+            <a:ext cx="6787486" cy="1289872"/>
+          </a:xfrm>
+        </p:spPr>
+        <p:txBody>
+          <a:bodyPr>
+            <a:normAutofit/>
+          </a:bodyPr>
+          <a:lstStyle/>
+          <a:p>
+            <a:pPr algn="just"/>
+            <a:r>
+              <a:rPr lang="de-DE" dirty="0" smtClean="0"/>
+              <a:t>Konzeptänderung</a:t>
+            </a:r>
+            <a:endParaRPr lang="de-DE" dirty="0" smtClean="0"/>
+          </a:p>
+          <a:p>
+            <a:pPr lvl="1" algn="just"/>
+            <a:r>
+              <a:rPr lang="de-DE" dirty="0" smtClean="0"/>
+              <a:t>Multiplayer</a:t>
+            </a:r>
+            <a:endParaRPr lang="de-DE" dirty="0" smtClean="0"/>
+          </a:p>
+        </p:txBody>
+      </p:sp>
+      <p:sp>
+        <p:nvSpPr>
+          <p:cNvPr id="4" name="Inhaltsplatzhalter 2"/>
+          <p:cNvSpPr txBox="1">
+            <a:spLocks/>
+          </p:cNvSpPr>
+          <p:nvPr/>
+        </p:nvSpPr>
+        <p:spPr bwMode="auto">
+          <a:xfrm>
+            <a:off x="7806519" y="2711197"/>
+            <a:ext cx="4012441" cy="1164197"/>
+          </a:xfrm>
+          <a:prstGeom prst="rect">
+            <a:avLst/>
+          </a:prstGeom>
+          <a:noFill/>
+          <a:ln>
+            <a:noFill/>
+          </a:ln>
+          <a:extLst>
+            <a:ext uri="{909E8E84-426E-40DD-AFC4-6F175D3DCCD1}">
+              <a14:hiddenFill xmlns:a14="http://schemas.microsoft.com/office/drawing/2010/main">
+                <a:solidFill>
+                  <a:srgbClr val="FFFFFF"/>
+                </a:solidFill>
+              </a14:hiddenFill>
+            </a:ext>
+            <a:ext uri="{91240B29-F687-4F45-9708-019B960494DF}">
+              <a14:hiddenLine xmlns:a14="http://schemas.microsoft.com/office/drawing/2010/main" w="9525">
+                <a:solidFill>
+                  <a:srgbClr val="000000"/>
+                </a:solidFill>
+                <a:miter lim="800000"/>
+                <a:headEnd/>
+                <a:tailEnd/>
+              </a14:hiddenLine>
+            </a:ext>
+          </a:extLst>
+        </p:spPr>
+        <p:txBody>
+          <a:bodyPr vert="horz" wrap="square" lIns="91440" tIns="45720" rIns="91440" bIns="45720" numCol="1" anchor="t" anchorCtr="0" compatLnSpc="1">
+            <a:prstTxWarp prst="textNoShape">
+              <a:avLst/>
+            </a:prstTxWarp>
+            <a:noAutofit/>
+          </a:bodyPr>
+          <a:lstStyle>
+            <a:lvl1pPr marL="342900" indent="-342900" algn="l" rtl="0" eaLnBrk="1" fontAlgn="base" hangingPunct="1">
+              <a:spcBef>
+                <a:spcPct val="20000"/>
+              </a:spcBef>
+              <a:spcAft>
+                <a:spcPct val="0"/>
+              </a:spcAft>
+              <a:buFont typeface="Arial" charset="0"/>
+              <a:buChar char="•"/>
+              <a:defRPr sz="3200" kern="1200">
+                <a:solidFill>
+                  <a:schemeClr val="tx1"/>
+                </a:solidFill>
+                <a:latin typeface="+mn-lt"/>
+                <a:ea typeface="+mn-ea"/>
+                <a:cs typeface="+mn-cs"/>
+              </a:defRPr>
+            </a:lvl1pPr>
+            <a:lvl2pPr marL="742950" indent="-285750" algn="l" rtl="0" eaLnBrk="1" fontAlgn="base" hangingPunct="1">
+              <a:spcBef>
+                <a:spcPct val="20000"/>
+              </a:spcBef>
+              <a:spcAft>
+                <a:spcPct val="0"/>
+              </a:spcAft>
+              <a:buFont typeface="Arial" charset="0"/>
+              <a:buChar char="–"/>
+              <a:defRPr sz="2800" kern="1200">
+                <a:solidFill>
+                  <a:schemeClr val="tx1"/>
+                </a:solidFill>
+                <a:latin typeface="+mn-lt"/>
+                <a:ea typeface="+mn-ea"/>
+                <a:cs typeface="+mn-cs"/>
+              </a:defRPr>
+            </a:lvl2pPr>
+            <a:lvl3pPr marL="1143000" indent="-228600" algn="l" rtl="0" eaLnBrk="1" fontAlgn="base" hangingPunct="1">
+              <a:spcBef>
+                <a:spcPct val="20000"/>
+              </a:spcBef>
+              <a:spcAft>
+                <a:spcPct val="0"/>
+              </a:spcAft>
+              <a:buFont typeface="Arial" charset="0"/>
+              <a:buChar char="•"/>
+              <a:defRPr sz="2400" kern="1200">
+                <a:solidFill>
+                  <a:schemeClr val="tx1"/>
+                </a:solidFill>
+                <a:latin typeface="+mn-lt"/>
+                <a:ea typeface="+mn-ea"/>
+                <a:cs typeface="+mn-cs"/>
+              </a:defRPr>
+            </a:lvl3pPr>
+            <a:lvl4pPr marL="1600200" indent="-228600" algn="l" rtl="0" eaLnBrk="1" fontAlgn="base" hangingPunct="1">
+              <a:spcBef>
+                <a:spcPct val="20000"/>
+              </a:spcBef>
+              <a:spcAft>
+                <a:spcPct val="0"/>
+              </a:spcAft>
+              <a:buFont typeface="Arial" charset="0"/>
+              <a:buChar char="–"/>
+              <a:defRPr sz="2000" kern="1200">
+                <a:solidFill>
+                  <a:schemeClr val="tx1"/>
+                </a:solidFill>
+                <a:latin typeface="+mn-lt"/>
+                <a:ea typeface="+mn-ea"/>
+                <a:cs typeface="+mn-cs"/>
+              </a:defRPr>
+            </a:lvl4pPr>
+            <a:lvl5pPr marL="2057400" indent="-228600" algn="l" rtl="0" eaLnBrk="1" fontAlgn="base" hangingPunct="1">
+              <a:spcBef>
+                <a:spcPct val="20000"/>
+              </a:spcBef>
+              <a:spcAft>
+                <a:spcPct val="0"/>
+              </a:spcAft>
+              <a:buFont typeface="Arial" charset="0"/>
+              <a:buChar char="»"/>
+              <a:defRPr sz="2000" kern="1200">
+                <a:solidFill>
+                  <a:schemeClr val="tx1"/>
+                </a:solidFill>
+                <a:latin typeface="+mn-lt"/>
+                <a:ea typeface="+mn-ea"/>
+                <a:cs typeface="+mn-cs"/>
+              </a:defRPr>
+            </a:lvl5pPr>
+            <a:lvl6pPr marL="2514600" indent="-228600" algn="l" defTabSz="914400" rtl="0" eaLnBrk="1" latinLnBrk="0" hangingPunct="1">
+              <a:spcBef>
+                <a:spcPct val="20000"/>
+              </a:spcBef>
+              <a:buFont typeface="Arial" pitchFamily="34" charset="0"/>
+              <a:buChar char="•"/>
+              <a:defRPr sz="2000" kern="1200">
+                <a:solidFill>
+                  <a:schemeClr val="tx1"/>
+                </a:solidFill>
+                <a:latin typeface="+mn-lt"/>
+                <a:ea typeface="+mn-ea"/>
+                <a:cs typeface="+mn-cs"/>
+              </a:defRPr>
+            </a:lvl6pPr>
+            <a:lvl7pPr marL="2971800" indent="-228600" algn="l" defTabSz="914400" rtl="0" eaLnBrk="1" latinLnBrk="0" hangingPunct="1">
+              <a:spcBef>
+                <a:spcPct val="20000"/>
+              </a:spcBef>
+              <a:buFont typeface="Arial" pitchFamily="34" charset="0"/>
+              <a:buChar char="•"/>
+              <a:defRPr sz="2000" kern="1200">
+                <a:solidFill>
+                  <a:schemeClr val="tx1"/>
+                </a:solidFill>
+                <a:latin typeface="+mn-lt"/>
+                <a:ea typeface="+mn-ea"/>
+                <a:cs typeface="+mn-cs"/>
+              </a:defRPr>
+            </a:lvl7pPr>
+            <a:lvl8pPr marL="3429000" indent="-228600" algn="l" defTabSz="914400" rtl="0" eaLnBrk="1" latinLnBrk="0" hangingPunct="1">
+              <a:spcBef>
+                <a:spcPct val="20000"/>
+              </a:spcBef>
+              <a:buFont typeface="Arial" pitchFamily="34" charset="0"/>
+              <a:buChar char="•"/>
+              <a:defRPr sz="2000" kern="1200">
+                <a:solidFill>
+                  <a:schemeClr val="tx1"/>
+                </a:solidFill>
+                <a:latin typeface="+mn-lt"/>
+                <a:ea typeface="+mn-ea"/>
+                <a:cs typeface="+mn-cs"/>
+              </a:defRPr>
+            </a:lvl8pPr>
+            <a:lvl9pPr marL="3886200" indent="-228600" algn="l" defTabSz="914400" rtl="0" eaLnBrk="1" latinLnBrk="0" hangingPunct="1">
+              <a:spcBef>
+                <a:spcPct val="20000"/>
+              </a:spcBef>
+              <a:buFont typeface="Arial" pitchFamily="34" charset="0"/>
+              <a:buChar char="•"/>
+              <a:defRPr sz="2000" kern="1200">
+                <a:solidFill>
+                  <a:schemeClr val="tx1"/>
+                </a:solidFill>
+                <a:latin typeface="+mn-lt"/>
+                <a:ea typeface="+mn-ea"/>
+                <a:cs typeface="+mn-cs"/>
+              </a:defRPr>
+            </a:lvl9pPr>
+          </a:lstStyle>
+          <a:p>
+            <a:pPr algn="just"/>
+            <a:r>
+              <a:rPr lang="de-DE" sz="2400" dirty="0" smtClean="0"/>
+              <a:t>Lösung</a:t>
+            </a:r>
+          </a:p>
+          <a:p>
+            <a:pPr lvl="1" algn="just"/>
+            <a:r>
+              <a:rPr lang="de-DE" sz="2000" dirty="0" smtClean="0"/>
+              <a:t>Regelung über Fenstersteuerung</a:t>
+            </a:r>
+            <a:endParaRPr lang="de-DE" sz="2000" dirty="0"/>
+          </a:p>
+          <a:p>
+            <a:pPr lvl="1" algn="just"/>
+            <a:endParaRPr lang="de-DE" sz="1400" dirty="0"/>
+          </a:p>
+          <a:p>
+            <a:pPr lvl="1" algn="just"/>
+            <a:endParaRPr lang="de-DE" sz="1400" dirty="0" smtClean="0"/>
+          </a:p>
+        </p:txBody>
+      </p:sp>
+      <p:sp>
+        <p:nvSpPr>
+          <p:cNvPr id="6" name="Textfeld 5"/>
+          <p:cNvSpPr txBox="1"/>
+          <p:nvPr/>
+        </p:nvSpPr>
+        <p:spPr>
+          <a:xfrm>
+            <a:off x="3918024" y="6387149"/>
+            <a:ext cx="4965549" cy="369332"/>
+          </a:xfrm>
+          <a:prstGeom prst="rect">
+            <a:avLst/>
+          </a:prstGeom>
+          <a:noFill/>
+        </p:spPr>
+        <p:txBody>
+          <a:bodyPr wrap="square" rtlCol="0">
+            <a:spAutoFit/>
+          </a:bodyPr>
+          <a:lstStyle/>
+          <a:p>
+            <a:r>
+              <a:rPr lang="de-DE" dirty="0" smtClean="0"/>
+              <a:t>Screenshot – Multiplayer Kamera</a:t>
+            </a:r>
+            <a:endParaRPr lang="de-DE" dirty="0"/>
+          </a:p>
+        </p:txBody>
+      </p:sp>
+      <p:pic>
+        <p:nvPicPr>
+          <p:cNvPr id="7" name="Picture 2"/>
+          <p:cNvPicPr>
+            <a:picLocks noChangeAspect="1" noChangeArrowheads="1"/>
+          </p:cNvPicPr>
+          <p:nvPr/>
+        </p:nvPicPr>
+        <p:blipFill>
+          <a:blip r:embed="rId2" cstate="print">
+            <a:extLst>
+              <a:ext uri="{28A0092B-C50C-407E-A947-70E740481C1C}">
+                <a14:useLocalDpi xmlns:a14="http://schemas.microsoft.com/office/drawing/2010/main" val="0"/>
+              </a:ext>
+            </a:extLst>
+          </a:blip>
+          <a:stretch>
+            <a:fillRect/>
+          </a:stretch>
+        </p:blipFill>
+        <p:spPr bwMode="auto">
+          <a:xfrm>
+            <a:off x="3918025" y="3802865"/>
+            <a:ext cx="4965549" cy="2473452"/>
+          </a:xfrm>
+          <a:prstGeom prst="rect">
+            <a:avLst/>
+          </a:prstGeom>
+          <a:noFill/>
+          <a:extLst>
+            <a:ext uri="{909E8E84-426E-40DD-AFC4-6F175D3DCCD1}">
+              <a14:hiddenFill xmlns:a14="http://schemas.microsoft.com/office/drawing/2010/main">
+                <a:solidFill>
+                  <a:srgbClr val="FFFFFF"/>
+                </a:solidFill>
+              </a14:hiddenFill>
+            </a:ext>
+          </a:extLst>
+        </p:spPr>
+      </p:pic>
+      <p:sp>
+        <p:nvSpPr>
+          <p:cNvPr id="5" name="Datumsplatzhalter 4"/>
+          <p:cNvSpPr>
+            <a:spLocks noGrp="1"/>
+          </p:cNvSpPr>
+          <p:nvPr>
+            <p:ph type="dt" sz="half" idx="10"/>
+          </p:nvPr>
+        </p:nvSpPr>
+        <p:spPr/>
+        <p:txBody>
+          <a:bodyPr/>
+          <a:lstStyle/>
+          <a:p>
+            <a:r>
+              <a:rPr lang="de-DE" smtClean="0"/>
+              <a:t>02.10.2015</a:t>
+            </a:r>
+            <a:endParaRPr lang="de-DE"/>
+          </a:p>
+        </p:txBody>
+      </p:sp>
+      <p:sp>
+        <p:nvSpPr>
+          <p:cNvPr id="9" name="Foliennummernplatzhalter 8"/>
+          <p:cNvSpPr>
+            <a:spLocks noGrp="1"/>
+          </p:cNvSpPr>
+          <p:nvPr>
+            <p:ph type="sldNum" sz="quarter" idx="12"/>
+          </p:nvPr>
+        </p:nvSpPr>
+        <p:spPr/>
+        <p:txBody>
+          <a:bodyPr/>
+          <a:lstStyle/>
+          <a:p>
+            <a:fld id="{AA18DD3B-6366-410C-8003-B36A9F3BD685}" type="slidenum">
+              <a:rPr lang="de-DE" smtClean="0"/>
+              <a:t>28</a:t>
+            </a:fld>
+            <a:endParaRPr lang="de-DE"/>
+          </a:p>
+        </p:txBody>
+      </p:sp>
+    </p:spTree>
+    <p:extLst>
+      <p:ext uri="{BB962C8B-B14F-4D97-AF65-F5344CB8AC3E}">
+        <p14:creationId xmlns:p14="http://schemas.microsoft.com/office/powerpoint/2010/main" val="70768189"/>
+      </p:ext>
+    </p:extLst>
+  </p:cSld>
+  <p:clrMapOvr>
+    <a:masterClrMapping/>
+  </p:clrMapOvr>
+  <p:timing>
+    <p:tnLst>
+      <p:par>
+        <p:cTn id="1" dur="indefinite" restart="never" nodeType="tmRoot"/>
+      </p:par>
+    </p:tnLst>
+  </p:timing>
+</p:sld>
+</file>
+
+<file path=ppt/slides/slide29.xml><?xml version="1.0" encoding="utf-8"?>
+<p:sld xmlns:a="http://schemas.openxmlformats.org/drawingml/2006/main" xmlns:r="http://schemas.openxmlformats.org/officeDocument/2006/relationships" xmlns:p="http://schemas.openxmlformats.org/presentationml/2006/main">
+  <p:cSld>
+    <p:spTree>
+      <p:nvGrpSpPr>
+        <p:cNvPr id="1" name=""/>
+        <p:cNvGrpSpPr/>
+        <p:nvPr/>
+      </p:nvGrpSpPr>
+      <p:grpSpPr>
+        <a:xfrm>
+          <a:off x="0" y="0"/>
+          <a:ext cx="0" cy="0"/>
+          <a:chOff x="0" y="0"/>
+          <a:chExt cx="0" cy="0"/>
+        </a:xfrm>
+      </p:grpSpPr>
+      <p:sp>
+        <p:nvSpPr>
+          <p:cNvPr id="2" name="Titel 1"/>
+          <p:cNvSpPr>
+            <a:spLocks noGrp="1"/>
+          </p:cNvSpPr>
+          <p:nvPr>
+            <p:ph type="title"/>
+          </p:nvPr>
+        </p:nvSpPr>
+        <p:spPr/>
+        <p:txBody>
+          <a:bodyPr/>
+          <a:lstStyle/>
+          <a:p>
+            <a:r>
+              <a:rPr lang="de-DE" dirty="0" smtClean="0"/>
               <a:t>Unser Zeitplan &amp; Aufgabenverteilung</a:t>
             </a:r>
             <a:br>
@@ -9568,6 +14055,52 @@
           </a:prstGeom>
         </p:spPr>
       </p:pic>
+      <p:sp>
+        <p:nvSpPr>
+          <p:cNvPr id="5" name="Datumsplatzhalter 4"/>
+          <p:cNvSpPr>
+            <a:spLocks noGrp="1"/>
+          </p:cNvSpPr>
+          <p:nvPr>
+            <p:ph type="dt" sz="half" idx="10"/>
+          </p:nvPr>
+        </p:nvSpPr>
+        <p:spPr/>
+        <p:txBody>
+          <a:bodyPr/>
+          <a:lstStyle/>
+          <a:p>
+            <a:r>
+              <a:rPr lang="de-DE" smtClean="0"/>
+              <a:t>02.10.2015</a:t>
+            </a:r>
+            <a:endParaRPr lang="de-DE"/>
+          </a:p>
+        </p:txBody>
+      </p:sp>
+      <p:sp>
+        <p:nvSpPr>
+          <p:cNvPr id="6" name="Foliennummernplatzhalter 5"/>
+          <p:cNvSpPr>
+            <a:spLocks noGrp="1"/>
+          </p:cNvSpPr>
+          <p:nvPr>
+            <p:ph type="sldNum" sz="quarter" idx="12"/>
+          </p:nvPr>
+        </p:nvSpPr>
+        <p:spPr/>
+        <p:txBody>
+          <a:bodyPr/>
+          <a:lstStyle/>
+          <a:p>
+            <a:fld id="{AA18DD3B-6366-410C-8003-B36A9F3BD685}" type="slidenum">
+              <a:rPr lang="de-DE" smtClean="0"/>
+              <a:t>29</a:t>
+            </a:fld>
+            <a:endParaRPr lang="de-DE"/>
+          </a:p>
+        </p:txBody>
+      </p:sp>
     </p:spTree>
     <p:extLst>
       <p:ext uri="{BB962C8B-B14F-4D97-AF65-F5344CB8AC3E}">
@@ -9588,7 +14121,260 @@
 </p:sld>
 </file>
 
-<file path=ppt/slides/slide23.xml><?xml version="1.0" encoding="utf-8"?>
+<file path=ppt/slides/slide3.xml><?xml version="1.0" encoding="utf-8"?>
+<p:sld xmlns:a="http://schemas.openxmlformats.org/drawingml/2006/main" xmlns:r="http://schemas.openxmlformats.org/officeDocument/2006/relationships" xmlns:p="http://schemas.openxmlformats.org/presentationml/2006/main">
+  <p:cSld>
+    <p:spTree>
+      <p:nvGrpSpPr>
+        <p:cNvPr id="1" name=""/>
+        <p:cNvGrpSpPr/>
+        <p:nvPr/>
+      </p:nvGrpSpPr>
+      <p:grpSpPr>
+        <a:xfrm>
+          <a:off x="0" y="0"/>
+          <a:ext cx="0" cy="0"/>
+          <a:chOff x="0" y="0"/>
+          <a:chExt cx="0" cy="0"/>
+        </a:xfrm>
+      </p:grpSpPr>
+      <p:sp>
+        <p:nvSpPr>
+          <p:cNvPr id="2" name="Titel 1"/>
+          <p:cNvSpPr>
+            <a:spLocks noGrp="1"/>
+          </p:cNvSpPr>
+          <p:nvPr>
+            <p:ph type="title"/>
+          </p:nvPr>
+        </p:nvSpPr>
+        <p:spPr/>
+        <p:txBody>
+          <a:bodyPr/>
+          <a:lstStyle/>
+          <a:p>
+            <a:r>
+              <a:rPr lang="de-DE" dirty="0" smtClean="0"/>
+              <a:t>Das Spiel</a:t>
+            </a:r>
+            <a:br>
+              <a:rPr lang="de-DE" dirty="0" smtClean="0"/>
+            </a:br>
+            <a:r>
+              <a:rPr lang="de-DE" sz="3200" dirty="0" smtClean="0"/>
+              <a:t>Kurzbeschreibung</a:t>
+            </a:r>
+            <a:endParaRPr lang="de-DE" sz="3200" dirty="0"/>
+          </a:p>
+        </p:txBody>
+      </p:sp>
+      <p:sp>
+        <p:nvSpPr>
+          <p:cNvPr id="3" name="Inhaltsplatzhalter 2"/>
+          <p:cNvSpPr>
+            <a:spLocks noGrp="1"/>
+          </p:cNvSpPr>
+          <p:nvPr>
+            <p:ph idx="1"/>
+          </p:nvPr>
+        </p:nvSpPr>
+        <p:spPr/>
+        <p:txBody>
+          <a:bodyPr>
+            <a:normAutofit fontScale="70000" lnSpcReduction="20000"/>
+          </a:bodyPr>
+          <a:lstStyle/>
+          <a:p>
+            <a:pPr algn="just"/>
+            <a:r>
+              <a:rPr lang="de-DE" dirty="0"/>
+              <a:t>Zum Spielen diesem Link nehmen: </a:t>
+            </a:r>
+            <a:r>
+              <a:rPr lang="de-DE" dirty="0">
+                <a:hlinkClick r:id="rId2"/>
+              </a:rPr>
+              <a:t>http://raceofdeas.dollinvans.bplaced.de/</a:t>
+            </a:r>
+            <a:endParaRPr lang="de-DE" dirty="0"/>
+          </a:p>
+          <a:p>
+            <a:pPr algn="just"/>
+            <a:endParaRPr lang="de-DE" dirty="0" smtClean="0"/>
+          </a:p>
+          <a:p>
+            <a:pPr algn="just"/>
+            <a:r>
+              <a:rPr lang="de-DE" dirty="0" err="1" smtClean="0"/>
+              <a:t>Race</a:t>
+            </a:r>
+            <a:r>
+              <a:rPr lang="de-DE" dirty="0" smtClean="0"/>
+              <a:t> </a:t>
+            </a:r>
+            <a:r>
+              <a:rPr lang="de-DE" dirty="0" err="1" smtClean="0"/>
+              <a:t>Of</a:t>
+            </a:r>
+            <a:r>
+              <a:rPr lang="de-DE" dirty="0" smtClean="0"/>
+              <a:t> </a:t>
+            </a:r>
+            <a:r>
+              <a:rPr lang="de-DE" dirty="0" err="1" smtClean="0"/>
+              <a:t>DeaS</a:t>
+            </a:r>
+            <a:r>
+              <a:rPr lang="de-DE" dirty="0" smtClean="0"/>
+              <a:t> (2P Edition)</a:t>
+            </a:r>
+            <a:endParaRPr lang="de-DE" dirty="0"/>
+          </a:p>
+          <a:p>
+            <a:pPr algn="just"/>
+            <a:r>
+              <a:rPr lang="de-DE" dirty="0"/>
+              <a:t>Bei diesem Spiel geht es bis zum Tod. Starte mit einer super coolen </a:t>
+            </a:r>
+            <a:r>
+              <a:rPr lang="de-DE" dirty="0" smtClean="0"/>
+              <a:t>Spaceshuttle und </a:t>
+            </a:r>
+            <a:r>
+              <a:rPr lang="de-DE" dirty="0"/>
+              <a:t>schlage </a:t>
+            </a:r>
+            <a:r>
+              <a:rPr lang="de-DE" dirty="0" smtClean="0"/>
+              <a:t>deinen Mitspieler auf einer schier </a:t>
+            </a:r>
+            <a:r>
+              <a:rPr lang="de-DE" dirty="0"/>
+              <a:t>unmöglichen </a:t>
+            </a:r>
+            <a:r>
+              <a:rPr lang="de-DE" dirty="0" smtClean="0"/>
+              <a:t>Strecke. </a:t>
+            </a:r>
+            <a:r>
+              <a:rPr lang="de-DE" dirty="0"/>
+              <a:t>Pass aber auf, fährst du zu riskant wird deine Karre das Ziel nie erreichen. </a:t>
+            </a:r>
+            <a:r>
+              <a:rPr lang="de-DE" dirty="0" smtClean="0"/>
+              <a:t>Und achte auch auf deinen Mitspieler, denn er wird dich nicht einfach so gewinnen lassen. Weiche seinen Geschossen geschickt aus um ihn deine Abgase schlucken zu lassen. Die </a:t>
+            </a:r>
+            <a:r>
+              <a:rPr lang="de-DE" dirty="0"/>
+              <a:t>Fahrbahn beinhaltet außerdem verschiedene Power-</a:t>
+            </a:r>
+            <a:r>
+              <a:rPr lang="de-DE" dirty="0" err="1"/>
+              <a:t>Ups</a:t>
+            </a:r>
+            <a:r>
+              <a:rPr lang="de-DE" dirty="0"/>
+              <a:t> , die deine Karre verstärken. Aber sei gewarnt, </a:t>
+            </a:r>
+            <a:r>
+              <a:rPr lang="de-DE" dirty="0" smtClean="0"/>
+              <a:t>erreicht dein </a:t>
+            </a:r>
+            <a:r>
+              <a:rPr lang="de-DE" dirty="0"/>
+              <a:t>Gegner vor dir diese kleinen Schätze wird dir der Weg zum Ziel erschwert. Also </a:t>
+            </a:r>
+            <a:r>
+              <a:rPr lang="de-DE" dirty="0" err="1"/>
+              <a:t>steig</a:t>
+            </a:r>
+            <a:r>
+              <a:rPr lang="de-DE" dirty="0"/>
+              <a:t> ein, fahr los und meistere dieses Abenteuer um der König der Karren zu </a:t>
+            </a:r>
+            <a:r>
+              <a:rPr lang="de-DE" dirty="0" smtClean="0"/>
+              <a:t>werden</a:t>
+            </a:r>
+            <a:r>
+              <a:rPr lang="de-DE" dirty="0" smtClean="0"/>
+              <a:t>, in RACE OF DEAS!</a:t>
+            </a:r>
+            <a:endParaRPr lang="de-DE" dirty="0" smtClean="0"/>
+          </a:p>
+          <a:p>
+            <a:pPr algn="just"/>
+            <a:endParaRPr lang="de-DE" dirty="0"/>
+          </a:p>
+        </p:txBody>
+      </p:sp>
+      <p:sp>
+        <p:nvSpPr>
+          <p:cNvPr id="4" name="Datumsplatzhalter 3"/>
+          <p:cNvSpPr>
+            <a:spLocks noGrp="1"/>
+          </p:cNvSpPr>
+          <p:nvPr>
+            <p:ph type="dt" sz="half" idx="10"/>
+          </p:nvPr>
+        </p:nvSpPr>
+        <p:spPr/>
+        <p:txBody>
+          <a:bodyPr/>
+          <a:lstStyle/>
+          <a:p>
+            <a:r>
+              <a:rPr lang="de-DE" smtClean="0"/>
+              <a:t>02.10.2015</a:t>
+            </a:r>
+            <a:endParaRPr lang="de-DE"/>
+          </a:p>
+        </p:txBody>
+      </p:sp>
+      <p:sp>
+        <p:nvSpPr>
+          <p:cNvPr id="5" name="Foliennummernplatzhalter 4"/>
+          <p:cNvSpPr>
+            <a:spLocks noGrp="1"/>
+          </p:cNvSpPr>
+          <p:nvPr>
+            <p:ph type="sldNum" sz="quarter" idx="12"/>
+          </p:nvPr>
+        </p:nvSpPr>
+        <p:spPr/>
+        <p:txBody>
+          <a:bodyPr/>
+          <a:lstStyle/>
+          <a:p>
+            <a:fld id="{AA18DD3B-6366-410C-8003-B36A9F3BD685}" type="slidenum">
+              <a:rPr lang="de-DE" smtClean="0"/>
+              <a:t>3</a:t>
+            </a:fld>
+            <a:endParaRPr lang="de-DE"/>
+          </a:p>
+        </p:txBody>
+      </p:sp>
+    </p:spTree>
+    <p:extLst>
+      <p:ext uri="{BB962C8B-B14F-4D97-AF65-F5344CB8AC3E}">
+        <p14:creationId xmlns:p14="http://schemas.microsoft.com/office/powerpoint/2010/main" val="3595239602"/>
+      </p:ext>
+    </p:extLst>
+  </p:cSld>
+  <p:clrMapOvr>
+    <a:masterClrMapping/>
+  </p:clrMapOvr>
+  <p:timing>
+    <p:tnLst>
+      <p:par>
+        <p:cTn id="1" dur="indefinite" restart="never" nodeType="tmRoot"/>
+      </p:par>
+    </p:tnLst>
+  </p:timing>
+</p:sld>
+</file>
+
+<file path=ppt/slides/slide30.xml><?xml version="1.0" encoding="utf-8"?>
 <p:sld xmlns:a="http://schemas.openxmlformats.org/drawingml/2006/main" xmlns:r="http://schemas.openxmlformats.org/officeDocument/2006/relationships" xmlns:p="http://schemas.openxmlformats.org/presentationml/2006/main">
   <p:cSld>
     <p:spTree>
@@ -10050,6 +14836,52 @@
           </a:graphicData>
         </a:graphic>
       </p:graphicFrame>
+      <p:sp>
+        <p:nvSpPr>
+          <p:cNvPr id="4" name="Datumsplatzhalter 3"/>
+          <p:cNvSpPr>
+            <a:spLocks noGrp="1"/>
+          </p:cNvSpPr>
+          <p:nvPr>
+            <p:ph type="dt" sz="half" idx="10"/>
+          </p:nvPr>
+        </p:nvSpPr>
+        <p:spPr/>
+        <p:txBody>
+          <a:bodyPr/>
+          <a:lstStyle/>
+          <a:p>
+            <a:r>
+              <a:rPr lang="de-DE" smtClean="0"/>
+              <a:t>02.10.2015</a:t>
+            </a:r>
+            <a:endParaRPr lang="de-DE"/>
+          </a:p>
+        </p:txBody>
+      </p:sp>
+      <p:sp>
+        <p:nvSpPr>
+          <p:cNvPr id="6" name="Foliennummernplatzhalter 5"/>
+          <p:cNvSpPr>
+            <a:spLocks noGrp="1"/>
+          </p:cNvSpPr>
+          <p:nvPr>
+            <p:ph type="sldNum" sz="quarter" idx="12"/>
+          </p:nvPr>
+        </p:nvSpPr>
+        <p:spPr/>
+        <p:txBody>
+          <a:bodyPr/>
+          <a:lstStyle/>
+          <a:p>
+            <a:fld id="{AA18DD3B-6366-410C-8003-B36A9F3BD685}" type="slidenum">
+              <a:rPr lang="de-DE" smtClean="0"/>
+              <a:t>30</a:t>
+            </a:fld>
+            <a:endParaRPr lang="de-DE"/>
+          </a:p>
+        </p:txBody>
+      </p:sp>
     </p:spTree>
     <p:extLst>
       <p:ext uri="{BB962C8B-B14F-4D97-AF65-F5344CB8AC3E}">
@@ -10070,7 +14902,7 @@
 </p:sld>
 </file>
 
-<file path=ppt/slides/slide24.xml><?xml version="1.0" encoding="utf-8"?>
+<file path=ppt/slides/slide31.xml><?xml version="1.0" encoding="utf-8"?>
 <p:sld xmlns:a="http://schemas.openxmlformats.org/drawingml/2006/main" xmlns:r="http://schemas.openxmlformats.org/officeDocument/2006/relationships" xmlns:p="http://schemas.openxmlformats.org/presentationml/2006/main">
   <p:cSld>
     <p:spTree>
@@ -10198,7 +15030,7 @@
 </p:sld>
 </file>
 
-<file path=ppt/slides/slide25.xml><?xml version="1.0" encoding="utf-8"?>
+<file path=ppt/slides/slide32.xml><?xml version="1.0" encoding="utf-8"?>
 <p:sld xmlns:a="http://schemas.openxmlformats.org/drawingml/2006/main" xmlns:r="http://schemas.openxmlformats.org/officeDocument/2006/relationships" xmlns:p="http://schemas.openxmlformats.org/presentationml/2006/main">
   <p:cSld>
     <p:spTree>
@@ -10320,6 +15152,52 @@
               <a:t>Risiko</a:t>
             </a:r>
             <a:endParaRPr lang="de-DE" dirty="0"/>
+          </a:p>
+        </p:txBody>
+      </p:sp>
+      <p:sp>
+        <p:nvSpPr>
+          <p:cNvPr id="4" name="Datumsplatzhalter 3"/>
+          <p:cNvSpPr>
+            <a:spLocks noGrp="1"/>
+          </p:cNvSpPr>
+          <p:nvPr>
+            <p:ph type="dt" sz="half" idx="10"/>
+          </p:nvPr>
+        </p:nvSpPr>
+        <p:spPr/>
+        <p:txBody>
+          <a:bodyPr/>
+          <a:lstStyle/>
+          <a:p>
+            <a:r>
+              <a:rPr lang="de-DE" smtClean="0"/>
+              <a:t>02.10.2015</a:t>
+            </a:r>
+            <a:endParaRPr lang="de-DE"/>
+          </a:p>
+        </p:txBody>
+      </p:sp>
+      <p:sp>
+        <p:nvSpPr>
+          <p:cNvPr id="5" name="Foliennummernplatzhalter 4"/>
+          <p:cNvSpPr>
+            <a:spLocks noGrp="1"/>
+          </p:cNvSpPr>
+          <p:nvPr>
+            <p:ph type="sldNum" sz="quarter" idx="12"/>
+          </p:nvPr>
+        </p:nvSpPr>
+        <p:spPr/>
+        <p:txBody>
+          <a:bodyPr/>
+          <a:lstStyle/>
+          <a:p>
+            <a:fld id="{AA18DD3B-6366-410C-8003-B36A9F3BD685}" type="slidenum">
+              <a:rPr lang="de-DE" smtClean="0"/>
+              <a:t>32</a:t>
+            </a:fld>
+            <a:endParaRPr lang="de-DE"/>
           </a:p>
         </p:txBody>
       </p:sp>
@@ -10343,7 +15221,7 @@
 </p:sld>
 </file>
 
-<file path=ppt/slides/slide26.xml><?xml version="1.0" encoding="utf-8"?>
+<file path=ppt/slides/slide33.xml><?xml version="1.0" encoding="utf-8"?>
 <p:sld xmlns:a="http://schemas.openxmlformats.org/drawingml/2006/main" xmlns:r="http://schemas.openxmlformats.org/officeDocument/2006/relationships" xmlns:p="http://schemas.openxmlformats.org/presentationml/2006/main">
   <p:cSld>
     <p:spTree>
@@ -10445,6 +15323,52 @@
               <a:rPr lang="de-DE" dirty="0"/>
               <a:t> ein, fahr los und meistere dieses Abenteuer um der König der Karren zu werden.</a:t>
             </a:r>
+          </a:p>
+        </p:txBody>
+      </p:sp>
+      <p:sp>
+        <p:nvSpPr>
+          <p:cNvPr id="4" name="Datumsplatzhalter 3"/>
+          <p:cNvSpPr>
+            <a:spLocks noGrp="1"/>
+          </p:cNvSpPr>
+          <p:nvPr>
+            <p:ph type="dt" sz="half" idx="10"/>
+          </p:nvPr>
+        </p:nvSpPr>
+        <p:spPr/>
+        <p:txBody>
+          <a:bodyPr/>
+          <a:lstStyle/>
+          <a:p>
+            <a:r>
+              <a:rPr lang="de-DE" smtClean="0"/>
+              <a:t>02.10.2015</a:t>
+            </a:r>
+            <a:endParaRPr lang="de-DE"/>
+          </a:p>
+        </p:txBody>
+      </p:sp>
+      <p:sp>
+        <p:nvSpPr>
+          <p:cNvPr id="5" name="Foliennummernplatzhalter 4"/>
+          <p:cNvSpPr>
+            <a:spLocks noGrp="1"/>
+          </p:cNvSpPr>
+          <p:nvPr>
+            <p:ph type="sldNum" sz="quarter" idx="12"/>
+          </p:nvPr>
+        </p:nvSpPr>
+        <p:spPr/>
+        <p:txBody>
+          <a:bodyPr/>
+          <a:lstStyle/>
+          <a:p>
+            <a:fld id="{AA18DD3B-6366-410C-8003-B36A9F3BD685}" type="slidenum">
+              <a:rPr lang="de-DE" smtClean="0"/>
+              <a:t>33</a:t>
+            </a:fld>
+            <a:endParaRPr lang="de-DE"/>
           </a:p>
         </p:txBody>
       </p:sp>
@@ -10468,7 +15392,7 @@
 </p:sld>
 </file>
 
-<file path=ppt/slides/slide27.xml><?xml version="1.0" encoding="utf-8"?>
+<file path=ppt/slides/slide34.xml><?xml version="1.0" encoding="utf-8"?>
 <p:sld xmlns:a="http://schemas.openxmlformats.org/drawingml/2006/main" xmlns:r="http://schemas.openxmlformats.org/officeDocument/2006/relationships" xmlns:p="http://schemas.openxmlformats.org/presentationml/2006/main">
   <p:cSld>
     <p:spTree>
@@ -10630,6 +15554,52 @@
           </a:xfrm>
         </p:spPr>
       </p:pic>
+      <p:sp>
+        <p:nvSpPr>
+          <p:cNvPr id="3" name="Datumsplatzhalter 2"/>
+          <p:cNvSpPr>
+            <a:spLocks noGrp="1"/>
+          </p:cNvSpPr>
+          <p:nvPr>
+            <p:ph type="dt" sz="half" idx="10"/>
+          </p:nvPr>
+        </p:nvSpPr>
+        <p:spPr/>
+        <p:txBody>
+          <a:bodyPr/>
+          <a:lstStyle/>
+          <a:p>
+            <a:r>
+              <a:rPr lang="de-DE" smtClean="0"/>
+              <a:t>02.10.2015</a:t>
+            </a:r>
+            <a:endParaRPr lang="de-DE"/>
+          </a:p>
+        </p:txBody>
+      </p:sp>
+      <p:sp>
+        <p:nvSpPr>
+          <p:cNvPr id="4" name="Foliennummernplatzhalter 3"/>
+          <p:cNvSpPr>
+            <a:spLocks noGrp="1"/>
+          </p:cNvSpPr>
+          <p:nvPr>
+            <p:ph type="sldNum" sz="quarter" idx="12"/>
+          </p:nvPr>
+        </p:nvSpPr>
+        <p:spPr/>
+        <p:txBody>
+          <a:bodyPr/>
+          <a:lstStyle/>
+          <a:p>
+            <a:fld id="{AA18DD3B-6366-410C-8003-B36A9F3BD685}" type="slidenum">
+              <a:rPr lang="de-DE" smtClean="0"/>
+              <a:t>34</a:t>
+            </a:fld>
+            <a:endParaRPr lang="de-DE"/>
+          </a:p>
+        </p:txBody>
+      </p:sp>
     </p:spTree>
     <p:extLst>
       <p:ext uri="{BB962C8B-B14F-4D97-AF65-F5344CB8AC3E}">
@@ -10650,7 +15620,7 @@
 </p:sld>
 </file>
 
-<file path=ppt/slides/slide28.xml><?xml version="1.0" encoding="utf-8"?>
+<file path=ppt/slides/slide35.xml><?xml version="1.0" encoding="utf-8"?>
 <p:sld xmlns:a="http://schemas.openxmlformats.org/drawingml/2006/main" xmlns:r="http://schemas.openxmlformats.org/officeDocument/2006/relationships" xmlns:p="http://schemas.openxmlformats.org/presentationml/2006/main">
   <p:cSld>
     <p:spTree>
@@ -10759,6 +15729,52 @@
           </a:prstGeom>
         </p:spPr>
       </p:pic>
+      <p:sp>
+        <p:nvSpPr>
+          <p:cNvPr id="5" name="Datumsplatzhalter 4"/>
+          <p:cNvSpPr>
+            <a:spLocks noGrp="1"/>
+          </p:cNvSpPr>
+          <p:nvPr>
+            <p:ph type="dt" sz="half" idx="10"/>
+          </p:nvPr>
+        </p:nvSpPr>
+        <p:spPr/>
+        <p:txBody>
+          <a:bodyPr/>
+          <a:lstStyle/>
+          <a:p>
+            <a:r>
+              <a:rPr lang="de-DE" smtClean="0"/>
+              <a:t>02.10.2015</a:t>
+            </a:r>
+            <a:endParaRPr lang="de-DE"/>
+          </a:p>
+        </p:txBody>
+      </p:sp>
+      <p:sp>
+        <p:nvSpPr>
+          <p:cNvPr id="6" name="Foliennummernplatzhalter 5"/>
+          <p:cNvSpPr>
+            <a:spLocks noGrp="1"/>
+          </p:cNvSpPr>
+          <p:nvPr>
+            <p:ph type="sldNum" sz="quarter" idx="12"/>
+          </p:nvPr>
+        </p:nvSpPr>
+        <p:spPr/>
+        <p:txBody>
+          <a:bodyPr/>
+          <a:lstStyle/>
+          <a:p>
+            <a:fld id="{AA18DD3B-6366-410C-8003-B36A9F3BD685}" type="slidenum">
+              <a:rPr lang="de-DE" smtClean="0"/>
+              <a:t>35</a:t>
+            </a:fld>
+            <a:endParaRPr lang="de-DE"/>
+          </a:p>
+        </p:txBody>
+      </p:sp>
     </p:spTree>
     <p:extLst>
       <p:ext uri="{BB962C8B-B14F-4D97-AF65-F5344CB8AC3E}">
@@ -10779,7 +15795,7 @@
 </p:sld>
 </file>
 
-<file path=ppt/slides/slide29.xml><?xml version="1.0" encoding="utf-8"?>
+<file path=ppt/slides/slide36.xml><?xml version="1.0" encoding="utf-8"?>
 <p:sld xmlns:a="http://schemas.openxmlformats.org/drawingml/2006/main" xmlns:r="http://schemas.openxmlformats.org/officeDocument/2006/relationships" xmlns:p="http://schemas.openxmlformats.org/presentationml/2006/main">
   <p:cSld>
     <p:spTree>
@@ -10912,6 +15928,52 @@
           </a:p>
           <a:p>
             <a:endParaRPr lang="de-DE" sz="2000" dirty="0"/>
+          </a:p>
+        </p:txBody>
+      </p:sp>
+      <p:sp>
+        <p:nvSpPr>
+          <p:cNvPr id="4" name="Datumsplatzhalter 3"/>
+          <p:cNvSpPr>
+            <a:spLocks noGrp="1"/>
+          </p:cNvSpPr>
+          <p:nvPr>
+            <p:ph type="dt" sz="half" idx="10"/>
+          </p:nvPr>
+        </p:nvSpPr>
+        <p:spPr/>
+        <p:txBody>
+          <a:bodyPr/>
+          <a:lstStyle/>
+          <a:p>
+            <a:r>
+              <a:rPr lang="de-DE" smtClean="0"/>
+              <a:t>02.10.2015</a:t>
+            </a:r>
+            <a:endParaRPr lang="de-DE"/>
+          </a:p>
+        </p:txBody>
+      </p:sp>
+      <p:sp>
+        <p:nvSpPr>
+          <p:cNvPr id="5" name="Foliennummernplatzhalter 4"/>
+          <p:cNvSpPr>
+            <a:spLocks noGrp="1"/>
+          </p:cNvSpPr>
+          <p:nvPr>
+            <p:ph type="sldNum" sz="quarter" idx="12"/>
+          </p:nvPr>
+        </p:nvSpPr>
+        <p:spPr/>
+        <p:txBody>
+          <a:bodyPr/>
+          <a:lstStyle/>
+          <a:p>
+            <a:fld id="{AA18DD3B-6366-410C-8003-B36A9F3BD685}" type="slidenum">
+              <a:rPr lang="de-DE" smtClean="0"/>
+              <a:t>36</a:t>
+            </a:fld>
+            <a:endParaRPr lang="de-DE"/>
           </a:p>
         </p:txBody>
       </p:sp>
@@ -10935,7 +15997,7 @@
 </p:sld>
 </file>
 
-<file path=ppt/slides/slide3.xml><?xml version="1.0" encoding="utf-8"?>
+<file path=ppt/slides/slide37.xml><?xml version="1.0" encoding="utf-8"?>
 <p:sld xmlns:a="http://schemas.openxmlformats.org/drawingml/2006/main" xmlns:r="http://schemas.openxmlformats.org/officeDocument/2006/relationships" xmlns:p="http://schemas.openxmlformats.org/presentationml/2006/main">
   <p:cSld>
     <p:spTree>
@@ -10969,16 +16031,9 @@
           <a:p>
             <a:r>
               <a:rPr lang="de-DE" dirty="0" smtClean="0"/>
-              <a:t>Das Spiel</a:t>
-            </a:r>
-            <a:br>
-              <a:rPr lang="de-DE" dirty="0" smtClean="0"/>
-            </a:br>
-            <a:r>
-              <a:rPr lang="de-DE" sz="3200" dirty="0" smtClean="0"/>
-              <a:t>Kurzbeschreibung</a:t>
-            </a:r>
-            <a:endParaRPr lang="de-DE" sz="3200" dirty="0"/>
+              <a:t>Meilensteine</a:t>
+            </a:r>
+            <a:endParaRPr lang="de-DE" dirty="0"/>
           </a:p>
         </p:txBody>
       </p:sp>
@@ -10994,76 +16049,124 @@
         </p:nvSpPr>
         <p:spPr/>
         <p:txBody>
-          <a:bodyPr>
-            <a:normAutofit fontScale="77500" lnSpcReduction="20000"/>
-          </a:bodyPr>
+          <a:bodyPr/>
           <a:lstStyle/>
           <a:p>
-            <a:pPr algn="just"/>
-            <a:r>
-              <a:rPr lang="de-DE" dirty="0"/>
-              <a:t>Das Rennen - Till </a:t>
-            </a:r>
-            <a:r>
-              <a:rPr lang="de-DE" dirty="0" err="1"/>
-              <a:t>the</a:t>
-            </a:r>
-            <a:r>
-              <a:rPr lang="de-DE" dirty="0"/>
-              <a:t> </a:t>
-            </a:r>
-            <a:r>
-              <a:rPr lang="de-DE" dirty="0" err="1"/>
-              <a:t>DeaS</a:t>
-            </a:r>
-            <a:endParaRPr lang="de-DE" dirty="0"/>
-          </a:p>
-          <a:p>
-            <a:pPr algn="just"/>
-            <a:r>
-              <a:rPr lang="de-DE" dirty="0"/>
-              <a:t>Bei diesem Spiel geht es bis zum Tod. Starte mit einer super coolen Karre mit fettem Sound und schlage die Gegner auf schier unmöglichen Strecken. Pass aber auf, fährst du zu riskant wird deine Karre das Ziel nie erreichen. Auf dich wartet eine Strecke voller Hindernisse und Ablenkungen. Weiche den Gefahren geschickt aus um deine Kontrahenten hinter dir zu lassen. Die Fahrbahn beinhaltet außerdem verschiedene Power-</a:t>
-            </a:r>
-            <a:r>
-              <a:rPr lang="de-DE" dirty="0" err="1"/>
-              <a:t>Ups</a:t>
-            </a:r>
-            <a:r>
-              <a:rPr lang="de-DE" dirty="0"/>
-              <a:t> , die deine Karre verstärken. Aber sei gewarnt, erreichen deine Gegner vor dir diese kleinen Schätze wird dir der Weg zum Ziel erschwert. Also </a:t>
-            </a:r>
-            <a:r>
-              <a:rPr lang="de-DE" dirty="0" err="1"/>
-              <a:t>steig</a:t>
-            </a:r>
-            <a:r>
-              <a:rPr lang="de-DE" dirty="0"/>
-              <a:t> ein, fahr los und meistere dieses Abenteuer um der König der Karren zu werden.</a:t>
-            </a:r>
+            <a:pPr lvl="1">
+              <a:buFont typeface="Arial" panose="020B0604020202020204" pitchFamily="34" charset="0"/>
+              <a:buChar char="•"/>
+            </a:pPr>
+            <a:r>
+              <a:rPr lang="de-DE" sz="2000" dirty="0" smtClean="0"/>
+              <a:t>Meilenstein 3</a:t>
+            </a:r>
+          </a:p>
+          <a:p>
+            <a:pPr lvl="2">
+              <a:buFont typeface="Symbol" panose="05050102010706020507" pitchFamily="18" charset="2"/>
+              <a:buChar char="-"/>
+            </a:pPr>
+            <a:r>
+              <a:rPr lang="de-DE" sz="2000" dirty="0" smtClean="0"/>
+              <a:t>Offizielle </a:t>
+            </a:r>
+            <a:r>
+              <a:rPr lang="de-DE" sz="2000" dirty="0"/>
+              <a:t>Modelle für das Auto und die Strecke an sich.</a:t>
+            </a:r>
+          </a:p>
+          <a:p>
+            <a:pPr lvl="2">
+              <a:buFont typeface="Symbol" panose="05050102010706020507" pitchFamily="18" charset="2"/>
+              <a:buChar char="-"/>
+            </a:pPr>
+            <a:r>
+              <a:rPr lang="de-DE" sz="2000" dirty="0"/>
+              <a:t>Erste </a:t>
+            </a:r>
+            <a:r>
+              <a:rPr lang="de-DE" sz="2000" dirty="0" smtClean="0"/>
+              <a:t>Texturierung</a:t>
+            </a:r>
+          </a:p>
+          <a:p>
+            <a:pPr lvl="2">
+              <a:buFont typeface="Symbol" panose="05050102010706020507" pitchFamily="18" charset="2"/>
+              <a:buChar char="-"/>
+            </a:pPr>
+            <a:r>
+              <a:rPr lang="de-DE" sz="2000" dirty="0" smtClean="0"/>
+              <a:t>Zusammenführung der einzelnen Teile</a:t>
+            </a:r>
+          </a:p>
+          <a:p>
+            <a:pPr marL="914400" lvl="2" indent="0">
+              <a:buNone/>
+            </a:pPr>
+            <a:endParaRPr lang="de-DE" sz="1600" dirty="0" smtClean="0"/>
+          </a:p>
+        </p:txBody>
+      </p:sp>
+      <p:sp>
+        <p:nvSpPr>
+          <p:cNvPr id="4" name="Datumsplatzhalter 3"/>
+          <p:cNvSpPr>
+            <a:spLocks noGrp="1"/>
+          </p:cNvSpPr>
+          <p:nvPr>
+            <p:ph type="dt" sz="half" idx="10"/>
+          </p:nvPr>
+        </p:nvSpPr>
+        <p:spPr/>
+        <p:txBody>
+          <a:bodyPr/>
+          <a:lstStyle/>
+          <a:p>
+            <a:r>
+              <a:rPr lang="de-DE" smtClean="0"/>
+              <a:t>02.10.2015</a:t>
+            </a:r>
+            <a:endParaRPr lang="de-DE"/>
+          </a:p>
+        </p:txBody>
+      </p:sp>
+      <p:sp>
+        <p:nvSpPr>
+          <p:cNvPr id="5" name="Foliennummernplatzhalter 4"/>
+          <p:cNvSpPr>
+            <a:spLocks noGrp="1"/>
+          </p:cNvSpPr>
+          <p:nvPr>
+            <p:ph type="sldNum" sz="quarter" idx="12"/>
+          </p:nvPr>
+        </p:nvSpPr>
+        <p:spPr/>
+        <p:txBody>
+          <a:bodyPr/>
+          <a:lstStyle/>
+          <a:p>
+            <a:fld id="{AA18DD3B-6366-410C-8003-B36A9F3BD685}" type="slidenum">
+              <a:rPr lang="de-DE" smtClean="0"/>
+              <a:t>37</a:t>
+            </a:fld>
+            <a:endParaRPr lang="de-DE"/>
           </a:p>
         </p:txBody>
       </p:sp>
     </p:spTree>
     <p:extLst>
       <p:ext uri="{BB962C8B-B14F-4D97-AF65-F5344CB8AC3E}">
-        <p14:creationId xmlns:p14="http://schemas.microsoft.com/office/powerpoint/2010/main" val="3595239602"/>
+        <p14:creationId xmlns:p14="http://schemas.microsoft.com/office/powerpoint/2010/main" val="1953529443"/>
       </p:ext>
     </p:extLst>
   </p:cSld>
   <p:clrMapOvr>
     <a:masterClrMapping/>
   </p:clrMapOvr>
-  <p:timing>
-    <p:tnLst>
-      <p:par>
-        <p:cTn id="1" dur="indefinite" restart="never" nodeType="tmRoot"/>
-      </p:par>
-    </p:tnLst>
-  </p:timing>
 </p:sld>
 </file>
 
-<file path=ppt/slides/slide30.xml><?xml version="1.0" encoding="utf-8"?>
+<file path=ppt/slides/slide38.xml><?xml version="1.0" encoding="utf-8"?>
 <p:sld xmlns:a="http://schemas.openxmlformats.org/drawingml/2006/main" xmlns:r="http://schemas.openxmlformats.org/officeDocument/2006/relationships" xmlns:p="http://schemas.openxmlformats.org/presentationml/2006/main">
   <p:cSld>
     <p:spTree>
@@ -11118,129 +16221,6 @@
           <a:bodyPr/>
           <a:lstStyle/>
           <a:p>
-            <a:pPr lvl="1">
-              <a:buFont typeface="Arial" panose="020B0604020202020204" pitchFamily="34" charset="0"/>
-              <a:buChar char="•"/>
-            </a:pPr>
-            <a:r>
-              <a:rPr lang="de-DE" sz="2000" dirty="0" smtClean="0"/>
-              <a:t>Meilenstein 3</a:t>
-            </a:r>
-          </a:p>
-          <a:p>
-            <a:pPr lvl="2">
-              <a:buFont typeface="Symbol" panose="05050102010706020507" pitchFamily="18" charset="2"/>
-              <a:buChar char="-"/>
-            </a:pPr>
-            <a:r>
-              <a:rPr lang="de-DE" sz="2000" dirty="0" smtClean="0"/>
-              <a:t>Offizielle </a:t>
-            </a:r>
-            <a:r>
-              <a:rPr lang="de-DE" sz="2000" dirty="0"/>
-              <a:t>Modelle für das Auto und die Strecke an sich.</a:t>
-            </a:r>
-          </a:p>
-          <a:p>
-            <a:pPr lvl="2">
-              <a:buFont typeface="Symbol" panose="05050102010706020507" pitchFamily="18" charset="2"/>
-              <a:buChar char="-"/>
-            </a:pPr>
-            <a:r>
-              <a:rPr lang="de-DE" sz="2000" dirty="0"/>
-              <a:t>Erste </a:t>
-            </a:r>
-            <a:r>
-              <a:rPr lang="de-DE" sz="2000" dirty="0" smtClean="0"/>
-              <a:t>Texturierung</a:t>
-            </a:r>
-          </a:p>
-          <a:p>
-            <a:pPr lvl="2">
-              <a:buFont typeface="Symbol" panose="05050102010706020507" pitchFamily="18" charset="2"/>
-              <a:buChar char="-"/>
-            </a:pPr>
-            <a:r>
-              <a:rPr lang="de-DE" sz="2000" dirty="0" smtClean="0"/>
-              <a:t>Zusammenführung der einzelnen Teile</a:t>
-            </a:r>
-          </a:p>
-          <a:p>
-            <a:pPr marL="914400" lvl="2" indent="0">
-              <a:buNone/>
-            </a:pPr>
-            <a:endParaRPr lang="de-DE" sz="1600" dirty="0" smtClean="0"/>
-          </a:p>
-        </p:txBody>
-      </p:sp>
-    </p:spTree>
-    <p:extLst>
-      <p:ext uri="{BB962C8B-B14F-4D97-AF65-F5344CB8AC3E}">
-        <p14:creationId xmlns:p14="http://schemas.microsoft.com/office/powerpoint/2010/main" val="1953529443"/>
-      </p:ext>
-    </p:extLst>
-  </p:cSld>
-  <p:clrMapOvr>
-    <a:masterClrMapping/>
-  </p:clrMapOvr>
-</p:sld>
-</file>
-
-<file path=ppt/slides/slide31.xml><?xml version="1.0" encoding="utf-8"?>
-<p:sld xmlns:a="http://schemas.openxmlformats.org/drawingml/2006/main" xmlns:r="http://schemas.openxmlformats.org/officeDocument/2006/relationships" xmlns:p="http://schemas.openxmlformats.org/presentationml/2006/main">
-  <p:cSld>
-    <p:spTree>
-      <p:nvGrpSpPr>
-        <p:cNvPr id="1" name=""/>
-        <p:cNvGrpSpPr/>
-        <p:nvPr/>
-      </p:nvGrpSpPr>
-      <p:grpSpPr>
-        <a:xfrm>
-          <a:off x="0" y="0"/>
-          <a:ext cx="0" cy="0"/>
-          <a:chOff x="0" y="0"/>
-          <a:chExt cx="0" cy="0"/>
-        </a:xfrm>
-      </p:grpSpPr>
-      <p:sp>
-        <p:nvSpPr>
-          <p:cNvPr id="2" name="Titel 1"/>
-          <p:cNvSpPr>
-            <a:spLocks noGrp="1"/>
-          </p:cNvSpPr>
-          <p:nvPr>
-            <p:ph type="title"/>
-          </p:nvPr>
-        </p:nvSpPr>
-        <p:spPr/>
-        <p:txBody>
-          <a:bodyPr/>
-          <a:lstStyle/>
-          <a:p>
-            <a:r>
-              <a:rPr lang="de-DE" dirty="0" smtClean="0"/>
-              <a:t>Meilensteine</a:t>
-            </a:r>
-            <a:endParaRPr lang="de-DE" dirty="0"/>
-          </a:p>
-        </p:txBody>
-      </p:sp>
-      <p:sp>
-        <p:nvSpPr>
-          <p:cNvPr id="3" name="Inhaltsplatzhalter 2"/>
-          <p:cNvSpPr>
-            <a:spLocks noGrp="1"/>
-          </p:cNvSpPr>
-          <p:nvPr>
-            <p:ph idx="1"/>
-          </p:nvPr>
-        </p:nvSpPr>
-        <p:spPr/>
-        <p:txBody>
-          <a:bodyPr/>
-          <a:lstStyle/>
-          <a:p>
             <a:r>
               <a:rPr lang="de-DE" sz="2000" dirty="0"/>
               <a:t>Bonus: Ein </a:t>
@@ -11297,6 +16277,52 @@
           </a:p>
           <a:p>
             <a:endParaRPr lang="de-DE" sz="2400" dirty="0"/>
+          </a:p>
+        </p:txBody>
+      </p:sp>
+      <p:sp>
+        <p:nvSpPr>
+          <p:cNvPr id="4" name="Datumsplatzhalter 3"/>
+          <p:cNvSpPr>
+            <a:spLocks noGrp="1"/>
+          </p:cNvSpPr>
+          <p:nvPr>
+            <p:ph type="dt" sz="half" idx="10"/>
+          </p:nvPr>
+        </p:nvSpPr>
+        <p:spPr/>
+        <p:txBody>
+          <a:bodyPr/>
+          <a:lstStyle/>
+          <a:p>
+            <a:r>
+              <a:rPr lang="de-DE" smtClean="0"/>
+              <a:t>02.10.2015</a:t>
+            </a:r>
+            <a:endParaRPr lang="de-DE"/>
+          </a:p>
+        </p:txBody>
+      </p:sp>
+      <p:sp>
+        <p:nvSpPr>
+          <p:cNvPr id="5" name="Foliennummernplatzhalter 4"/>
+          <p:cNvSpPr>
+            <a:spLocks noGrp="1"/>
+          </p:cNvSpPr>
+          <p:nvPr>
+            <p:ph type="sldNum" sz="quarter" idx="12"/>
+          </p:nvPr>
+        </p:nvSpPr>
+        <p:spPr/>
+        <p:txBody>
+          <a:bodyPr/>
+          <a:lstStyle/>
+          <a:p>
+            <a:fld id="{AA18DD3B-6366-410C-8003-B36A9F3BD685}" type="slidenum">
+              <a:rPr lang="de-DE" smtClean="0"/>
+              <a:t>38</a:t>
+            </a:fld>
+            <a:endParaRPr lang="de-DE"/>
           </a:p>
         </p:txBody>
       </p:sp>
@@ -11320,7 +16346,7 @@
 </p:sld>
 </file>
 
-<file path=ppt/slides/slide32.xml><?xml version="1.0" encoding="utf-8"?>
+<file path=ppt/slides/slide39.xml><?xml version="1.0" encoding="utf-8"?>
 <p:sld xmlns:a="http://schemas.openxmlformats.org/drawingml/2006/main" xmlns:r="http://schemas.openxmlformats.org/officeDocument/2006/relationships" xmlns:p="http://schemas.openxmlformats.org/presentationml/2006/main">
   <p:cSld>
     <p:spTree>
@@ -11429,292 +16455,56 @@
           </a:p>
         </p:txBody>
       </p:sp>
+      <p:sp>
+        <p:nvSpPr>
+          <p:cNvPr id="4" name="Datumsplatzhalter 3"/>
+          <p:cNvSpPr>
+            <a:spLocks noGrp="1"/>
+          </p:cNvSpPr>
+          <p:nvPr>
+            <p:ph type="dt" sz="half" idx="10"/>
+          </p:nvPr>
+        </p:nvSpPr>
+        <p:spPr/>
+        <p:txBody>
+          <a:bodyPr/>
+          <a:lstStyle/>
+          <a:p>
+            <a:r>
+              <a:rPr lang="de-DE" smtClean="0"/>
+              <a:t>02.10.2015</a:t>
+            </a:r>
+            <a:endParaRPr lang="de-DE"/>
+          </a:p>
+        </p:txBody>
+      </p:sp>
+      <p:sp>
+        <p:nvSpPr>
+          <p:cNvPr id="5" name="Foliennummernplatzhalter 4"/>
+          <p:cNvSpPr>
+            <a:spLocks noGrp="1"/>
+          </p:cNvSpPr>
+          <p:nvPr>
+            <p:ph type="sldNum" sz="quarter" idx="12"/>
+          </p:nvPr>
+        </p:nvSpPr>
+        <p:spPr/>
+        <p:txBody>
+          <a:bodyPr/>
+          <a:lstStyle/>
+          <a:p>
+            <a:fld id="{AA18DD3B-6366-410C-8003-B36A9F3BD685}" type="slidenum">
+              <a:rPr lang="de-DE" smtClean="0"/>
+              <a:t>39</a:t>
+            </a:fld>
+            <a:endParaRPr lang="de-DE"/>
+          </a:p>
+        </p:txBody>
+      </p:sp>
     </p:spTree>
     <p:extLst>
       <p:ext uri="{BB962C8B-B14F-4D97-AF65-F5344CB8AC3E}">
         <p14:creationId xmlns:p14="http://schemas.microsoft.com/office/powerpoint/2010/main" val="480467576"/>
-      </p:ext>
-    </p:extLst>
-  </p:cSld>
-  <p:clrMapOvr>
-    <a:masterClrMapping/>
-  </p:clrMapOvr>
-  <p:timing>
-    <p:tnLst>
-      <p:par>
-        <p:cTn id="1" dur="indefinite" restart="never" nodeType="tmRoot"/>
-      </p:par>
-    </p:tnLst>
-  </p:timing>
-</p:sld>
-</file>
-
-<file path=ppt/slides/slide33.xml><?xml version="1.0" encoding="utf-8"?>
-<p:sld xmlns:a="http://schemas.openxmlformats.org/drawingml/2006/main" xmlns:r="http://schemas.openxmlformats.org/officeDocument/2006/relationships" xmlns:p="http://schemas.openxmlformats.org/presentationml/2006/main">
-  <p:cSld>
-    <p:spTree>
-      <p:nvGrpSpPr>
-        <p:cNvPr id="1" name=""/>
-        <p:cNvGrpSpPr/>
-        <p:nvPr/>
-      </p:nvGrpSpPr>
-      <p:grpSpPr>
-        <a:xfrm>
-          <a:off x="0" y="0"/>
-          <a:ext cx="0" cy="0"/>
-          <a:chOff x="0" y="0"/>
-          <a:chExt cx="0" cy="0"/>
-        </a:xfrm>
-      </p:grpSpPr>
-      <p:sp>
-        <p:nvSpPr>
-          <p:cNvPr id="2" name="Titel 1"/>
-          <p:cNvSpPr>
-            <a:spLocks noGrp="1"/>
-          </p:cNvSpPr>
-          <p:nvPr>
-            <p:ph type="title"/>
-          </p:nvPr>
-        </p:nvSpPr>
-        <p:spPr/>
-        <p:txBody>
-          <a:bodyPr/>
-          <a:lstStyle/>
-          <a:p>
-            <a:r>
-              <a:rPr lang="de-DE" dirty="0" smtClean="0"/>
-              <a:t>Das Größte Risiko</a:t>
-            </a:r>
-            <a:endParaRPr lang="de-DE" dirty="0"/>
-          </a:p>
-        </p:txBody>
-      </p:sp>
-      <p:sp>
-        <p:nvSpPr>
-          <p:cNvPr id="3" name="Inhaltsplatzhalter 2"/>
-          <p:cNvSpPr>
-            <a:spLocks noGrp="1"/>
-          </p:cNvSpPr>
-          <p:nvPr>
-            <p:ph idx="1"/>
-          </p:nvPr>
-        </p:nvSpPr>
-        <p:spPr/>
-        <p:txBody>
-          <a:bodyPr/>
-          <a:lstStyle/>
-          <a:p>
-            <a:r>
-              <a:rPr lang="de-DE" dirty="0" err="1" smtClean="0"/>
-              <a:t>Respawn</a:t>
-            </a:r>
-            <a:r>
-              <a:rPr lang="de-DE" dirty="0" smtClean="0"/>
-              <a:t> verläuft nicht Reibungslos</a:t>
-            </a:r>
-          </a:p>
-          <a:p>
-            <a:pPr lvl="1"/>
-            <a:r>
-              <a:rPr lang="de-DE" sz="2000" dirty="0" err="1" smtClean="0"/>
-              <a:t>Respawn</a:t>
-            </a:r>
-            <a:r>
-              <a:rPr lang="de-DE" sz="2000" dirty="0" smtClean="0"/>
-              <a:t> an falscher Position etc…</a:t>
-            </a:r>
-          </a:p>
-          <a:p>
-            <a:r>
-              <a:rPr lang="de-DE" dirty="0"/>
-              <a:t>Schadensberechnung verläuft falsch</a:t>
-            </a:r>
-          </a:p>
-          <a:p>
-            <a:pPr lvl="1"/>
-            <a:r>
-              <a:rPr lang="de-DE" sz="2000" dirty="0"/>
-              <a:t>Spieler bzw. KI nimmt zu schnell/ zu langsam </a:t>
-            </a:r>
-            <a:r>
-              <a:rPr lang="de-DE" sz="2000" dirty="0" smtClean="0"/>
-              <a:t>Schaden</a:t>
-            </a:r>
-            <a:endParaRPr lang="de-DE" dirty="0" smtClean="0"/>
-          </a:p>
-          <a:p>
-            <a:r>
-              <a:rPr lang="de-DE" dirty="0" smtClean="0"/>
-              <a:t>Kamera folgt dem Fahrzeug nicht richtig</a:t>
-            </a:r>
-          </a:p>
-          <a:p>
-            <a:r>
-              <a:rPr lang="de-DE" dirty="0" err="1" smtClean="0"/>
-              <a:t>Collisionsreaktion</a:t>
-            </a:r>
-            <a:r>
-              <a:rPr lang="de-DE" dirty="0" smtClean="0"/>
-              <a:t> ist zu stark</a:t>
-            </a:r>
-          </a:p>
-          <a:p>
-            <a:pPr lvl="1"/>
-            <a:r>
-              <a:rPr lang="de-DE" sz="2000" dirty="0" smtClean="0"/>
-              <a:t>Fahrzeug trifft auf „Kieselstein“ und überschlägt sich dreimal…</a:t>
-            </a:r>
-          </a:p>
-        </p:txBody>
-      </p:sp>
-    </p:spTree>
-    <p:extLst>
-      <p:ext uri="{BB962C8B-B14F-4D97-AF65-F5344CB8AC3E}">
-        <p14:creationId xmlns:p14="http://schemas.microsoft.com/office/powerpoint/2010/main" val="774270466"/>
-      </p:ext>
-    </p:extLst>
-  </p:cSld>
-  <p:clrMapOvr>
-    <a:masterClrMapping/>
-  </p:clrMapOvr>
-  <p:timing>
-    <p:tnLst>
-      <p:par>
-        <p:cTn id="1" dur="indefinite" restart="never" nodeType="tmRoot"/>
-      </p:par>
-    </p:tnLst>
-  </p:timing>
-</p:sld>
-</file>
-
-<file path=ppt/slides/slide34.xml><?xml version="1.0" encoding="utf-8"?>
-<p:sld xmlns:a="http://schemas.openxmlformats.org/drawingml/2006/main" xmlns:r="http://schemas.openxmlformats.org/officeDocument/2006/relationships" xmlns:p="http://schemas.openxmlformats.org/presentationml/2006/main">
-  <p:cSld>
-    <p:spTree>
-      <p:nvGrpSpPr>
-        <p:cNvPr id="1" name=""/>
-        <p:cNvGrpSpPr/>
-        <p:nvPr/>
-      </p:nvGrpSpPr>
-      <p:grpSpPr>
-        <a:xfrm>
-          <a:off x="0" y="0"/>
-          <a:ext cx="0" cy="0"/>
-          <a:chOff x="0" y="0"/>
-          <a:chExt cx="0" cy="0"/>
-        </a:xfrm>
-      </p:grpSpPr>
-      <p:sp>
-        <p:nvSpPr>
-          <p:cNvPr id="2" name="Titel 1"/>
-          <p:cNvSpPr>
-            <a:spLocks noGrp="1"/>
-          </p:cNvSpPr>
-          <p:nvPr>
-            <p:ph type="title"/>
-          </p:nvPr>
-        </p:nvSpPr>
-        <p:spPr/>
-        <p:txBody>
-          <a:bodyPr/>
-          <a:lstStyle/>
-          <a:p>
-            <a:r>
-              <a:rPr lang="de-DE" dirty="0" smtClean="0"/>
-              <a:t>Quellen</a:t>
-            </a:r>
-            <a:endParaRPr lang="de-DE" dirty="0"/>
-          </a:p>
-        </p:txBody>
-      </p:sp>
-      <p:sp>
-        <p:nvSpPr>
-          <p:cNvPr id="3" name="Inhaltsplatzhalter 2"/>
-          <p:cNvSpPr>
-            <a:spLocks noGrp="1"/>
-          </p:cNvSpPr>
-          <p:nvPr>
-            <p:ph idx="1"/>
-          </p:nvPr>
-        </p:nvSpPr>
-        <p:spPr/>
-        <p:txBody>
-          <a:bodyPr/>
-          <a:lstStyle/>
-          <a:p>
-            <a:r>
-              <a:rPr lang="de-DE" dirty="0" smtClean="0"/>
-              <a:t>Bilder</a:t>
-            </a:r>
-          </a:p>
-          <a:p>
-            <a:pPr lvl="1"/>
-            <a:r>
-              <a:rPr lang="de-DE" dirty="0" smtClean="0">
-                <a:hlinkClick r:id="rId2"/>
-              </a:rPr>
-              <a:t>http</a:t>
-            </a:r>
-            <a:r>
-              <a:rPr lang="de-DE" dirty="0">
-                <a:hlinkClick r:id="rId2"/>
-              </a:rPr>
-              <a:t>://</a:t>
-            </a:r>
-            <a:r>
-              <a:rPr lang="de-DE" dirty="0" smtClean="0">
-                <a:hlinkClick r:id="rId2"/>
-              </a:rPr>
-              <a:t>img.netupd8.com/supertuxkart-0.8-gnu-tux.png</a:t>
-            </a:r>
-            <a:endParaRPr lang="de-DE" dirty="0" smtClean="0"/>
-          </a:p>
-          <a:p>
-            <a:pPr lvl="1"/>
-            <a:r>
-              <a:rPr lang="de-DE" dirty="0">
-                <a:hlinkClick r:id="rId3"/>
-              </a:rPr>
-              <a:t>http://</a:t>
-            </a:r>
-            <a:r>
-              <a:rPr lang="de-DE" dirty="0" smtClean="0">
-                <a:hlinkClick r:id="rId3"/>
-              </a:rPr>
-              <a:t>zachbussey.com/wp-content/uploads/2010/12/Tron-Light-Bike-Race.jpg</a:t>
-            </a:r>
-            <a:endParaRPr lang="de-DE" dirty="0" smtClean="0"/>
-          </a:p>
-          <a:p>
-            <a:pPr lvl="1"/>
-            <a:r>
-              <a:rPr lang="de-DE" dirty="0">
-                <a:hlinkClick r:id="rId4"/>
-              </a:rPr>
-              <a:t>http://</a:t>
-            </a:r>
-            <a:r>
-              <a:rPr lang="de-DE" dirty="0" smtClean="0">
-                <a:hlinkClick r:id="rId4"/>
-              </a:rPr>
-              <a:t>mediang.gameswelt.net/public/images/201208/678ff77a1d8922d6941766113bdd1a3b.jpg</a:t>
-            </a:r>
-            <a:endParaRPr lang="de-DE" dirty="0" smtClean="0"/>
-          </a:p>
-          <a:p>
-            <a:pPr lvl="1"/>
-            <a:endParaRPr lang="de-DE" dirty="0" smtClean="0"/>
-          </a:p>
-          <a:p>
-            <a:pPr lvl="1"/>
-            <a:endParaRPr lang="de-DE" dirty="0"/>
-          </a:p>
-        </p:txBody>
-      </p:sp>
-    </p:spTree>
-    <p:extLst>
-      <p:ext uri="{BB962C8B-B14F-4D97-AF65-F5344CB8AC3E}">
-        <p14:creationId xmlns:p14="http://schemas.microsoft.com/office/powerpoint/2010/main" val="2800203170"/>
       </p:ext>
     </p:extLst>
   </p:cSld>
@@ -11778,10 +16568,430 @@
           </a:p>
         </p:txBody>
       </p:sp>
+      <p:sp>
+        <p:nvSpPr>
+          <p:cNvPr id="3" name="Datumsplatzhalter 2"/>
+          <p:cNvSpPr>
+            <a:spLocks noGrp="1"/>
+          </p:cNvSpPr>
+          <p:nvPr>
+            <p:ph type="dt" sz="half" idx="10"/>
+          </p:nvPr>
+        </p:nvSpPr>
+        <p:spPr/>
+        <p:txBody>
+          <a:bodyPr/>
+          <a:lstStyle/>
+          <a:p>
+            <a:r>
+              <a:rPr lang="de-DE" smtClean="0"/>
+              <a:t>02.10.2015</a:t>
+            </a:r>
+            <a:endParaRPr lang="de-DE"/>
+          </a:p>
+        </p:txBody>
+      </p:sp>
+      <p:sp>
+        <p:nvSpPr>
+          <p:cNvPr id="4" name="Foliennummernplatzhalter 3"/>
+          <p:cNvSpPr>
+            <a:spLocks noGrp="1"/>
+          </p:cNvSpPr>
+          <p:nvPr>
+            <p:ph type="sldNum" sz="quarter" idx="12"/>
+          </p:nvPr>
+        </p:nvSpPr>
+        <p:spPr/>
+        <p:txBody>
+          <a:bodyPr/>
+          <a:lstStyle/>
+          <a:p>
+            <a:fld id="{AA18DD3B-6366-410C-8003-B36A9F3BD685}" type="slidenum">
+              <a:rPr lang="de-DE" smtClean="0"/>
+              <a:t>4</a:t>
+            </a:fld>
+            <a:endParaRPr lang="de-DE"/>
+          </a:p>
+        </p:txBody>
+      </p:sp>
     </p:spTree>
     <p:extLst>
       <p:ext uri="{BB962C8B-B14F-4D97-AF65-F5344CB8AC3E}">
         <p14:creationId xmlns:p14="http://schemas.microsoft.com/office/powerpoint/2010/main" val="3785094527"/>
+      </p:ext>
+    </p:extLst>
+  </p:cSld>
+  <p:clrMapOvr>
+    <a:masterClrMapping/>
+  </p:clrMapOvr>
+  <p:timing>
+    <p:tnLst>
+      <p:par>
+        <p:cTn id="1" dur="indefinite" restart="never" nodeType="tmRoot"/>
+      </p:par>
+    </p:tnLst>
+  </p:timing>
+</p:sld>
+</file>
+
+<file path=ppt/slides/slide40.xml><?xml version="1.0" encoding="utf-8"?>
+<p:sld xmlns:a="http://schemas.openxmlformats.org/drawingml/2006/main" xmlns:r="http://schemas.openxmlformats.org/officeDocument/2006/relationships" xmlns:p="http://schemas.openxmlformats.org/presentationml/2006/main">
+  <p:cSld>
+    <p:spTree>
+      <p:nvGrpSpPr>
+        <p:cNvPr id="1" name=""/>
+        <p:cNvGrpSpPr/>
+        <p:nvPr/>
+      </p:nvGrpSpPr>
+      <p:grpSpPr>
+        <a:xfrm>
+          <a:off x="0" y="0"/>
+          <a:ext cx="0" cy="0"/>
+          <a:chOff x="0" y="0"/>
+          <a:chExt cx="0" cy="0"/>
+        </a:xfrm>
+      </p:grpSpPr>
+      <p:sp>
+        <p:nvSpPr>
+          <p:cNvPr id="2" name="Titel 1"/>
+          <p:cNvSpPr>
+            <a:spLocks noGrp="1"/>
+          </p:cNvSpPr>
+          <p:nvPr>
+            <p:ph type="title"/>
+          </p:nvPr>
+        </p:nvSpPr>
+        <p:spPr/>
+        <p:txBody>
+          <a:bodyPr/>
+          <a:lstStyle/>
+          <a:p>
+            <a:r>
+              <a:rPr lang="de-DE" dirty="0" smtClean="0"/>
+              <a:t>Das Größte Risiko</a:t>
+            </a:r>
+            <a:endParaRPr lang="de-DE" dirty="0"/>
+          </a:p>
+        </p:txBody>
+      </p:sp>
+      <p:sp>
+        <p:nvSpPr>
+          <p:cNvPr id="3" name="Inhaltsplatzhalter 2"/>
+          <p:cNvSpPr>
+            <a:spLocks noGrp="1"/>
+          </p:cNvSpPr>
+          <p:nvPr>
+            <p:ph idx="1"/>
+          </p:nvPr>
+        </p:nvSpPr>
+        <p:spPr/>
+        <p:txBody>
+          <a:bodyPr/>
+          <a:lstStyle/>
+          <a:p>
+            <a:r>
+              <a:rPr lang="de-DE" dirty="0" err="1" smtClean="0"/>
+              <a:t>Respawn</a:t>
+            </a:r>
+            <a:r>
+              <a:rPr lang="de-DE" dirty="0" smtClean="0"/>
+              <a:t> verläuft nicht Reibungslos</a:t>
+            </a:r>
+          </a:p>
+          <a:p>
+            <a:pPr lvl="1"/>
+            <a:r>
+              <a:rPr lang="de-DE" sz="2000" dirty="0" err="1" smtClean="0"/>
+              <a:t>Respawn</a:t>
+            </a:r>
+            <a:r>
+              <a:rPr lang="de-DE" sz="2000" dirty="0" smtClean="0"/>
+              <a:t> an falscher Position etc…</a:t>
+            </a:r>
+          </a:p>
+          <a:p>
+            <a:r>
+              <a:rPr lang="de-DE" dirty="0"/>
+              <a:t>Schadensberechnung verläuft falsch</a:t>
+            </a:r>
+          </a:p>
+          <a:p>
+            <a:pPr lvl="1"/>
+            <a:r>
+              <a:rPr lang="de-DE" sz="2000" dirty="0"/>
+              <a:t>Spieler bzw. KI nimmt zu schnell/ zu langsam </a:t>
+            </a:r>
+            <a:r>
+              <a:rPr lang="de-DE" sz="2000" dirty="0" smtClean="0"/>
+              <a:t>Schaden</a:t>
+            </a:r>
+            <a:endParaRPr lang="de-DE" dirty="0" smtClean="0"/>
+          </a:p>
+          <a:p>
+            <a:r>
+              <a:rPr lang="de-DE" dirty="0" smtClean="0"/>
+              <a:t>Kamera folgt dem Fahrzeug nicht richtig</a:t>
+            </a:r>
+          </a:p>
+          <a:p>
+            <a:r>
+              <a:rPr lang="de-DE" dirty="0" err="1" smtClean="0"/>
+              <a:t>Collisionsreaktion</a:t>
+            </a:r>
+            <a:r>
+              <a:rPr lang="de-DE" dirty="0" smtClean="0"/>
+              <a:t> ist zu stark</a:t>
+            </a:r>
+          </a:p>
+          <a:p>
+            <a:pPr lvl="1"/>
+            <a:r>
+              <a:rPr lang="de-DE" sz="2000" dirty="0" smtClean="0"/>
+              <a:t>Fahrzeug trifft auf „Kieselstein“ und überschlägt sich dreimal…</a:t>
+            </a:r>
+          </a:p>
+        </p:txBody>
+      </p:sp>
+      <p:sp>
+        <p:nvSpPr>
+          <p:cNvPr id="4" name="Datumsplatzhalter 3"/>
+          <p:cNvSpPr>
+            <a:spLocks noGrp="1"/>
+          </p:cNvSpPr>
+          <p:nvPr>
+            <p:ph type="dt" sz="half" idx="10"/>
+          </p:nvPr>
+        </p:nvSpPr>
+        <p:spPr/>
+        <p:txBody>
+          <a:bodyPr/>
+          <a:lstStyle/>
+          <a:p>
+            <a:r>
+              <a:rPr lang="de-DE" smtClean="0"/>
+              <a:t>02.10.2015</a:t>
+            </a:r>
+            <a:endParaRPr lang="de-DE"/>
+          </a:p>
+        </p:txBody>
+      </p:sp>
+      <p:sp>
+        <p:nvSpPr>
+          <p:cNvPr id="5" name="Foliennummernplatzhalter 4"/>
+          <p:cNvSpPr>
+            <a:spLocks noGrp="1"/>
+          </p:cNvSpPr>
+          <p:nvPr>
+            <p:ph type="sldNum" sz="quarter" idx="12"/>
+          </p:nvPr>
+        </p:nvSpPr>
+        <p:spPr/>
+        <p:txBody>
+          <a:bodyPr/>
+          <a:lstStyle/>
+          <a:p>
+            <a:fld id="{AA18DD3B-6366-410C-8003-B36A9F3BD685}" type="slidenum">
+              <a:rPr lang="de-DE" smtClean="0"/>
+              <a:t>40</a:t>
+            </a:fld>
+            <a:endParaRPr lang="de-DE"/>
+          </a:p>
+        </p:txBody>
+      </p:sp>
+    </p:spTree>
+    <p:extLst>
+      <p:ext uri="{BB962C8B-B14F-4D97-AF65-F5344CB8AC3E}">
+        <p14:creationId xmlns:p14="http://schemas.microsoft.com/office/powerpoint/2010/main" val="774270466"/>
+      </p:ext>
+    </p:extLst>
+  </p:cSld>
+  <p:clrMapOvr>
+    <a:masterClrMapping/>
+  </p:clrMapOvr>
+  <p:timing>
+    <p:tnLst>
+      <p:par>
+        <p:cTn id="1" dur="indefinite" restart="never" nodeType="tmRoot"/>
+      </p:par>
+    </p:tnLst>
+  </p:timing>
+</p:sld>
+</file>
+
+<file path=ppt/slides/slide41.xml><?xml version="1.0" encoding="utf-8"?>
+<p:sld xmlns:a="http://schemas.openxmlformats.org/drawingml/2006/main" xmlns:r="http://schemas.openxmlformats.org/officeDocument/2006/relationships" xmlns:p="http://schemas.openxmlformats.org/presentationml/2006/main">
+  <p:cSld>
+    <p:spTree>
+      <p:nvGrpSpPr>
+        <p:cNvPr id="1" name=""/>
+        <p:cNvGrpSpPr/>
+        <p:nvPr/>
+      </p:nvGrpSpPr>
+      <p:grpSpPr>
+        <a:xfrm>
+          <a:off x="0" y="0"/>
+          <a:ext cx="0" cy="0"/>
+          <a:chOff x="0" y="0"/>
+          <a:chExt cx="0" cy="0"/>
+        </a:xfrm>
+      </p:grpSpPr>
+      <p:sp>
+        <p:nvSpPr>
+          <p:cNvPr id="2" name="Titel 1"/>
+          <p:cNvSpPr>
+            <a:spLocks noGrp="1"/>
+          </p:cNvSpPr>
+          <p:nvPr>
+            <p:ph type="title"/>
+          </p:nvPr>
+        </p:nvSpPr>
+        <p:spPr/>
+        <p:txBody>
+          <a:bodyPr/>
+          <a:lstStyle/>
+          <a:p>
+            <a:r>
+              <a:rPr lang="de-DE" dirty="0" smtClean="0"/>
+              <a:t>Quellen</a:t>
+            </a:r>
+            <a:endParaRPr lang="de-DE" dirty="0"/>
+          </a:p>
+        </p:txBody>
+      </p:sp>
+      <p:sp>
+        <p:nvSpPr>
+          <p:cNvPr id="3" name="Inhaltsplatzhalter 2"/>
+          <p:cNvSpPr>
+            <a:spLocks noGrp="1"/>
+          </p:cNvSpPr>
+          <p:nvPr>
+            <p:ph idx="1"/>
+          </p:nvPr>
+        </p:nvSpPr>
+        <p:spPr/>
+        <p:txBody>
+          <a:bodyPr/>
+          <a:lstStyle/>
+          <a:p>
+            <a:r>
+              <a:rPr lang="de-DE" dirty="0" smtClean="0"/>
+              <a:t>Bilder</a:t>
+            </a:r>
+          </a:p>
+          <a:p>
+            <a:pPr lvl="1"/>
+            <a:r>
+              <a:rPr lang="de-DE" dirty="0" smtClean="0">
+                <a:hlinkClick r:id="rId2"/>
+              </a:rPr>
+              <a:t>http</a:t>
+            </a:r>
+            <a:r>
+              <a:rPr lang="de-DE" dirty="0">
+                <a:hlinkClick r:id="rId2"/>
+              </a:rPr>
+              <a:t>://</a:t>
+            </a:r>
+            <a:r>
+              <a:rPr lang="de-DE" dirty="0" smtClean="0">
+                <a:hlinkClick r:id="rId2"/>
+              </a:rPr>
+              <a:t>img.netupd8.com/supertuxkart-0.8-gnu-tux.png</a:t>
+            </a:r>
+            <a:endParaRPr lang="de-DE" dirty="0" smtClean="0"/>
+          </a:p>
+          <a:p>
+            <a:pPr lvl="1"/>
+            <a:r>
+              <a:rPr lang="de-DE" dirty="0">
+                <a:hlinkClick r:id="rId3"/>
+              </a:rPr>
+              <a:t>http://</a:t>
+            </a:r>
+            <a:r>
+              <a:rPr lang="de-DE" dirty="0" smtClean="0">
+                <a:hlinkClick r:id="rId3"/>
+              </a:rPr>
+              <a:t>zachbussey.com/wp-content/uploads/2010/12/Tron-Light-Bike-Race.jpg</a:t>
+            </a:r>
+            <a:endParaRPr lang="de-DE" dirty="0" smtClean="0"/>
+          </a:p>
+          <a:p>
+            <a:pPr lvl="1"/>
+            <a:r>
+              <a:rPr lang="de-DE" dirty="0">
+                <a:hlinkClick r:id="rId4"/>
+              </a:rPr>
+              <a:t>http://</a:t>
+            </a:r>
+            <a:r>
+              <a:rPr lang="de-DE" dirty="0" smtClean="0">
+                <a:hlinkClick r:id="rId4"/>
+              </a:rPr>
+              <a:t>mediang.gameswelt.net/public/images/201208/678ff77a1d8922d6941766113bdd1a3b.jpg</a:t>
+            </a:r>
+            <a:endParaRPr lang="de-DE" dirty="0" smtClean="0"/>
+          </a:p>
+          <a:p>
+            <a:pPr lvl="1"/>
+            <a:endParaRPr lang="de-DE" dirty="0" smtClean="0"/>
+          </a:p>
+          <a:p>
+            <a:pPr lvl="1"/>
+            <a:endParaRPr lang="de-DE" dirty="0"/>
+          </a:p>
+        </p:txBody>
+      </p:sp>
+      <p:sp>
+        <p:nvSpPr>
+          <p:cNvPr id="4" name="Datumsplatzhalter 3"/>
+          <p:cNvSpPr>
+            <a:spLocks noGrp="1"/>
+          </p:cNvSpPr>
+          <p:nvPr>
+            <p:ph type="dt" sz="half" idx="10"/>
+          </p:nvPr>
+        </p:nvSpPr>
+        <p:spPr/>
+        <p:txBody>
+          <a:bodyPr/>
+          <a:lstStyle/>
+          <a:p>
+            <a:r>
+              <a:rPr lang="de-DE" smtClean="0"/>
+              <a:t>02.10.2015</a:t>
+            </a:r>
+            <a:endParaRPr lang="de-DE"/>
+          </a:p>
+        </p:txBody>
+      </p:sp>
+      <p:sp>
+        <p:nvSpPr>
+          <p:cNvPr id="5" name="Foliennummernplatzhalter 4"/>
+          <p:cNvSpPr>
+            <a:spLocks noGrp="1"/>
+          </p:cNvSpPr>
+          <p:nvPr>
+            <p:ph type="sldNum" sz="quarter" idx="12"/>
+          </p:nvPr>
+        </p:nvSpPr>
+        <p:spPr/>
+        <p:txBody>
+          <a:bodyPr/>
+          <a:lstStyle/>
+          <a:p>
+            <a:fld id="{AA18DD3B-6366-410C-8003-B36A9F3BD685}" type="slidenum">
+              <a:rPr lang="de-DE" smtClean="0"/>
+              <a:t>41</a:t>
+            </a:fld>
+            <a:endParaRPr lang="de-DE"/>
+          </a:p>
+        </p:txBody>
+      </p:sp>
+    </p:spTree>
+    <p:extLst>
+      <p:ext uri="{BB962C8B-B14F-4D97-AF65-F5344CB8AC3E}">
+        <p14:creationId xmlns:p14="http://schemas.microsoft.com/office/powerpoint/2010/main" val="2800203170"/>
       </p:ext>
     </p:extLst>
   </p:cSld>
@@ -11846,6 +17056,52 @@
               <a:t> Video</a:t>
             </a:r>
             <a:endParaRPr lang="de-DE" sz="3200" dirty="0"/>
+          </a:p>
+        </p:txBody>
+      </p:sp>
+      <p:sp>
+        <p:nvSpPr>
+          <p:cNvPr id="3" name="Datumsplatzhalter 2"/>
+          <p:cNvSpPr>
+            <a:spLocks noGrp="1"/>
+          </p:cNvSpPr>
+          <p:nvPr>
+            <p:ph type="dt" sz="half" idx="10"/>
+          </p:nvPr>
+        </p:nvSpPr>
+        <p:spPr/>
+        <p:txBody>
+          <a:bodyPr/>
+          <a:lstStyle/>
+          <a:p>
+            <a:r>
+              <a:rPr lang="de-DE" smtClean="0"/>
+              <a:t>02.10.2015</a:t>
+            </a:r>
+            <a:endParaRPr lang="de-DE"/>
+          </a:p>
+        </p:txBody>
+      </p:sp>
+      <p:sp>
+        <p:nvSpPr>
+          <p:cNvPr id="4" name="Foliennummernplatzhalter 3"/>
+          <p:cNvSpPr>
+            <a:spLocks noGrp="1"/>
+          </p:cNvSpPr>
+          <p:nvPr>
+            <p:ph type="sldNum" sz="quarter" idx="12"/>
+          </p:nvPr>
+        </p:nvSpPr>
+        <p:spPr/>
+        <p:txBody>
+          <a:bodyPr/>
+          <a:lstStyle/>
+          <a:p>
+            <a:fld id="{AA18DD3B-6366-410C-8003-B36A9F3BD685}" type="slidenum">
+              <a:rPr lang="de-DE" smtClean="0"/>
+              <a:t>5</a:t>
+            </a:fld>
+            <a:endParaRPr lang="de-DE"/>
           </a:p>
         </p:txBody>
       </p:sp>
@@ -11916,6 +17172,52 @@
           </a:p>
         </p:txBody>
       </p:sp>
+      <p:sp>
+        <p:nvSpPr>
+          <p:cNvPr id="3" name="Datumsplatzhalter 2"/>
+          <p:cNvSpPr>
+            <a:spLocks noGrp="1"/>
+          </p:cNvSpPr>
+          <p:nvPr>
+            <p:ph type="dt" sz="half" idx="10"/>
+          </p:nvPr>
+        </p:nvSpPr>
+        <p:spPr/>
+        <p:txBody>
+          <a:bodyPr/>
+          <a:lstStyle/>
+          <a:p>
+            <a:r>
+              <a:rPr lang="de-DE" smtClean="0"/>
+              <a:t>02.10.2015</a:t>
+            </a:r>
+            <a:endParaRPr lang="de-DE"/>
+          </a:p>
+        </p:txBody>
+      </p:sp>
+      <p:sp>
+        <p:nvSpPr>
+          <p:cNvPr id="4" name="Foliennummernplatzhalter 3"/>
+          <p:cNvSpPr>
+            <a:spLocks noGrp="1"/>
+          </p:cNvSpPr>
+          <p:nvPr>
+            <p:ph type="sldNum" sz="quarter" idx="12"/>
+          </p:nvPr>
+        </p:nvSpPr>
+        <p:spPr/>
+        <p:txBody>
+          <a:bodyPr/>
+          <a:lstStyle/>
+          <a:p>
+            <a:fld id="{AA18DD3B-6366-410C-8003-B36A9F3BD685}" type="slidenum">
+              <a:rPr lang="de-DE" smtClean="0"/>
+              <a:t>6</a:t>
+            </a:fld>
+            <a:endParaRPr lang="de-DE"/>
+          </a:p>
+        </p:txBody>
+      </p:sp>
     </p:spTree>
     <p:extLst>
       <p:ext uri="{BB962C8B-B14F-4D97-AF65-F5344CB8AC3E}">
@@ -12337,6 +17639,52 @@
           </a:p>
         </p:txBody>
       </p:sp>
+      <p:sp>
+        <p:nvSpPr>
+          <p:cNvPr id="6" name="Datumsplatzhalter 5"/>
+          <p:cNvSpPr>
+            <a:spLocks noGrp="1"/>
+          </p:cNvSpPr>
+          <p:nvPr>
+            <p:ph type="dt" sz="half" idx="10"/>
+          </p:nvPr>
+        </p:nvSpPr>
+        <p:spPr/>
+        <p:txBody>
+          <a:bodyPr/>
+          <a:lstStyle/>
+          <a:p>
+            <a:r>
+              <a:rPr lang="de-DE" smtClean="0"/>
+              <a:t>02.10.2015</a:t>
+            </a:r>
+            <a:endParaRPr lang="de-DE"/>
+          </a:p>
+        </p:txBody>
+      </p:sp>
+      <p:sp>
+        <p:nvSpPr>
+          <p:cNvPr id="7" name="Foliennummernplatzhalter 6"/>
+          <p:cNvSpPr>
+            <a:spLocks noGrp="1"/>
+          </p:cNvSpPr>
+          <p:nvPr>
+            <p:ph type="sldNum" sz="quarter" idx="12"/>
+          </p:nvPr>
+        </p:nvSpPr>
+        <p:spPr/>
+        <p:txBody>
+          <a:bodyPr/>
+          <a:lstStyle/>
+          <a:p>
+            <a:fld id="{AA18DD3B-6366-410C-8003-B36A9F3BD685}" type="slidenum">
+              <a:rPr lang="de-DE" smtClean="0"/>
+              <a:t>7</a:t>
+            </a:fld>
+            <a:endParaRPr lang="de-DE"/>
+          </a:p>
+        </p:txBody>
+      </p:sp>
     </p:spTree>
     <p:extLst>
       <p:ext uri="{BB962C8B-B14F-4D97-AF65-F5344CB8AC3E}">
@@ -12850,6 +18198,52 @@
           </a:p>
         </p:txBody>
       </p:sp>
+      <p:sp>
+        <p:nvSpPr>
+          <p:cNvPr id="5" name="Datumsplatzhalter 4"/>
+          <p:cNvSpPr>
+            <a:spLocks noGrp="1"/>
+          </p:cNvSpPr>
+          <p:nvPr>
+            <p:ph type="dt" sz="half" idx="10"/>
+          </p:nvPr>
+        </p:nvSpPr>
+        <p:spPr/>
+        <p:txBody>
+          <a:bodyPr/>
+          <a:lstStyle/>
+          <a:p>
+            <a:r>
+              <a:rPr lang="de-DE" smtClean="0"/>
+              <a:t>02.10.2015</a:t>
+            </a:r>
+            <a:endParaRPr lang="de-DE"/>
+          </a:p>
+        </p:txBody>
+      </p:sp>
+      <p:sp>
+        <p:nvSpPr>
+          <p:cNvPr id="7" name="Foliennummernplatzhalter 6"/>
+          <p:cNvSpPr>
+            <a:spLocks noGrp="1"/>
+          </p:cNvSpPr>
+          <p:nvPr>
+            <p:ph type="sldNum" sz="quarter" idx="12"/>
+          </p:nvPr>
+        </p:nvSpPr>
+        <p:spPr/>
+        <p:txBody>
+          <a:bodyPr/>
+          <a:lstStyle/>
+          <a:p>
+            <a:fld id="{AA18DD3B-6366-410C-8003-B36A9F3BD685}" type="slidenum">
+              <a:rPr lang="de-DE" smtClean="0"/>
+              <a:t>8</a:t>
+            </a:fld>
+            <a:endParaRPr lang="de-DE"/>
+          </a:p>
+        </p:txBody>
+      </p:sp>
     </p:spTree>
     <p:extLst>
       <p:ext uri="{BB962C8B-B14F-4D97-AF65-F5344CB8AC3E}">
@@ -12911,11 +18305,7 @@
             </a:br>
             <a:r>
               <a:rPr lang="de-DE" sz="3200" dirty="0" smtClean="0"/>
-              <a:t>Power </a:t>
-            </a:r>
-            <a:r>
-              <a:rPr lang="de-DE" sz="3200" dirty="0" err="1" smtClean="0"/>
-              <a:t>Ups</a:t>
+              <a:t>Umwelt</a:t>
             </a:r>
             <a:endParaRPr lang="de-DE" sz="3200" dirty="0"/>
           </a:p>
@@ -12946,18 +18336,14 @@
             <a:pPr algn="just"/>
             <a:r>
               <a:rPr lang="de-DE" dirty="0" smtClean="0"/>
-              <a:t>Erste Pläne</a:t>
+              <a:t>Endergebnis</a:t>
             </a:r>
           </a:p>
           <a:p>
             <a:pPr lvl="1" algn="just"/>
             <a:r>
               <a:rPr lang="de-DE" dirty="0" smtClean="0"/>
-              <a:t>Kampf Power </a:t>
-            </a:r>
-            <a:r>
-              <a:rPr lang="de-DE" dirty="0" err="1" smtClean="0"/>
-              <a:t>Ups</a:t>
+              <a:t>Galaktische Space Strecke</a:t>
             </a:r>
             <a:endParaRPr lang="de-DE" dirty="0" smtClean="0"/>
           </a:p>
@@ -12973,8 +18359,8 @@
         </p:nvSpPr>
         <p:spPr bwMode="auto">
           <a:xfrm>
-            <a:off x="7806519" y="2711198"/>
-            <a:ext cx="4012441" cy="1451370"/>
+            <a:off x="7806519" y="2711197"/>
+            <a:ext cx="4012441" cy="3061806"/>
           </a:xfrm>
           <a:prstGeom prst="rect">
             <a:avLst/>
@@ -13166,58 +18552,50 @@
             <a:pPr algn="just"/>
             <a:r>
               <a:rPr lang="de-DE" sz="2400" dirty="0" smtClean="0"/>
-              <a:t>Probleme</a:t>
-            </a:r>
+              <a:t>Anmerkung</a:t>
+            </a:r>
+            <a:endParaRPr lang="de-DE" sz="1200" dirty="0"/>
           </a:p>
           <a:p>
             <a:pPr lvl="1" algn="just"/>
             <a:r>
-              <a:rPr lang="de-DE" sz="2000" dirty="0" err="1" smtClean="0"/>
-              <a:t>Collisions</a:t>
-            </a:r>
-            <a:r>
-              <a:rPr lang="de-DE" sz="2000" dirty="0"/>
-              <a:t> </a:t>
-            </a:r>
-            <a:r>
-              <a:rPr lang="de-DE" sz="2000" dirty="0" err="1" smtClean="0"/>
-              <a:t>Detection</a:t>
+              <a:rPr lang="de-DE" sz="2000" dirty="0" smtClean="0"/>
+              <a:t>Leider lassen sich die Modelle und Texturen nur online anzeigen. Weil die Browser den Code sperren.</a:t>
+            </a:r>
+          </a:p>
+          <a:p>
+            <a:pPr lvl="1" algn="just"/>
+            <a:r>
+              <a:rPr lang="de-DE" sz="2000" dirty="0" smtClean="0"/>
+              <a:t>Wir konnten keine Lösung für dieses Problem finden, weil es kein aussagekräftiges Tutorial oder Wiki gab.</a:t>
             </a:r>
             <a:endParaRPr lang="de-DE" sz="2000" dirty="0" smtClean="0"/>
-          </a:p>
-          <a:p>
-            <a:pPr lvl="1" algn="just"/>
-            <a:r>
-              <a:rPr lang="de-DE" sz="2000" dirty="0" smtClean="0"/>
-              <a:t>Aktivierung</a:t>
-            </a:r>
           </a:p>
         </p:txBody>
       </p:sp>
       <p:pic>
         <p:nvPicPr>
-          <p:cNvPr id="2050" name="Picture 2"/>
+          <p:cNvPr id="2050" name="Picture 2" descr="D:\Nils\Desktop\Tron-Light-Bike-Race.jpg"/>
           <p:cNvPicPr>
             <a:picLocks noChangeAspect="1" noChangeArrowheads="1"/>
           </p:cNvPicPr>
           <p:nvPr/>
         </p:nvPicPr>
-        <p:blipFill>
-          <a:blip r:embed="rId2">
+        <p:blipFill rotWithShape="1">
+          <a:blip r:embed="rId2" cstate="print">
             <a:extLst>
               <a:ext uri="{28A0092B-C50C-407E-A947-70E740481C1C}">
                 <a14:useLocalDpi xmlns:a14="http://schemas.microsoft.com/office/drawing/2010/main" val="0"/>
               </a:ext>
             </a:extLst>
           </a:blip>
-          <a:stretch>
-            <a:fillRect/>
-          </a:stretch>
+          <a:srcRect l="6322" r="16490"/>
+          <a:stretch/>
         </p:blipFill>
         <p:spPr bwMode="auto">
           <a:xfrm>
-            <a:off x="1435251" y="3794078"/>
-            <a:ext cx="3832785" cy="2593071"/>
+            <a:off x="1435251" y="3698545"/>
+            <a:ext cx="3832785" cy="2682092"/>
           </a:xfrm>
           <a:prstGeom prst="rect">
             <a:avLst/>
@@ -13242,8 +18620,8 @@
         </p:nvSpPr>
         <p:spPr>
           <a:xfrm>
-            <a:off x="1460314" y="6387149"/>
-            <a:ext cx="2920617" cy="369332"/>
+            <a:off x="1460315" y="6387149"/>
+            <a:ext cx="4353632" cy="369332"/>
           </a:xfrm>
           <a:prstGeom prst="rect">
             <a:avLst/>
@@ -13258,20 +18636,86 @@
           <a:p>
             <a:r>
               <a:rPr lang="de-DE" dirty="0" smtClean="0"/>
-              <a:t>Screenshot - </a:t>
+              <a:t>Screenshot – </a:t>
             </a:r>
             <a:r>
               <a:rPr lang="de-DE" dirty="0" err="1" smtClean="0"/>
-              <a:t>LittleBigPlanet</a:t>
+              <a:t>Race</a:t>
+            </a:r>
+            <a:r>
+              <a:rPr lang="de-DE" dirty="0" smtClean="0"/>
+              <a:t> </a:t>
+            </a:r>
+            <a:r>
+              <a:rPr lang="de-DE" dirty="0" err="1" smtClean="0"/>
+              <a:t>Of</a:t>
+            </a:r>
+            <a:r>
+              <a:rPr lang="de-DE" dirty="0" smtClean="0"/>
+              <a:t> </a:t>
+            </a:r>
+            <a:r>
+              <a:rPr lang="de-DE" dirty="0" err="1" smtClean="0"/>
+              <a:t>DeaS</a:t>
+            </a:r>
+            <a:r>
+              <a:rPr lang="de-DE" dirty="0" smtClean="0"/>
+              <a:t> (Final Version)</a:t>
             </a:r>
             <a:endParaRPr lang="de-DE" dirty="0"/>
+          </a:p>
+        </p:txBody>
+      </p:sp>
+      <p:sp>
+        <p:nvSpPr>
+          <p:cNvPr id="5" name="Datumsplatzhalter 4"/>
+          <p:cNvSpPr>
+            <a:spLocks noGrp="1"/>
+          </p:cNvSpPr>
+          <p:nvPr>
+            <p:ph type="dt" sz="half" idx="10"/>
+          </p:nvPr>
+        </p:nvSpPr>
+        <p:spPr/>
+        <p:txBody>
+          <a:bodyPr/>
+          <a:lstStyle/>
+          <a:p>
+            <a:r>
+              <a:rPr lang="de-DE" smtClean="0"/>
+              <a:t>02.10.2015</a:t>
+            </a:r>
+            <a:endParaRPr lang="de-DE"/>
+          </a:p>
+        </p:txBody>
+      </p:sp>
+      <p:sp>
+        <p:nvSpPr>
+          <p:cNvPr id="7" name="Foliennummernplatzhalter 6"/>
+          <p:cNvSpPr>
+            <a:spLocks noGrp="1"/>
+          </p:cNvSpPr>
+          <p:nvPr>
+            <p:ph type="sldNum" sz="quarter" idx="12"/>
+          </p:nvPr>
+        </p:nvSpPr>
+        <p:spPr/>
+        <p:txBody>
+          <a:bodyPr/>
+          <a:lstStyle/>
+          <a:p>
+            <a:fld id="{AA18DD3B-6366-410C-8003-B36A9F3BD685}" type="slidenum">
+              <a:rPr lang="de-DE" smtClean="0"/>
+              <a:t>9</a:t>
+            </a:fld>
+            <a:endParaRPr lang="de-DE"/>
           </a:p>
         </p:txBody>
       </p:sp>
     </p:spTree>
     <p:extLst>
       <p:ext uri="{BB962C8B-B14F-4D97-AF65-F5344CB8AC3E}">
-        <p14:creationId xmlns:p14="http://schemas.microsoft.com/office/powerpoint/2010/main" val="104137852"/>
+        <p14:creationId xmlns:p14="http://schemas.microsoft.com/office/powerpoint/2010/main" val="2836147337"/>
       </p:ext>
     </p:extLst>
   </p:cSld>
@@ -13570,8 +19014,293 @@
   <a:extraClrSchemeLst/>
   <a:extLst>
     <a:ext uri="{05A4C25C-085E-4340-85A3-A5531E510DB2}">
-      <thm15:themeFamily xmlns="" xmlns:thm15="http://schemas.microsoft.com/office/thememl/2012/main" name="Fulda Master" id="{74D752EF-3FAA-4935-ABB4-7B74A58079FF}" vid="{C97248B2-61E8-49D9-A36C-898FD5117E19}"/>
+      <thm15:themeFamily xmlns:thm15="http://schemas.microsoft.com/office/thememl/2012/main" xmlns="" name="Fulda Master" id="{74D752EF-3FAA-4935-ABB4-7B74A58079FF}" vid="{C97248B2-61E8-49D9-A36C-898FD5117E19}"/>
     </a:ext>
   </a:extLst>
 </a:theme>
+</file>
+
+<file path=ppt/theme/theme2.xml><?xml version="1.0" encoding="utf-8"?>
+<a:theme xmlns:a="http://schemas.openxmlformats.org/drawingml/2006/main" name="Larissa">
+  <a:themeElements>
+    <a:clrScheme name="Larissa">
+      <a:dk1>
+        <a:sysClr val="windowText" lastClr="000000"/>
+      </a:dk1>
+      <a:lt1>
+        <a:sysClr val="window" lastClr="FFFFFF"/>
+      </a:lt1>
+      <a:dk2>
+        <a:srgbClr val="1F497D"/>
+      </a:dk2>
+      <a:lt2>
+        <a:srgbClr val="EEECE1"/>
+      </a:lt2>
+      <a:accent1>
+        <a:srgbClr val="4F81BD"/>
+      </a:accent1>
+      <a:accent2>
+        <a:srgbClr val="C0504D"/>
+      </a:accent2>
+      <a:accent3>
+        <a:srgbClr val="9BBB59"/>
+      </a:accent3>
+      <a:accent4>
+        <a:srgbClr val="8064A2"/>
+      </a:accent4>
+      <a:accent5>
+        <a:srgbClr val="4BACC6"/>
+      </a:accent5>
+      <a:accent6>
+        <a:srgbClr val="F79646"/>
+      </a:accent6>
+      <a:hlink>
+        <a:srgbClr val="0000FF"/>
+      </a:hlink>
+      <a:folHlink>
+        <a:srgbClr val="800080"/>
+      </a:folHlink>
+    </a:clrScheme>
+    <a:fontScheme name="Larissa">
+      <a:majorFont>
+        <a:latin typeface="Calibri"/>
+        <a:ea typeface=""/>
+        <a:cs typeface=""/>
+        <a:font script="Jpan" typeface="ＭＳ Ｐゴシック"/>
+        <a:font script="Hang" typeface="맑은 고딕"/>
+        <a:font script="Hans" typeface="宋体"/>
+        <a:font script="Hant" typeface="新細明體"/>
+        <a:font script="Arab" typeface="Times New Roman"/>
+        <a:font script="Hebr" typeface="Times New Roman"/>
+        <a:font script="Thai" typeface="Angsana New"/>
+        <a:font script="Ethi" typeface="Nyala"/>
+        <a:font script="Beng" typeface="Vrinda"/>
+        <a:font script="Gujr" typeface="Shruti"/>
+        <a:font script="Khmr" typeface="MoolBoran"/>
+        <a:font script="Knda" typeface="Tunga"/>
+        <a:font script="Guru" typeface="Raavi"/>
+        <a:font script="Cans" typeface="Euphemia"/>
+        <a:font script="Cher" typeface="Plantagenet Cherokee"/>
+        <a:font script="Yiii" typeface="Microsoft Yi Baiti"/>
+        <a:font script="Tibt" typeface="Microsoft Himalaya"/>
+        <a:font script="Thaa" typeface="MV Boli"/>
+        <a:font script="Deva" typeface="Mangal"/>
+        <a:font script="Telu" typeface="Gautami"/>
+        <a:font script="Taml" typeface="Latha"/>
+        <a:font script="Syrc" typeface="Estrangelo Edessa"/>
+        <a:font script="Orya" typeface="Kalinga"/>
+        <a:font script="Mlym" typeface="Kartika"/>
+        <a:font script="Laoo" typeface="DokChampa"/>
+        <a:font script="Sinh" typeface="Iskoola Pota"/>
+        <a:font script="Mong" typeface="Mongolian Baiti"/>
+        <a:font script="Viet" typeface="Times New Roman"/>
+        <a:font script="Uigh" typeface="Microsoft Uighur"/>
+        <a:font script="Geor" typeface="Sylfaen"/>
+      </a:majorFont>
+      <a:minorFont>
+        <a:latin typeface="Calibri"/>
+        <a:ea typeface=""/>
+        <a:cs typeface=""/>
+        <a:font script="Jpan" typeface="ＭＳ Ｐゴシック"/>
+        <a:font script="Hang" typeface="맑은 고딕"/>
+        <a:font script="Hans" typeface="宋体"/>
+        <a:font script="Hant" typeface="新細明體"/>
+        <a:font script="Arab" typeface="Arial"/>
+        <a:font script="Hebr" typeface="Arial"/>
+        <a:font script="Thai" typeface="Cordia New"/>
+        <a:font script="Ethi" typeface="Nyala"/>
+        <a:font script="Beng" typeface="Vrinda"/>
+        <a:font script="Gujr" typeface="Shruti"/>
+        <a:font script="Khmr" typeface="DaunPenh"/>
+        <a:font script="Knda" typeface="Tunga"/>
+        <a:font script="Guru" typeface="Raavi"/>
+        <a:font script="Cans" typeface="Euphemia"/>
+        <a:font script="Cher" typeface="Plantagenet Cherokee"/>
+        <a:font script="Yiii" typeface="Microsoft Yi Baiti"/>
+        <a:font script="Tibt" typeface="Microsoft Himalaya"/>
+        <a:font script="Thaa" typeface="MV Boli"/>
+        <a:font script="Deva" typeface="Mangal"/>
+        <a:font script="Telu" typeface="Gautami"/>
+        <a:font script="Taml" typeface="Latha"/>
+        <a:font script="Syrc" typeface="Estrangelo Edessa"/>
+        <a:font script="Orya" typeface="Kalinga"/>
+        <a:font script="Mlym" typeface="Kartika"/>
+        <a:font script="Laoo" typeface="DokChampa"/>
+        <a:font script="Sinh" typeface="Iskoola Pota"/>
+        <a:font script="Mong" typeface="Mongolian Baiti"/>
+        <a:font script="Viet" typeface="Arial"/>
+        <a:font script="Uigh" typeface="Microsoft Uighur"/>
+        <a:font script="Geor" typeface="Sylfaen"/>
+      </a:minorFont>
+    </a:fontScheme>
+    <a:fmtScheme name="Larissa">
+      <a:fillStyleLst>
+        <a:solidFill>
+          <a:schemeClr val="phClr"/>
+        </a:solidFill>
+        <a:gradFill rotWithShape="1">
+          <a:gsLst>
+            <a:gs pos="0">
+              <a:schemeClr val="phClr">
+                <a:tint val="50000"/>
+                <a:satMod val="300000"/>
+              </a:schemeClr>
+            </a:gs>
+            <a:gs pos="35000">
+              <a:schemeClr val="phClr">
+                <a:tint val="37000"/>
+                <a:satMod val="300000"/>
+              </a:schemeClr>
+            </a:gs>
+            <a:gs pos="100000">
+              <a:schemeClr val="phClr">
+                <a:tint val="15000"/>
+                <a:satMod val="350000"/>
+              </a:schemeClr>
+            </a:gs>
+          </a:gsLst>
+          <a:lin ang="16200000" scaled="1"/>
+        </a:gradFill>
+        <a:gradFill rotWithShape="1">
+          <a:gsLst>
+            <a:gs pos="0">
+              <a:schemeClr val="phClr">
+                <a:shade val="51000"/>
+                <a:satMod val="130000"/>
+              </a:schemeClr>
+            </a:gs>
+            <a:gs pos="80000">
+              <a:schemeClr val="phClr">
+                <a:shade val="93000"/>
+                <a:satMod val="130000"/>
+              </a:schemeClr>
+            </a:gs>
+            <a:gs pos="100000">
+              <a:schemeClr val="phClr">
+                <a:shade val="94000"/>
+                <a:satMod val="135000"/>
+              </a:schemeClr>
+            </a:gs>
+          </a:gsLst>
+          <a:lin ang="16200000" scaled="0"/>
+        </a:gradFill>
+      </a:fillStyleLst>
+      <a:lnStyleLst>
+        <a:ln w="9525" cap="flat" cmpd="sng" algn="ctr">
+          <a:solidFill>
+            <a:schemeClr val="phClr">
+              <a:shade val="95000"/>
+              <a:satMod val="105000"/>
+            </a:schemeClr>
+          </a:solidFill>
+          <a:prstDash val="solid"/>
+        </a:ln>
+        <a:ln w="25400" cap="flat" cmpd="sng" algn="ctr">
+          <a:solidFill>
+            <a:schemeClr val="phClr"/>
+          </a:solidFill>
+          <a:prstDash val="solid"/>
+        </a:ln>
+        <a:ln w="38100" cap="flat" cmpd="sng" algn="ctr">
+          <a:solidFill>
+            <a:schemeClr val="phClr"/>
+          </a:solidFill>
+          <a:prstDash val="solid"/>
+        </a:ln>
+      </a:lnStyleLst>
+      <a:effectStyleLst>
+        <a:effectStyle>
+          <a:effectLst>
+            <a:outerShdw blurRad="40000" dist="20000" dir="5400000" rotWithShape="0">
+              <a:srgbClr val="000000">
+                <a:alpha val="38000"/>
+              </a:srgbClr>
+            </a:outerShdw>
+          </a:effectLst>
+        </a:effectStyle>
+        <a:effectStyle>
+          <a:effectLst>
+            <a:outerShdw blurRad="40000" dist="23000" dir="5400000" rotWithShape="0">
+              <a:srgbClr val="000000">
+                <a:alpha val="35000"/>
+              </a:srgbClr>
+            </a:outerShdw>
+          </a:effectLst>
+        </a:effectStyle>
+        <a:effectStyle>
+          <a:effectLst>
+            <a:outerShdw blurRad="40000" dist="23000" dir="5400000" rotWithShape="0">
+              <a:srgbClr val="000000">
+                <a:alpha val="35000"/>
+              </a:srgbClr>
+            </a:outerShdw>
+          </a:effectLst>
+          <a:scene3d>
+            <a:camera prst="orthographicFront">
+              <a:rot lat="0" lon="0" rev="0"/>
+            </a:camera>
+            <a:lightRig rig="threePt" dir="t">
+              <a:rot lat="0" lon="0" rev="1200000"/>
+            </a:lightRig>
+          </a:scene3d>
+          <a:sp3d>
+            <a:bevelT w="63500" h="25400"/>
+          </a:sp3d>
+        </a:effectStyle>
+      </a:effectStyleLst>
+      <a:bgFillStyleLst>
+        <a:solidFill>
+          <a:schemeClr val="phClr"/>
+        </a:solidFill>
+        <a:gradFill rotWithShape="1">
+          <a:gsLst>
+            <a:gs pos="0">
+              <a:schemeClr val="phClr">
+                <a:tint val="40000"/>
+                <a:satMod val="350000"/>
+              </a:schemeClr>
+            </a:gs>
+            <a:gs pos="40000">
+              <a:schemeClr val="phClr">
+                <a:tint val="45000"/>
+                <a:shade val="99000"/>
+                <a:satMod val="350000"/>
+              </a:schemeClr>
+            </a:gs>
+            <a:gs pos="100000">
+              <a:schemeClr val="phClr">
+                <a:shade val="20000"/>
+                <a:satMod val="255000"/>
+              </a:schemeClr>
+            </a:gs>
+          </a:gsLst>
+          <a:path path="circle">
+            <a:fillToRect l="50000" t="-80000" r="50000" b="180000"/>
+          </a:path>
+        </a:gradFill>
+        <a:gradFill rotWithShape="1">
+          <a:gsLst>
+            <a:gs pos="0">
+              <a:schemeClr val="phClr">
+                <a:tint val="80000"/>
+                <a:satMod val="300000"/>
+              </a:schemeClr>
+            </a:gs>
+            <a:gs pos="100000">
+              <a:schemeClr val="phClr">
+                <a:shade val="30000"/>
+                <a:satMod val="200000"/>
+              </a:schemeClr>
+            </a:gs>
+          </a:gsLst>
+          <a:path path="circle">
+            <a:fillToRect l="50000" t="50000" r="50000" b="50000"/>
+          </a:path>
+        </a:gradFill>
+      </a:bgFillStyleLst>
+    </a:fmtScheme>
+  </a:themeElements>
+  <a:objectDefaults/>
+  <a:extraClrSchemeLst/>
+</a:theme>
 </file>
--- a/final/GDV - Finale Präsentation V0.9.pptx
+++ b/final/GDV - Finale Präsentation V0.9.pptx
@@ -149,7 +149,7 @@
   </p:defaultTextStyle>
   <p:extLst>
     <p:ext uri="{EFAFB233-063F-42B5-8137-9DF3F51BA10A}">
-      <p15:sldGuideLst xmlns:p15="http://schemas.microsoft.com/office/powerpoint/2012/main" xmlns="">
+      <p15:sldGuideLst xmlns="" xmlns:p15="http://schemas.microsoft.com/office/powerpoint/2012/main">
         <p15:guide id="1" orient="horz" pos="2160">
           <p15:clr>
             <a:srgbClr val="A4A3A4"/>
@@ -4151,7 +4151,6 @@
               <a:rPr lang="de-DE" dirty="0" smtClean="0"/>
               <a:t>Konzept</a:t>
             </a:r>
-            <a:endParaRPr lang="de-DE" dirty="0" smtClean="0"/>
           </a:p>
           <a:p>
             <a:pPr lvl="1" algn="just"/>
@@ -4159,7 +4158,6 @@
               <a:rPr lang="de-DE" dirty="0" smtClean="0"/>
               <a:t>Rennen gegen AI / KI</a:t>
             </a:r>
-            <a:endParaRPr lang="de-DE" dirty="0" smtClean="0"/>
           </a:p>
         </p:txBody>
       </p:sp>
@@ -4615,7 +4613,6 @@
               <a:rPr lang="de-DE" dirty="0" smtClean="0"/>
               <a:t>Problem</a:t>
             </a:r>
-            <a:endParaRPr lang="de-DE" dirty="0" smtClean="0"/>
           </a:p>
           <a:p>
             <a:pPr lvl="1" algn="just"/>
@@ -4623,7 +4620,6 @@
               <a:rPr lang="de-DE" dirty="0" smtClean="0"/>
               <a:t>Eine richtige AI / KI</a:t>
             </a:r>
-            <a:endParaRPr lang="de-DE" dirty="0" smtClean="0"/>
           </a:p>
         </p:txBody>
       </p:sp>
@@ -5111,7 +5107,6 @@
               <a:rPr lang="de-DE" dirty="0" smtClean="0"/>
               <a:t>Probleme</a:t>
             </a:r>
-            <a:endParaRPr lang="de-DE" dirty="0" smtClean="0"/>
           </a:p>
           <a:p>
             <a:pPr lvl="1" algn="just"/>
@@ -5119,7 +5114,6 @@
               <a:rPr lang="de-DE" dirty="0" smtClean="0"/>
               <a:t>JSON Modelle Import nicht sichtbar</a:t>
             </a:r>
-            <a:endParaRPr lang="de-DE" dirty="0" smtClean="0"/>
           </a:p>
         </p:txBody>
       </p:sp>
@@ -5366,7 +5360,6 @@
               <a:rPr lang="de-DE" sz="2000" dirty="0" smtClean="0"/>
               <a:t>Dennoch spielbar über „Online-Link“ (siehe Folie 3)</a:t>
             </a:r>
-            <a:endParaRPr lang="de-DE" sz="2000" dirty="0" smtClean="0"/>
           </a:p>
         </p:txBody>
       </p:sp>
@@ -5895,7 +5888,6 @@
               <a:rPr lang="de-DE" sz="1600" dirty="0" smtClean="0"/>
               <a:t>Geschoss fliegt durch Fahrzeug durch ohne zu reagieren</a:t>
             </a:r>
-            <a:endParaRPr lang="de-DE" sz="1600" dirty="0" smtClean="0"/>
           </a:p>
           <a:p>
             <a:pPr lvl="1" algn="just"/>
@@ -5910,7 +5902,6 @@
               <a:rPr lang="de-DE" sz="1600" dirty="0" smtClean="0"/>
               <a:t>Fahrzeug sammelt ein, aber nichts geschieht</a:t>
             </a:r>
-            <a:endParaRPr lang="de-DE" sz="1600" dirty="0" smtClean="0"/>
           </a:p>
         </p:txBody>
       </p:sp>
@@ -6137,11 +6128,7 @@
             <a:pPr lvl="1" algn="just"/>
             <a:r>
               <a:rPr lang="de-DE" dirty="0" smtClean="0"/>
-              <a:t>Nur ein </a:t>
-            </a:r>
-            <a:r>
-              <a:rPr lang="de-DE" dirty="0" smtClean="0"/>
-              <a:t>zwei Sammelbare Power </a:t>
+              <a:t>Nur ein zwei Sammelbare Power </a:t>
             </a:r>
             <a:r>
               <a:rPr lang="de-DE" dirty="0" err="1" smtClean="0"/>
@@ -6361,11 +6348,7 @@
             <a:pPr lvl="1" algn="just"/>
             <a:r>
               <a:rPr lang="de-DE" sz="2000" dirty="0" smtClean="0"/>
-              <a:t>Wegen neuem </a:t>
-            </a:r>
-            <a:r>
-              <a:rPr lang="de-DE" sz="2000" dirty="0" smtClean="0"/>
-              <a:t>Konzept</a:t>
+              <a:t>Wegen neuem Konzept</a:t>
             </a:r>
           </a:p>
           <a:p>
@@ -6626,7 +6609,6 @@
               <a:rPr lang="de-DE" dirty="0" smtClean="0"/>
               <a:t>Geschoss dauerhaft aktiv</a:t>
             </a:r>
-            <a:endParaRPr lang="de-DE" dirty="0" smtClean="0"/>
           </a:p>
         </p:txBody>
       </p:sp>
@@ -6835,7 +6817,6 @@
               <a:rPr lang="de-DE" sz="2400" dirty="0" smtClean="0"/>
               <a:t>Anmerkung</a:t>
             </a:r>
-            <a:endParaRPr lang="de-DE" sz="2400" dirty="0" smtClean="0"/>
           </a:p>
           <a:p>
             <a:pPr lvl="1" algn="just"/>
@@ -6868,7 +6849,6 @@
               <a:rPr lang="de-DE" sz="1600" dirty="0" smtClean="0"/>
               <a:t>: Geschoss fliegt gar nicht oder trifft einen selbst.</a:t>
             </a:r>
-            <a:endParaRPr lang="de-DE" sz="1600" dirty="0" smtClean="0"/>
           </a:p>
         </p:txBody>
       </p:sp>
@@ -6939,11 +6919,7 @@
             </a:r>
             <a:r>
               <a:rPr lang="de-DE" dirty="0" smtClean="0"/>
-              <a:t> Bild – </a:t>
-            </a:r>
-            <a:r>
-              <a:rPr lang="de-DE" dirty="0" smtClean="0"/>
-              <a:t>Geschoss wird abgefeuert</a:t>
+              <a:t> Bild – Geschoss wird abgefeuert</a:t>
             </a:r>
             <a:endParaRPr lang="de-DE" dirty="0"/>
           </a:p>
@@ -7843,11 +7819,7 @@
             </a:r>
             <a:r>
               <a:rPr lang="de-DE" dirty="0" smtClean="0"/>
-              <a:t> Bild – „Fahrzeug“ wird </a:t>
-            </a:r>
-            <a:r>
-              <a:rPr lang="de-DE" dirty="0" smtClean="0"/>
-              <a:t>zurückgeworfen (Prototyp)</a:t>
+              <a:t> Bild – „Fahrzeug“ wird zurückgeworfen (Prototyp)</a:t>
             </a:r>
             <a:endParaRPr lang="de-DE" dirty="0"/>
           </a:p>
@@ -8919,15 +8891,7 @@
             </a:pPr>
             <a:r>
               <a:rPr lang="de-DE" sz="1800" dirty="0" smtClean="0"/>
-              <a:t>Code </a:t>
-            </a:r>
-            <a:r>
-              <a:rPr lang="de-DE" sz="1800" dirty="0" smtClean="0"/>
-              <a:t>&amp; </a:t>
-            </a:r>
-            <a:r>
-              <a:rPr lang="de-DE" sz="1800" dirty="0" smtClean="0"/>
-              <a:t>Erläuterung</a:t>
+              <a:t>Code &amp; Erläuterung</a:t>
             </a:r>
           </a:p>
           <a:p>
@@ -9682,7 +9646,6 @@
               <a:rPr lang="de-DE" dirty="0" smtClean="0"/>
               <a:t>Lösung</a:t>
             </a:r>
-            <a:endParaRPr lang="de-DE" dirty="0" smtClean="0"/>
           </a:p>
           <a:p>
             <a:pPr lvl="1" algn="just"/>
@@ -9690,7 +9653,6 @@
               <a:rPr lang="de-DE" dirty="0" smtClean="0"/>
               <a:t>Checkpoints als „durchfahrbare Wand“</a:t>
             </a:r>
-            <a:endParaRPr lang="de-DE" dirty="0" smtClean="0"/>
           </a:p>
         </p:txBody>
       </p:sp>
@@ -10158,7 +10120,6 @@
               <a:rPr lang="de-DE" dirty="0" smtClean="0"/>
               <a:t>Bonus</a:t>
             </a:r>
-            <a:endParaRPr lang="de-DE" dirty="0" smtClean="0"/>
           </a:p>
           <a:p>
             <a:pPr lvl="1" algn="just"/>
@@ -10166,7 +10127,6 @@
               <a:rPr lang="de-DE" dirty="0" smtClean="0"/>
               <a:t>Multiplayer</a:t>
             </a:r>
-            <a:endParaRPr lang="de-DE" dirty="0" smtClean="0"/>
           </a:p>
         </p:txBody>
       </p:sp>
@@ -10375,7 +10335,6 @@
               <a:rPr lang="de-DE" sz="2400" dirty="0" smtClean="0"/>
               <a:t>Anmerkung</a:t>
             </a:r>
-            <a:endParaRPr lang="de-DE" sz="2400" dirty="0" smtClean="0"/>
           </a:p>
           <a:p>
             <a:pPr lvl="1" algn="just"/>
@@ -10937,15 +10896,7 @@
             </a:r>
             <a:r>
               <a:rPr lang="de-DE" dirty="0" smtClean="0"/>
-              <a:t> – Spieler </a:t>
-            </a:r>
-            <a:r>
-              <a:rPr lang="de-DE" dirty="0" smtClean="0"/>
-              <a:t> 1 führt </a:t>
-            </a:r>
-            <a:r>
-              <a:rPr lang="de-DE" dirty="0" smtClean="0"/>
-              <a:t>einen </a:t>
+              <a:t> – Spieler  1 führt einen </a:t>
             </a:r>
             <a:r>
               <a:rPr lang="de-DE" dirty="0" err="1" smtClean="0"/>
@@ -11425,15 +11376,7 @@
             </a:r>
             <a:r>
               <a:rPr lang="de-DE" dirty="0" smtClean="0"/>
-              <a:t> – </a:t>
-            </a:r>
-            <a:r>
-              <a:rPr lang="de-DE" dirty="0" smtClean="0"/>
-              <a:t>Spieler 2 </a:t>
-            </a:r>
-            <a:r>
-              <a:rPr lang="de-DE" dirty="0" smtClean="0"/>
-              <a:t>führt einen </a:t>
+              <a:t> – Spieler 2 führt einen </a:t>
             </a:r>
             <a:r>
               <a:rPr lang="de-DE" dirty="0" err="1" smtClean="0"/>
@@ -11441,11 +11384,7 @@
             </a:r>
             <a:r>
               <a:rPr lang="de-DE" dirty="0" smtClean="0"/>
-              <a:t> </a:t>
-            </a:r>
-            <a:r>
-              <a:rPr lang="de-DE" dirty="0" smtClean="0"/>
-              <a:t>aus, nachdem er einen Checkpoint passiert hat!</a:t>
+              <a:t> aus, nachdem er einen Checkpoint passiert hat!</a:t>
             </a:r>
             <a:endParaRPr lang="de-DE" dirty="0"/>
           </a:p>
@@ -12306,11 +12245,7 @@
             </a:r>
             <a:r>
               <a:rPr lang="de-DE" sz="1800" dirty="0" smtClean="0"/>
-              <a:t> wird zwar gegeben, aber </a:t>
-            </a:r>
-            <a:r>
-              <a:rPr lang="de-DE" sz="1800" dirty="0" smtClean="0"/>
-              <a:t>leider immer noch zu stark</a:t>
+              <a:t> wird zwar gegeben, aber leider immer noch zu stark</a:t>
             </a:r>
             <a:endParaRPr lang="de-DE" sz="1800" dirty="0"/>
           </a:p>
@@ -12375,7 +12310,6 @@
               <a:rPr lang="de-DE" sz="1400" dirty="0" smtClean="0"/>
               <a:t>Problem dadurch leider noch nicht behoben.</a:t>
             </a:r>
-            <a:endParaRPr lang="de-DE" sz="1400" dirty="0" smtClean="0"/>
           </a:p>
         </p:txBody>
       </p:sp>
@@ -13574,7 +13508,6 @@
               <a:rPr lang="de-DE" dirty="0" smtClean="0"/>
               <a:t>Konzeptänderung</a:t>
             </a:r>
-            <a:endParaRPr lang="de-DE" dirty="0" smtClean="0"/>
           </a:p>
           <a:p>
             <a:pPr lvl="1" algn="just"/>
@@ -13582,7 +13515,6 @@
               <a:rPr lang="de-DE" dirty="0" smtClean="0"/>
               <a:t>Multiplayer</a:t>
             </a:r>
-            <a:endParaRPr lang="de-DE" dirty="0" smtClean="0"/>
           </a:p>
         </p:txBody>
       </p:sp>
@@ -14188,7 +14120,15 @@
             <a:pPr algn="just"/>
             <a:r>
               <a:rPr lang="de-DE" dirty="0"/>
-              <a:t>Zum Spielen diesem Link nehmen: </a:t>
+              <a:t>Zum Spielen </a:t>
+            </a:r>
+            <a:r>
+              <a:rPr lang="de-DE" dirty="0" smtClean="0"/>
+              <a:t>mit Modellen diesen </a:t>
+            </a:r>
+            <a:r>
+              <a:rPr lang="de-DE" dirty="0"/>
+              <a:t>Link nehmen: </a:t>
             </a:r>
             <a:r>
               <a:rPr lang="de-DE" dirty="0">
@@ -14294,13 +14234,8 @@
             </a:r>
             <a:r>
               <a:rPr lang="de-DE" dirty="0" smtClean="0"/>
-              <a:t>werden</a:t>
-            </a:r>
-            <a:r>
-              <a:rPr lang="de-DE" dirty="0" smtClean="0"/>
-              <a:t>, in RACE OF DEAS!</a:t>
-            </a:r>
-            <a:endParaRPr lang="de-DE" dirty="0" smtClean="0"/>
+              <a:t>werden, in RACE OF DEAS!</a:t>
+            </a:r>
           </a:p>
           <a:p>
             <a:pPr algn="just"/>
@@ -18021,8 +17956,9 @@
             <a:pPr lvl="2" algn="just"/>
             <a:r>
               <a:rPr lang="de-DE" sz="1600" dirty="0" smtClean="0"/>
-              <a:t>Modelle nun nicht mehr notwendig</a:t>
-            </a:r>
+              <a:t>Modelle werden vom Browser blockiert</a:t>
+            </a:r>
+            <a:endParaRPr lang="de-DE" sz="1600" dirty="0" smtClean="0"/>
           </a:p>
         </p:txBody>
       </p:sp>
@@ -18345,7 +18281,6 @@
               <a:rPr lang="de-DE" dirty="0" smtClean="0"/>
               <a:t>Galaktische Space Strecke</a:t>
             </a:r>
-            <a:endParaRPr lang="de-DE" dirty="0" smtClean="0"/>
           </a:p>
         </p:txBody>
       </p:sp>
@@ -18569,7 +18504,6 @@
               <a:rPr lang="de-DE" sz="2000" dirty="0" smtClean="0"/>
               <a:t>Wir konnten keine Lösung für dieses Problem finden, weil es kein aussagekräftiges Tutorial oder Wiki gab.</a:t>
             </a:r>
-            <a:endParaRPr lang="de-DE" sz="2000" dirty="0" smtClean="0"/>
           </a:p>
         </p:txBody>
       </p:sp>
@@ -19014,7 +18948,7 @@
   <a:extraClrSchemeLst/>
   <a:extLst>
     <a:ext uri="{05A4C25C-085E-4340-85A3-A5531E510DB2}">
-      <thm15:themeFamily xmlns:thm15="http://schemas.microsoft.com/office/thememl/2012/main" xmlns="" name="Fulda Master" id="{74D752EF-3FAA-4935-ABB4-7B74A58079FF}" vid="{C97248B2-61E8-49D9-A36C-898FD5117E19}"/>
+      <thm15:themeFamily xmlns="" xmlns:thm15="http://schemas.microsoft.com/office/thememl/2012/main" name="Fulda Master" id="{74D752EF-3FAA-4935-ABB4-7B74A58079FF}" vid="{C97248B2-61E8-49D9-A36C-898FD5117E19}"/>
     </a:ext>
   </a:extLst>
 </a:theme>
